--- a/docs/kube-layout.pptx
+++ b/docs/kube-layout.pptx
@@ -2,18 +2,19 @@
 <file path=ppt/presentation.xml><?xml version="1.0" encoding="utf-8"?>
 <p:presentation xmlns:a="http://schemas.openxmlformats.org/drawingml/2006/main" xmlns:r="http://schemas.openxmlformats.org/officeDocument/2006/relationships" xmlns:p="http://schemas.openxmlformats.org/presentationml/2006/main" saveSubsetFonts="1" autoCompressPictures="0">
   <p:sldMasterIdLst>
-    <p:sldMasterId id="2147483648" r:id="rId1"/>
+    <p:sldMasterId id="2147483660" r:id="rId1"/>
   </p:sldMasterIdLst>
   <p:sldIdLst>
     <p:sldId id="256" r:id="rId2"/>
+    <p:sldId id="257" r:id="rId3"/>
   </p:sldIdLst>
-  <p:sldSz cx="12192000" cy="6858000"/>
+  <p:sldSz cx="9906000" cy="6858000" type="A4"/>
   <p:notesSz cx="6858000" cy="9144000"/>
   <p:defaultTextStyle>
     <a:defPPr>
       <a:defRPr lang="en-US"/>
     </a:defPPr>
-    <a:lvl1pPr marL="0" algn="l" defTabSz="914400" rtl="0" eaLnBrk="1" latinLnBrk="0" hangingPunct="1">
+    <a:lvl1pPr marL="0" algn="l" defTabSz="457200" rtl="0" eaLnBrk="1" latinLnBrk="0" hangingPunct="1">
       <a:defRPr sz="1800" kern="1200">
         <a:solidFill>
           <a:schemeClr val="tx1"/>
@@ -23,7 +24,7 @@
         <a:cs typeface="+mn-cs"/>
       </a:defRPr>
     </a:lvl1pPr>
-    <a:lvl2pPr marL="457200" algn="l" defTabSz="914400" rtl="0" eaLnBrk="1" latinLnBrk="0" hangingPunct="1">
+    <a:lvl2pPr marL="457200" algn="l" defTabSz="457200" rtl="0" eaLnBrk="1" latinLnBrk="0" hangingPunct="1">
       <a:defRPr sz="1800" kern="1200">
         <a:solidFill>
           <a:schemeClr val="tx1"/>
@@ -33,7 +34,7 @@
         <a:cs typeface="+mn-cs"/>
       </a:defRPr>
     </a:lvl2pPr>
-    <a:lvl3pPr marL="914400" algn="l" defTabSz="914400" rtl="0" eaLnBrk="1" latinLnBrk="0" hangingPunct="1">
+    <a:lvl3pPr marL="914400" algn="l" defTabSz="457200" rtl="0" eaLnBrk="1" latinLnBrk="0" hangingPunct="1">
       <a:defRPr sz="1800" kern="1200">
         <a:solidFill>
           <a:schemeClr val="tx1"/>
@@ -43,7 +44,7 @@
         <a:cs typeface="+mn-cs"/>
       </a:defRPr>
     </a:lvl3pPr>
-    <a:lvl4pPr marL="1371600" algn="l" defTabSz="914400" rtl="0" eaLnBrk="1" latinLnBrk="0" hangingPunct="1">
+    <a:lvl4pPr marL="1371600" algn="l" defTabSz="457200" rtl="0" eaLnBrk="1" latinLnBrk="0" hangingPunct="1">
       <a:defRPr sz="1800" kern="1200">
         <a:solidFill>
           <a:schemeClr val="tx1"/>
@@ -53,7 +54,7 @@
         <a:cs typeface="+mn-cs"/>
       </a:defRPr>
     </a:lvl4pPr>
-    <a:lvl5pPr marL="1828800" algn="l" defTabSz="914400" rtl="0" eaLnBrk="1" latinLnBrk="0" hangingPunct="1">
+    <a:lvl5pPr marL="1828800" algn="l" defTabSz="457200" rtl="0" eaLnBrk="1" latinLnBrk="0" hangingPunct="1">
       <a:defRPr sz="1800" kern="1200">
         <a:solidFill>
           <a:schemeClr val="tx1"/>
@@ -63,7 +64,7 @@
         <a:cs typeface="+mn-cs"/>
       </a:defRPr>
     </a:lvl5pPr>
-    <a:lvl6pPr marL="2286000" algn="l" defTabSz="914400" rtl="0" eaLnBrk="1" latinLnBrk="0" hangingPunct="1">
+    <a:lvl6pPr marL="2286000" algn="l" defTabSz="457200" rtl="0" eaLnBrk="1" latinLnBrk="0" hangingPunct="1">
       <a:defRPr sz="1800" kern="1200">
         <a:solidFill>
           <a:schemeClr val="tx1"/>
@@ -73,7 +74,7 @@
         <a:cs typeface="+mn-cs"/>
       </a:defRPr>
     </a:lvl6pPr>
-    <a:lvl7pPr marL="2743200" algn="l" defTabSz="914400" rtl="0" eaLnBrk="1" latinLnBrk="0" hangingPunct="1">
+    <a:lvl7pPr marL="2743200" algn="l" defTabSz="457200" rtl="0" eaLnBrk="1" latinLnBrk="0" hangingPunct="1">
       <a:defRPr sz="1800" kern="1200">
         <a:solidFill>
           <a:schemeClr val="tx1"/>
@@ -83,7 +84,7 @@
         <a:cs typeface="+mn-cs"/>
       </a:defRPr>
     </a:lvl7pPr>
-    <a:lvl8pPr marL="3200400" algn="l" defTabSz="914400" rtl="0" eaLnBrk="1" latinLnBrk="0" hangingPunct="1">
+    <a:lvl8pPr marL="3200400" algn="l" defTabSz="457200" rtl="0" eaLnBrk="1" latinLnBrk="0" hangingPunct="1">
       <a:defRPr sz="1800" kern="1200">
         <a:solidFill>
           <a:schemeClr val="tx1"/>
@@ -93,7 +94,7 @@
         <a:cs typeface="+mn-cs"/>
       </a:defRPr>
     </a:lvl8pPr>
-    <a:lvl9pPr marL="3657600" algn="l" defTabSz="914400" rtl="0" eaLnBrk="1" latinLnBrk="0" hangingPunct="1">
+    <a:lvl9pPr marL="3657600" algn="l" defTabSz="457200" rtl="0" eaLnBrk="1" latinLnBrk="0" hangingPunct="1">
       <a:defRPr sz="1800" kern="1200">
         <a:solidFill>
           <a:schemeClr val="tx1"/>
@@ -126,13 +127,7 @@
       </p:grpSpPr>
       <p:sp>
         <p:nvSpPr>
-          <p:cNvPr id="2" name="Title 1">
-            <a:extLst>
-              <a:ext uri="{FF2B5EF4-FFF2-40B4-BE49-F238E27FC236}">
-                <a16:creationId xmlns:a16="http://schemas.microsoft.com/office/drawing/2014/main" id="{ED12284A-4C20-674A-BC8E-F4FD22082DE1}"/>
-              </a:ext>
-            </a:extLst>
-          </p:cNvPr>
+          <p:cNvPr id="2" name="Title 1"/>
           <p:cNvSpPr>
             <a:spLocks noGrp="1"/>
           </p:cNvSpPr>
@@ -142,8 +137,8 @@
         </p:nvSpPr>
         <p:spPr>
           <a:xfrm>
-            <a:off x="1524000" y="1122363"/>
-            <a:ext cx="9144000" cy="2387600"/>
+            <a:off x="742950" y="1122363"/>
+            <a:ext cx="8420100" cy="2387600"/>
           </a:xfrm>
         </p:spPr>
         <p:txBody>
@@ -158,19 +153,13 @@
               <a:rPr lang="en-GB"/>
               <a:t>Click to edit Master title style</a:t>
             </a:r>
-            <a:endParaRPr lang="en-US"/>
+            <a:endParaRPr lang="en-US" dirty="0"/>
           </a:p>
         </p:txBody>
       </p:sp>
       <p:sp>
         <p:nvSpPr>
-          <p:cNvPr id="3" name="Subtitle 2">
-            <a:extLst>
-              <a:ext uri="{FF2B5EF4-FFF2-40B4-BE49-F238E27FC236}">
-                <a16:creationId xmlns:a16="http://schemas.microsoft.com/office/drawing/2014/main" id="{DFA88B00-84E1-5D45-9A0D-CF1B79502B13}"/>
-              </a:ext>
-            </a:extLst>
-          </p:cNvPr>
+          <p:cNvPr id="3" name="Subtitle 2"/>
           <p:cNvSpPr>
             <a:spLocks noGrp="1"/>
           </p:cNvSpPr>
@@ -180,8 +169,8 @@
         </p:nvSpPr>
         <p:spPr>
           <a:xfrm>
-            <a:off x="1524000" y="3602038"/>
-            <a:ext cx="9144000" cy="1655762"/>
+            <a:off x="1238250" y="3602038"/>
+            <a:ext cx="7429500" cy="1655762"/>
           </a:xfrm>
         </p:spPr>
         <p:txBody>
@@ -229,19 +218,13 @@
               <a:rPr lang="en-GB"/>
               <a:t>Click to edit Master subtitle style</a:t>
             </a:r>
-            <a:endParaRPr lang="en-US"/>
+            <a:endParaRPr lang="en-US" dirty="0"/>
           </a:p>
         </p:txBody>
       </p:sp>
       <p:sp>
         <p:nvSpPr>
-          <p:cNvPr id="4" name="Date Placeholder 3">
-            <a:extLst>
-              <a:ext uri="{FF2B5EF4-FFF2-40B4-BE49-F238E27FC236}">
-                <a16:creationId xmlns:a16="http://schemas.microsoft.com/office/drawing/2014/main" id="{226914EE-B8B9-9247-AA8F-2D580F7F474C}"/>
-              </a:ext>
-            </a:extLst>
-          </p:cNvPr>
+          <p:cNvPr id="4" name="Date Placeholder 3"/>
           <p:cNvSpPr>
             <a:spLocks noGrp="1"/>
           </p:cNvSpPr>
@@ -264,13 +247,7 @@
       </p:sp>
       <p:sp>
         <p:nvSpPr>
-          <p:cNvPr id="5" name="Footer Placeholder 4">
-            <a:extLst>
-              <a:ext uri="{FF2B5EF4-FFF2-40B4-BE49-F238E27FC236}">
-                <a16:creationId xmlns:a16="http://schemas.microsoft.com/office/drawing/2014/main" id="{DB5A89B9-D65B-1B42-8848-7AEBED03834D}"/>
-              </a:ext>
-            </a:extLst>
-          </p:cNvPr>
+          <p:cNvPr id="5" name="Footer Placeholder 4"/>
           <p:cNvSpPr>
             <a:spLocks noGrp="1"/>
           </p:cNvSpPr>
@@ -289,13 +266,7 @@
       </p:sp>
       <p:sp>
         <p:nvSpPr>
-          <p:cNvPr id="6" name="Slide Number Placeholder 5">
-            <a:extLst>
-              <a:ext uri="{FF2B5EF4-FFF2-40B4-BE49-F238E27FC236}">
-                <a16:creationId xmlns:a16="http://schemas.microsoft.com/office/drawing/2014/main" id="{863547AC-FE91-574C-B6ED-71484CC8486E}"/>
-              </a:ext>
-            </a:extLst>
-          </p:cNvPr>
+          <p:cNvPr id="6" name="Slide Number Placeholder 5"/>
           <p:cNvSpPr>
             <a:spLocks noGrp="1"/>
           </p:cNvSpPr>
@@ -319,7 +290,7 @@
     </p:spTree>
     <p:extLst>
       <p:ext uri="{BB962C8B-B14F-4D97-AF65-F5344CB8AC3E}">
-        <p14:creationId xmlns:p14="http://schemas.microsoft.com/office/powerpoint/2010/main" val="897158198"/>
+        <p14:creationId xmlns:p14="http://schemas.microsoft.com/office/powerpoint/2010/main" val="1914418561"/>
       </p:ext>
     </p:extLst>
   </p:cSld>
@@ -348,13 +319,7 @@
       </p:grpSpPr>
       <p:sp>
         <p:nvSpPr>
-          <p:cNvPr id="2" name="Title 1">
-            <a:extLst>
-              <a:ext uri="{FF2B5EF4-FFF2-40B4-BE49-F238E27FC236}">
-                <a16:creationId xmlns:a16="http://schemas.microsoft.com/office/drawing/2014/main" id="{DFC3C3F4-3E59-5946-ACB5-A376CF363A7B}"/>
-              </a:ext>
-            </a:extLst>
-          </p:cNvPr>
+          <p:cNvPr id="2" name="Title 1"/>
           <p:cNvSpPr>
             <a:spLocks noGrp="1"/>
           </p:cNvSpPr>
@@ -371,19 +336,13 @@
               <a:rPr lang="en-GB"/>
               <a:t>Click to edit Master title style</a:t>
             </a:r>
-            <a:endParaRPr lang="en-US"/>
+            <a:endParaRPr lang="en-US" dirty="0"/>
           </a:p>
         </p:txBody>
       </p:sp>
       <p:sp>
         <p:nvSpPr>
-          <p:cNvPr id="3" name="Vertical Text Placeholder 2">
-            <a:extLst>
-              <a:ext uri="{FF2B5EF4-FFF2-40B4-BE49-F238E27FC236}">
-                <a16:creationId xmlns:a16="http://schemas.microsoft.com/office/drawing/2014/main" id="{96979EF9-E0F9-AF46-B63F-AAA6214D7C5A}"/>
-              </a:ext>
-            </a:extLst>
-          </p:cNvPr>
+          <p:cNvPr id="3" name="Vertical Text Placeholder 2"/>
           <p:cNvSpPr>
             <a:spLocks noGrp="1"/>
           </p:cNvSpPr>
@@ -429,19 +388,13 @@
               <a:rPr lang="en-GB"/>
               <a:t>Fifth level</a:t>
             </a:r>
-            <a:endParaRPr lang="en-US"/>
+            <a:endParaRPr lang="en-US" dirty="0"/>
           </a:p>
         </p:txBody>
       </p:sp>
       <p:sp>
         <p:nvSpPr>
-          <p:cNvPr id="4" name="Date Placeholder 3">
-            <a:extLst>
-              <a:ext uri="{FF2B5EF4-FFF2-40B4-BE49-F238E27FC236}">
-                <a16:creationId xmlns:a16="http://schemas.microsoft.com/office/drawing/2014/main" id="{263DD41B-92F8-F545-9835-34173B5EB91F}"/>
-              </a:ext>
-            </a:extLst>
-          </p:cNvPr>
+          <p:cNvPr id="4" name="Date Placeholder 3"/>
           <p:cNvSpPr>
             <a:spLocks noGrp="1"/>
           </p:cNvSpPr>
@@ -464,13 +417,7 @@
       </p:sp>
       <p:sp>
         <p:nvSpPr>
-          <p:cNvPr id="5" name="Footer Placeholder 4">
-            <a:extLst>
-              <a:ext uri="{FF2B5EF4-FFF2-40B4-BE49-F238E27FC236}">
-                <a16:creationId xmlns:a16="http://schemas.microsoft.com/office/drawing/2014/main" id="{624E1936-EF1A-144D-AF45-82C3B9AB3436}"/>
-              </a:ext>
-            </a:extLst>
-          </p:cNvPr>
+          <p:cNvPr id="5" name="Footer Placeholder 4"/>
           <p:cNvSpPr>
             <a:spLocks noGrp="1"/>
           </p:cNvSpPr>
@@ -489,13 +436,7 @@
       </p:sp>
       <p:sp>
         <p:nvSpPr>
-          <p:cNvPr id="6" name="Slide Number Placeholder 5">
-            <a:extLst>
-              <a:ext uri="{FF2B5EF4-FFF2-40B4-BE49-F238E27FC236}">
-                <a16:creationId xmlns:a16="http://schemas.microsoft.com/office/drawing/2014/main" id="{E5E84475-B7A9-0046-B88D-568E8E436E33}"/>
-              </a:ext>
-            </a:extLst>
-          </p:cNvPr>
+          <p:cNvPr id="6" name="Slide Number Placeholder 5"/>
           <p:cNvSpPr>
             <a:spLocks noGrp="1"/>
           </p:cNvSpPr>
@@ -519,7 +460,7 @@
     </p:spTree>
     <p:extLst>
       <p:ext uri="{BB962C8B-B14F-4D97-AF65-F5344CB8AC3E}">
-        <p14:creationId xmlns:p14="http://schemas.microsoft.com/office/powerpoint/2010/main" val="3632682547"/>
+        <p14:creationId xmlns:p14="http://schemas.microsoft.com/office/powerpoint/2010/main" val="112904639"/>
       </p:ext>
     </p:extLst>
   </p:cSld>
@@ -548,13 +489,7 @@
       </p:grpSpPr>
       <p:sp>
         <p:nvSpPr>
-          <p:cNvPr id="2" name="Vertical Title 1">
-            <a:extLst>
-              <a:ext uri="{FF2B5EF4-FFF2-40B4-BE49-F238E27FC236}">
-                <a16:creationId xmlns:a16="http://schemas.microsoft.com/office/drawing/2014/main" id="{42BAC8B1-6AD6-964A-937F-1FB9FB84AAD7}"/>
-              </a:ext>
-            </a:extLst>
-          </p:cNvPr>
+          <p:cNvPr id="2" name="Vertical Title 1"/>
           <p:cNvSpPr>
             <a:spLocks noGrp="1"/>
           </p:cNvSpPr>
@@ -564,8 +499,8 @@
         </p:nvSpPr>
         <p:spPr>
           <a:xfrm>
-            <a:off x="8724900" y="365125"/>
-            <a:ext cx="2628900" cy="5811838"/>
+            <a:off x="7088982" y="365125"/>
+            <a:ext cx="2135981" cy="5811838"/>
           </a:xfrm>
         </p:spPr>
         <p:txBody>
@@ -576,19 +511,13 @@
               <a:rPr lang="en-GB"/>
               <a:t>Click to edit Master title style</a:t>
             </a:r>
-            <a:endParaRPr lang="en-US"/>
+            <a:endParaRPr lang="en-US" dirty="0"/>
           </a:p>
         </p:txBody>
       </p:sp>
       <p:sp>
         <p:nvSpPr>
-          <p:cNvPr id="3" name="Vertical Text Placeholder 2">
-            <a:extLst>
-              <a:ext uri="{FF2B5EF4-FFF2-40B4-BE49-F238E27FC236}">
-                <a16:creationId xmlns:a16="http://schemas.microsoft.com/office/drawing/2014/main" id="{FDAA025B-86AF-BC42-B95B-83D4D33C76C1}"/>
-              </a:ext>
-            </a:extLst>
-          </p:cNvPr>
+          <p:cNvPr id="3" name="Vertical Text Placeholder 2"/>
           <p:cNvSpPr>
             <a:spLocks noGrp="1"/>
           </p:cNvSpPr>
@@ -598,8 +527,8 @@
         </p:nvSpPr>
         <p:spPr>
           <a:xfrm>
-            <a:off x="838200" y="365125"/>
-            <a:ext cx="7734300" cy="5811838"/>
+            <a:off x="681038" y="365125"/>
+            <a:ext cx="6284119" cy="5811838"/>
           </a:xfrm>
         </p:spPr>
         <p:txBody>
@@ -639,19 +568,13 @@
               <a:rPr lang="en-GB"/>
               <a:t>Fifth level</a:t>
             </a:r>
-            <a:endParaRPr lang="en-US"/>
+            <a:endParaRPr lang="en-US" dirty="0"/>
           </a:p>
         </p:txBody>
       </p:sp>
       <p:sp>
         <p:nvSpPr>
-          <p:cNvPr id="4" name="Date Placeholder 3">
-            <a:extLst>
-              <a:ext uri="{FF2B5EF4-FFF2-40B4-BE49-F238E27FC236}">
-                <a16:creationId xmlns:a16="http://schemas.microsoft.com/office/drawing/2014/main" id="{EEFB01F9-CE8D-894A-98CF-52B83C85F61D}"/>
-              </a:ext>
-            </a:extLst>
-          </p:cNvPr>
+          <p:cNvPr id="4" name="Date Placeholder 3"/>
           <p:cNvSpPr>
             <a:spLocks noGrp="1"/>
           </p:cNvSpPr>
@@ -674,13 +597,7 @@
       </p:sp>
       <p:sp>
         <p:nvSpPr>
-          <p:cNvPr id="5" name="Footer Placeholder 4">
-            <a:extLst>
-              <a:ext uri="{FF2B5EF4-FFF2-40B4-BE49-F238E27FC236}">
-                <a16:creationId xmlns:a16="http://schemas.microsoft.com/office/drawing/2014/main" id="{649B0AA0-288D-9849-BF6A-201A1B08BD9D}"/>
-              </a:ext>
-            </a:extLst>
-          </p:cNvPr>
+          <p:cNvPr id="5" name="Footer Placeholder 4"/>
           <p:cNvSpPr>
             <a:spLocks noGrp="1"/>
           </p:cNvSpPr>
@@ -699,13 +616,7 @@
       </p:sp>
       <p:sp>
         <p:nvSpPr>
-          <p:cNvPr id="6" name="Slide Number Placeholder 5">
-            <a:extLst>
-              <a:ext uri="{FF2B5EF4-FFF2-40B4-BE49-F238E27FC236}">
-                <a16:creationId xmlns:a16="http://schemas.microsoft.com/office/drawing/2014/main" id="{C373DD75-FC6F-4640-B853-A02F7D024D6E}"/>
-              </a:ext>
-            </a:extLst>
-          </p:cNvPr>
+          <p:cNvPr id="6" name="Slide Number Placeholder 5"/>
           <p:cNvSpPr>
             <a:spLocks noGrp="1"/>
           </p:cNvSpPr>
@@ -729,7 +640,7 @@
     </p:spTree>
     <p:extLst>
       <p:ext uri="{BB962C8B-B14F-4D97-AF65-F5344CB8AC3E}">
-        <p14:creationId xmlns:p14="http://schemas.microsoft.com/office/powerpoint/2010/main" val="338616978"/>
+        <p14:creationId xmlns:p14="http://schemas.microsoft.com/office/powerpoint/2010/main" val="4145008033"/>
       </p:ext>
     </p:extLst>
   </p:cSld>
@@ -758,13 +669,7 @@
       </p:grpSpPr>
       <p:sp>
         <p:nvSpPr>
-          <p:cNvPr id="2" name="Title 1">
-            <a:extLst>
-              <a:ext uri="{FF2B5EF4-FFF2-40B4-BE49-F238E27FC236}">
-                <a16:creationId xmlns:a16="http://schemas.microsoft.com/office/drawing/2014/main" id="{FE474200-531C-124F-9407-AFB31960864D}"/>
-              </a:ext>
-            </a:extLst>
-          </p:cNvPr>
+          <p:cNvPr id="2" name="Title 1"/>
           <p:cNvSpPr>
             <a:spLocks noGrp="1"/>
           </p:cNvSpPr>
@@ -781,19 +686,13 @@
               <a:rPr lang="en-GB"/>
               <a:t>Click to edit Master title style</a:t>
             </a:r>
-            <a:endParaRPr lang="en-US"/>
+            <a:endParaRPr lang="en-US" dirty="0"/>
           </a:p>
         </p:txBody>
       </p:sp>
       <p:sp>
         <p:nvSpPr>
-          <p:cNvPr id="3" name="Content Placeholder 2">
-            <a:extLst>
-              <a:ext uri="{FF2B5EF4-FFF2-40B4-BE49-F238E27FC236}">
-                <a16:creationId xmlns:a16="http://schemas.microsoft.com/office/drawing/2014/main" id="{671E375D-6039-0041-BA7F-243C37C241AB}"/>
-              </a:ext>
-            </a:extLst>
-          </p:cNvPr>
+          <p:cNvPr id="3" name="Content Placeholder 2"/>
           <p:cNvSpPr>
             <a:spLocks noGrp="1"/>
           </p:cNvSpPr>
@@ -839,19 +738,13 @@
               <a:rPr lang="en-GB"/>
               <a:t>Fifth level</a:t>
             </a:r>
-            <a:endParaRPr lang="en-US"/>
+            <a:endParaRPr lang="en-US" dirty="0"/>
           </a:p>
         </p:txBody>
       </p:sp>
       <p:sp>
         <p:nvSpPr>
-          <p:cNvPr id="4" name="Date Placeholder 3">
-            <a:extLst>
-              <a:ext uri="{FF2B5EF4-FFF2-40B4-BE49-F238E27FC236}">
-                <a16:creationId xmlns:a16="http://schemas.microsoft.com/office/drawing/2014/main" id="{5D38C800-7D2A-964D-BD2D-5ABB0CD023B2}"/>
-              </a:ext>
-            </a:extLst>
-          </p:cNvPr>
+          <p:cNvPr id="4" name="Date Placeholder 3"/>
           <p:cNvSpPr>
             <a:spLocks noGrp="1"/>
           </p:cNvSpPr>
@@ -874,13 +767,7 @@
       </p:sp>
       <p:sp>
         <p:nvSpPr>
-          <p:cNvPr id="5" name="Footer Placeholder 4">
-            <a:extLst>
-              <a:ext uri="{FF2B5EF4-FFF2-40B4-BE49-F238E27FC236}">
-                <a16:creationId xmlns:a16="http://schemas.microsoft.com/office/drawing/2014/main" id="{C664997C-77FA-FC45-A760-66DEAFEF3336}"/>
-              </a:ext>
-            </a:extLst>
-          </p:cNvPr>
+          <p:cNvPr id="5" name="Footer Placeholder 4"/>
           <p:cNvSpPr>
             <a:spLocks noGrp="1"/>
           </p:cNvSpPr>
@@ -899,13 +786,7 @@
       </p:sp>
       <p:sp>
         <p:nvSpPr>
-          <p:cNvPr id="6" name="Slide Number Placeholder 5">
-            <a:extLst>
-              <a:ext uri="{FF2B5EF4-FFF2-40B4-BE49-F238E27FC236}">
-                <a16:creationId xmlns:a16="http://schemas.microsoft.com/office/drawing/2014/main" id="{5EA66E44-1746-D44F-9C8F-02A6380BD8BC}"/>
-              </a:ext>
-            </a:extLst>
-          </p:cNvPr>
+          <p:cNvPr id="6" name="Slide Number Placeholder 5"/>
           <p:cNvSpPr>
             <a:spLocks noGrp="1"/>
           </p:cNvSpPr>
@@ -929,7 +810,7 @@
     </p:spTree>
     <p:extLst>
       <p:ext uri="{BB962C8B-B14F-4D97-AF65-F5344CB8AC3E}">
-        <p14:creationId xmlns:p14="http://schemas.microsoft.com/office/powerpoint/2010/main" val="2805954629"/>
+        <p14:creationId xmlns:p14="http://schemas.microsoft.com/office/powerpoint/2010/main" val="4047268270"/>
       </p:ext>
     </p:extLst>
   </p:cSld>
@@ -958,13 +839,7 @@
       </p:grpSpPr>
       <p:sp>
         <p:nvSpPr>
-          <p:cNvPr id="2" name="Title 1">
-            <a:extLst>
-              <a:ext uri="{FF2B5EF4-FFF2-40B4-BE49-F238E27FC236}">
-                <a16:creationId xmlns:a16="http://schemas.microsoft.com/office/drawing/2014/main" id="{E9D1E888-C6D1-DE41-8BC8-1989D775C1CC}"/>
-              </a:ext>
-            </a:extLst>
-          </p:cNvPr>
+          <p:cNvPr id="2" name="Title 1"/>
           <p:cNvSpPr>
             <a:spLocks noGrp="1"/>
           </p:cNvSpPr>
@@ -974,8 +849,8 @@
         </p:nvSpPr>
         <p:spPr>
           <a:xfrm>
-            <a:off x="831850" y="1709738"/>
-            <a:ext cx="10515600" cy="2852737"/>
+            <a:off x="675879" y="1709740"/>
+            <a:ext cx="8543925" cy="2852737"/>
           </a:xfrm>
         </p:spPr>
         <p:txBody>
@@ -990,19 +865,13 @@
               <a:rPr lang="en-GB"/>
               <a:t>Click to edit Master title style</a:t>
             </a:r>
-            <a:endParaRPr lang="en-US"/>
+            <a:endParaRPr lang="en-US" dirty="0"/>
           </a:p>
         </p:txBody>
       </p:sp>
       <p:sp>
         <p:nvSpPr>
-          <p:cNvPr id="3" name="Text Placeholder 2">
-            <a:extLst>
-              <a:ext uri="{FF2B5EF4-FFF2-40B4-BE49-F238E27FC236}">
-                <a16:creationId xmlns:a16="http://schemas.microsoft.com/office/drawing/2014/main" id="{05FB2014-6372-D944-A14B-517515025A84}"/>
-              </a:ext>
-            </a:extLst>
-          </p:cNvPr>
+          <p:cNvPr id="3" name="Text Placeholder 2"/>
           <p:cNvSpPr>
             <a:spLocks noGrp="1"/>
           </p:cNvSpPr>
@@ -1012,8 +881,8 @@
         </p:nvSpPr>
         <p:spPr>
           <a:xfrm>
-            <a:off x="831850" y="4589463"/>
-            <a:ext cx="10515600" cy="1500187"/>
+            <a:off x="675879" y="4589465"/>
+            <a:ext cx="8543925" cy="1500187"/>
           </a:xfrm>
         </p:spPr>
         <p:txBody>
@@ -1023,9 +892,7 @@
               <a:buNone/>
               <a:defRPr sz="2400">
                 <a:solidFill>
-                  <a:schemeClr val="tx1">
-                    <a:tint val="75000"/>
-                  </a:schemeClr>
+                  <a:schemeClr val="tx1"/>
                 </a:solidFill>
               </a:defRPr>
             </a:lvl1pPr>
@@ -1121,13 +988,7 @@
       </p:sp>
       <p:sp>
         <p:nvSpPr>
-          <p:cNvPr id="4" name="Date Placeholder 3">
-            <a:extLst>
-              <a:ext uri="{FF2B5EF4-FFF2-40B4-BE49-F238E27FC236}">
-                <a16:creationId xmlns:a16="http://schemas.microsoft.com/office/drawing/2014/main" id="{751075A2-1755-E24D-B369-2D7C4382B7A4}"/>
-              </a:ext>
-            </a:extLst>
-          </p:cNvPr>
+          <p:cNvPr id="4" name="Date Placeholder 3"/>
           <p:cNvSpPr>
             <a:spLocks noGrp="1"/>
           </p:cNvSpPr>
@@ -1150,13 +1011,7 @@
       </p:sp>
       <p:sp>
         <p:nvSpPr>
-          <p:cNvPr id="5" name="Footer Placeholder 4">
-            <a:extLst>
-              <a:ext uri="{FF2B5EF4-FFF2-40B4-BE49-F238E27FC236}">
-                <a16:creationId xmlns:a16="http://schemas.microsoft.com/office/drawing/2014/main" id="{A4654007-EE6E-3A46-A0A6-9F404966DFE8}"/>
-              </a:ext>
-            </a:extLst>
-          </p:cNvPr>
+          <p:cNvPr id="5" name="Footer Placeholder 4"/>
           <p:cNvSpPr>
             <a:spLocks noGrp="1"/>
           </p:cNvSpPr>
@@ -1175,13 +1030,7 @@
       </p:sp>
       <p:sp>
         <p:nvSpPr>
-          <p:cNvPr id="6" name="Slide Number Placeholder 5">
-            <a:extLst>
-              <a:ext uri="{FF2B5EF4-FFF2-40B4-BE49-F238E27FC236}">
-                <a16:creationId xmlns:a16="http://schemas.microsoft.com/office/drawing/2014/main" id="{B49278D7-A73B-F242-B52A-F3B399E2912A}"/>
-              </a:ext>
-            </a:extLst>
-          </p:cNvPr>
+          <p:cNvPr id="6" name="Slide Number Placeholder 5"/>
           <p:cNvSpPr>
             <a:spLocks noGrp="1"/>
           </p:cNvSpPr>
@@ -1205,7 +1054,7 @@
     </p:spTree>
     <p:extLst>
       <p:ext uri="{BB962C8B-B14F-4D97-AF65-F5344CB8AC3E}">
-        <p14:creationId xmlns:p14="http://schemas.microsoft.com/office/powerpoint/2010/main" val="722312617"/>
+        <p14:creationId xmlns:p14="http://schemas.microsoft.com/office/powerpoint/2010/main" val="934708512"/>
       </p:ext>
     </p:extLst>
   </p:cSld>
@@ -1234,13 +1083,7 @@
       </p:grpSpPr>
       <p:sp>
         <p:nvSpPr>
-          <p:cNvPr id="2" name="Title 1">
-            <a:extLst>
-              <a:ext uri="{FF2B5EF4-FFF2-40B4-BE49-F238E27FC236}">
-                <a16:creationId xmlns:a16="http://schemas.microsoft.com/office/drawing/2014/main" id="{69644863-AEC1-0B46-90B3-DBAE49EA34E4}"/>
-              </a:ext>
-            </a:extLst>
-          </p:cNvPr>
+          <p:cNvPr id="2" name="Title 1"/>
           <p:cNvSpPr>
             <a:spLocks noGrp="1"/>
           </p:cNvSpPr>
@@ -1257,19 +1100,13 @@
               <a:rPr lang="en-GB"/>
               <a:t>Click to edit Master title style</a:t>
             </a:r>
-            <a:endParaRPr lang="en-US"/>
+            <a:endParaRPr lang="en-US" dirty="0"/>
           </a:p>
         </p:txBody>
       </p:sp>
       <p:sp>
         <p:nvSpPr>
-          <p:cNvPr id="3" name="Content Placeholder 2">
-            <a:extLst>
-              <a:ext uri="{FF2B5EF4-FFF2-40B4-BE49-F238E27FC236}">
-                <a16:creationId xmlns:a16="http://schemas.microsoft.com/office/drawing/2014/main" id="{97915A6B-A79E-9246-A79D-8EAB90FE281A}"/>
-              </a:ext>
-            </a:extLst>
-          </p:cNvPr>
+          <p:cNvPr id="3" name="Content Placeholder 2"/>
           <p:cNvSpPr>
             <a:spLocks noGrp="1"/>
           </p:cNvSpPr>
@@ -1279,8 +1116,8 @@
         </p:nvSpPr>
         <p:spPr>
           <a:xfrm>
-            <a:off x="838200" y="1825625"/>
-            <a:ext cx="5181600" cy="4351338"/>
+            <a:off x="681038" y="1825625"/>
+            <a:ext cx="4210050" cy="4351338"/>
           </a:xfrm>
         </p:spPr>
         <p:txBody>
@@ -1320,19 +1157,13 @@
               <a:rPr lang="en-GB"/>
               <a:t>Fifth level</a:t>
             </a:r>
-            <a:endParaRPr lang="en-US"/>
+            <a:endParaRPr lang="en-US" dirty="0"/>
           </a:p>
         </p:txBody>
       </p:sp>
       <p:sp>
         <p:nvSpPr>
-          <p:cNvPr id="4" name="Content Placeholder 3">
-            <a:extLst>
-              <a:ext uri="{FF2B5EF4-FFF2-40B4-BE49-F238E27FC236}">
-                <a16:creationId xmlns:a16="http://schemas.microsoft.com/office/drawing/2014/main" id="{CB998EFA-778D-7143-84FA-DD91047E7668}"/>
-              </a:ext>
-            </a:extLst>
-          </p:cNvPr>
+          <p:cNvPr id="4" name="Content Placeholder 3"/>
           <p:cNvSpPr>
             <a:spLocks noGrp="1"/>
           </p:cNvSpPr>
@@ -1342,8 +1173,8 @@
         </p:nvSpPr>
         <p:spPr>
           <a:xfrm>
-            <a:off x="6172200" y="1825625"/>
-            <a:ext cx="5181600" cy="4351338"/>
+            <a:off x="5014913" y="1825625"/>
+            <a:ext cx="4210050" cy="4351338"/>
           </a:xfrm>
         </p:spPr>
         <p:txBody>
@@ -1383,19 +1214,13 @@
               <a:rPr lang="en-GB"/>
               <a:t>Fifth level</a:t>
             </a:r>
-            <a:endParaRPr lang="en-US"/>
+            <a:endParaRPr lang="en-US" dirty="0"/>
           </a:p>
         </p:txBody>
       </p:sp>
       <p:sp>
         <p:nvSpPr>
-          <p:cNvPr id="5" name="Date Placeholder 4">
-            <a:extLst>
-              <a:ext uri="{FF2B5EF4-FFF2-40B4-BE49-F238E27FC236}">
-                <a16:creationId xmlns:a16="http://schemas.microsoft.com/office/drawing/2014/main" id="{3A857BF4-8C66-3740-B762-099EC9B491AE}"/>
-              </a:ext>
-            </a:extLst>
-          </p:cNvPr>
+          <p:cNvPr id="5" name="Date Placeholder 4"/>
           <p:cNvSpPr>
             <a:spLocks noGrp="1"/>
           </p:cNvSpPr>
@@ -1418,13 +1243,7 @@
       </p:sp>
       <p:sp>
         <p:nvSpPr>
-          <p:cNvPr id="6" name="Footer Placeholder 5">
-            <a:extLst>
-              <a:ext uri="{FF2B5EF4-FFF2-40B4-BE49-F238E27FC236}">
-                <a16:creationId xmlns:a16="http://schemas.microsoft.com/office/drawing/2014/main" id="{4DA0F5FF-7C97-2548-A9FE-ABA4A9C3BC71}"/>
-              </a:ext>
-            </a:extLst>
-          </p:cNvPr>
+          <p:cNvPr id="6" name="Footer Placeholder 5"/>
           <p:cNvSpPr>
             <a:spLocks noGrp="1"/>
           </p:cNvSpPr>
@@ -1443,13 +1262,7 @@
       </p:sp>
       <p:sp>
         <p:nvSpPr>
-          <p:cNvPr id="7" name="Slide Number Placeholder 6">
-            <a:extLst>
-              <a:ext uri="{FF2B5EF4-FFF2-40B4-BE49-F238E27FC236}">
-                <a16:creationId xmlns:a16="http://schemas.microsoft.com/office/drawing/2014/main" id="{7B44283F-014E-7E48-B495-29F68E4432CF}"/>
-              </a:ext>
-            </a:extLst>
-          </p:cNvPr>
+          <p:cNvPr id="7" name="Slide Number Placeholder 6"/>
           <p:cNvSpPr>
             <a:spLocks noGrp="1"/>
           </p:cNvSpPr>
@@ -1473,7 +1286,7 @@
     </p:spTree>
     <p:extLst>
       <p:ext uri="{BB962C8B-B14F-4D97-AF65-F5344CB8AC3E}">
-        <p14:creationId xmlns:p14="http://schemas.microsoft.com/office/powerpoint/2010/main" val="1737063014"/>
+        <p14:creationId xmlns:p14="http://schemas.microsoft.com/office/powerpoint/2010/main" val="239111232"/>
       </p:ext>
     </p:extLst>
   </p:cSld>
@@ -1502,13 +1315,7 @@
       </p:grpSpPr>
       <p:sp>
         <p:nvSpPr>
-          <p:cNvPr id="2" name="Title 1">
-            <a:extLst>
-              <a:ext uri="{FF2B5EF4-FFF2-40B4-BE49-F238E27FC236}">
-                <a16:creationId xmlns:a16="http://schemas.microsoft.com/office/drawing/2014/main" id="{8377EB5E-0775-0F4D-AC29-B956BC0484DF}"/>
-              </a:ext>
-            </a:extLst>
-          </p:cNvPr>
+          <p:cNvPr id="2" name="Title 1"/>
           <p:cNvSpPr>
             <a:spLocks noGrp="1"/>
           </p:cNvSpPr>
@@ -1518,8 +1325,8 @@
         </p:nvSpPr>
         <p:spPr>
           <a:xfrm>
-            <a:off x="839788" y="365125"/>
-            <a:ext cx="10515600" cy="1325563"/>
+            <a:off x="682328" y="365127"/>
+            <a:ext cx="8543925" cy="1325563"/>
           </a:xfrm>
         </p:spPr>
         <p:txBody>
@@ -1530,19 +1337,13 @@
               <a:rPr lang="en-GB"/>
               <a:t>Click to edit Master title style</a:t>
             </a:r>
-            <a:endParaRPr lang="en-US"/>
+            <a:endParaRPr lang="en-US" dirty="0"/>
           </a:p>
         </p:txBody>
       </p:sp>
       <p:sp>
         <p:nvSpPr>
-          <p:cNvPr id="3" name="Text Placeholder 2">
-            <a:extLst>
-              <a:ext uri="{FF2B5EF4-FFF2-40B4-BE49-F238E27FC236}">
-                <a16:creationId xmlns:a16="http://schemas.microsoft.com/office/drawing/2014/main" id="{2B192284-6313-AF4E-9541-9DD4DE53AB2D}"/>
-              </a:ext>
-            </a:extLst>
-          </p:cNvPr>
+          <p:cNvPr id="3" name="Text Placeholder 2"/>
           <p:cNvSpPr>
             <a:spLocks noGrp="1"/>
           </p:cNvSpPr>
@@ -1552,8 +1353,8 @@
         </p:nvSpPr>
         <p:spPr>
           <a:xfrm>
-            <a:off x="839788" y="1681163"/>
-            <a:ext cx="5157787" cy="823912"/>
+            <a:off x="682329" y="1681163"/>
+            <a:ext cx="4190702" cy="823912"/>
           </a:xfrm>
         </p:spPr>
         <p:txBody>
@@ -1607,13 +1408,7 @@
       </p:sp>
       <p:sp>
         <p:nvSpPr>
-          <p:cNvPr id="4" name="Content Placeholder 3">
-            <a:extLst>
-              <a:ext uri="{FF2B5EF4-FFF2-40B4-BE49-F238E27FC236}">
-                <a16:creationId xmlns:a16="http://schemas.microsoft.com/office/drawing/2014/main" id="{C1AD339C-2114-8045-B0C6-63632AE000D7}"/>
-              </a:ext>
-            </a:extLst>
-          </p:cNvPr>
+          <p:cNvPr id="4" name="Content Placeholder 3"/>
           <p:cNvSpPr>
             <a:spLocks noGrp="1"/>
           </p:cNvSpPr>
@@ -1623,8 +1418,8 @@
         </p:nvSpPr>
         <p:spPr>
           <a:xfrm>
-            <a:off x="839788" y="2505075"/>
-            <a:ext cx="5157787" cy="3684588"/>
+            <a:off x="682329" y="2505075"/>
+            <a:ext cx="4190702" cy="3684588"/>
           </a:xfrm>
         </p:spPr>
         <p:txBody>
@@ -1664,19 +1459,13 @@
               <a:rPr lang="en-GB"/>
               <a:t>Fifth level</a:t>
             </a:r>
-            <a:endParaRPr lang="en-US"/>
+            <a:endParaRPr lang="en-US" dirty="0"/>
           </a:p>
         </p:txBody>
       </p:sp>
       <p:sp>
         <p:nvSpPr>
-          <p:cNvPr id="5" name="Text Placeholder 4">
-            <a:extLst>
-              <a:ext uri="{FF2B5EF4-FFF2-40B4-BE49-F238E27FC236}">
-                <a16:creationId xmlns:a16="http://schemas.microsoft.com/office/drawing/2014/main" id="{35AB8815-0851-5942-85D2-BC133E69EC7D}"/>
-              </a:ext>
-            </a:extLst>
-          </p:cNvPr>
+          <p:cNvPr id="5" name="Text Placeholder 4"/>
           <p:cNvSpPr>
             <a:spLocks noGrp="1"/>
           </p:cNvSpPr>
@@ -1686,8 +1475,8 @@
         </p:nvSpPr>
         <p:spPr>
           <a:xfrm>
-            <a:off x="6172200" y="1681163"/>
-            <a:ext cx="5183188" cy="823912"/>
+            <a:off x="5014913" y="1681163"/>
+            <a:ext cx="4211340" cy="823912"/>
           </a:xfrm>
         </p:spPr>
         <p:txBody>
@@ -1741,13 +1530,7 @@
       </p:sp>
       <p:sp>
         <p:nvSpPr>
-          <p:cNvPr id="6" name="Content Placeholder 5">
-            <a:extLst>
-              <a:ext uri="{FF2B5EF4-FFF2-40B4-BE49-F238E27FC236}">
-                <a16:creationId xmlns:a16="http://schemas.microsoft.com/office/drawing/2014/main" id="{4C44C88B-CE5D-0A42-969A-3F11D2B78D2E}"/>
-              </a:ext>
-            </a:extLst>
-          </p:cNvPr>
+          <p:cNvPr id="6" name="Content Placeholder 5"/>
           <p:cNvSpPr>
             <a:spLocks noGrp="1"/>
           </p:cNvSpPr>
@@ -1757,8 +1540,8 @@
         </p:nvSpPr>
         <p:spPr>
           <a:xfrm>
-            <a:off x="6172200" y="2505075"/>
-            <a:ext cx="5183188" cy="3684588"/>
+            <a:off x="5014913" y="2505075"/>
+            <a:ext cx="4211340" cy="3684588"/>
           </a:xfrm>
         </p:spPr>
         <p:txBody>
@@ -1798,19 +1581,13 @@
               <a:rPr lang="en-GB"/>
               <a:t>Fifth level</a:t>
             </a:r>
-            <a:endParaRPr lang="en-US"/>
+            <a:endParaRPr lang="en-US" dirty="0"/>
           </a:p>
         </p:txBody>
       </p:sp>
       <p:sp>
         <p:nvSpPr>
-          <p:cNvPr id="7" name="Date Placeholder 6">
-            <a:extLst>
-              <a:ext uri="{FF2B5EF4-FFF2-40B4-BE49-F238E27FC236}">
-                <a16:creationId xmlns:a16="http://schemas.microsoft.com/office/drawing/2014/main" id="{C2CE0EF8-6C3F-FA45-B650-4CF9FA83D7F7}"/>
-              </a:ext>
-            </a:extLst>
-          </p:cNvPr>
+          <p:cNvPr id="7" name="Date Placeholder 6"/>
           <p:cNvSpPr>
             <a:spLocks noGrp="1"/>
           </p:cNvSpPr>
@@ -1833,13 +1610,7 @@
       </p:sp>
       <p:sp>
         <p:nvSpPr>
-          <p:cNvPr id="8" name="Footer Placeholder 7">
-            <a:extLst>
-              <a:ext uri="{FF2B5EF4-FFF2-40B4-BE49-F238E27FC236}">
-                <a16:creationId xmlns:a16="http://schemas.microsoft.com/office/drawing/2014/main" id="{3C1B1447-16DF-9D40-97FF-8CDA99700396}"/>
-              </a:ext>
-            </a:extLst>
-          </p:cNvPr>
+          <p:cNvPr id="8" name="Footer Placeholder 7"/>
           <p:cNvSpPr>
             <a:spLocks noGrp="1"/>
           </p:cNvSpPr>
@@ -1858,13 +1629,7 @@
       </p:sp>
       <p:sp>
         <p:nvSpPr>
-          <p:cNvPr id="9" name="Slide Number Placeholder 8">
-            <a:extLst>
-              <a:ext uri="{FF2B5EF4-FFF2-40B4-BE49-F238E27FC236}">
-                <a16:creationId xmlns:a16="http://schemas.microsoft.com/office/drawing/2014/main" id="{A2FA7F85-1073-0845-A3BE-4008DF9F3588}"/>
-              </a:ext>
-            </a:extLst>
-          </p:cNvPr>
+          <p:cNvPr id="9" name="Slide Number Placeholder 8"/>
           <p:cNvSpPr>
             <a:spLocks noGrp="1"/>
           </p:cNvSpPr>
@@ -1888,7 +1653,7 @@
     </p:spTree>
     <p:extLst>
       <p:ext uri="{BB962C8B-B14F-4D97-AF65-F5344CB8AC3E}">
-        <p14:creationId xmlns:p14="http://schemas.microsoft.com/office/powerpoint/2010/main" val="3940360884"/>
+        <p14:creationId xmlns:p14="http://schemas.microsoft.com/office/powerpoint/2010/main" val="3783028919"/>
       </p:ext>
     </p:extLst>
   </p:cSld>
@@ -1917,13 +1682,7 @@
       </p:grpSpPr>
       <p:sp>
         <p:nvSpPr>
-          <p:cNvPr id="2" name="Title 1">
-            <a:extLst>
-              <a:ext uri="{FF2B5EF4-FFF2-40B4-BE49-F238E27FC236}">
-                <a16:creationId xmlns:a16="http://schemas.microsoft.com/office/drawing/2014/main" id="{192C21EF-9789-B340-A205-095B3A152DF7}"/>
-              </a:ext>
-            </a:extLst>
-          </p:cNvPr>
+          <p:cNvPr id="2" name="Title 1"/>
           <p:cNvSpPr>
             <a:spLocks noGrp="1"/>
           </p:cNvSpPr>
@@ -1940,19 +1699,13 @@
               <a:rPr lang="en-GB"/>
               <a:t>Click to edit Master title style</a:t>
             </a:r>
-            <a:endParaRPr lang="en-US"/>
+            <a:endParaRPr lang="en-US" dirty="0"/>
           </a:p>
         </p:txBody>
       </p:sp>
       <p:sp>
         <p:nvSpPr>
-          <p:cNvPr id="3" name="Date Placeholder 2">
-            <a:extLst>
-              <a:ext uri="{FF2B5EF4-FFF2-40B4-BE49-F238E27FC236}">
-                <a16:creationId xmlns:a16="http://schemas.microsoft.com/office/drawing/2014/main" id="{05BEC7B7-D17A-EA41-8C3E-CFF8ADC64E6F}"/>
-              </a:ext>
-            </a:extLst>
-          </p:cNvPr>
+          <p:cNvPr id="3" name="Date Placeholder 2"/>
           <p:cNvSpPr>
             <a:spLocks noGrp="1"/>
           </p:cNvSpPr>
@@ -1975,13 +1728,7 @@
       </p:sp>
       <p:sp>
         <p:nvSpPr>
-          <p:cNvPr id="4" name="Footer Placeholder 3">
-            <a:extLst>
-              <a:ext uri="{FF2B5EF4-FFF2-40B4-BE49-F238E27FC236}">
-                <a16:creationId xmlns:a16="http://schemas.microsoft.com/office/drawing/2014/main" id="{8E98F52E-C1D7-974D-A48C-03A6828498E3}"/>
-              </a:ext>
-            </a:extLst>
-          </p:cNvPr>
+          <p:cNvPr id="4" name="Footer Placeholder 3"/>
           <p:cNvSpPr>
             <a:spLocks noGrp="1"/>
           </p:cNvSpPr>
@@ -2000,13 +1747,7 @@
       </p:sp>
       <p:sp>
         <p:nvSpPr>
-          <p:cNvPr id="5" name="Slide Number Placeholder 4">
-            <a:extLst>
-              <a:ext uri="{FF2B5EF4-FFF2-40B4-BE49-F238E27FC236}">
-                <a16:creationId xmlns:a16="http://schemas.microsoft.com/office/drawing/2014/main" id="{EE7902AA-8A71-0D40-AEF2-878912E599D0}"/>
-              </a:ext>
-            </a:extLst>
-          </p:cNvPr>
+          <p:cNvPr id="5" name="Slide Number Placeholder 4"/>
           <p:cNvSpPr>
             <a:spLocks noGrp="1"/>
           </p:cNvSpPr>
@@ -2030,7 +1771,7 @@
     </p:spTree>
     <p:extLst>
       <p:ext uri="{BB962C8B-B14F-4D97-AF65-F5344CB8AC3E}">
-        <p14:creationId xmlns:p14="http://schemas.microsoft.com/office/powerpoint/2010/main" val="275609818"/>
+        <p14:creationId xmlns:p14="http://schemas.microsoft.com/office/powerpoint/2010/main" val="3148537524"/>
       </p:ext>
     </p:extLst>
   </p:cSld>
@@ -2059,13 +1800,7 @@
       </p:grpSpPr>
       <p:sp>
         <p:nvSpPr>
-          <p:cNvPr id="2" name="Date Placeholder 1">
-            <a:extLst>
-              <a:ext uri="{FF2B5EF4-FFF2-40B4-BE49-F238E27FC236}">
-                <a16:creationId xmlns:a16="http://schemas.microsoft.com/office/drawing/2014/main" id="{0479FC6D-2317-C24F-B053-9ED2F3F59E00}"/>
-              </a:ext>
-            </a:extLst>
-          </p:cNvPr>
+          <p:cNvPr id="2" name="Date Placeholder 1"/>
           <p:cNvSpPr>
             <a:spLocks noGrp="1"/>
           </p:cNvSpPr>
@@ -2088,13 +1823,7 @@
       </p:sp>
       <p:sp>
         <p:nvSpPr>
-          <p:cNvPr id="3" name="Footer Placeholder 2">
-            <a:extLst>
-              <a:ext uri="{FF2B5EF4-FFF2-40B4-BE49-F238E27FC236}">
-                <a16:creationId xmlns:a16="http://schemas.microsoft.com/office/drawing/2014/main" id="{16484430-5105-CF49-9499-BCFC5FB8BF79}"/>
-              </a:ext>
-            </a:extLst>
-          </p:cNvPr>
+          <p:cNvPr id="3" name="Footer Placeholder 2"/>
           <p:cNvSpPr>
             <a:spLocks noGrp="1"/>
           </p:cNvSpPr>
@@ -2113,13 +1842,7 @@
       </p:sp>
       <p:sp>
         <p:nvSpPr>
-          <p:cNvPr id="4" name="Slide Number Placeholder 3">
-            <a:extLst>
-              <a:ext uri="{FF2B5EF4-FFF2-40B4-BE49-F238E27FC236}">
-                <a16:creationId xmlns:a16="http://schemas.microsoft.com/office/drawing/2014/main" id="{F69594EF-FE4F-9344-9119-BF12280CE0D7}"/>
-              </a:ext>
-            </a:extLst>
-          </p:cNvPr>
+          <p:cNvPr id="4" name="Slide Number Placeholder 3"/>
           <p:cNvSpPr>
             <a:spLocks noGrp="1"/>
           </p:cNvSpPr>
@@ -2143,7 +1866,7 @@
     </p:spTree>
     <p:extLst>
       <p:ext uri="{BB962C8B-B14F-4D97-AF65-F5344CB8AC3E}">
-        <p14:creationId xmlns:p14="http://schemas.microsoft.com/office/powerpoint/2010/main" val="3978923178"/>
+        <p14:creationId xmlns:p14="http://schemas.microsoft.com/office/powerpoint/2010/main" val="2381048351"/>
       </p:ext>
     </p:extLst>
   </p:cSld>
@@ -2172,13 +1895,7 @@
       </p:grpSpPr>
       <p:sp>
         <p:nvSpPr>
-          <p:cNvPr id="2" name="Title 1">
-            <a:extLst>
-              <a:ext uri="{FF2B5EF4-FFF2-40B4-BE49-F238E27FC236}">
-                <a16:creationId xmlns:a16="http://schemas.microsoft.com/office/drawing/2014/main" id="{DC3455D9-2B68-E247-98A8-8E83D867C4A6}"/>
-              </a:ext>
-            </a:extLst>
-          </p:cNvPr>
+          <p:cNvPr id="2" name="Title 1"/>
           <p:cNvSpPr>
             <a:spLocks noGrp="1"/>
           </p:cNvSpPr>
@@ -2188,8 +1905,8 @@
         </p:nvSpPr>
         <p:spPr>
           <a:xfrm>
-            <a:off x="839788" y="457200"/>
-            <a:ext cx="3932237" cy="1600200"/>
+            <a:off x="682328" y="457200"/>
+            <a:ext cx="3194943" cy="1600200"/>
           </a:xfrm>
         </p:spPr>
         <p:txBody>
@@ -2204,19 +1921,13 @@
               <a:rPr lang="en-GB"/>
               <a:t>Click to edit Master title style</a:t>
             </a:r>
-            <a:endParaRPr lang="en-US"/>
+            <a:endParaRPr lang="en-US" dirty="0"/>
           </a:p>
         </p:txBody>
       </p:sp>
       <p:sp>
         <p:nvSpPr>
-          <p:cNvPr id="3" name="Content Placeholder 2">
-            <a:extLst>
-              <a:ext uri="{FF2B5EF4-FFF2-40B4-BE49-F238E27FC236}">
-                <a16:creationId xmlns:a16="http://schemas.microsoft.com/office/drawing/2014/main" id="{D24C2F85-04A4-2D47-A632-3400DA7269CA}"/>
-              </a:ext>
-            </a:extLst>
-          </p:cNvPr>
+          <p:cNvPr id="3" name="Content Placeholder 2"/>
           <p:cNvSpPr>
             <a:spLocks noGrp="1"/>
           </p:cNvSpPr>
@@ -2226,8 +1937,8 @@
         </p:nvSpPr>
         <p:spPr>
           <a:xfrm>
-            <a:off x="5183188" y="987425"/>
-            <a:ext cx="6172200" cy="4873625"/>
+            <a:off x="4211340" y="987427"/>
+            <a:ext cx="5014913" cy="4873625"/>
           </a:xfrm>
         </p:spPr>
         <p:txBody>
@@ -2295,19 +2006,13 @@
               <a:rPr lang="en-GB"/>
               <a:t>Fifth level</a:t>
             </a:r>
-            <a:endParaRPr lang="en-US"/>
+            <a:endParaRPr lang="en-US" dirty="0"/>
           </a:p>
         </p:txBody>
       </p:sp>
       <p:sp>
         <p:nvSpPr>
-          <p:cNvPr id="4" name="Text Placeholder 3">
-            <a:extLst>
-              <a:ext uri="{FF2B5EF4-FFF2-40B4-BE49-F238E27FC236}">
-                <a16:creationId xmlns:a16="http://schemas.microsoft.com/office/drawing/2014/main" id="{EE0BD233-2431-524C-9AAF-BA8D716FA6D8}"/>
-              </a:ext>
-            </a:extLst>
-          </p:cNvPr>
+          <p:cNvPr id="4" name="Text Placeholder 3"/>
           <p:cNvSpPr>
             <a:spLocks noGrp="1"/>
           </p:cNvSpPr>
@@ -2317,8 +2022,8 @@
         </p:nvSpPr>
         <p:spPr>
           <a:xfrm>
-            <a:off x="839788" y="2057400"/>
-            <a:ext cx="3932237" cy="3811588"/>
+            <a:off x="682328" y="2057400"/>
+            <a:ext cx="3194943" cy="3811588"/>
           </a:xfrm>
         </p:spPr>
         <p:txBody>
@@ -2372,13 +2077,7 @@
       </p:sp>
       <p:sp>
         <p:nvSpPr>
-          <p:cNvPr id="5" name="Date Placeholder 4">
-            <a:extLst>
-              <a:ext uri="{FF2B5EF4-FFF2-40B4-BE49-F238E27FC236}">
-                <a16:creationId xmlns:a16="http://schemas.microsoft.com/office/drawing/2014/main" id="{63B0FB3D-D5E2-2D49-9064-6B60EE411B96}"/>
-              </a:ext>
-            </a:extLst>
-          </p:cNvPr>
+          <p:cNvPr id="5" name="Date Placeholder 4"/>
           <p:cNvSpPr>
             <a:spLocks noGrp="1"/>
           </p:cNvSpPr>
@@ -2401,13 +2100,7 @@
       </p:sp>
       <p:sp>
         <p:nvSpPr>
-          <p:cNvPr id="6" name="Footer Placeholder 5">
-            <a:extLst>
-              <a:ext uri="{FF2B5EF4-FFF2-40B4-BE49-F238E27FC236}">
-                <a16:creationId xmlns:a16="http://schemas.microsoft.com/office/drawing/2014/main" id="{175072B3-63E8-C849-A584-41CAD364A1E9}"/>
-              </a:ext>
-            </a:extLst>
-          </p:cNvPr>
+          <p:cNvPr id="6" name="Footer Placeholder 5"/>
           <p:cNvSpPr>
             <a:spLocks noGrp="1"/>
           </p:cNvSpPr>
@@ -2426,13 +2119,7 @@
       </p:sp>
       <p:sp>
         <p:nvSpPr>
-          <p:cNvPr id="7" name="Slide Number Placeholder 6">
-            <a:extLst>
-              <a:ext uri="{FF2B5EF4-FFF2-40B4-BE49-F238E27FC236}">
-                <a16:creationId xmlns:a16="http://schemas.microsoft.com/office/drawing/2014/main" id="{6AA00657-E617-064B-BC71-AAA1C4B15D65}"/>
-              </a:ext>
-            </a:extLst>
-          </p:cNvPr>
+          <p:cNvPr id="7" name="Slide Number Placeholder 6"/>
           <p:cNvSpPr>
             <a:spLocks noGrp="1"/>
           </p:cNvSpPr>
@@ -2456,7 +2143,7 @@
     </p:spTree>
     <p:extLst>
       <p:ext uri="{BB962C8B-B14F-4D97-AF65-F5344CB8AC3E}">
-        <p14:creationId xmlns:p14="http://schemas.microsoft.com/office/powerpoint/2010/main" val="1590240098"/>
+        <p14:creationId xmlns:p14="http://schemas.microsoft.com/office/powerpoint/2010/main" val="2509737177"/>
       </p:ext>
     </p:extLst>
   </p:cSld>
@@ -2485,13 +2172,7 @@
       </p:grpSpPr>
       <p:sp>
         <p:nvSpPr>
-          <p:cNvPr id="2" name="Title 1">
-            <a:extLst>
-              <a:ext uri="{FF2B5EF4-FFF2-40B4-BE49-F238E27FC236}">
-                <a16:creationId xmlns:a16="http://schemas.microsoft.com/office/drawing/2014/main" id="{B9E8D3AB-620A-B74F-8277-BD8E368C8C52}"/>
-              </a:ext>
-            </a:extLst>
-          </p:cNvPr>
+          <p:cNvPr id="2" name="Title 1"/>
           <p:cNvSpPr>
             <a:spLocks noGrp="1"/>
           </p:cNvSpPr>
@@ -2501,8 +2182,8 @@
         </p:nvSpPr>
         <p:spPr>
           <a:xfrm>
-            <a:off x="839788" y="457200"/>
-            <a:ext cx="3932237" cy="1600200"/>
+            <a:off x="682328" y="457200"/>
+            <a:ext cx="3194943" cy="1600200"/>
           </a:xfrm>
         </p:spPr>
         <p:txBody>
@@ -2517,21 +2198,15 @@
               <a:rPr lang="en-GB"/>
               <a:t>Click to edit Master title style</a:t>
             </a:r>
-            <a:endParaRPr lang="en-US"/>
+            <a:endParaRPr lang="en-US" dirty="0"/>
           </a:p>
         </p:txBody>
       </p:sp>
       <p:sp>
         <p:nvSpPr>
-          <p:cNvPr id="3" name="Picture Placeholder 2">
-            <a:extLst>
-              <a:ext uri="{FF2B5EF4-FFF2-40B4-BE49-F238E27FC236}">
-                <a16:creationId xmlns:a16="http://schemas.microsoft.com/office/drawing/2014/main" id="{3F600753-A584-E045-ABBC-96BEBC5AF7FB}"/>
-              </a:ext>
-            </a:extLst>
-          </p:cNvPr>
+          <p:cNvPr id="3" name="Picture Placeholder 2"/>
           <p:cNvSpPr>
-            <a:spLocks noGrp="1"/>
+            <a:spLocks noGrp="1" noChangeAspect="1"/>
           </p:cNvSpPr>
           <p:nvPr>
             <p:ph type="pic" idx="1"/>
@@ -2539,12 +2214,12 @@
         </p:nvSpPr>
         <p:spPr>
           <a:xfrm>
-            <a:off x="5183188" y="987425"/>
-            <a:ext cx="6172200" cy="4873625"/>
+            <a:off x="4211340" y="987427"/>
+            <a:ext cx="5014913" cy="4873625"/>
           </a:xfrm>
         </p:spPr>
         <p:txBody>
-          <a:bodyPr/>
+          <a:bodyPr anchor="t"/>
           <a:lstStyle>
             <a:lvl1pPr marL="0" indent="0">
               <a:buNone/>
@@ -2584,19 +2259,17 @@
             </a:lvl9pPr>
           </a:lstStyle>
           <a:p>
-            <a:endParaRPr lang="en-US"/>
+            <a:r>
+              <a:rPr lang="en-GB"/>
+              <a:t>Click icon to add picture</a:t>
+            </a:r>
+            <a:endParaRPr lang="en-US" dirty="0"/>
           </a:p>
         </p:txBody>
       </p:sp>
       <p:sp>
         <p:nvSpPr>
-          <p:cNvPr id="4" name="Text Placeholder 3">
-            <a:extLst>
-              <a:ext uri="{FF2B5EF4-FFF2-40B4-BE49-F238E27FC236}">
-                <a16:creationId xmlns:a16="http://schemas.microsoft.com/office/drawing/2014/main" id="{98A2A814-D688-6C49-8218-DC40B11B58AF}"/>
-              </a:ext>
-            </a:extLst>
-          </p:cNvPr>
+          <p:cNvPr id="4" name="Text Placeholder 3"/>
           <p:cNvSpPr>
             <a:spLocks noGrp="1"/>
           </p:cNvSpPr>
@@ -2606,8 +2279,8 @@
         </p:nvSpPr>
         <p:spPr>
           <a:xfrm>
-            <a:off x="839788" y="2057400"/>
-            <a:ext cx="3932237" cy="3811588"/>
+            <a:off x="682328" y="2057400"/>
+            <a:ext cx="3194943" cy="3811588"/>
           </a:xfrm>
         </p:spPr>
         <p:txBody>
@@ -2661,13 +2334,7 @@
       </p:sp>
       <p:sp>
         <p:nvSpPr>
-          <p:cNvPr id="5" name="Date Placeholder 4">
-            <a:extLst>
-              <a:ext uri="{FF2B5EF4-FFF2-40B4-BE49-F238E27FC236}">
-                <a16:creationId xmlns:a16="http://schemas.microsoft.com/office/drawing/2014/main" id="{4C93BF36-27AB-E149-B661-4B1A70CB6F91}"/>
-              </a:ext>
-            </a:extLst>
-          </p:cNvPr>
+          <p:cNvPr id="5" name="Date Placeholder 4"/>
           <p:cNvSpPr>
             <a:spLocks noGrp="1"/>
           </p:cNvSpPr>
@@ -2690,13 +2357,7 @@
       </p:sp>
       <p:sp>
         <p:nvSpPr>
-          <p:cNvPr id="6" name="Footer Placeholder 5">
-            <a:extLst>
-              <a:ext uri="{FF2B5EF4-FFF2-40B4-BE49-F238E27FC236}">
-                <a16:creationId xmlns:a16="http://schemas.microsoft.com/office/drawing/2014/main" id="{6AEA7F20-D45B-5D4B-8361-EC58704FC8CC}"/>
-              </a:ext>
-            </a:extLst>
-          </p:cNvPr>
+          <p:cNvPr id="6" name="Footer Placeholder 5"/>
           <p:cNvSpPr>
             <a:spLocks noGrp="1"/>
           </p:cNvSpPr>
@@ -2715,13 +2376,7 @@
       </p:sp>
       <p:sp>
         <p:nvSpPr>
-          <p:cNvPr id="7" name="Slide Number Placeholder 6">
-            <a:extLst>
-              <a:ext uri="{FF2B5EF4-FFF2-40B4-BE49-F238E27FC236}">
-                <a16:creationId xmlns:a16="http://schemas.microsoft.com/office/drawing/2014/main" id="{A1F7D450-AD14-FC41-B8C9-8D57C78EAEFA}"/>
-              </a:ext>
-            </a:extLst>
-          </p:cNvPr>
+          <p:cNvPr id="7" name="Slide Number Placeholder 6"/>
           <p:cNvSpPr>
             <a:spLocks noGrp="1"/>
           </p:cNvSpPr>
@@ -2745,7 +2400,7 @@
     </p:spTree>
     <p:extLst>
       <p:ext uri="{BB962C8B-B14F-4D97-AF65-F5344CB8AC3E}">
-        <p14:creationId xmlns:p14="http://schemas.microsoft.com/office/powerpoint/2010/main" val="3290802846"/>
+        <p14:creationId xmlns:p14="http://schemas.microsoft.com/office/powerpoint/2010/main" val="2779783066"/>
       </p:ext>
     </p:extLst>
   </p:cSld>
@@ -2779,13 +2434,7 @@
       </p:grpSpPr>
       <p:sp>
         <p:nvSpPr>
-          <p:cNvPr id="2" name="Title Placeholder 1">
-            <a:extLst>
-              <a:ext uri="{FF2B5EF4-FFF2-40B4-BE49-F238E27FC236}">
-                <a16:creationId xmlns:a16="http://schemas.microsoft.com/office/drawing/2014/main" id="{615165C3-00A0-8247-B53C-681748EB69C9}"/>
-              </a:ext>
-            </a:extLst>
-          </p:cNvPr>
+          <p:cNvPr id="2" name="Title Placeholder 1"/>
           <p:cNvSpPr>
             <a:spLocks noGrp="1"/>
           </p:cNvSpPr>
@@ -2795,8 +2444,8 @@
         </p:nvSpPr>
         <p:spPr>
           <a:xfrm>
-            <a:off x="838200" y="365125"/>
-            <a:ext cx="10515600" cy="1325563"/>
+            <a:off x="681038" y="365127"/>
+            <a:ext cx="8543925" cy="1325563"/>
           </a:xfrm>
           <a:prstGeom prst="rect">
             <a:avLst/>
@@ -2812,19 +2461,13 @@
               <a:rPr lang="en-GB"/>
               <a:t>Click to edit Master title style</a:t>
             </a:r>
-            <a:endParaRPr lang="en-US"/>
+            <a:endParaRPr lang="en-US" dirty="0"/>
           </a:p>
         </p:txBody>
       </p:sp>
       <p:sp>
         <p:nvSpPr>
-          <p:cNvPr id="3" name="Text Placeholder 2">
-            <a:extLst>
-              <a:ext uri="{FF2B5EF4-FFF2-40B4-BE49-F238E27FC236}">
-                <a16:creationId xmlns:a16="http://schemas.microsoft.com/office/drawing/2014/main" id="{BC339F24-69C3-CB4E-91D6-2D32D7D34CCC}"/>
-              </a:ext>
-            </a:extLst>
-          </p:cNvPr>
+          <p:cNvPr id="3" name="Text Placeholder 2"/>
           <p:cNvSpPr>
             <a:spLocks noGrp="1"/>
           </p:cNvSpPr>
@@ -2834,8 +2477,8 @@
         </p:nvSpPr>
         <p:spPr>
           <a:xfrm>
-            <a:off x="838200" y="1825625"/>
-            <a:ext cx="10515600" cy="4351338"/>
+            <a:off x="681038" y="1825625"/>
+            <a:ext cx="8543925" cy="4351338"/>
           </a:xfrm>
           <a:prstGeom prst="rect">
             <a:avLst/>
@@ -2880,19 +2523,13 @@
               <a:rPr lang="en-GB"/>
               <a:t>Fifth level</a:t>
             </a:r>
-            <a:endParaRPr lang="en-US"/>
+            <a:endParaRPr lang="en-US" dirty="0"/>
           </a:p>
         </p:txBody>
       </p:sp>
       <p:sp>
         <p:nvSpPr>
-          <p:cNvPr id="4" name="Date Placeholder 3">
-            <a:extLst>
-              <a:ext uri="{FF2B5EF4-FFF2-40B4-BE49-F238E27FC236}">
-                <a16:creationId xmlns:a16="http://schemas.microsoft.com/office/drawing/2014/main" id="{F4BE54C3-28FF-E140-AD0A-41D48C4608F0}"/>
-              </a:ext>
-            </a:extLst>
-          </p:cNvPr>
+          <p:cNvPr id="4" name="Date Placeholder 3"/>
           <p:cNvSpPr>
             <a:spLocks noGrp="1"/>
           </p:cNvSpPr>
@@ -2902,8 +2539,8 @@
         </p:nvSpPr>
         <p:spPr>
           <a:xfrm>
-            <a:off x="838200" y="6356350"/>
-            <a:ext cx="2743200" cy="365125"/>
+            <a:off x="681038" y="6356352"/>
+            <a:ext cx="2228850" cy="365125"/>
           </a:xfrm>
           <a:prstGeom prst="rect">
             <a:avLst/>
@@ -2933,13 +2570,7 @@
       </p:sp>
       <p:sp>
         <p:nvSpPr>
-          <p:cNvPr id="5" name="Footer Placeholder 4">
-            <a:extLst>
-              <a:ext uri="{FF2B5EF4-FFF2-40B4-BE49-F238E27FC236}">
-                <a16:creationId xmlns:a16="http://schemas.microsoft.com/office/drawing/2014/main" id="{A966554C-D81C-774C-9173-069A07591529}"/>
-              </a:ext>
-            </a:extLst>
-          </p:cNvPr>
+          <p:cNvPr id="5" name="Footer Placeholder 4"/>
           <p:cNvSpPr>
             <a:spLocks noGrp="1"/>
           </p:cNvSpPr>
@@ -2949,8 +2580,8 @@
         </p:nvSpPr>
         <p:spPr>
           <a:xfrm>
-            <a:off x="4038600" y="6356350"/>
-            <a:ext cx="4114800" cy="365125"/>
+            <a:off x="3281363" y="6356352"/>
+            <a:ext cx="3343275" cy="365125"/>
           </a:xfrm>
           <a:prstGeom prst="rect">
             <a:avLst/>
@@ -2976,13 +2607,7 @@
       </p:sp>
       <p:sp>
         <p:nvSpPr>
-          <p:cNvPr id="6" name="Slide Number Placeholder 5">
-            <a:extLst>
-              <a:ext uri="{FF2B5EF4-FFF2-40B4-BE49-F238E27FC236}">
-                <a16:creationId xmlns:a16="http://schemas.microsoft.com/office/drawing/2014/main" id="{3F03181E-D7F2-C946-81BD-0F555C0FCF8E}"/>
-              </a:ext>
-            </a:extLst>
-          </p:cNvPr>
+          <p:cNvPr id="6" name="Slide Number Placeholder 5"/>
           <p:cNvSpPr>
             <a:spLocks noGrp="1"/>
           </p:cNvSpPr>
@@ -2992,8 +2617,8 @@
         </p:nvSpPr>
         <p:spPr>
           <a:xfrm>
-            <a:off x="8610600" y="6356350"/>
-            <a:ext cx="2743200" cy="365125"/>
+            <a:off x="6996113" y="6356352"/>
+            <a:ext cx="2228850" cy="365125"/>
           </a:xfrm>
           <a:prstGeom prst="rect">
             <a:avLst/>
@@ -3024,23 +2649,23 @@
     </p:spTree>
     <p:extLst>
       <p:ext uri="{BB962C8B-B14F-4D97-AF65-F5344CB8AC3E}">
-        <p14:creationId xmlns:p14="http://schemas.microsoft.com/office/powerpoint/2010/main" val="2720101652"/>
+        <p14:creationId xmlns:p14="http://schemas.microsoft.com/office/powerpoint/2010/main" val="3810833935"/>
       </p:ext>
     </p:extLst>
   </p:cSld>
   <p:clrMap bg1="lt1" tx1="dk1" bg2="lt2" tx2="dk2" accent1="accent1" accent2="accent2" accent3="accent3" accent4="accent4" accent5="accent5" accent6="accent6" hlink="hlink" folHlink="folHlink"/>
   <p:sldLayoutIdLst>
-    <p:sldLayoutId id="2147483649" r:id="rId1"/>
-    <p:sldLayoutId id="2147483650" r:id="rId2"/>
-    <p:sldLayoutId id="2147483651" r:id="rId3"/>
-    <p:sldLayoutId id="2147483652" r:id="rId4"/>
-    <p:sldLayoutId id="2147483653" r:id="rId5"/>
-    <p:sldLayoutId id="2147483654" r:id="rId6"/>
-    <p:sldLayoutId id="2147483655" r:id="rId7"/>
-    <p:sldLayoutId id="2147483656" r:id="rId8"/>
-    <p:sldLayoutId id="2147483657" r:id="rId9"/>
-    <p:sldLayoutId id="2147483658" r:id="rId10"/>
-    <p:sldLayoutId id="2147483659" r:id="rId11"/>
+    <p:sldLayoutId id="2147483661" r:id="rId1"/>
+    <p:sldLayoutId id="2147483662" r:id="rId2"/>
+    <p:sldLayoutId id="2147483663" r:id="rId3"/>
+    <p:sldLayoutId id="2147483664" r:id="rId4"/>
+    <p:sldLayoutId id="2147483665" r:id="rId5"/>
+    <p:sldLayoutId id="2147483666" r:id="rId6"/>
+    <p:sldLayoutId id="2147483667" r:id="rId7"/>
+    <p:sldLayoutId id="2147483668" r:id="rId8"/>
+    <p:sldLayoutId id="2147483669" r:id="rId9"/>
+    <p:sldLayoutId id="2147483670" r:id="rId10"/>
+    <p:sldLayoutId id="2147483671" r:id="rId11"/>
   </p:sldLayoutIdLst>
   <p:txStyles>
     <p:titleStyle>
@@ -3356,8 +2981,8 @@
         </p:nvSpPr>
         <p:spPr>
           <a:xfrm>
-            <a:off x="1851184" y="237174"/>
-            <a:ext cx="2612413" cy="1955568"/>
+            <a:off x="708184" y="237174"/>
+            <a:ext cx="2612414" cy="1955568"/>
           </a:xfrm>
           <a:prstGeom prst="roundRect">
             <a:avLst/>
@@ -3380,11 +3005,16 @@
           </a:fontRef>
         </p:style>
         <p:txBody>
-          <a:bodyPr rtlCol="0" anchor="ctr"/>
+          <a:bodyPr rot="0" spcFirstLastPara="0" vertOverflow="overflow" horzOverflow="overflow" vert="horz" wrap="square" lIns="91440" tIns="45721" rIns="91440" bIns="45721" numCol="1" spcCol="0" rtlCol="0" fromWordArt="0" anchor="ctr" anchorCtr="0" forceAA="0" compatLnSpc="1">
+            <a:prstTxWarp prst="textNoShape">
+              <a:avLst/>
+            </a:prstTxWarp>
+            <a:noAutofit/>
+          </a:bodyPr>
           <a:lstStyle/>
           <a:p>
             <a:pPr algn="ctr"/>
-            <a:endParaRPr lang="en-US" dirty="0"/>
+            <a:endParaRPr lang="en-US" sz="1801" dirty="0"/>
           </a:p>
         </p:txBody>
       </p:sp>
@@ -3402,8 +3032,8 @@
         </p:nvSpPr>
         <p:spPr>
           <a:xfrm>
-            <a:off x="2505643" y="237173"/>
-            <a:ext cx="1303490" cy="340027"/>
+            <a:off x="1362643" y="237174"/>
+            <a:ext cx="1303490" cy="338554"/>
           </a:xfrm>
           <a:prstGeom prst="rect">
             <a:avLst/>
@@ -3441,7 +3071,7 @@
         </p:nvSpPr>
         <p:spPr>
           <a:xfrm>
-            <a:off x="1938735" y="577200"/>
+            <a:off x="795736" y="577201"/>
             <a:ext cx="2440135" cy="1160160"/>
           </a:xfrm>
           <a:prstGeom prst="roundRect">
@@ -3465,11 +3095,16 @@
           </a:fontRef>
         </p:style>
         <p:txBody>
-          <a:bodyPr rtlCol="0" anchor="ctr"/>
+          <a:bodyPr rot="0" spcFirstLastPara="0" vertOverflow="overflow" horzOverflow="overflow" vert="horz" wrap="square" lIns="91440" tIns="45721" rIns="91440" bIns="45721" numCol="1" spcCol="0" rtlCol="0" fromWordArt="0" anchor="ctr" anchorCtr="0" forceAA="0" compatLnSpc="1">
+            <a:prstTxWarp prst="textNoShape">
+              <a:avLst/>
+            </a:prstTxWarp>
+            <a:noAutofit/>
+          </a:bodyPr>
           <a:lstStyle/>
           <a:p>
             <a:pPr algn="ctr"/>
-            <a:endParaRPr lang="en-US"/>
+            <a:endParaRPr lang="en-US" sz="1801"/>
           </a:p>
         </p:txBody>
       </p:sp>
@@ -3487,8 +3122,8 @@
         </p:nvSpPr>
         <p:spPr>
           <a:xfrm>
-            <a:off x="2355468" y="577199"/>
-            <a:ext cx="1603839" cy="307777"/>
+            <a:off x="1212470" y="577201"/>
+            <a:ext cx="1603839" cy="307905"/>
           </a:xfrm>
           <a:prstGeom prst="rect">
             <a:avLst/>
@@ -3502,7 +3137,7 @@
           <a:lstStyle/>
           <a:p>
             <a:r>
-              <a:rPr lang="en-US" sz="1400" dirty="0"/>
+              <a:rPr lang="en-US" sz="1401" dirty="0"/>
               <a:t>Container Runtime</a:t>
             </a:r>
           </a:p>
@@ -3522,7 +3157,7 @@
         </p:nvSpPr>
         <p:spPr>
           <a:xfrm>
-            <a:off x="2264931" y="888891"/>
+            <a:off x="1121931" y="888893"/>
             <a:ext cx="1784914" cy="311691"/>
           </a:xfrm>
           <a:prstGeom prst="roundRect">
@@ -3544,16 +3179,21 @@
           </a:fontRef>
         </p:style>
         <p:txBody>
-          <a:bodyPr rtlCol="0" anchor="ctr"/>
+          <a:bodyPr rot="0" spcFirstLastPara="0" vertOverflow="overflow" horzOverflow="overflow" vert="horz" wrap="square" lIns="91440" tIns="45721" rIns="91440" bIns="45721" numCol="1" spcCol="0" rtlCol="0" fromWordArt="0" anchor="ctr" anchorCtr="0" forceAA="0" compatLnSpc="1">
+            <a:prstTxWarp prst="textNoShape">
+              <a:avLst/>
+            </a:prstTxWarp>
+            <a:noAutofit/>
+          </a:bodyPr>
           <a:lstStyle/>
           <a:p>
             <a:pPr algn="ctr"/>
             <a:r>
-              <a:rPr lang="en-US" sz="1400" dirty="0" err="1"/>
+              <a:rPr lang="en-US" sz="1401" dirty="0" err="1"/>
               <a:t>kube</a:t>
             </a:r>
             <a:r>
-              <a:rPr lang="en-US" sz="1400" dirty="0"/>
+              <a:rPr lang="en-US" sz="1401" dirty="0"/>
               <a:t>-proxy</a:t>
             </a:r>
           </a:p>
@@ -3573,7 +3213,7 @@
         </p:nvSpPr>
         <p:spPr>
           <a:xfrm>
-            <a:off x="2264931" y="1322525"/>
+            <a:off x="1121931" y="1322527"/>
             <a:ext cx="1784914" cy="311691"/>
           </a:xfrm>
           <a:prstGeom prst="roundRect">
@@ -3595,16 +3235,21 @@
           </a:fontRef>
         </p:style>
         <p:txBody>
-          <a:bodyPr rtlCol="0" anchor="ctr"/>
+          <a:bodyPr rot="0" spcFirstLastPara="0" vertOverflow="overflow" horzOverflow="overflow" vert="horz" wrap="square" lIns="91440" tIns="45721" rIns="91440" bIns="45721" numCol="1" spcCol="0" rtlCol="0" fromWordArt="0" anchor="ctr" anchorCtr="0" forceAA="0" compatLnSpc="1">
+            <a:prstTxWarp prst="textNoShape">
+              <a:avLst/>
+            </a:prstTxWarp>
+            <a:noAutofit/>
+          </a:bodyPr>
           <a:lstStyle/>
           <a:p>
             <a:pPr algn="ctr"/>
             <a:r>
-              <a:rPr lang="en-US" sz="1400" dirty="0" err="1"/>
+              <a:rPr lang="en-US" sz="1401" dirty="0" err="1"/>
               <a:t>cni</a:t>
             </a:r>
             <a:r>
-              <a:rPr lang="en-US" sz="1400" dirty="0"/>
+              <a:rPr lang="en-US" sz="1401" dirty="0"/>
               <a:t>-plugins</a:t>
             </a:r>
           </a:p>
@@ -3624,7 +3269,7 @@
         </p:nvSpPr>
         <p:spPr>
           <a:xfrm>
-            <a:off x="2264931" y="1855196"/>
+            <a:off x="1121931" y="1855198"/>
             <a:ext cx="1784914" cy="222191"/>
           </a:xfrm>
           <a:prstGeom prst="roundRect">
@@ -3648,12 +3293,17 @@
           </a:fontRef>
         </p:style>
         <p:txBody>
-          <a:bodyPr rtlCol="0" anchor="ctr"/>
+          <a:bodyPr rot="0" spcFirstLastPara="0" vertOverflow="overflow" horzOverflow="overflow" vert="horz" wrap="square" lIns="91440" tIns="45721" rIns="91440" bIns="45721" numCol="1" spcCol="0" rtlCol="0" fromWordArt="0" anchor="ctr" anchorCtr="0" forceAA="0" compatLnSpc="1">
+            <a:prstTxWarp prst="textNoShape">
+              <a:avLst/>
+            </a:prstTxWarp>
+            <a:noAutofit/>
+          </a:bodyPr>
           <a:lstStyle/>
           <a:p>
             <a:pPr algn="ctr"/>
             <a:r>
-              <a:rPr lang="en-US" sz="1400" dirty="0" err="1">
+              <a:rPr lang="en-US" sz="1401" dirty="0">
                 <a:ln w="0"/>
                 <a:solidFill>
                   <a:schemeClr val="tx1"/>
@@ -3668,19 +3318,6 @@
               </a:rPr>
               <a:t>kubelet</a:t>
             </a:r>
-            <a:endParaRPr lang="en-US" sz="1400" dirty="0">
-              <a:ln w="0"/>
-              <a:solidFill>
-                <a:schemeClr val="tx1"/>
-              </a:solidFill>
-              <a:effectLst>
-                <a:outerShdw blurRad="38100" dist="19050" dir="2700000" algn="tl" rotWithShape="0">
-                  <a:schemeClr val="dk1">
-                    <a:alpha val="40000"/>
-                  </a:schemeClr>
-                </a:outerShdw>
-              </a:effectLst>
-            </a:endParaRPr>
           </a:p>
         </p:txBody>
       </p:sp>
@@ -3698,8 +3335,8 @@
         </p:nvSpPr>
         <p:spPr>
           <a:xfrm>
-            <a:off x="5395589" y="237173"/>
-            <a:ext cx="1424826" cy="340027"/>
+            <a:off x="4252589" y="237174"/>
+            <a:ext cx="1424826" cy="369460"/>
           </a:xfrm>
           <a:prstGeom prst="rect">
             <a:avLst/>
@@ -3713,7 +3350,7 @@
           <a:lstStyle/>
           <a:p>
             <a:r>
-              <a:rPr lang="en-US" dirty="0">
+              <a:rPr lang="en-US" sz="1801" dirty="0">
                 <a:solidFill>
                   <a:schemeClr val="bg1"/>
                 </a:solidFill>
@@ -3737,8 +3374,8 @@
         </p:nvSpPr>
         <p:spPr>
           <a:xfrm>
-            <a:off x="8334199" y="237173"/>
-            <a:ext cx="1424826" cy="340027"/>
+            <a:off x="7191200" y="237174"/>
+            <a:ext cx="1424826" cy="369460"/>
           </a:xfrm>
           <a:prstGeom prst="rect">
             <a:avLst/>
@@ -3752,7 +3389,7 @@
           <a:lstStyle/>
           <a:p>
             <a:r>
-              <a:rPr lang="en-US" dirty="0">
+              <a:rPr lang="en-US" sz="1801" dirty="0">
                 <a:solidFill>
                   <a:schemeClr val="bg1"/>
                 </a:solidFill>
@@ -3776,8 +3413,8 @@
         </p:nvSpPr>
         <p:spPr>
           <a:xfrm>
-            <a:off x="4877344" y="237173"/>
-            <a:ext cx="2612413" cy="3774757"/>
+            <a:off x="3734344" y="237175"/>
+            <a:ext cx="2612414" cy="3774757"/>
           </a:xfrm>
           <a:prstGeom prst="roundRect">
             <a:avLst/>
@@ -3800,11 +3437,16 @@
           </a:fontRef>
         </p:style>
         <p:txBody>
-          <a:bodyPr rtlCol="0" anchor="ctr"/>
+          <a:bodyPr rot="0" spcFirstLastPara="0" vertOverflow="overflow" horzOverflow="overflow" vert="horz" wrap="square" lIns="91440" tIns="45721" rIns="91440" bIns="45721" numCol="1" spcCol="0" rtlCol="0" fromWordArt="0" anchor="ctr" anchorCtr="0" forceAA="0" compatLnSpc="1">
+            <a:prstTxWarp prst="textNoShape">
+              <a:avLst/>
+            </a:prstTxWarp>
+            <a:noAutofit/>
+          </a:bodyPr>
           <a:lstStyle/>
           <a:p>
             <a:pPr algn="ctr"/>
-            <a:endParaRPr lang="en-US" dirty="0"/>
+            <a:endParaRPr lang="en-US" sz="1801" dirty="0"/>
           </a:p>
         </p:txBody>
       </p:sp>
@@ -3822,8 +3464,8 @@
         </p:nvSpPr>
         <p:spPr>
           <a:xfrm>
-            <a:off x="5531803" y="237173"/>
-            <a:ext cx="1303490" cy="340027"/>
+            <a:off x="4388803" y="237174"/>
+            <a:ext cx="1303490" cy="338554"/>
           </a:xfrm>
           <a:prstGeom prst="rect">
             <a:avLst/>
@@ -3861,8 +3503,8 @@
         </p:nvSpPr>
         <p:spPr>
           <a:xfrm>
-            <a:off x="4964895" y="577199"/>
-            <a:ext cx="2440135" cy="3011821"/>
+            <a:off x="3821896" y="577200"/>
+            <a:ext cx="2440135" cy="3011822"/>
           </a:xfrm>
           <a:prstGeom prst="roundRect">
             <a:avLst/>
@@ -3885,11 +3527,16 @@
           </a:fontRef>
         </p:style>
         <p:txBody>
-          <a:bodyPr rtlCol="0" anchor="ctr"/>
+          <a:bodyPr rot="0" spcFirstLastPara="0" vertOverflow="overflow" horzOverflow="overflow" vert="horz" wrap="square" lIns="91440" tIns="45721" rIns="91440" bIns="45721" numCol="1" spcCol="0" rtlCol="0" fromWordArt="0" anchor="ctr" anchorCtr="0" forceAA="0" compatLnSpc="1">
+            <a:prstTxWarp prst="textNoShape">
+              <a:avLst/>
+            </a:prstTxWarp>
+            <a:noAutofit/>
+          </a:bodyPr>
           <a:lstStyle/>
           <a:p>
             <a:pPr algn="ctr"/>
-            <a:endParaRPr lang="en-US"/>
+            <a:endParaRPr lang="en-US" sz="1801"/>
           </a:p>
         </p:txBody>
       </p:sp>
@@ -3907,8 +3554,8 @@
         </p:nvSpPr>
         <p:spPr>
           <a:xfrm>
-            <a:off x="5373157" y="577199"/>
-            <a:ext cx="1620782" cy="307777"/>
+            <a:off x="4230157" y="577201"/>
+            <a:ext cx="1620782" cy="307905"/>
           </a:xfrm>
           <a:prstGeom prst="rect">
             <a:avLst/>
@@ -3922,7 +3569,7 @@
           <a:lstStyle/>
           <a:p>
             <a:r>
-              <a:rPr lang="en-US" sz="1400" dirty="0"/>
+              <a:rPr lang="en-US" sz="1401" dirty="0"/>
               <a:t>Container Runtime</a:t>
             </a:r>
           </a:p>
@@ -3942,7 +3589,7 @@
         </p:nvSpPr>
         <p:spPr>
           <a:xfrm>
-            <a:off x="5166277" y="888891"/>
+            <a:off x="4023277" y="888893"/>
             <a:ext cx="2034540" cy="311691"/>
           </a:xfrm>
           <a:prstGeom prst="roundRect">
@@ -3964,15 +3611,20 @@
           </a:fontRef>
         </p:style>
         <p:txBody>
-          <a:bodyPr rtlCol="0" anchor="ctr"/>
+          <a:bodyPr rot="0" spcFirstLastPara="0" vertOverflow="overflow" horzOverflow="overflow" vert="horz" wrap="square" lIns="91440" tIns="45721" rIns="91440" bIns="45721" numCol="1" spcCol="0" rtlCol="0" fromWordArt="0" anchor="ctr" anchorCtr="0" forceAA="0" compatLnSpc="1">
+            <a:prstTxWarp prst="textNoShape">
+              <a:avLst/>
+            </a:prstTxWarp>
+            <a:noAutofit/>
+          </a:bodyPr>
           <a:lstStyle/>
           <a:p>
             <a:pPr algn="ctr"/>
             <a:r>
-              <a:rPr lang="en-US" sz="1400" dirty="0" err="1"/>
+              <a:rPr lang="en-US" sz="1401" dirty="0" err="1"/>
               <a:t>kube-apiserver</a:t>
             </a:r>
-            <a:endParaRPr lang="en-US" sz="1400" dirty="0"/>
+            <a:endParaRPr lang="en-US" sz="1401" dirty="0"/>
           </a:p>
         </p:txBody>
       </p:sp>
@@ -3990,7 +3642,7 @@
         </p:nvSpPr>
         <p:spPr>
           <a:xfrm>
-            <a:off x="5166277" y="1322525"/>
+            <a:off x="4023277" y="1322527"/>
             <a:ext cx="2034540" cy="311691"/>
           </a:xfrm>
           <a:prstGeom prst="roundRect">
@@ -4012,16 +3664,21 @@
           </a:fontRef>
         </p:style>
         <p:txBody>
-          <a:bodyPr rtlCol="0" anchor="ctr"/>
+          <a:bodyPr rot="0" spcFirstLastPara="0" vertOverflow="overflow" horzOverflow="overflow" vert="horz" wrap="square" lIns="91440" tIns="45721" rIns="91440" bIns="45721" numCol="1" spcCol="0" rtlCol="0" fromWordArt="0" anchor="ctr" anchorCtr="0" forceAA="0" compatLnSpc="1">
+            <a:prstTxWarp prst="textNoShape">
+              <a:avLst/>
+            </a:prstTxWarp>
+            <a:noAutofit/>
+          </a:bodyPr>
           <a:lstStyle/>
           <a:p>
             <a:pPr algn="ctr"/>
             <a:r>
-              <a:rPr lang="en-US" sz="1400" dirty="0" err="1"/>
+              <a:rPr lang="en-US" sz="1401" dirty="0" err="1"/>
               <a:t>Kube</a:t>
             </a:r>
             <a:r>
-              <a:rPr lang="en-US" sz="1400" dirty="0"/>
+              <a:rPr lang="en-US" sz="1401" dirty="0"/>
               <a:t>-scheduler</a:t>
             </a:r>
           </a:p>
@@ -4041,7 +3698,7 @@
         </p:nvSpPr>
         <p:spPr>
           <a:xfrm>
-            <a:off x="5291090" y="3693803"/>
+            <a:off x="4148090" y="3693805"/>
             <a:ext cx="1784914" cy="235243"/>
           </a:xfrm>
           <a:prstGeom prst="roundRect">
@@ -4065,12 +3722,17 @@
           </a:fontRef>
         </p:style>
         <p:txBody>
-          <a:bodyPr rtlCol="0" anchor="ctr"/>
+          <a:bodyPr rot="0" spcFirstLastPara="0" vertOverflow="overflow" horzOverflow="overflow" vert="horz" wrap="square" lIns="91440" tIns="45721" rIns="91440" bIns="45721" numCol="1" spcCol="0" rtlCol="0" fromWordArt="0" anchor="ctr" anchorCtr="0" forceAA="0" compatLnSpc="1">
+            <a:prstTxWarp prst="textNoShape">
+              <a:avLst/>
+            </a:prstTxWarp>
+            <a:noAutofit/>
+          </a:bodyPr>
           <a:lstStyle/>
           <a:p>
             <a:pPr algn="ctr"/>
             <a:r>
-              <a:rPr lang="en-US" sz="1400" dirty="0" err="1">
+              <a:rPr lang="en-US" sz="1401" dirty="0">
                 <a:ln w="0"/>
                 <a:solidFill>
                   <a:schemeClr val="tx1"/>
@@ -4085,19 +3747,6 @@
               </a:rPr>
               <a:t>kubelet</a:t>
             </a:r>
-            <a:endParaRPr lang="en-US" sz="1400" dirty="0">
-              <a:ln w="0"/>
-              <a:solidFill>
-                <a:schemeClr val="tx1"/>
-              </a:solidFill>
-              <a:effectLst>
-                <a:outerShdw blurRad="38100" dist="19050" dir="2700000" algn="tl" rotWithShape="0">
-                  <a:schemeClr val="dk1">
-                    <a:alpha val="40000"/>
-                  </a:schemeClr>
-                </a:outerShdw>
-              </a:effectLst>
-            </a:endParaRPr>
           </a:p>
         </p:txBody>
       </p:sp>
@@ -4115,7 +3764,7 @@
         </p:nvSpPr>
         <p:spPr>
           <a:xfrm>
-            <a:off x="5166277" y="1755885"/>
+            <a:off x="4023277" y="1755887"/>
             <a:ext cx="2034540" cy="311691"/>
           </a:xfrm>
           <a:prstGeom prst="roundRect">
@@ -4137,16 +3786,21 @@
           </a:fontRef>
         </p:style>
         <p:txBody>
-          <a:bodyPr rtlCol="0" anchor="ctr"/>
+          <a:bodyPr rot="0" spcFirstLastPara="0" vertOverflow="overflow" horzOverflow="overflow" vert="horz" wrap="square" lIns="91440" tIns="45721" rIns="91440" bIns="45721" numCol="1" spcCol="0" rtlCol="0" fromWordArt="0" anchor="ctr" anchorCtr="0" forceAA="0" compatLnSpc="1">
+            <a:prstTxWarp prst="textNoShape">
+              <a:avLst/>
+            </a:prstTxWarp>
+            <a:noAutofit/>
+          </a:bodyPr>
           <a:lstStyle/>
           <a:p>
             <a:pPr algn="ctr"/>
             <a:r>
-              <a:rPr lang="en-US" sz="1400" dirty="0" err="1"/>
+              <a:rPr lang="en-US" sz="1401" dirty="0" err="1"/>
               <a:t>kube</a:t>
             </a:r>
             <a:r>
-              <a:rPr lang="en-US" sz="1400" dirty="0"/>
+              <a:rPr lang="en-US" sz="1401" dirty="0"/>
               <a:t>-controller-manager</a:t>
             </a:r>
           </a:p>
@@ -4166,7 +3820,7 @@
         </p:nvSpPr>
         <p:spPr>
           <a:xfrm>
-            <a:off x="5166277" y="2192741"/>
+            <a:off x="4023277" y="2192743"/>
             <a:ext cx="2034540" cy="311691"/>
           </a:xfrm>
           <a:prstGeom prst="roundRect">
@@ -4188,16 +3842,21 @@
           </a:fontRef>
         </p:style>
         <p:txBody>
-          <a:bodyPr rtlCol="0" anchor="ctr"/>
+          <a:bodyPr rot="0" spcFirstLastPara="0" vertOverflow="overflow" horzOverflow="overflow" vert="horz" wrap="square" lIns="91440" tIns="45721" rIns="91440" bIns="45721" numCol="1" spcCol="0" rtlCol="0" fromWordArt="0" anchor="ctr" anchorCtr="0" forceAA="0" compatLnSpc="1">
+            <a:prstTxWarp prst="textNoShape">
+              <a:avLst/>
+            </a:prstTxWarp>
+            <a:noAutofit/>
+          </a:bodyPr>
           <a:lstStyle/>
           <a:p>
             <a:pPr algn="ctr"/>
             <a:r>
-              <a:rPr lang="en-US" sz="1400" dirty="0" err="1"/>
+              <a:rPr lang="en-US" sz="1401" dirty="0" err="1"/>
               <a:t>kube</a:t>
             </a:r>
             <a:r>
-              <a:rPr lang="en-US" sz="1400" dirty="0"/>
+              <a:rPr lang="en-US" sz="1401" dirty="0"/>
               <a:t>-proxy</a:t>
             </a:r>
           </a:p>
@@ -4217,7 +3876,7 @@
         </p:nvSpPr>
         <p:spPr>
           <a:xfrm>
-            <a:off x="5166277" y="2625663"/>
+            <a:off x="4023277" y="2625663"/>
             <a:ext cx="2034540" cy="353588"/>
           </a:xfrm>
           <a:prstGeom prst="roundRect">
@@ -4239,16 +3898,21 @@
           </a:fontRef>
         </p:style>
         <p:txBody>
-          <a:bodyPr rtlCol="0" anchor="ctr"/>
+          <a:bodyPr rot="0" spcFirstLastPara="0" vertOverflow="overflow" horzOverflow="overflow" vert="horz" wrap="square" lIns="91440" tIns="45721" rIns="91440" bIns="45721" numCol="1" spcCol="0" rtlCol="0" fromWordArt="0" anchor="ctr" anchorCtr="0" forceAA="0" compatLnSpc="1">
+            <a:prstTxWarp prst="textNoShape">
+              <a:avLst/>
+            </a:prstTxWarp>
+            <a:noAutofit/>
+          </a:bodyPr>
           <a:lstStyle/>
           <a:p>
             <a:pPr algn="ctr"/>
             <a:r>
-              <a:rPr lang="en-US" sz="1400" dirty="0" err="1"/>
+              <a:rPr lang="en-US" sz="1401" dirty="0" err="1"/>
               <a:t>cni</a:t>
             </a:r>
             <a:r>
-              <a:rPr lang="en-US" sz="1400" dirty="0"/>
+              <a:rPr lang="en-US" sz="1401" dirty="0"/>
               <a:t>-plugins</a:t>
             </a:r>
           </a:p>
@@ -4268,7 +3932,7 @@
         </p:nvSpPr>
         <p:spPr>
           <a:xfrm>
-            <a:off x="5166278" y="3100482"/>
+            <a:off x="4023280" y="3100485"/>
             <a:ext cx="2034539" cy="311691"/>
           </a:xfrm>
           <a:prstGeom prst="roundRect">
@@ -4290,16 +3954,21 @@
           </a:fontRef>
         </p:style>
         <p:txBody>
-          <a:bodyPr rtlCol="0" anchor="ctr"/>
+          <a:bodyPr rot="0" spcFirstLastPara="0" vertOverflow="overflow" horzOverflow="overflow" vert="horz" wrap="square" lIns="91440" tIns="45721" rIns="91440" bIns="45721" numCol="1" spcCol="0" rtlCol="0" fromWordArt="0" anchor="ctr" anchorCtr="0" forceAA="0" compatLnSpc="1">
+            <a:prstTxWarp prst="textNoShape">
+              <a:avLst/>
+            </a:prstTxWarp>
+            <a:noAutofit/>
+          </a:bodyPr>
           <a:lstStyle/>
           <a:p>
             <a:pPr algn="ctr"/>
             <a:r>
-              <a:rPr lang="en-US" sz="1400" dirty="0" err="1"/>
+              <a:rPr lang="en-US" sz="1401" dirty="0" err="1"/>
               <a:t>dns</a:t>
             </a:r>
             <a:r>
-              <a:rPr lang="en-US" sz="1400" dirty="0"/>
+              <a:rPr lang="en-US" sz="1401" dirty="0"/>
               <a:t>-cluster add-on</a:t>
             </a:r>
           </a:p>
@@ -4319,8 +3988,8 @@
         </p:nvSpPr>
         <p:spPr>
           <a:xfrm>
-            <a:off x="4877344" y="4217670"/>
-            <a:ext cx="2612413" cy="754380"/>
+            <a:off x="3734344" y="4217670"/>
+            <a:ext cx="2612414" cy="754380"/>
           </a:xfrm>
           <a:prstGeom prst="roundRect">
             <a:avLst/>
@@ -4343,11 +4012,16 @@
           </a:fontRef>
         </p:style>
         <p:txBody>
-          <a:bodyPr rtlCol="0" anchor="ctr"/>
+          <a:bodyPr rot="0" spcFirstLastPara="0" vertOverflow="overflow" horzOverflow="overflow" vert="horz" wrap="square" lIns="91440" tIns="45721" rIns="91440" bIns="45721" numCol="1" spcCol="0" rtlCol="0" fromWordArt="0" anchor="ctr" anchorCtr="0" forceAA="0" compatLnSpc="1">
+            <a:prstTxWarp prst="textNoShape">
+              <a:avLst/>
+            </a:prstTxWarp>
+            <a:noAutofit/>
+          </a:bodyPr>
           <a:lstStyle/>
           <a:p>
             <a:pPr algn="ctr"/>
-            <a:endParaRPr lang="en-US" dirty="0"/>
+            <a:endParaRPr lang="en-US" sz="1801" dirty="0"/>
           </a:p>
         </p:txBody>
       </p:sp>
@@ -4365,8 +4039,8 @@
         </p:nvSpPr>
         <p:spPr>
           <a:xfrm>
-            <a:off x="5689876" y="4217670"/>
-            <a:ext cx="1010205" cy="338554"/>
+            <a:off x="4546875" y="4217671"/>
+            <a:ext cx="1010206" cy="338554"/>
           </a:xfrm>
           <a:prstGeom prst="rect">
             <a:avLst/>
@@ -4412,7 +4086,7 @@
         </p:nvSpPr>
         <p:spPr>
           <a:xfrm>
-            <a:off x="5291091" y="4556224"/>
+            <a:off x="4148091" y="4556225"/>
             <a:ext cx="1784914" cy="278666"/>
           </a:xfrm>
           <a:prstGeom prst="roundRect">
@@ -4434,15 +4108,20 @@
           </a:fontRef>
         </p:style>
         <p:txBody>
-          <a:bodyPr rtlCol="0" anchor="ctr"/>
+          <a:bodyPr rot="0" spcFirstLastPara="0" vertOverflow="overflow" horzOverflow="overflow" vert="horz" wrap="square" lIns="91440" tIns="45721" rIns="91440" bIns="45721" numCol="1" spcCol="0" rtlCol="0" fromWordArt="0" anchor="ctr" anchorCtr="0" forceAA="0" compatLnSpc="1">
+            <a:prstTxWarp prst="textNoShape">
+              <a:avLst/>
+            </a:prstTxWarp>
+            <a:noAutofit/>
+          </a:bodyPr>
           <a:lstStyle/>
           <a:p>
             <a:pPr algn="ctr"/>
             <a:r>
-              <a:rPr lang="en-US" sz="1400" dirty="0" err="1"/>
+              <a:rPr lang="en-US" sz="1401" dirty="0" err="1"/>
               <a:t>etcd</a:t>
             </a:r>
-            <a:endParaRPr lang="en-US" sz="1400" dirty="0"/>
+            <a:endParaRPr lang="en-US" sz="1401" dirty="0"/>
           </a:p>
         </p:txBody>
       </p:sp>
@@ -4460,8 +4139,8 @@
         </p:nvSpPr>
         <p:spPr>
           <a:xfrm>
-            <a:off x="4877344" y="5173444"/>
-            <a:ext cx="2612413" cy="754380"/>
+            <a:off x="3734344" y="5173444"/>
+            <a:ext cx="2612414" cy="754380"/>
           </a:xfrm>
           <a:prstGeom prst="roundRect">
             <a:avLst/>
@@ -4482,11 +4161,16 @@
           </a:fontRef>
         </p:style>
         <p:txBody>
-          <a:bodyPr rtlCol="0" anchor="ctr"/>
+          <a:bodyPr rot="0" spcFirstLastPara="0" vertOverflow="overflow" horzOverflow="overflow" vert="horz" wrap="square" lIns="91440" tIns="45721" rIns="91440" bIns="45721" numCol="1" spcCol="0" rtlCol="0" fromWordArt="0" anchor="ctr" anchorCtr="0" forceAA="0" compatLnSpc="1">
+            <a:prstTxWarp prst="textNoShape">
+              <a:avLst/>
+            </a:prstTxWarp>
+            <a:noAutofit/>
+          </a:bodyPr>
           <a:lstStyle/>
           <a:p>
             <a:pPr algn="ctr"/>
-            <a:endParaRPr lang="en-US"/>
+            <a:endParaRPr lang="en-US" sz="1801"/>
           </a:p>
         </p:txBody>
       </p:sp>
@@ -4504,7 +4188,7 @@
         </p:nvSpPr>
         <p:spPr>
           <a:xfrm>
-            <a:off x="5599408" y="5173444"/>
+            <a:off x="4456408" y="5173445"/>
             <a:ext cx="1168278" cy="338554"/>
           </a:xfrm>
           <a:prstGeom prst="rect">
@@ -4539,7 +4223,7 @@
         </p:nvSpPr>
         <p:spPr>
           <a:xfrm>
-            <a:off x="5291090" y="5550634"/>
+            <a:off x="4148090" y="5550634"/>
             <a:ext cx="1784914" cy="278666"/>
           </a:xfrm>
           <a:prstGeom prst="roundRect">
@@ -4563,15 +4247,20 @@
           </a:fontRef>
         </p:style>
         <p:txBody>
-          <a:bodyPr rtlCol="0" anchor="ctr"/>
+          <a:bodyPr rot="0" spcFirstLastPara="0" vertOverflow="overflow" horzOverflow="overflow" vert="horz" wrap="square" lIns="91440" tIns="45721" rIns="91440" bIns="45721" numCol="1" spcCol="0" rtlCol="0" fromWordArt="0" anchor="ctr" anchorCtr="0" forceAA="0" compatLnSpc="1">
+            <a:prstTxWarp prst="textNoShape">
+              <a:avLst/>
+            </a:prstTxWarp>
+            <a:noAutofit/>
+          </a:bodyPr>
           <a:lstStyle/>
           <a:p>
             <a:pPr algn="ctr"/>
             <a:r>
-              <a:rPr lang="en-US" sz="1400" dirty="0" err="1"/>
+              <a:rPr lang="en-US" sz="1401" dirty="0" err="1"/>
               <a:t>HAProxy</a:t>
             </a:r>
-            <a:endParaRPr lang="en-US" sz="1400" dirty="0"/>
+            <a:endParaRPr lang="en-US" sz="1401" dirty="0"/>
           </a:p>
         </p:txBody>
       </p:sp>
@@ -4588,10 +4277,4888 @@
 </p:sld>
 </file>
 
+<file path=ppt/slides/slide2.xml><?xml version="1.0" encoding="utf-8"?>
+<p:sld xmlns:a="http://schemas.openxmlformats.org/drawingml/2006/main" xmlns:r="http://schemas.openxmlformats.org/officeDocument/2006/relationships" xmlns:p="http://schemas.openxmlformats.org/presentationml/2006/main">
+  <p:cSld>
+    <p:spTree>
+      <p:nvGrpSpPr>
+        <p:cNvPr id="1" name=""/>
+        <p:cNvGrpSpPr/>
+        <p:nvPr/>
+      </p:nvGrpSpPr>
+      <p:grpSpPr>
+        <a:xfrm>
+          <a:off x="0" y="0"/>
+          <a:ext cx="0" cy="0"/>
+          <a:chOff x="0" y="0"/>
+          <a:chExt cx="0" cy="0"/>
+        </a:xfrm>
+      </p:grpSpPr>
+      <p:grpSp>
+        <p:nvGrpSpPr>
+          <p:cNvPr id="2" name="Group 1">
+            <a:extLst>
+              <a:ext uri="{FF2B5EF4-FFF2-40B4-BE49-F238E27FC236}">
+                <a16:creationId xmlns:a16="http://schemas.microsoft.com/office/drawing/2014/main" id="{2D1B7D03-4CD1-3042-9CD3-D8AEBAE0BBE7}"/>
+              </a:ext>
+            </a:extLst>
+          </p:cNvPr>
+          <p:cNvGrpSpPr>
+            <a:grpSpLocks noChangeAspect="1"/>
+          </p:cNvGrpSpPr>
+          <p:nvPr/>
+        </p:nvGrpSpPr>
+        <p:grpSpPr>
+          <a:xfrm>
+            <a:off x="7120306" y="547768"/>
+            <a:ext cx="1567446" cy="996218"/>
+            <a:chOff x="1851184" y="237172"/>
+            <a:chExt cx="2612414" cy="1955570"/>
+          </a:xfrm>
+        </p:grpSpPr>
+        <p:sp>
+          <p:nvSpPr>
+            <p:cNvPr id="4" name="Rounded Rectangle 3">
+              <a:extLst>
+                <a:ext uri="{FF2B5EF4-FFF2-40B4-BE49-F238E27FC236}">
+                  <a16:creationId xmlns:a16="http://schemas.microsoft.com/office/drawing/2014/main" id="{C0DEE84D-6B70-CE40-A168-F01C6A72AF71}"/>
+                </a:ext>
+              </a:extLst>
+            </p:cNvPr>
+            <p:cNvSpPr/>
+            <p:nvPr/>
+          </p:nvSpPr>
+          <p:spPr>
+            <a:xfrm>
+              <a:off x="1851184" y="237174"/>
+              <a:ext cx="2612414" cy="1955568"/>
+            </a:xfrm>
+            <a:prstGeom prst="roundRect">
+              <a:avLst/>
+            </a:prstGeom>
+          </p:spPr>
+          <p:style>
+            <a:lnRef idx="2">
+              <a:schemeClr val="accent1">
+                <a:shade val="50000"/>
+              </a:schemeClr>
+            </a:lnRef>
+            <a:fillRef idx="1">
+              <a:schemeClr val="accent1"/>
+            </a:fillRef>
+            <a:effectRef idx="0">
+              <a:schemeClr val="accent1"/>
+            </a:effectRef>
+            <a:fontRef idx="minor">
+              <a:schemeClr val="lt1"/>
+            </a:fontRef>
+          </p:style>
+          <p:txBody>
+            <a:bodyPr rot="0" spcFirstLastPara="0" vertOverflow="overflow" horzOverflow="overflow" vert="horz" wrap="square" lIns="91440" tIns="45721" rIns="91440" bIns="45721" numCol="1" spcCol="0" rtlCol="0" fromWordArt="0" anchor="ctr" anchorCtr="0" forceAA="0" compatLnSpc="1">
+              <a:prstTxWarp prst="textNoShape">
+                <a:avLst/>
+              </a:prstTxWarp>
+              <a:normAutofit/>
+            </a:bodyPr>
+            <a:lstStyle/>
+            <a:p>
+              <a:pPr algn="ctr"/>
+              <a:endParaRPr lang="en-US" sz="1801" dirty="0"/>
+            </a:p>
+          </p:txBody>
+        </p:sp>
+        <p:sp>
+          <p:nvSpPr>
+            <p:cNvPr id="5" name="TextBox 4">
+              <a:extLst>
+                <a:ext uri="{FF2B5EF4-FFF2-40B4-BE49-F238E27FC236}">
+                  <a16:creationId xmlns:a16="http://schemas.microsoft.com/office/drawing/2014/main" id="{85259D6F-DB2E-9445-BFAF-0C66B9237EE5}"/>
+                </a:ext>
+              </a:extLst>
+            </p:cNvPr>
+            <p:cNvSpPr txBox="1"/>
+            <p:nvPr/>
+          </p:nvSpPr>
+          <p:spPr>
+            <a:xfrm>
+              <a:off x="2505642" y="237172"/>
+              <a:ext cx="1303490" cy="398749"/>
+            </a:xfrm>
+            <a:prstGeom prst="rect">
+              <a:avLst/>
+            </a:prstGeom>
+            <a:noFill/>
+          </p:spPr>
+          <p:txBody>
+            <a:bodyPr wrap="square" rtlCol="0">
+              <a:normAutofit fontScale="47500" lnSpcReduction="20000"/>
+            </a:bodyPr>
+            <a:lstStyle/>
+            <a:p>
+              <a:r>
+                <a:rPr lang="en-US" sz="1600" dirty="0">
+                  <a:solidFill>
+                    <a:schemeClr val="bg1"/>
+                  </a:solidFill>
+                </a:rPr>
+                <a:t>Worker Node</a:t>
+              </a:r>
+            </a:p>
+          </p:txBody>
+        </p:sp>
+        <p:sp>
+          <p:nvSpPr>
+            <p:cNvPr id="6" name="Rounded Rectangle 5">
+              <a:extLst>
+                <a:ext uri="{FF2B5EF4-FFF2-40B4-BE49-F238E27FC236}">
+                  <a16:creationId xmlns:a16="http://schemas.microsoft.com/office/drawing/2014/main" id="{06D6E5EA-D4E1-7F4D-AD13-0A04A1D08D76}"/>
+                </a:ext>
+              </a:extLst>
+            </p:cNvPr>
+            <p:cNvSpPr/>
+            <p:nvPr/>
+          </p:nvSpPr>
+          <p:spPr>
+            <a:xfrm>
+              <a:off x="1938735" y="577201"/>
+              <a:ext cx="2440135" cy="1160160"/>
+            </a:xfrm>
+            <a:prstGeom prst="roundRect">
+              <a:avLst/>
+            </a:prstGeom>
+          </p:spPr>
+          <p:style>
+            <a:lnRef idx="2">
+              <a:schemeClr val="accent5">
+                <a:shade val="50000"/>
+              </a:schemeClr>
+            </a:lnRef>
+            <a:fillRef idx="1">
+              <a:schemeClr val="accent5"/>
+            </a:fillRef>
+            <a:effectRef idx="0">
+              <a:schemeClr val="accent5"/>
+            </a:effectRef>
+            <a:fontRef idx="minor">
+              <a:schemeClr val="lt1"/>
+            </a:fontRef>
+          </p:style>
+          <p:txBody>
+            <a:bodyPr rot="0" spcFirstLastPara="0" vertOverflow="overflow" horzOverflow="overflow" vert="horz" wrap="square" lIns="91440" tIns="45721" rIns="91440" bIns="45721" numCol="1" spcCol="0" rtlCol="0" fromWordArt="0" anchor="ctr" anchorCtr="0" forceAA="0" compatLnSpc="1">
+              <a:prstTxWarp prst="textNoShape">
+                <a:avLst/>
+              </a:prstTxWarp>
+              <a:normAutofit/>
+            </a:bodyPr>
+            <a:lstStyle/>
+            <a:p>
+              <a:pPr algn="ctr"/>
+              <a:endParaRPr lang="en-US" sz="1801"/>
+            </a:p>
+          </p:txBody>
+        </p:sp>
+        <p:sp>
+          <p:nvSpPr>
+            <p:cNvPr id="7" name="TextBox 6">
+              <a:extLst>
+                <a:ext uri="{FF2B5EF4-FFF2-40B4-BE49-F238E27FC236}">
+                  <a16:creationId xmlns:a16="http://schemas.microsoft.com/office/drawing/2014/main" id="{D8FF072A-CBF1-5649-8511-6F791C6268B7}"/>
+                </a:ext>
+              </a:extLst>
+            </p:cNvPr>
+            <p:cNvSpPr txBox="1"/>
+            <p:nvPr/>
+          </p:nvSpPr>
+          <p:spPr>
+            <a:xfrm>
+              <a:off x="2390361" y="530435"/>
+              <a:ext cx="1603839" cy="362649"/>
+            </a:xfrm>
+            <a:prstGeom prst="rect">
+              <a:avLst/>
+            </a:prstGeom>
+            <a:noFill/>
+          </p:spPr>
+          <p:txBody>
+            <a:bodyPr wrap="square" rtlCol="0">
+              <a:normAutofit fontScale="47500" lnSpcReduction="20000"/>
+            </a:bodyPr>
+            <a:lstStyle/>
+            <a:p>
+              <a:r>
+                <a:rPr lang="en-US" sz="1401" dirty="0"/>
+                <a:t>Container Runtime</a:t>
+              </a:r>
+            </a:p>
+          </p:txBody>
+        </p:sp>
+        <p:sp>
+          <p:nvSpPr>
+            <p:cNvPr id="8" name="Rounded Rectangle 7">
+              <a:extLst>
+                <a:ext uri="{FF2B5EF4-FFF2-40B4-BE49-F238E27FC236}">
+                  <a16:creationId xmlns:a16="http://schemas.microsoft.com/office/drawing/2014/main" id="{ED07D683-2FB3-754E-9120-D3171F168E56}"/>
+                </a:ext>
+              </a:extLst>
+            </p:cNvPr>
+            <p:cNvSpPr/>
+            <p:nvPr/>
+          </p:nvSpPr>
+          <p:spPr>
+            <a:xfrm>
+              <a:off x="2264931" y="888892"/>
+              <a:ext cx="1784914" cy="311691"/>
+            </a:xfrm>
+            <a:prstGeom prst="roundRect">
+              <a:avLst/>
+            </a:prstGeom>
+          </p:spPr>
+          <p:style>
+            <a:lnRef idx="3">
+              <a:schemeClr val="lt1"/>
+            </a:lnRef>
+            <a:fillRef idx="1">
+              <a:schemeClr val="accent2"/>
+            </a:fillRef>
+            <a:effectRef idx="1">
+              <a:schemeClr val="accent2"/>
+            </a:effectRef>
+            <a:fontRef idx="minor">
+              <a:schemeClr val="lt1"/>
+            </a:fontRef>
+          </p:style>
+          <p:txBody>
+            <a:bodyPr rot="0" spcFirstLastPara="0" vertOverflow="overflow" horzOverflow="overflow" vert="horz" wrap="square" lIns="91440" tIns="45721" rIns="91440" bIns="45721" numCol="1" spcCol="0" rtlCol="0" fromWordArt="0" anchor="ctr" anchorCtr="0" forceAA="0" compatLnSpc="1">
+              <a:prstTxWarp prst="textNoShape">
+                <a:avLst/>
+              </a:prstTxWarp>
+              <a:noAutofit/>
+            </a:bodyPr>
+            <a:lstStyle/>
+            <a:p>
+              <a:pPr algn="ctr"/>
+              <a:r>
+                <a:rPr lang="en-US" sz="800" dirty="0" err="1"/>
+                <a:t>kube</a:t>
+              </a:r>
+              <a:r>
+                <a:rPr lang="en-US" sz="800" dirty="0"/>
+                <a:t>-proxy</a:t>
+              </a:r>
+            </a:p>
+          </p:txBody>
+        </p:sp>
+        <p:sp>
+          <p:nvSpPr>
+            <p:cNvPr id="9" name="Rounded Rectangle 8">
+              <a:extLst>
+                <a:ext uri="{FF2B5EF4-FFF2-40B4-BE49-F238E27FC236}">
+                  <a16:creationId xmlns:a16="http://schemas.microsoft.com/office/drawing/2014/main" id="{8D8620C1-BD6D-D145-924A-828D00BCCD81}"/>
+                </a:ext>
+              </a:extLst>
+            </p:cNvPr>
+            <p:cNvSpPr/>
+            <p:nvPr/>
+          </p:nvSpPr>
+          <p:spPr>
+            <a:xfrm>
+              <a:off x="2264931" y="1322526"/>
+              <a:ext cx="1784914" cy="311691"/>
+            </a:xfrm>
+            <a:prstGeom prst="roundRect">
+              <a:avLst/>
+            </a:prstGeom>
+          </p:spPr>
+          <p:style>
+            <a:lnRef idx="3">
+              <a:schemeClr val="lt1"/>
+            </a:lnRef>
+            <a:fillRef idx="1">
+              <a:schemeClr val="accent2"/>
+            </a:fillRef>
+            <a:effectRef idx="1">
+              <a:schemeClr val="accent2"/>
+            </a:effectRef>
+            <a:fontRef idx="minor">
+              <a:schemeClr val="lt1"/>
+            </a:fontRef>
+          </p:style>
+          <p:txBody>
+            <a:bodyPr rot="0" spcFirstLastPara="0" vertOverflow="overflow" horzOverflow="overflow" vert="horz" wrap="square" lIns="91440" tIns="45721" rIns="91440" bIns="45721" numCol="1" spcCol="0" rtlCol="0" fromWordArt="0" anchor="ctr" anchorCtr="0" forceAA="0" compatLnSpc="1">
+              <a:prstTxWarp prst="textNoShape">
+                <a:avLst/>
+              </a:prstTxWarp>
+              <a:noAutofit/>
+            </a:bodyPr>
+            <a:lstStyle/>
+            <a:p>
+              <a:pPr algn="ctr"/>
+              <a:r>
+                <a:rPr lang="en-US" sz="800" dirty="0" err="1"/>
+                <a:t>cni</a:t>
+              </a:r>
+              <a:r>
+                <a:rPr lang="en-US" sz="800" dirty="0"/>
+                <a:t>-plugins</a:t>
+              </a:r>
+            </a:p>
+          </p:txBody>
+        </p:sp>
+        <p:sp>
+          <p:nvSpPr>
+            <p:cNvPr id="10" name="Rounded Rectangle 9">
+              <a:extLst>
+                <a:ext uri="{FF2B5EF4-FFF2-40B4-BE49-F238E27FC236}">
+                  <a16:creationId xmlns:a16="http://schemas.microsoft.com/office/drawing/2014/main" id="{3D0B3FB6-7DA8-0C41-B101-1217EE025BEC}"/>
+                </a:ext>
+              </a:extLst>
+            </p:cNvPr>
+            <p:cNvSpPr/>
+            <p:nvPr/>
+          </p:nvSpPr>
+          <p:spPr>
+            <a:xfrm>
+              <a:off x="2264931" y="1855197"/>
+              <a:ext cx="1784914" cy="222191"/>
+            </a:xfrm>
+            <a:prstGeom prst="roundRect">
+              <a:avLst/>
+            </a:prstGeom>
+          </p:spPr>
+          <p:style>
+            <a:lnRef idx="2">
+              <a:schemeClr val="accent4">
+                <a:shade val="50000"/>
+              </a:schemeClr>
+            </a:lnRef>
+            <a:fillRef idx="1">
+              <a:schemeClr val="accent4"/>
+            </a:fillRef>
+            <a:effectRef idx="0">
+              <a:schemeClr val="accent4"/>
+            </a:effectRef>
+            <a:fontRef idx="minor">
+              <a:schemeClr val="lt1"/>
+            </a:fontRef>
+          </p:style>
+          <p:txBody>
+            <a:bodyPr rot="0" spcFirstLastPara="0" vertOverflow="overflow" horzOverflow="overflow" vert="horz" wrap="square" lIns="91440" tIns="45721" rIns="91440" bIns="45721" numCol="1" spcCol="0" rtlCol="0" fromWordArt="0" anchor="ctr" anchorCtr="0" forceAA="0" compatLnSpc="1">
+              <a:prstTxWarp prst="textNoShape">
+                <a:avLst/>
+              </a:prstTxWarp>
+              <a:noAutofit/>
+            </a:bodyPr>
+            <a:lstStyle/>
+            <a:p>
+              <a:pPr algn="ctr"/>
+              <a:r>
+                <a:rPr lang="en-US" sz="800" dirty="0">
+                  <a:ln w="0"/>
+                  <a:solidFill>
+                    <a:schemeClr val="tx1"/>
+                  </a:solidFill>
+                  <a:effectLst>
+                    <a:outerShdw blurRad="38100" dist="19050" dir="2700000" algn="tl" rotWithShape="0">
+                      <a:schemeClr val="dk1">
+                        <a:alpha val="40000"/>
+                      </a:schemeClr>
+                    </a:outerShdw>
+                  </a:effectLst>
+                </a:rPr>
+                <a:t>kubelet</a:t>
+              </a:r>
+            </a:p>
+          </p:txBody>
+        </p:sp>
+      </p:grpSp>
+      <p:sp>
+        <p:nvSpPr>
+          <p:cNvPr id="22" name="TextBox 21">
+            <a:extLst>
+              <a:ext uri="{FF2B5EF4-FFF2-40B4-BE49-F238E27FC236}">
+                <a16:creationId xmlns:a16="http://schemas.microsoft.com/office/drawing/2014/main" id="{C05FCC3E-B5E9-D44C-9CC2-BE530D083DCC}"/>
+              </a:ext>
+            </a:extLst>
+          </p:cNvPr>
+          <p:cNvSpPr txBox="1"/>
+          <p:nvPr/>
+        </p:nvSpPr>
+        <p:spPr>
+          <a:xfrm>
+            <a:off x="7191200" y="237174"/>
+            <a:ext cx="1424826" cy="369460"/>
+          </a:xfrm>
+          <a:prstGeom prst="rect">
+            <a:avLst/>
+          </a:prstGeom>
+          <a:noFill/>
+        </p:spPr>
+        <p:txBody>
+          <a:bodyPr wrap="square" rtlCol="0">
+            <a:spAutoFit/>
+          </a:bodyPr>
+          <a:lstStyle/>
+          <a:p>
+            <a:r>
+              <a:rPr lang="en-US" sz="1801" dirty="0">
+                <a:solidFill>
+                  <a:schemeClr val="bg1"/>
+                </a:solidFill>
+              </a:rPr>
+              <a:t>Worker Node</a:t>
+            </a:r>
+          </a:p>
+        </p:txBody>
+      </p:sp>
+      <p:grpSp>
+        <p:nvGrpSpPr>
+          <p:cNvPr id="3" name="Group 2">
+            <a:extLst>
+              <a:ext uri="{FF2B5EF4-FFF2-40B4-BE49-F238E27FC236}">
+                <a16:creationId xmlns:a16="http://schemas.microsoft.com/office/drawing/2014/main" id="{7059DFC5-42BA-C14C-94AD-585E0C60C964}"/>
+              </a:ext>
+            </a:extLst>
+          </p:cNvPr>
+          <p:cNvGrpSpPr>
+            <a:grpSpLocks noChangeAspect="1"/>
+          </p:cNvGrpSpPr>
+          <p:nvPr/>
+        </p:nvGrpSpPr>
+        <p:grpSpPr>
+          <a:xfrm>
+            <a:off x="7119473" y="4030452"/>
+            <a:ext cx="1568279" cy="1971002"/>
+            <a:chOff x="4877344" y="237174"/>
+            <a:chExt cx="2612414" cy="3774757"/>
+          </a:xfrm>
+        </p:grpSpPr>
+        <p:sp>
+          <p:nvSpPr>
+            <p:cNvPr id="14" name="TextBox 13">
+              <a:extLst>
+                <a:ext uri="{FF2B5EF4-FFF2-40B4-BE49-F238E27FC236}">
+                  <a16:creationId xmlns:a16="http://schemas.microsoft.com/office/drawing/2014/main" id="{049919AC-C039-F647-9106-E922B1CE298E}"/>
+                </a:ext>
+              </a:extLst>
+            </p:cNvPr>
+            <p:cNvSpPr txBox="1"/>
+            <p:nvPr/>
+          </p:nvSpPr>
+          <p:spPr>
+            <a:xfrm>
+              <a:off x="5395589" y="237174"/>
+              <a:ext cx="1424826" cy="424767"/>
+            </a:xfrm>
+            <a:prstGeom prst="rect">
+              <a:avLst/>
+            </a:prstGeom>
+            <a:noFill/>
+          </p:spPr>
+          <p:txBody>
+            <a:bodyPr wrap="none" rtlCol="0">
+              <a:normAutofit fontScale="55000" lnSpcReduction="20000"/>
+            </a:bodyPr>
+            <a:lstStyle/>
+            <a:p>
+              <a:r>
+                <a:rPr lang="en-US" sz="1801" dirty="0">
+                  <a:solidFill>
+                    <a:schemeClr val="bg1"/>
+                  </a:solidFill>
+                </a:rPr>
+                <a:t>Worker Node</a:t>
+              </a:r>
+            </a:p>
+          </p:txBody>
+        </p:sp>
+        <p:sp>
+          <p:nvSpPr>
+            <p:cNvPr id="33" name="Rounded Rectangle 32">
+              <a:extLst>
+                <a:ext uri="{FF2B5EF4-FFF2-40B4-BE49-F238E27FC236}">
+                  <a16:creationId xmlns:a16="http://schemas.microsoft.com/office/drawing/2014/main" id="{BCD6DA34-4C1B-264E-AF03-B9B2C9E59659}"/>
+                </a:ext>
+              </a:extLst>
+            </p:cNvPr>
+            <p:cNvSpPr/>
+            <p:nvPr/>
+          </p:nvSpPr>
+          <p:spPr>
+            <a:xfrm>
+              <a:off x="4877344" y="237174"/>
+              <a:ext cx="2612414" cy="3774757"/>
+            </a:xfrm>
+            <a:prstGeom prst="roundRect">
+              <a:avLst/>
+            </a:prstGeom>
+          </p:spPr>
+          <p:style>
+            <a:lnRef idx="2">
+              <a:schemeClr val="accent1">
+                <a:shade val="50000"/>
+              </a:schemeClr>
+            </a:lnRef>
+            <a:fillRef idx="1">
+              <a:schemeClr val="accent1"/>
+            </a:fillRef>
+            <a:effectRef idx="0">
+              <a:schemeClr val="accent1"/>
+            </a:effectRef>
+            <a:fontRef idx="minor">
+              <a:schemeClr val="lt1"/>
+            </a:fontRef>
+          </p:style>
+          <p:txBody>
+            <a:bodyPr rot="0" spcFirstLastPara="0" vertOverflow="overflow" horzOverflow="overflow" vert="horz" wrap="none" lIns="91440" tIns="45721" rIns="91440" bIns="45721" numCol="1" spcCol="0" rtlCol="0" fromWordArt="0" anchor="ctr" anchorCtr="0" forceAA="0" compatLnSpc="1">
+              <a:prstTxWarp prst="textNoShape">
+                <a:avLst/>
+              </a:prstTxWarp>
+              <a:normAutofit/>
+            </a:bodyPr>
+            <a:lstStyle/>
+            <a:p>
+              <a:pPr algn="ctr"/>
+              <a:endParaRPr lang="en-US" sz="1801" dirty="0"/>
+            </a:p>
+          </p:txBody>
+        </p:sp>
+        <p:sp>
+          <p:nvSpPr>
+            <p:cNvPr id="34" name="TextBox 33">
+              <a:extLst>
+                <a:ext uri="{FF2B5EF4-FFF2-40B4-BE49-F238E27FC236}">
+                  <a16:creationId xmlns:a16="http://schemas.microsoft.com/office/drawing/2014/main" id="{E71FCEF6-6F23-AC47-A32B-08C5DDF8D977}"/>
+                </a:ext>
+              </a:extLst>
+            </p:cNvPr>
+            <p:cNvSpPr txBox="1"/>
+            <p:nvPr/>
+          </p:nvSpPr>
+          <p:spPr>
+            <a:xfrm>
+              <a:off x="5531802" y="254941"/>
+              <a:ext cx="1303489" cy="389234"/>
+            </a:xfrm>
+            <a:prstGeom prst="rect">
+              <a:avLst/>
+            </a:prstGeom>
+            <a:noFill/>
+          </p:spPr>
+          <p:txBody>
+            <a:bodyPr wrap="none" rtlCol="0">
+              <a:normAutofit fontScale="47500" lnSpcReduction="20000"/>
+            </a:bodyPr>
+            <a:lstStyle/>
+            <a:p>
+              <a:r>
+                <a:rPr lang="en-US" sz="1600" dirty="0">
+                  <a:solidFill>
+                    <a:schemeClr val="bg1"/>
+                  </a:solidFill>
+                </a:rPr>
+                <a:t>Master Node</a:t>
+              </a:r>
+            </a:p>
+          </p:txBody>
+        </p:sp>
+        <p:sp>
+          <p:nvSpPr>
+            <p:cNvPr id="35" name="Rounded Rectangle 34">
+              <a:extLst>
+                <a:ext uri="{FF2B5EF4-FFF2-40B4-BE49-F238E27FC236}">
+                  <a16:creationId xmlns:a16="http://schemas.microsoft.com/office/drawing/2014/main" id="{E9EF6D6D-8A31-D642-87AA-3FF62973FE06}"/>
+                </a:ext>
+              </a:extLst>
+            </p:cNvPr>
+            <p:cNvSpPr/>
+            <p:nvPr/>
+          </p:nvSpPr>
+          <p:spPr>
+            <a:xfrm>
+              <a:off x="4964895" y="577200"/>
+              <a:ext cx="2440135" cy="3011822"/>
+            </a:xfrm>
+            <a:prstGeom prst="roundRect">
+              <a:avLst/>
+            </a:prstGeom>
+          </p:spPr>
+          <p:style>
+            <a:lnRef idx="2">
+              <a:schemeClr val="accent5">
+                <a:shade val="50000"/>
+              </a:schemeClr>
+            </a:lnRef>
+            <a:fillRef idx="1">
+              <a:schemeClr val="accent5"/>
+            </a:fillRef>
+            <a:effectRef idx="0">
+              <a:schemeClr val="accent5"/>
+            </a:effectRef>
+            <a:fontRef idx="minor">
+              <a:schemeClr val="lt1"/>
+            </a:fontRef>
+          </p:style>
+          <p:txBody>
+            <a:bodyPr rot="0" spcFirstLastPara="0" vertOverflow="overflow" horzOverflow="overflow" vert="horz" wrap="none" lIns="91440" tIns="45721" rIns="91440" bIns="45721" numCol="1" spcCol="0" rtlCol="0" fromWordArt="0" anchor="ctr" anchorCtr="0" forceAA="0" compatLnSpc="1">
+              <a:prstTxWarp prst="textNoShape">
+                <a:avLst/>
+              </a:prstTxWarp>
+              <a:normAutofit/>
+            </a:bodyPr>
+            <a:lstStyle/>
+            <a:p>
+              <a:pPr algn="ctr"/>
+              <a:endParaRPr lang="en-US" sz="1801"/>
+            </a:p>
+          </p:txBody>
+        </p:sp>
+        <p:sp>
+          <p:nvSpPr>
+            <p:cNvPr id="36" name="TextBox 35">
+              <a:extLst>
+                <a:ext uri="{FF2B5EF4-FFF2-40B4-BE49-F238E27FC236}">
+                  <a16:creationId xmlns:a16="http://schemas.microsoft.com/office/drawing/2014/main" id="{A0FE036D-2E07-E14B-84E9-18199FED85CF}"/>
+                </a:ext>
+              </a:extLst>
+            </p:cNvPr>
+            <p:cNvSpPr txBox="1"/>
+            <p:nvPr/>
+          </p:nvSpPr>
+          <p:spPr>
+            <a:xfrm>
+              <a:off x="5427086" y="576316"/>
+              <a:ext cx="1620783" cy="353998"/>
+            </a:xfrm>
+            <a:prstGeom prst="rect">
+              <a:avLst/>
+            </a:prstGeom>
+            <a:noFill/>
+          </p:spPr>
+          <p:txBody>
+            <a:bodyPr wrap="none" rtlCol="0">
+              <a:normAutofit fontScale="47500" lnSpcReduction="20000"/>
+            </a:bodyPr>
+            <a:lstStyle/>
+            <a:p>
+              <a:r>
+                <a:rPr lang="en-US" sz="1401" dirty="0"/>
+                <a:t>Container Runtime</a:t>
+              </a:r>
+            </a:p>
+          </p:txBody>
+        </p:sp>
+        <p:sp>
+          <p:nvSpPr>
+            <p:cNvPr id="37" name="Rounded Rectangle 36">
+              <a:extLst>
+                <a:ext uri="{FF2B5EF4-FFF2-40B4-BE49-F238E27FC236}">
+                  <a16:creationId xmlns:a16="http://schemas.microsoft.com/office/drawing/2014/main" id="{E6D67B39-C250-BA47-B6B3-DBD063E62BC3}"/>
+                </a:ext>
+              </a:extLst>
+            </p:cNvPr>
+            <p:cNvSpPr/>
+            <p:nvPr/>
+          </p:nvSpPr>
+          <p:spPr>
+            <a:xfrm>
+              <a:off x="5166277" y="888892"/>
+              <a:ext cx="2034540" cy="311691"/>
+            </a:xfrm>
+            <a:prstGeom prst="roundRect">
+              <a:avLst/>
+            </a:prstGeom>
+          </p:spPr>
+          <p:style>
+            <a:lnRef idx="3">
+              <a:schemeClr val="lt1"/>
+            </a:lnRef>
+            <a:fillRef idx="1">
+              <a:schemeClr val="accent2"/>
+            </a:fillRef>
+            <a:effectRef idx="1">
+              <a:schemeClr val="accent2"/>
+            </a:effectRef>
+            <a:fontRef idx="minor">
+              <a:schemeClr val="lt1"/>
+            </a:fontRef>
+          </p:style>
+          <p:txBody>
+            <a:bodyPr rot="0" spcFirstLastPara="0" vertOverflow="overflow" horzOverflow="overflow" vert="horz" wrap="none" lIns="91440" tIns="45721" rIns="91440" bIns="45721" numCol="1" spcCol="0" rtlCol="0" fromWordArt="0" anchor="ctr" anchorCtr="0" forceAA="0" compatLnSpc="1">
+              <a:prstTxWarp prst="textNoShape">
+                <a:avLst/>
+              </a:prstTxWarp>
+              <a:noAutofit/>
+            </a:bodyPr>
+            <a:lstStyle/>
+            <a:p>
+              <a:pPr algn="ctr"/>
+              <a:r>
+                <a:rPr lang="en-US" sz="800" dirty="0" err="1"/>
+                <a:t>kube-apiserver</a:t>
+              </a:r>
+              <a:endParaRPr lang="en-US" sz="800" dirty="0"/>
+            </a:p>
+          </p:txBody>
+        </p:sp>
+        <p:sp>
+          <p:nvSpPr>
+            <p:cNvPr id="38" name="Rounded Rectangle 37">
+              <a:extLst>
+                <a:ext uri="{FF2B5EF4-FFF2-40B4-BE49-F238E27FC236}">
+                  <a16:creationId xmlns:a16="http://schemas.microsoft.com/office/drawing/2014/main" id="{81D035CD-C501-B349-ADF3-41823A23309F}"/>
+                </a:ext>
+              </a:extLst>
+            </p:cNvPr>
+            <p:cNvSpPr/>
+            <p:nvPr/>
+          </p:nvSpPr>
+          <p:spPr>
+            <a:xfrm>
+              <a:off x="5166277" y="1322526"/>
+              <a:ext cx="2034540" cy="311691"/>
+            </a:xfrm>
+            <a:prstGeom prst="roundRect">
+              <a:avLst/>
+            </a:prstGeom>
+          </p:spPr>
+          <p:style>
+            <a:lnRef idx="3">
+              <a:schemeClr val="lt1"/>
+            </a:lnRef>
+            <a:fillRef idx="1">
+              <a:schemeClr val="accent2"/>
+            </a:fillRef>
+            <a:effectRef idx="1">
+              <a:schemeClr val="accent2"/>
+            </a:effectRef>
+            <a:fontRef idx="minor">
+              <a:schemeClr val="lt1"/>
+            </a:fontRef>
+          </p:style>
+          <p:txBody>
+            <a:bodyPr rot="0" spcFirstLastPara="0" vertOverflow="overflow" horzOverflow="overflow" vert="horz" wrap="none" lIns="91440" tIns="45721" rIns="91440" bIns="45721" numCol="1" spcCol="0" rtlCol="0" fromWordArt="0" anchor="ctr" anchorCtr="0" forceAA="0" compatLnSpc="1">
+              <a:prstTxWarp prst="textNoShape">
+                <a:avLst/>
+              </a:prstTxWarp>
+              <a:noAutofit/>
+            </a:bodyPr>
+            <a:lstStyle/>
+            <a:p>
+              <a:pPr algn="ctr"/>
+              <a:r>
+                <a:rPr lang="en-US" sz="800" dirty="0" err="1"/>
+                <a:t>Kube</a:t>
+              </a:r>
+              <a:r>
+                <a:rPr lang="en-US" sz="800" dirty="0"/>
+                <a:t>-scheduler</a:t>
+              </a:r>
+            </a:p>
+          </p:txBody>
+        </p:sp>
+        <p:sp>
+          <p:nvSpPr>
+            <p:cNvPr id="39" name="Rounded Rectangle 38">
+              <a:extLst>
+                <a:ext uri="{FF2B5EF4-FFF2-40B4-BE49-F238E27FC236}">
+                  <a16:creationId xmlns:a16="http://schemas.microsoft.com/office/drawing/2014/main" id="{ECE40275-D3AD-F34E-A55D-BB3679B35729}"/>
+                </a:ext>
+              </a:extLst>
+            </p:cNvPr>
+            <p:cNvSpPr/>
+            <p:nvPr/>
+          </p:nvSpPr>
+          <p:spPr>
+            <a:xfrm>
+              <a:off x="5291090" y="3693804"/>
+              <a:ext cx="1784914" cy="235243"/>
+            </a:xfrm>
+            <a:prstGeom prst="roundRect">
+              <a:avLst/>
+            </a:prstGeom>
+          </p:spPr>
+          <p:style>
+            <a:lnRef idx="2">
+              <a:schemeClr val="accent4">
+                <a:shade val="50000"/>
+              </a:schemeClr>
+            </a:lnRef>
+            <a:fillRef idx="1">
+              <a:schemeClr val="accent4"/>
+            </a:fillRef>
+            <a:effectRef idx="0">
+              <a:schemeClr val="accent4"/>
+            </a:effectRef>
+            <a:fontRef idx="minor">
+              <a:schemeClr val="lt1"/>
+            </a:fontRef>
+          </p:style>
+          <p:txBody>
+            <a:bodyPr rot="0" spcFirstLastPara="0" vertOverflow="overflow" horzOverflow="overflow" vert="horz" wrap="none" lIns="91440" tIns="45721" rIns="91440" bIns="45721" numCol="1" spcCol="0" rtlCol="0" fromWordArt="0" anchor="ctr" anchorCtr="0" forceAA="0" compatLnSpc="1">
+              <a:prstTxWarp prst="textNoShape">
+                <a:avLst/>
+              </a:prstTxWarp>
+              <a:noAutofit/>
+            </a:bodyPr>
+            <a:lstStyle/>
+            <a:p>
+              <a:pPr algn="ctr"/>
+              <a:r>
+                <a:rPr lang="en-US" sz="800" dirty="0">
+                  <a:ln w="0"/>
+                  <a:solidFill>
+                    <a:schemeClr val="tx1"/>
+                  </a:solidFill>
+                  <a:effectLst>
+                    <a:outerShdw blurRad="38100" dist="19050" dir="2700000" algn="tl" rotWithShape="0">
+                      <a:schemeClr val="dk1">
+                        <a:alpha val="40000"/>
+                      </a:schemeClr>
+                    </a:outerShdw>
+                  </a:effectLst>
+                </a:rPr>
+                <a:t>kubelet</a:t>
+              </a:r>
+            </a:p>
+          </p:txBody>
+        </p:sp>
+        <p:sp>
+          <p:nvSpPr>
+            <p:cNvPr id="40" name="Rounded Rectangle 39">
+              <a:extLst>
+                <a:ext uri="{FF2B5EF4-FFF2-40B4-BE49-F238E27FC236}">
+                  <a16:creationId xmlns:a16="http://schemas.microsoft.com/office/drawing/2014/main" id="{4C3CBD63-81CE-0645-81A4-B6EF97FC0225}"/>
+                </a:ext>
+              </a:extLst>
+            </p:cNvPr>
+            <p:cNvSpPr/>
+            <p:nvPr/>
+          </p:nvSpPr>
+          <p:spPr>
+            <a:xfrm>
+              <a:off x="5166277" y="1755886"/>
+              <a:ext cx="2034540" cy="311691"/>
+            </a:xfrm>
+            <a:prstGeom prst="roundRect">
+              <a:avLst/>
+            </a:prstGeom>
+          </p:spPr>
+          <p:style>
+            <a:lnRef idx="3">
+              <a:schemeClr val="lt1"/>
+            </a:lnRef>
+            <a:fillRef idx="1">
+              <a:schemeClr val="accent2"/>
+            </a:fillRef>
+            <a:effectRef idx="1">
+              <a:schemeClr val="accent2"/>
+            </a:effectRef>
+            <a:fontRef idx="minor">
+              <a:schemeClr val="lt1"/>
+            </a:fontRef>
+          </p:style>
+          <p:txBody>
+            <a:bodyPr rot="0" spcFirstLastPara="0" vertOverflow="overflow" horzOverflow="overflow" vert="horz" wrap="none" lIns="91440" tIns="45721" rIns="91440" bIns="45721" numCol="1" spcCol="0" rtlCol="0" fromWordArt="0" anchor="ctr" anchorCtr="0" forceAA="0" compatLnSpc="1">
+              <a:prstTxWarp prst="textNoShape">
+                <a:avLst/>
+              </a:prstTxWarp>
+              <a:noAutofit/>
+            </a:bodyPr>
+            <a:lstStyle/>
+            <a:p>
+              <a:pPr algn="ctr"/>
+              <a:r>
+                <a:rPr lang="en-US" sz="800" dirty="0" err="1"/>
+                <a:t>kube</a:t>
+              </a:r>
+              <a:r>
+                <a:rPr lang="en-US" sz="800" dirty="0"/>
+                <a:t>-controller-manager</a:t>
+              </a:r>
+            </a:p>
+          </p:txBody>
+        </p:sp>
+        <p:sp>
+          <p:nvSpPr>
+            <p:cNvPr id="41" name="Rounded Rectangle 40">
+              <a:extLst>
+                <a:ext uri="{FF2B5EF4-FFF2-40B4-BE49-F238E27FC236}">
+                  <a16:creationId xmlns:a16="http://schemas.microsoft.com/office/drawing/2014/main" id="{CF340ADA-BC69-C84F-9B29-E0FDD42D9C04}"/>
+                </a:ext>
+              </a:extLst>
+            </p:cNvPr>
+            <p:cNvSpPr/>
+            <p:nvPr/>
+          </p:nvSpPr>
+          <p:spPr>
+            <a:xfrm>
+              <a:off x="5166277" y="2192742"/>
+              <a:ext cx="2034540" cy="311691"/>
+            </a:xfrm>
+            <a:prstGeom prst="roundRect">
+              <a:avLst/>
+            </a:prstGeom>
+          </p:spPr>
+          <p:style>
+            <a:lnRef idx="3">
+              <a:schemeClr val="lt1"/>
+            </a:lnRef>
+            <a:fillRef idx="1">
+              <a:schemeClr val="accent2"/>
+            </a:fillRef>
+            <a:effectRef idx="1">
+              <a:schemeClr val="accent2"/>
+            </a:effectRef>
+            <a:fontRef idx="minor">
+              <a:schemeClr val="lt1"/>
+            </a:fontRef>
+          </p:style>
+          <p:txBody>
+            <a:bodyPr rot="0" spcFirstLastPara="0" vertOverflow="overflow" horzOverflow="overflow" vert="horz" wrap="none" lIns="91440" tIns="45721" rIns="91440" bIns="45721" numCol="1" spcCol="0" rtlCol="0" fromWordArt="0" anchor="ctr" anchorCtr="0" forceAA="0" compatLnSpc="1">
+              <a:prstTxWarp prst="textNoShape">
+                <a:avLst/>
+              </a:prstTxWarp>
+              <a:noAutofit/>
+            </a:bodyPr>
+            <a:lstStyle/>
+            <a:p>
+              <a:pPr algn="ctr"/>
+              <a:r>
+                <a:rPr lang="en-US" sz="800" dirty="0" err="1"/>
+                <a:t>kube</a:t>
+              </a:r>
+              <a:r>
+                <a:rPr lang="en-US" sz="800" dirty="0"/>
+                <a:t>-proxy</a:t>
+              </a:r>
+            </a:p>
+          </p:txBody>
+        </p:sp>
+        <p:sp>
+          <p:nvSpPr>
+            <p:cNvPr id="42" name="Rounded Rectangle 41">
+              <a:extLst>
+                <a:ext uri="{FF2B5EF4-FFF2-40B4-BE49-F238E27FC236}">
+                  <a16:creationId xmlns:a16="http://schemas.microsoft.com/office/drawing/2014/main" id="{E1B6C602-73B8-9246-990F-12A90BF6FFEA}"/>
+                </a:ext>
+              </a:extLst>
+            </p:cNvPr>
+            <p:cNvSpPr/>
+            <p:nvPr/>
+          </p:nvSpPr>
+          <p:spPr>
+            <a:xfrm>
+              <a:off x="5166277" y="2625663"/>
+              <a:ext cx="2034540" cy="353588"/>
+            </a:xfrm>
+            <a:prstGeom prst="roundRect">
+              <a:avLst/>
+            </a:prstGeom>
+          </p:spPr>
+          <p:style>
+            <a:lnRef idx="3">
+              <a:schemeClr val="lt1"/>
+            </a:lnRef>
+            <a:fillRef idx="1">
+              <a:schemeClr val="accent2"/>
+            </a:fillRef>
+            <a:effectRef idx="1">
+              <a:schemeClr val="accent2"/>
+            </a:effectRef>
+            <a:fontRef idx="minor">
+              <a:schemeClr val="lt1"/>
+            </a:fontRef>
+          </p:style>
+          <p:txBody>
+            <a:bodyPr rot="0" spcFirstLastPara="0" vertOverflow="overflow" horzOverflow="overflow" vert="horz" wrap="none" lIns="91440" tIns="45721" rIns="91440" bIns="45721" numCol="1" spcCol="0" rtlCol="0" fromWordArt="0" anchor="ctr" anchorCtr="0" forceAA="0" compatLnSpc="1">
+              <a:prstTxWarp prst="textNoShape">
+                <a:avLst/>
+              </a:prstTxWarp>
+              <a:noAutofit/>
+            </a:bodyPr>
+            <a:lstStyle/>
+            <a:p>
+              <a:pPr algn="ctr"/>
+              <a:r>
+                <a:rPr lang="en-US" sz="800" dirty="0" err="1"/>
+                <a:t>cni</a:t>
+              </a:r>
+              <a:r>
+                <a:rPr lang="en-US" sz="800" dirty="0"/>
+                <a:t>-plugins</a:t>
+              </a:r>
+            </a:p>
+          </p:txBody>
+        </p:sp>
+        <p:sp>
+          <p:nvSpPr>
+            <p:cNvPr id="43" name="Rounded Rectangle 42">
+              <a:extLst>
+                <a:ext uri="{FF2B5EF4-FFF2-40B4-BE49-F238E27FC236}">
+                  <a16:creationId xmlns:a16="http://schemas.microsoft.com/office/drawing/2014/main" id="{D3120AA9-BB1F-3C4E-81F5-D30D1DAEBF50}"/>
+                </a:ext>
+              </a:extLst>
+            </p:cNvPr>
+            <p:cNvSpPr/>
+            <p:nvPr/>
+          </p:nvSpPr>
+          <p:spPr>
+            <a:xfrm>
+              <a:off x="5166279" y="3100484"/>
+              <a:ext cx="2034539" cy="311691"/>
+            </a:xfrm>
+            <a:prstGeom prst="roundRect">
+              <a:avLst/>
+            </a:prstGeom>
+          </p:spPr>
+          <p:style>
+            <a:lnRef idx="3">
+              <a:schemeClr val="lt1"/>
+            </a:lnRef>
+            <a:fillRef idx="1">
+              <a:schemeClr val="accent2"/>
+            </a:fillRef>
+            <a:effectRef idx="1">
+              <a:schemeClr val="accent2"/>
+            </a:effectRef>
+            <a:fontRef idx="minor">
+              <a:schemeClr val="lt1"/>
+            </a:fontRef>
+          </p:style>
+          <p:txBody>
+            <a:bodyPr rot="0" spcFirstLastPara="0" vertOverflow="overflow" horzOverflow="overflow" vert="horz" wrap="none" lIns="91440" tIns="45721" rIns="91440" bIns="45721" numCol="1" spcCol="0" rtlCol="0" fromWordArt="0" anchor="ctr" anchorCtr="0" forceAA="0" compatLnSpc="1">
+              <a:prstTxWarp prst="textNoShape">
+                <a:avLst/>
+              </a:prstTxWarp>
+              <a:noAutofit/>
+            </a:bodyPr>
+            <a:lstStyle/>
+            <a:p>
+              <a:pPr algn="ctr"/>
+              <a:r>
+                <a:rPr lang="en-US" sz="800" dirty="0" err="1"/>
+                <a:t>dns</a:t>
+              </a:r>
+              <a:r>
+                <a:rPr lang="en-US" sz="800" dirty="0"/>
+                <a:t>-cluster add-on</a:t>
+              </a:r>
+            </a:p>
+          </p:txBody>
+        </p:sp>
+      </p:grpSp>
+      <p:grpSp>
+        <p:nvGrpSpPr>
+          <p:cNvPr id="12" name="Group 11">
+            <a:extLst>
+              <a:ext uri="{FF2B5EF4-FFF2-40B4-BE49-F238E27FC236}">
+                <a16:creationId xmlns:a16="http://schemas.microsoft.com/office/drawing/2014/main" id="{69157E11-6776-ED4E-8AC7-7054DA351211}"/>
+              </a:ext>
+            </a:extLst>
+          </p:cNvPr>
+          <p:cNvGrpSpPr>
+            <a:grpSpLocks noChangeAspect="1"/>
+          </p:cNvGrpSpPr>
+          <p:nvPr/>
+        </p:nvGrpSpPr>
+        <p:grpSpPr>
+          <a:xfrm>
+            <a:off x="5552025" y="2560907"/>
+            <a:ext cx="1567448" cy="452623"/>
+            <a:chOff x="4877344" y="5173444"/>
+            <a:chExt cx="2612414" cy="754380"/>
+          </a:xfrm>
+        </p:grpSpPr>
+        <p:sp>
+          <p:nvSpPr>
+            <p:cNvPr id="49" name="Rounded Rectangle 48">
+              <a:extLst>
+                <a:ext uri="{FF2B5EF4-FFF2-40B4-BE49-F238E27FC236}">
+                  <a16:creationId xmlns:a16="http://schemas.microsoft.com/office/drawing/2014/main" id="{053B0C7C-3673-1746-A874-B2555517A267}"/>
+                </a:ext>
+              </a:extLst>
+            </p:cNvPr>
+            <p:cNvSpPr/>
+            <p:nvPr/>
+          </p:nvSpPr>
+          <p:spPr>
+            <a:xfrm>
+              <a:off x="4877344" y="5173444"/>
+              <a:ext cx="2612414" cy="754380"/>
+            </a:xfrm>
+            <a:prstGeom prst="roundRect">
+              <a:avLst/>
+            </a:prstGeom>
+          </p:spPr>
+          <p:style>
+            <a:lnRef idx="1">
+              <a:schemeClr val="accent2"/>
+            </a:lnRef>
+            <a:fillRef idx="2">
+              <a:schemeClr val="accent2"/>
+            </a:fillRef>
+            <a:effectRef idx="1">
+              <a:schemeClr val="accent2"/>
+            </a:effectRef>
+            <a:fontRef idx="minor">
+              <a:schemeClr val="dk1"/>
+            </a:fontRef>
+          </p:style>
+          <p:txBody>
+            <a:bodyPr rot="0" spcFirstLastPara="0" vertOverflow="overflow" horzOverflow="overflow" vert="horz" wrap="square" lIns="91440" tIns="45721" rIns="91440" bIns="45721" numCol="1" spcCol="0" rtlCol="0" fromWordArt="0" anchor="ctr" anchorCtr="0" forceAA="0" compatLnSpc="1">
+              <a:prstTxWarp prst="textNoShape">
+                <a:avLst/>
+              </a:prstTxWarp>
+              <a:normAutofit/>
+            </a:bodyPr>
+            <a:lstStyle/>
+            <a:p>
+              <a:pPr algn="ctr"/>
+              <a:endParaRPr lang="en-US" sz="1801"/>
+            </a:p>
+          </p:txBody>
+        </p:sp>
+        <p:sp>
+          <p:nvSpPr>
+            <p:cNvPr id="50" name="TextBox 49">
+              <a:extLst>
+                <a:ext uri="{FF2B5EF4-FFF2-40B4-BE49-F238E27FC236}">
+                  <a16:creationId xmlns:a16="http://schemas.microsoft.com/office/drawing/2014/main" id="{DEBB9979-7E38-CA47-BB93-9F0C88E161A1}"/>
+                </a:ext>
+              </a:extLst>
+            </p:cNvPr>
+            <p:cNvSpPr txBox="1"/>
+            <p:nvPr/>
+          </p:nvSpPr>
+          <p:spPr>
+            <a:xfrm>
+              <a:off x="5599408" y="5173445"/>
+              <a:ext cx="1168278" cy="338554"/>
+            </a:xfrm>
+            <a:prstGeom prst="rect">
+              <a:avLst/>
+            </a:prstGeom>
+            <a:noFill/>
+          </p:spPr>
+          <p:txBody>
+            <a:bodyPr wrap="square" rtlCol="0">
+              <a:normAutofit fontScale="47500" lnSpcReduction="20000"/>
+            </a:bodyPr>
+            <a:lstStyle/>
+            <a:p>
+              <a:r>
+                <a:rPr lang="en-US" sz="1600" dirty="0"/>
+                <a:t>Proxy Node</a:t>
+              </a:r>
+            </a:p>
+          </p:txBody>
+        </p:sp>
+        <p:sp>
+          <p:nvSpPr>
+            <p:cNvPr id="51" name="Rounded Rectangle 50">
+              <a:extLst>
+                <a:ext uri="{FF2B5EF4-FFF2-40B4-BE49-F238E27FC236}">
+                  <a16:creationId xmlns:a16="http://schemas.microsoft.com/office/drawing/2014/main" id="{DB757ADA-8E19-F240-B4A8-7D119934EC62}"/>
+                </a:ext>
+              </a:extLst>
+            </p:cNvPr>
+            <p:cNvSpPr/>
+            <p:nvPr/>
+          </p:nvSpPr>
+          <p:spPr>
+            <a:xfrm>
+              <a:off x="5291090" y="5550634"/>
+              <a:ext cx="1784914" cy="278666"/>
+            </a:xfrm>
+            <a:prstGeom prst="roundRect">
+              <a:avLst/>
+            </a:prstGeom>
+          </p:spPr>
+          <p:style>
+            <a:lnRef idx="2">
+              <a:schemeClr val="accent1">
+                <a:shade val="50000"/>
+              </a:schemeClr>
+            </a:lnRef>
+            <a:fillRef idx="1">
+              <a:schemeClr val="accent1"/>
+            </a:fillRef>
+            <a:effectRef idx="0">
+              <a:schemeClr val="accent1"/>
+            </a:effectRef>
+            <a:fontRef idx="minor">
+              <a:schemeClr val="lt1"/>
+            </a:fontRef>
+          </p:style>
+          <p:txBody>
+            <a:bodyPr rot="0" spcFirstLastPara="0" vertOverflow="overflow" horzOverflow="overflow" vert="horz" wrap="square" lIns="91440" tIns="45721" rIns="91440" bIns="45721" numCol="1" spcCol="0" rtlCol="0" fromWordArt="0" anchor="ctr" anchorCtr="0" forceAA="0" compatLnSpc="1">
+              <a:prstTxWarp prst="textNoShape">
+                <a:avLst/>
+              </a:prstTxWarp>
+              <a:noAutofit/>
+            </a:bodyPr>
+            <a:lstStyle/>
+            <a:p>
+              <a:pPr algn="ctr"/>
+              <a:r>
+                <a:rPr lang="en-US" sz="800" dirty="0" err="1"/>
+                <a:t>HAProxy</a:t>
+              </a:r>
+              <a:endParaRPr lang="en-US" sz="800" dirty="0"/>
+            </a:p>
+          </p:txBody>
+        </p:sp>
+      </p:grpSp>
+      <p:grpSp>
+        <p:nvGrpSpPr>
+          <p:cNvPr id="32" name="Group 31">
+            <a:extLst>
+              <a:ext uri="{FF2B5EF4-FFF2-40B4-BE49-F238E27FC236}">
+                <a16:creationId xmlns:a16="http://schemas.microsoft.com/office/drawing/2014/main" id="{D91DB83E-B173-904A-95A2-35E7F3BB5329}"/>
+              </a:ext>
+            </a:extLst>
+          </p:cNvPr>
+          <p:cNvGrpSpPr>
+            <a:grpSpLocks noChangeAspect="1"/>
+          </p:cNvGrpSpPr>
+          <p:nvPr/>
+        </p:nvGrpSpPr>
+        <p:grpSpPr>
+          <a:xfrm>
+            <a:off x="3417472" y="2560907"/>
+            <a:ext cx="1567448" cy="452623"/>
+            <a:chOff x="4877344" y="5173444"/>
+            <a:chExt cx="2612414" cy="754380"/>
+          </a:xfrm>
+        </p:grpSpPr>
+        <p:sp>
+          <p:nvSpPr>
+            <p:cNvPr id="44" name="Rounded Rectangle 43">
+              <a:extLst>
+                <a:ext uri="{FF2B5EF4-FFF2-40B4-BE49-F238E27FC236}">
+                  <a16:creationId xmlns:a16="http://schemas.microsoft.com/office/drawing/2014/main" id="{D39A7296-5966-9A4F-B815-823B78D98922}"/>
+                </a:ext>
+              </a:extLst>
+            </p:cNvPr>
+            <p:cNvSpPr/>
+            <p:nvPr/>
+          </p:nvSpPr>
+          <p:spPr>
+            <a:xfrm>
+              <a:off x="4877344" y="5173444"/>
+              <a:ext cx="2612414" cy="754380"/>
+            </a:xfrm>
+            <a:prstGeom prst="roundRect">
+              <a:avLst/>
+            </a:prstGeom>
+          </p:spPr>
+          <p:style>
+            <a:lnRef idx="1">
+              <a:schemeClr val="accent2"/>
+            </a:lnRef>
+            <a:fillRef idx="2">
+              <a:schemeClr val="accent2"/>
+            </a:fillRef>
+            <a:effectRef idx="1">
+              <a:schemeClr val="accent2"/>
+            </a:effectRef>
+            <a:fontRef idx="minor">
+              <a:schemeClr val="dk1"/>
+            </a:fontRef>
+          </p:style>
+          <p:txBody>
+            <a:bodyPr rot="0" spcFirstLastPara="0" vertOverflow="overflow" horzOverflow="overflow" vert="horz" wrap="square" lIns="91440" tIns="45721" rIns="91440" bIns="45721" numCol="1" spcCol="0" rtlCol="0" fromWordArt="0" anchor="ctr" anchorCtr="0" forceAA="0" compatLnSpc="1">
+              <a:prstTxWarp prst="textNoShape">
+                <a:avLst/>
+              </a:prstTxWarp>
+              <a:normAutofit/>
+            </a:bodyPr>
+            <a:lstStyle/>
+            <a:p>
+              <a:pPr algn="ctr"/>
+              <a:endParaRPr lang="en-US" sz="1801"/>
+            </a:p>
+          </p:txBody>
+        </p:sp>
+        <p:sp>
+          <p:nvSpPr>
+            <p:cNvPr id="48" name="TextBox 47">
+              <a:extLst>
+                <a:ext uri="{FF2B5EF4-FFF2-40B4-BE49-F238E27FC236}">
+                  <a16:creationId xmlns:a16="http://schemas.microsoft.com/office/drawing/2014/main" id="{88A844E3-9DA9-2744-B731-32314CEAD49A}"/>
+                </a:ext>
+              </a:extLst>
+            </p:cNvPr>
+            <p:cNvSpPr txBox="1"/>
+            <p:nvPr/>
+          </p:nvSpPr>
+          <p:spPr>
+            <a:xfrm>
+              <a:off x="5599408" y="5173445"/>
+              <a:ext cx="1168278" cy="338554"/>
+            </a:xfrm>
+            <a:prstGeom prst="rect">
+              <a:avLst/>
+            </a:prstGeom>
+            <a:noFill/>
+          </p:spPr>
+          <p:txBody>
+            <a:bodyPr wrap="square" rtlCol="0">
+              <a:normAutofit fontScale="47500" lnSpcReduction="20000"/>
+            </a:bodyPr>
+            <a:lstStyle/>
+            <a:p>
+              <a:r>
+                <a:rPr lang="en-US" sz="1600" dirty="0"/>
+                <a:t>Proxy Node</a:t>
+              </a:r>
+            </a:p>
+          </p:txBody>
+        </p:sp>
+        <p:sp>
+          <p:nvSpPr>
+            <p:cNvPr id="52" name="Rounded Rectangle 51">
+              <a:extLst>
+                <a:ext uri="{FF2B5EF4-FFF2-40B4-BE49-F238E27FC236}">
+                  <a16:creationId xmlns:a16="http://schemas.microsoft.com/office/drawing/2014/main" id="{3E47C7B3-68DD-4F40-84E7-506791E9C9D5}"/>
+                </a:ext>
+              </a:extLst>
+            </p:cNvPr>
+            <p:cNvSpPr/>
+            <p:nvPr/>
+          </p:nvSpPr>
+          <p:spPr>
+            <a:xfrm>
+              <a:off x="5291090" y="5550634"/>
+              <a:ext cx="1784914" cy="278666"/>
+            </a:xfrm>
+            <a:prstGeom prst="roundRect">
+              <a:avLst/>
+            </a:prstGeom>
+          </p:spPr>
+          <p:style>
+            <a:lnRef idx="2">
+              <a:schemeClr val="accent1">
+                <a:shade val="50000"/>
+              </a:schemeClr>
+            </a:lnRef>
+            <a:fillRef idx="1">
+              <a:schemeClr val="accent1"/>
+            </a:fillRef>
+            <a:effectRef idx="0">
+              <a:schemeClr val="accent1"/>
+            </a:effectRef>
+            <a:fontRef idx="minor">
+              <a:schemeClr val="lt1"/>
+            </a:fontRef>
+          </p:style>
+          <p:txBody>
+            <a:bodyPr rot="0" spcFirstLastPara="0" vertOverflow="overflow" horzOverflow="overflow" vert="horz" wrap="square" lIns="91440" tIns="45721" rIns="91440" bIns="45721" numCol="1" spcCol="0" rtlCol="0" fromWordArt="0" anchor="ctr" anchorCtr="0" forceAA="0" compatLnSpc="1">
+              <a:prstTxWarp prst="textNoShape">
+                <a:avLst/>
+              </a:prstTxWarp>
+              <a:noAutofit/>
+            </a:bodyPr>
+            <a:lstStyle/>
+            <a:p>
+              <a:pPr algn="ctr"/>
+              <a:r>
+                <a:rPr lang="en-US" sz="800" dirty="0" err="1"/>
+                <a:t>HAProxy</a:t>
+              </a:r>
+              <a:endParaRPr lang="en-US" sz="800" dirty="0"/>
+            </a:p>
+          </p:txBody>
+        </p:sp>
+      </p:grpSp>
+      <p:grpSp>
+        <p:nvGrpSpPr>
+          <p:cNvPr id="53" name="Group 52">
+            <a:extLst>
+              <a:ext uri="{FF2B5EF4-FFF2-40B4-BE49-F238E27FC236}">
+                <a16:creationId xmlns:a16="http://schemas.microsoft.com/office/drawing/2014/main" id="{0927612F-3CC3-0145-9DE2-F806894D0ADC}"/>
+              </a:ext>
+            </a:extLst>
+          </p:cNvPr>
+          <p:cNvGrpSpPr>
+            <a:grpSpLocks noChangeAspect="1"/>
+          </p:cNvGrpSpPr>
+          <p:nvPr/>
+        </p:nvGrpSpPr>
+        <p:grpSpPr>
+          <a:xfrm>
+            <a:off x="1850614" y="4044488"/>
+            <a:ext cx="1568279" cy="1971002"/>
+            <a:chOff x="4877344" y="237174"/>
+            <a:chExt cx="2612414" cy="3774757"/>
+          </a:xfrm>
+        </p:grpSpPr>
+        <p:sp>
+          <p:nvSpPr>
+            <p:cNvPr id="54" name="TextBox 53">
+              <a:extLst>
+                <a:ext uri="{FF2B5EF4-FFF2-40B4-BE49-F238E27FC236}">
+                  <a16:creationId xmlns:a16="http://schemas.microsoft.com/office/drawing/2014/main" id="{82C4C4B0-4864-3948-A358-4AC018AE4906}"/>
+                </a:ext>
+              </a:extLst>
+            </p:cNvPr>
+            <p:cNvSpPr txBox="1"/>
+            <p:nvPr/>
+          </p:nvSpPr>
+          <p:spPr>
+            <a:xfrm>
+              <a:off x="5395589" y="237174"/>
+              <a:ext cx="1424826" cy="424767"/>
+            </a:xfrm>
+            <a:prstGeom prst="rect">
+              <a:avLst/>
+            </a:prstGeom>
+            <a:noFill/>
+          </p:spPr>
+          <p:txBody>
+            <a:bodyPr wrap="none" rtlCol="0">
+              <a:normAutofit fontScale="55000" lnSpcReduction="20000"/>
+            </a:bodyPr>
+            <a:lstStyle/>
+            <a:p>
+              <a:r>
+                <a:rPr lang="en-US" sz="1801" dirty="0">
+                  <a:solidFill>
+                    <a:schemeClr val="bg1"/>
+                  </a:solidFill>
+                </a:rPr>
+                <a:t>Worker Node</a:t>
+              </a:r>
+            </a:p>
+          </p:txBody>
+        </p:sp>
+        <p:sp>
+          <p:nvSpPr>
+            <p:cNvPr id="55" name="Rounded Rectangle 54">
+              <a:extLst>
+                <a:ext uri="{FF2B5EF4-FFF2-40B4-BE49-F238E27FC236}">
+                  <a16:creationId xmlns:a16="http://schemas.microsoft.com/office/drawing/2014/main" id="{5DBC2859-B9AF-634D-9CDF-21C8B3B5FDFA}"/>
+                </a:ext>
+              </a:extLst>
+            </p:cNvPr>
+            <p:cNvSpPr/>
+            <p:nvPr/>
+          </p:nvSpPr>
+          <p:spPr>
+            <a:xfrm>
+              <a:off x="4877344" y="237174"/>
+              <a:ext cx="2612414" cy="3774757"/>
+            </a:xfrm>
+            <a:prstGeom prst="roundRect">
+              <a:avLst/>
+            </a:prstGeom>
+          </p:spPr>
+          <p:style>
+            <a:lnRef idx="2">
+              <a:schemeClr val="accent1">
+                <a:shade val="50000"/>
+              </a:schemeClr>
+            </a:lnRef>
+            <a:fillRef idx="1">
+              <a:schemeClr val="accent1"/>
+            </a:fillRef>
+            <a:effectRef idx="0">
+              <a:schemeClr val="accent1"/>
+            </a:effectRef>
+            <a:fontRef idx="minor">
+              <a:schemeClr val="lt1"/>
+            </a:fontRef>
+          </p:style>
+          <p:txBody>
+            <a:bodyPr rot="0" spcFirstLastPara="0" vertOverflow="overflow" horzOverflow="overflow" vert="horz" wrap="none" lIns="91440" tIns="45721" rIns="91440" bIns="45721" numCol="1" spcCol="0" rtlCol="0" fromWordArt="0" anchor="ctr" anchorCtr="0" forceAA="0" compatLnSpc="1">
+              <a:prstTxWarp prst="textNoShape">
+                <a:avLst/>
+              </a:prstTxWarp>
+              <a:normAutofit/>
+            </a:bodyPr>
+            <a:lstStyle/>
+            <a:p>
+              <a:pPr algn="ctr"/>
+              <a:endParaRPr lang="en-US" sz="1801" dirty="0"/>
+            </a:p>
+          </p:txBody>
+        </p:sp>
+        <p:sp>
+          <p:nvSpPr>
+            <p:cNvPr id="56" name="TextBox 55">
+              <a:extLst>
+                <a:ext uri="{FF2B5EF4-FFF2-40B4-BE49-F238E27FC236}">
+                  <a16:creationId xmlns:a16="http://schemas.microsoft.com/office/drawing/2014/main" id="{697DDF32-DE9D-114A-AE14-9DBEDD91BCE6}"/>
+                </a:ext>
+              </a:extLst>
+            </p:cNvPr>
+            <p:cNvSpPr txBox="1"/>
+            <p:nvPr/>
+          </p:nvSpPr>
+          <p:spPr>
+            <a:xfrm>
+              <a:off x="5531802" y="254941"/>
+              <a:ext cx="1303489" cy="389234"/>
+            </a:xfrm>
+            <a:prstGeom prst="rect">
+              <a:avLst/>
+            </a:prstGeom>
+            <a:noFill/>
+          </p:spPr>
+          <p:txBody>
+            <a:bodyPr wrap="none" rtlCol="0">
+              <a:normAutofit fontScale="47500" lnSpcReduction="20000"/>
+            </a:bodyPr>
+            <a:lstStyle/>
+            <a:p>
+              <a:r>
+                <a:rPr lang="en-US" sz="1600" dirty="0">
+                  <a:solidFill>
+                    <a:schemeClr val="bg1"/>
+                  </a:solidFill>
+                </a:rPr>
+                <a:t>Master Node</a:t>
+              </a:r>
+            </a:p>
+          </p:txBody>
+        </p:sp>
+        <p:sp>
+          <p:nvSpPr>
+            <p:cNvPr id="57" name="Rounded Rectangle 56">
+              <a:extLst>
+                <a:ext uri="{FF2B5EF4-FFF2-40B4-BE49-F238E27FC236}">
+                  <a16:creationId xmlns:a16="http://schemas.microsoft.com/office/drawing/2014/main" id="{AEDC195D-4F28-4049-A954-AA7440314E08}"/>
+                </a:ext>
+              </a:extLst>
+            </p:cNvPr>
+            <p:cNvSpPr/>
+            <p:nvPr/>
+          </p:nvSpPr>
+          <p:spPr>
+            <a:xfrm>
+              <a:off x="4964895" y="577200"/>
+              <a:ext cx="2440135" cy="3011822"/>
+            </a:xfrm>
+            <a:prstGeom prst="roundRect">
+              <a:avLst/>
+            </a:prstGeom>
+          </p:spPr>
+          <p:style>
+            <a:lnRef idx="2">
+              <a:schemeClr val="accent5">
+                <a:shade val="50000"/>
+              </a:schemeClr>
+            </a:lnRef>
+            <a:fillRef idx="1">
+              <a:schemeClr val="accent5"/>
+            </a:fillRef>
+            <a:effectRef idx="0">
+              <a:schemeClr val="accent5"/>
+            </a:effectRef>
+            <a:fontRef idx="minor">
+              <a:schemeClr val="lt1"/>
+            </a:fontRef>
+          </p:style>
+          <p:txBody>
+            <a:bodyPr rot="0" spcFirstLastPara="0" vertOverflow="overflow" horzOverflow="overflow" vert="horz" wrap="none" lIns="91440" tIns="45721" rIns="91440" bIns="45721" numCol="1" spcCol="0" rtlCol="0" fromWordArt="0" anchor="ctr" anchorCtr="0" forceAA="0" compatLnSpc="1">
+              <a:prstTxWarp prst="textNoShape">
+                <a:avLst/>
+              </a:prstTxWarp>
+              <a:normAutofit/>
+            </a:bodyPr>
+            <a:lstStyle/>
+            <a:p>
+              <a:pPr algn="ctr"/>
+              <a:endParaRPr lang="en-US" sz="1801"/>
+            </a:p>
+          </p:txBody>
+        </p:sp>
+        <p:sp>
+          <p:nvSpPr>
+            <p:cNvPr id="58" name="TextBox 57">
+              <a:extLst>
+                <a:ext uri="{FF2B5EF4-FFF2-40B4-BE49-F238E27FC236}">
+                  <a16:creationId xmlns:a16="http://schemas.microsoft.com/office/drawing/2014/main" id="{CDA08502-A257-0B4F-A451-F8BC6D0FAE5F}"/>
+                </a:ext>
+              </a:extLst>
+            </p:cNvPr>
+            <p:cNvSpPr txBox="1"/>
+            <p:nvPr/>
+          </p:nvSpPr>
+          <p:spPr>
+            <a:xfrm>
+              <a:off x="5427086" y="576316"/>
+              <a:ext cx="1620783" cy="353998"/>
+            </a:xfrm>
+            <a:prstGeom prst="rect">
+              <a:avLst/>
+            </a:prstGeom>
+            <a:noFill/>
+          </p:spPr>
+          <p:txBody>
+            <a:bodyPr wrap="none" rtlCol="0">
+              <a:normAutofit fontScale="47500" lnSpcReduction="20000"/>
+            </a:bodyPr>
+            <a:lstStyle/>
+            <a:p>
+              <a:r>
+                <a:rPr lang="en-US" sz="1401" dirty="0"/>
+                <a:t>Container Runtime</a:t>
+              </a:r>
+            </a:p>
+          </p:txBody>
+        </p:sp>
+        <p:sp>
+          <p:nvSpPr>
+            <p:cNvPr id="59" name="Rounded Rectangle 58">
+              <a:extLst>
+                <a:ext uri="{FF2B5EF4-FFF2-40B4-BE49-F238E27FC236}">
+                  <a16:creationId xmlns:a16="http://schemas.microsoft.com/office/drawing/2014/main" id="{F7B45070-584A-B14B-BB7A-695FB5BBF2A8}"/>
+                </a:ext>
+              </a:extLst>
+            </p:cNvPr>
+            <p:cNvSpPr/>
+            <p:nvPr/>
+          </p:nvSpPr>
+          <p:spPr>
+            <a:xfrm>
+              <a:off x="5166277" y="888892"/>
+              <a:ext cx="2034540" cy="311691"/>
+            </a:xfrm>
+            <a:prstGeom prst="roundRect">
+              <a:avLst/>
+            </a:prstGeom>
+          </p:spPr>
+          <p:style>
+            <a:lnRef idx="3">
+              <a:schemeClr val="lt1"/>
+            </a:lnRef>
+            <a:fillRef idx="1">
+              <a:schemeClr val="accent2"/>
+            </a:fillRef>
+            <a:effectRef idx="1">
+              <a:schemeClr val="accent2"/>
+            </a:effectRef>
+            <a:fontRef idx="minor">
+              <a:schemeClr val="lt1"/>
+            </a:fontRef>
+          </p:style>
+          <p:txBody>
+            <a:bodyPr rot="0" spcFirstLastPara="0" vertOverflow="overflow" horzOverflow="overflow" vert="horz" wrap="none" lIns="91440" tIns="45721" rIns="91440" bIns="45721" numCol="1" spcCol="0" rtlCol="0" fromWordArt="0" anchor="ctr" anchorCtr="0" forceAA="0" compatLnSpc="1">
+              <a:prstTxWarp prst="textNoShape">
+                <a:avLst/>
+              </a:prstTxWarp>
+              <a:noAutofit/>
+            </a:bodyPr>
+            <a:lstStyle/>
+            <a:p>
+              <a:pPr algn="ctr"/>
+              <a:r>
+                <a:rPr lang="en-US" sz="800" dirty="0" err="1"/>
+                <a:t>kube-apiserver</a:t>
+              </a:r>
+              <a:endParaRPr lang="en-US" sz="800" dirty="0"/>
+            </a:p>
+          </p:txBody>
+        </p:sp>
+        <p:sp>
+          <p:nvSpPr>
+            <p:cNvPr id="60" name="Rounded Rectangle 59">
+              <a:extLst>
+                <a:ext uri="{FF2B5EF4-FFF2-40B4-BE49-F238E27FC236}">
+                  <a16:creationId xmlns:a16="http://schemas.microsoft.com/office/drawing/2014/main" id="{D2681688-2E63-FC48-8368-9012E09ADE58}"/>
+                </a:ext>
+              </a:extLst>
+            </p:cNvPr>
+            <p:cNvSpPr/>
+            <p:nvPr/>
+          </p:nvSpPr>
+          <p:spPr>
+            <a:xfrm>
+              <a:off x="5166277" y="1322526"/>
+              <a:ext cx="2034540" cy="311691"/>
+            </a:xfrm>
+            <a:prstGeom prst="roundRect">
+              <a:avLst/>
+            </a:prstGeom>
+          </p:spPr>
+          <p:style>
+            <a:lnRef idx="3">
+              <a:schemeClr val="lt1"/>
+            </a:lnRef>
+            <a:fillRef idx="1">
+              <a:schemeClr val="accent2"/>
+            </a:fillRef>
+            <a:effectRef idx="1">
+              <a:schemeClr val="accent2"/>
+            </a:effectRef>
+            <a:fontRef idx="minor">
+              <a:schemeClr val="lt1"/>
+            </a:fontRef>
+          </p:style>
+          <p:txBody>
+            <a:bodyPr rot="0" spcFirstLastPara="0" vertOverflow="overflow" horzOverflow="overflow" vert="horz" wrap="none" lIns="91440" tIns="45721" rIns="91440" bIns="45721" numCol="1" spcCol="0" rtlCol="0" fromWordArt="0" anchor="ctr" anchorCtr="0" forceAA="0" compatLnSpc="1">
+              <a:prstTxWarp prst="textNoShape">
+                <a:avLst/>
+              </a:prstTxWarp>
+              <a:noAutofit/>
+            </a:bodyPr>
+            <a:lstStyle/>
+            <a:p>
+              <a:pPr algn="ctr"/>
+              <a:r>
+                <a:rPr lang="en-US" sz="800" dirty="0" err="1"/>
+                <a:t>Kube</a:t>
+              </a:r>
+              <a:r>
+                <a:rPr lang="en-US" sz="800" dirty="0"/>
+                <a:t>-scheduler</a:t>
+              </a:r>
+            </a:p>
+          </p:txBody>
+        </p:sp>
+        <p:sp>
+          <p:nvSpPr>
+            <p:cNvPr id="61" name="Rounded Rectangle 60">
+              <a:extLst>
+                <a:ext uri="{FF2B5EF4-FFF2-40B4-BE49-F238E27FC236}">
+                  <a16:creationId xmlns:a16="http://schemas.microsoft.com/office/drawing/2014/main" id="{83850DE6-D607-E44D-9C46-B3151D1D6411}"/>
+                </a:ext>
+              </a:extLst>
+            </p:cNvPr>
+            <p:cNvSpPr/>
+            <p:nvPr/>
+          </p:nvSpPr>
+          <p:spPr>
+            <a:xfrm>
+              <a:off x="5291090" y="3693804"/>
+              <a:ext cx="1784914" cy="235243"/>
+            </a:xfrm>
+            <a:prstGeom prst="roundRect">
+              <a:avLst/>
+            </a:prstGeom>
+          </p:spPr>
+          <p:style>
+            <a:lnRef idx="2">
+              <a:schemeClr val="accent4">
+                <a:shade val="50000"/>
+              </a:schemeClr>
+            </a:lnRef>
+            <a:fillRef idx="1">
+              <a:schemeClr val="accent4"/>
+            </a:fillRef>
+            <a:effectRef idx="0">
+              <a:schemeClr val="accent4"/>
+            </a:effectRef>
+            <a:fontRef idx="minor">
+              <a:schemeClr val="lt1"/>
+            </a:fontRef>
+          </p:style>
+          <p:txBody>
+            <a:bodyPr rot="0" spcFirstLastPara="0" vertOverflow="overflow" horzOverflow="overflow" vert="horz" wrap="none" lIns="91440" tIns="45721" rIns="91440" bIns="45721" numCol="1" spcCol="0" rtlCol="0" fromWordArt="0" anchor="ctr" anchorCtr="0" forceAA="0" compatLnSpc="1">
+              <a:prstTxWarp prst="textNoShape">
+                <a:avLst/>
+              </a:prstTxWarp>
+              <a:noAutofit/>
+            </a:bodyPr>
+            <a:lstStyle/>
+            <a:p>
+              <a:pPr algn="ctr"/>
+              <a:r>
+                <a:rPr lang="en-US" sz="800" dirty="0">
+                  <a:ln w="0"/>
+                  <a:solidFill>
+                    <a:schemeClr val="tx1"/>
+                  </a:solidFill>
+                  <a:effectLst>
+                    <a:outerShdw blurRad="38100" dist="19050" dir="2700000" algn="tl" rotWithShape="0">
+                      <a:schemeClr val="dk1">
+                        <a:alpha val="40000"/>
+                      </a:schemeClr>
+                    </a:outerShdw>
+                  </a:effectLst>
+                </a:rPr>
+                <a:t>kubelet</a:t>
+              </a:r>
+            </a:p>
+          </p:txBody>
+        </p:sp>
+        <p:sp>
+          <p:nvSpPr>
+            <p:cNvPr id="62" name="Rounded Rectangle 61">
+              <a:extLst>
+                <a:ext uri="{FF2B5EF4-FFF2-40B4-BE49-F238E27FC236}">
+                  <a16:creationId xmlns:a16="http://schemas.microsoft.com/office/drawing/2014/main" id="{119A32C5-E38B-3145-B94C-4527BE77D5F7}"/>
+                </a:ext>
+              </a:extLst>
+            </p:cNvPr>
+            <p:cNvSpPr/>
+            <p:nvPr/>
+          </p:nvSpPr>
+          <p:spPr>
+            <a:xfrm>
+              <a:off x="5166277" y="1755886"/>
+              <a:ext cx="2034540" cy="311691"/>
+            </a:xfrm>
+            <a:prstGeom prst="roundRect">
+              <a:avLst/>
+            </a:prstGeom>
+          </p:spPr>
+          <p:style>
+            <a:lnRef idx="3">
+              <a:schemeClr val="lt1"/>
+            </a:lnRef>
+            <a:fillRef idx="1">
+              <a:schemeClr val="accent2"/>
+            </a:fillRef>
+            <a:effectRef idx="1">
+              <a:schemeClr val="accent2"/>
+            </a:effectRef>
+            <a:fontRef idx="minor">
+              <a:schemeClr val="lt1"/>
+            </a:fontRef>
+          </p:style>
+          <p:txBody>
+            <a:bodyPr rot="0" spcFirstLastPara="0" vertOverflow="overflow" horzOverflow="overflow" vert="horz" wrap="none" lIns="91440" tIns="45721" rIns="91440" bIns="45721" numCol="1" spcCol="0" rtlCol="0" fromWordArt="0" anchor="ctr" anchorCtr="0" forceAA="0" compatLnSpc="1">
+              <a:prstTxWarp prst="textNoShape">
+                <a:avLst/>
+              </a:prstTxWarp>
+              <a:noAutofit/>
+            </a:bodyPr>
+            <a:lstStyle/>
+            <a:p>
+              <a:pPr algn="ctr"/>
+              <a:r>
+                <a:rPr lang="en-US" sz="800" dirty="0" err="1"/>
+                <a:t>kube</a:t>
+              </a:r>
+              <a:r>
+                <a:rPr lang="en-US" sz="800" dirty="0"/>
+                <a:t>-controller-manager</a:t>
+              </a:r>
+            </a:p>
+          </p:txBody>
+        </p:sp>
+        <p:sp>
+          <p:nvSpPr>
+            <p:cNvPr id="63" name="Rounded Rectangle 62">
+              <a:extLst>
+                <a:ext uri="{FF2B5EF4-FFF2-40B4-BE49-F238E27FC236}">
+                  <a16:creationId xmlns:a16="http://schemas.microsoft.com/office/drawing/2014/main" id="{333F294D-482F-E14A-8990-63492E14DB6F}"/>
+                </a:ext>
+              </a:extLst>
+            </p:cNvPr>
+            <p:cNvSpPr/>
+            <p:nvPr/>
+          </p:nvSpPr>
+          <p:spPr>
+            <a:xfrm>
+              <a:off x="5166277" y="2192742"/>
+              <a:ext cx="2034540" cy="311691"/>
+            </a:xfrm>
+            <a:prstGeom prst="roundRect">
+              <a:avLst/>
+            </a:prstGeom>
+          </p:spPr>
+          <p:style>
+            <a:lnRef idx="3">
+              <a:schemeClr val="lt1"/>
+            </a:lnRef>
+            <a:fillRef idx="1">
+              <a:schemeClr val="accent2"/>
+            </a:fillRef>
+            <a:effectRef idx="1">
+              <a:schemeClr val="accent2"/>
+            </a:effectRef>
+            <a:fontRef idx="minor">
+              <a:schemeClr val="lt1"/>
+            </a:fontRef>
+          </p:style>
+          <p:txBody>
+            <a:bodyPr rot="0" spcFirstLastPara="0" vertOverflow="overflow" horzOverflow="overflow" vert="horz" wrap="none" lIns="91440" tIns="45721" rIns="91440" bIns="45721" numCol="1" spcCol="0" rtlCol="0" fromWordArt="0" anchor="ctr" anchorCtr="0" forceAA="0" compatLnSpc="1">
+              <a:prstTxWarp prst="textNoShape">
+                <a:avLst/>
+              </a:prstTxWarp>
+              <a:noAutofit/>
+            </a:bodyPr>
+            <a:lstStyle/>
+            <a:p>
+              <a:pPr algn="ctr"/>
+              <a:r>
+                <a:rPr lang="en-US" sz="800" dirty="0" err="1"/>
+                <a:t>kube</a:t>
+              </a:r>
+              <a:r>
+                <a:rPr lang="en-US" sz="800" dirty="0"/>
+                <a:t>-proxy</a:t>
+              </a:r>
+            </a:p>
+          </p:txBody>
+        </p:sp>
+        <p:sp>
+          <p:nvSpPr>
+            <p:cNvPr id="64" name="Rounded Rectangle 63">
+              <a:extLst>
+                <a:ext uri="{FF2B5EF4-FFF2-40B4-BE49-F238E27FC236}">
+                  <a16:creationId xmlns:a16="http://schemas.microsoft.com/office/drawing/2014/main" id="{6DF2B456-3A42-044D-A1DB-4D9EDDE719A2}"/>
+                </a:ext>
+              </a:extLst>
+            </p:cNvPr>
+            <p:cNvSpPr/>
+            <p:nvPr/>
+          </p:nvSpPr>
+          <p:spPr>
+            <a:xfrm>
+              <a:off x="5166277" y="2625663"/>
+              <a:ext cx="2034540" cy="353588"/>
+            </a:xfrm>
+            <a:prstGeom prst="roundRect">
+              <a:avLst/>
+            </a:prstGeom>
+          </p:spPr>
+          <p:style>
+            <a:lnRef idx="3">
+              <a:schemeClr val="lt1"/>
+            </a:lnRef>
+            <a:fillRef idx="1">
+              <a:schemeClr val="accent2"/>
+            </a:fillRef>
+            <a:effectRef idx="1">
+              <a:schemeClr val="accent2"/>
+            </a:effectRef>
+            <a:fontRef idx="minor">
+              <a:schemeClr val="lt1"/>
+            </a:fontRef>
+          </p:style>
+          <p:txBody>
+            <a:bodyPr rot="0" spcFirstLastPara="0" vertOverflow="overflow" horzOverflow="overflow" vert="horz" wrap="none" lIns="91440" tIns="45721" rIns="91440" bIns="45721" numCol="1" spcCol="0" rtlCol="0" fromWordArt="0" anchor="ctr" anchorCtr="0" forceAA="0" compatLnSpc="1">
+              <a:prstTxWarp prst="textNoShape">
+                <a:avLst/>
+              </a:prstTxWarp>
+              <a:noAutofit/>
+            </a:bodyPr>
+            <a:lstStyle/>
+            <a:p>
+              <a:pPr algn="ctr"/>
+              <a:r>
+                <a:rPr lang="en-US" sz="800" dirty="0" err="1"/>
+                <a:t>cni</a:t>
+              </a:r>
+              <a:r>
+                <a:rPr lang="en-US" sz="800" dirty="0"/>
+                <a:t>-plugins</a:t>
+              </a:r>
+            </a:p>
+          </p:txBody>
+        </p:sp>
+        <p:sp>
+          <p:nvSpPr>
+            <p:cNvPr id="65" name="Rounded Rectangle 64">
+              <a:extLst>
+                <a:ext uri="{FF2B5EF4-FFF2-40B4-BE49-F238E27FC236}">
+                  <a16:creationId xmlns:a16="http://schemas.microsoft.com/office/drawing/2014/main" id="{BCE4BB28-E81C-AD40-BC3D-06CDD53E550E}"/>
+                </a:ext>
+              </a:extLst>
+            </p:cNvPr>
+            <p:cNvSpPr/>
+            <p:nvPr/>
+          </p:nvSpPr>
+          <p:spPr>
+            <a:xfrm>
+              <a:off x="5166279" y="3100484"/>
+              <a:ext cx="2034539" cy="311691"/>
+            </a:xfrm>
+            <a:prstGeom prst="roundRect">
+              <a:avLst/>
+            </a:prstGeom>
+          </p:spPr>
+          <p:style>
+            <a:lnRef idx="3">
+              <a:schemeClr val="lt1"/>
+            </a:lnRef>
+            <a:fillRef idx="1">
+              <a:schemeClr val="accent2"/>
+            </a:fillRef>
+            <a:effectRef idx="1">
+              <a:schemeClr val="accent2"/>
+            </a:effectRef>
+            <a:fontRef idx="minor">
+              <a:schemeClr val="lt1"/>
+            </a:fontRef>
+          </p:style>
+          <p:txBody>
+            <a:bodyPr rot="0" spcFirstLastPara="0" vertOverflow="overflow" horzOverflow="overflow" vert="horz" wrap="none" lIns="91440" tIns="45721" rIns="91440" bIns="45721" numCol="1" spcCol="0" rtlCol="0" fromWordArt="0" anchor="ctr" anchorCtr="0" forceAA="0" compatLnSpc="1">
+              <a:prstTxWarp prst="textNoShape">
+                <a:avLst/>
+              </a:prstTxWarp>
+              <a:noAutofit/>
+            </a:bodyPr>
+            <a:lstStyle/>
+            <a:p>
+              <a:pPr algn="ctr"/>
+              <a:r>
+                <a:rPr lang="en-US" sz="800" dirty="0" err="1"/>
+                <a:t>dns</a:t>
+              </a:r>
+              <a:r>
+                <a:rPr lang="en-US" sz="800" dirty="0"/>
+                <a:t>-cluster add-on</a:t>
+              </a:r>
+            </a:p>
+          </p:txBody>
+        </p:sp>
+      </p:grpSp>
+      <p:grpSp>
+        <p:nvGrpSpPr>
+          <p:cNvPr id="66" name="Group 65">
+            <a:extLst>
+              <a:ext uri="{FF2B5EF4-FFF2-40B4-BE49-F238E27FC236}">
+                <a16:creationId xmlns:a16="http://schemas.microsoft.com/office/drawing/2014/main" id="{43624A1D-A661-CA40-AF1A-57A9DA56092E}"/>
+              </a:ext>
+            </a:extLst>
+          </p:cNvPr>
+          <p:cNvGrpSpPr>
+            <a:grpSpLocks noChangeAspect="1"/>
+          </p:cNvGrpSpPr>
+          <p:nvPr/>
+        </p:nvGrpSpPr>
+        <p:grpSpPr>
+          <a:xfrm>
+            <a:off x="4416984" y="4041308"/>
+            <a:ext cx="1568279" cy="1971002"/>
+            <a:chOff x="4877344" y="237174"/>
+            <a:chExt cx="2612414" cy="3774757"/>
+          </a:xfrm>
+        </p:grpSpPr>
+        <p:sp>
+          <p:nvSpPr>
+            <p:cNvPr id="67" name="TextBox 66">
+              <a:extLst>
+                <a:ext uri="{FF2B5EF4-FFF2-40B4-BE49-F238E27FC236}">
+                  <a16:creationId xmlns:a16="http://schemas.microsoft.com/office/drawing/2014/main" id="{16BB5F05-FEED-A94B-B92B-671FAC59AF4C}"/>
+                </a:ext>
+              </a:extLst>
+            </p:cNvPr>
+            <p:cNvSpPr txBox="1"/>
+            <p:nvPr/>
+          </p:nvSpPr>
+          <p:spPr>
+            <a:xfrm>
+              <a:off x="5395589" y="237174"/>
+              <a:ext cx="1424826" cy="424767"/>
+            </a:xfrm>
+            <a:prstGeom prst="rect">
+              <a:avLst/>
+            </a:prstGeom>
+            <a:noFill/>
+          </p:spPr>
+          <p:txBody>
+            <a:bodyPr wrap="none" rtlCol="0">
+              <a:normAutofit fontScale="55000" lnSpcReduction="20000"/>
+            </a:bodyPr>
+            <a:lstStyle/>
+            <a:p>
+              <a:r>
+                <a:rPr lang="en-US" sz="1801" dirty="0">
+                  <a:solidFill>
+                    <a:schemeClr val="bg1"/>
+                  </a:solidFill>
+                </a:rPr>
+                <a:t>Worker Node</a:t>
+              </a:r>
+            </a:p>
+          </p:txBody>
+        </p:sp>
+        <p:sp>
+          <p:nvSpPr>
+            <p:cNvPr id="68" name="Rounded Rectangle 67">
+              <a:extLst>
+                <a:ext uri="{FF2B5EF4-FFF2-40B4-BE49-F238E27FC236}">
+                  <a16:creationId xmlns:a16="http://schemas.microsoft.com/office/drawing/2014/main" id="{2CA868E7-DF72-5B49-9E18-0004549E1F87}"/>
+                </a:ext>
+              </a:extLst>
+            </p:cNvPr>
+            <p:cNvSpPr/>
+            <p:nvPr/>
+          </p:nvSpPr>
+          <p:spPr>
+            <a:xfrm>
+              <a:off x="4877344" y="237174"/>
+              <a:ext cx="2612414" cy="3774757"/>
+            </a:xfrm>
+            <a:prstGeom prst="roundRect">
+              <a:avLst/>
+            </a:prstGeom>
+          </p:spPr>
+          <p:style>
+            <a:lnRef idx="2">
+              <a:schemeClr val="accent1">
+                <a:shade val="50000"/>
+              </a:schemeClr>
+            </a:lnRef>
+            <a:fillRef idx="1">
+              <a:schemeClr val="accent1"/>
+            </a:fillRef>
+            <a:effectRef idx="0">
+              <a:schemeClr val="accent1"/>
+            </a:effectRef>
+            <a:fontRef idx="minor">
+              <a:schemeClr val="lt1"/>
+            </a:fontRef>
+          </p:style>
+          <p:txBody>
+            <a:bodyPr rot="0" spcFirstLastPara="0" vertOverflow="overflow" horzOverflow="overflow" vert="horz" wrap="none" lIns="91440" tIns="45721" rIns="91440" bIns="45721" numCol="1" spcCol="0" rtlCol="0" fromWordArt="0" anchor="ctr" anchorCtr="0" forceAA="0" compatLnSpc="1">
+              <a:prstTxWarp prst="textNoShape">
+                <a:avLst/>
+              </a:prstTxWarp>
+              <a:normAutofit/>
+            </a:bodyPr>
+            <a:lstStyle/>
+            <a:p>
+              <a:pPr algn="ctr"/>
+              <a:endParaRPr lang="en-US" sz="1801" dirty="0"/>
+            </a:p>
+          </p:txBody>
+        </p:sp>
+        <p:sp>
+          <p:nvSpPr>
+            <p:cNvPr id="69" name="TextBox 68">
+              <a:extLst>
+                <a:ext uri="{FF2B5EF4-FFF2-40B4-BE49-F238E27FC236}">
+                  <a16:creationId xmlns:a16="http://schemas.microsoft.com/office/drawing/2014/main" id="{AFF7F4FF-3D03-1749-B085-D2D91458CF1C}"/>
+                </a:ext>
+              </a:extLst>
+            </p:cNvPr>
+            <p:cNvSpPr txBox="1"/>
+            <p:nvPr/>
+          </p:nvSpPr>
+          <p:spPr>
+            <a:xfrm>
+              <a:off x="5531802" y="254941"/>
+              <a:ext cx="1303489" cy="389234"/>
+            </a:xfrm>
+            <a:prstGeom prst="rect">
+              <a:avLst/>
+            </a:prstGeom>
+            <a:noFill/>
+          </p:spPr>
+          <p:txBody>
+            <a:bodyPr wrap="none" rtlCol="0">
+              <a:normAutofit fontScale="47500" lnSpcReduction="20000"/>
+            </a:bodyPr>
+            <a:lstStyle/>
+            <a:p>
+              <a:r>
+                <a:rPr lang="en-US" sz="1600" dirty="0">
+                  <a:solidFill>
+                    <a:schemeClr val="bg1"/>
+                  </a:solidFill>
+                </a:rPr>
+                <a:t>Master Node</a:t>
+              </a:r>
+            </a:p>
+          </p:txBody>
+        </p:sp>
+        <p:sp>
+          <p:nvSpPr>
+            <p:cNvPr id="70" name="Rounded Rectangle 69">
+              <a:extLst>
+                <a:ext uri="{FF2B5EF4-FFF2-40B4-BE49-F238E27FC236}">
+                  <a16:creationId xmlns:a16="http://schemas.microsoft.com/office/drawing/2014/main" id="{649F6543-2885-3344-B5BF-F826264937B0}"/>
+                </a:ext>
+              </a:extLst>
+            </p:cNvPr>
+            <p:cNvSpPr/>
+            <p:nvPr/>
+          </p:nvSpPr>
+          <p:spPr>
+            <a:xfrm>
+              <a:off x="4964895" y="577200"/>
+              <a:ext cx="2440135" cy="3011822"/>
+            </a:xfrm>
+            <a:prstGeom prst="roundRect">
+              <a:avLst/>
+            </a:prstGeom>
+          </p:spPr>
+          <p:style>
+            <a:lnRef idx="2">
+              <a:schemeClr val="accent5">
+                <a:shade val="50000"/>
+              </a:schemeClr>
+            </a:lnRef>
+            <a:fillRef idx="1">
+              <a:schemeClr val="accent5"/>
+            </a:fillRef>
+            <a:effectRef idx="0">
+              <a:schemeClr val="accent5"/>
+            </a:effectRef>
+            <a:fontRef idx="minor">
+              <a:schemeClr val="lt1"/>
+            </a:fontRef>
+          </p:style>
+          <p:txBody>
+            <a:bodyPr rot="0" spcFirstLastPara="0" vertOverflow="overflow" horzOverflow="overflow" vert="horz" wrap="none" lIns="91440" tIns="45721" rIns="91440" bIns="45721" numCol="1" spcCol="0" rtlCol="0" fromWordArt="0" anchor="ctr" anchorCtr="0" forceAA="0" compatLnSpc="1">
+              <a:prstTxWarp prst="textNoShape">
+                <a:avLst/>
+              </a:prstTxWarp>
+              <a:normAutofit/>
+            </a:bodyPr>
+            <a:lstStyle/>
+            <a:p>
+              <a:pPr algn="ctr"/>
+              <a:endParaRPr lang="en-US" sz="1801"/>
+            </a:p>
+          </p:txBody>
+        </p:sp>
+        <p:sp>
+          <p:nvSpPr>
+            <p:cNvPr id="71" name="TextBox 70">
+              <a:extLst>
+                <a:ext uri="{FF2B5EF4-FFF2-40B4-BE49-F238E27FC236}">
+                  <a16:creationId xmlns:a16="http://schemas.microsoft.com/office/drawing/2014/main" id="{C9AED8F0-9635-D746-BF3E-DEA1B1D00ABD}"/>
+                </a:ext>
+              </a:extLst>
+            </p:cNvPr>
+            <p:cNvSpPr txBox="1"/>
+            <p:nvPr/>
+          </p:nvSpPr>
+          <p:spPr>
+            <a:xfrm>
+              <a:off x="5427086" y="576316"/>
+              <a:ext cx="1620783" cy="353998"/>
+            </a:xfrm>
+            <a:prstGeom prst="rect">
+              <a:avLst/>
+            </a:prstGeom>
+            <a:noFill/>
+          </p:spPr>
+          <p:txBody>
+            <a:bodyPr wrap="none" rtlCol="0">
+              <a:normAutofit fontScale="47500" lnSpcReduction="20000"/>
+            </a:bodyPr>
+            <a:lstStyle/>
+            <a:p>
+              <a:r>
+                <a:rPr lang="en-US" sz="1401" dirty="0"/>
+                <a:t>Container Runtime</a:t>
+              </a:r>
+            </a:p>
+          </p:txBody>
+        </p:sp>
+        <p:sp>
+          <p:nvSpPr>
+            <p:cNvPr id="72" name="Rounded Rectangle 71">
+              <a:extLst>
+                <a:ext uri="{FF2B5EF4-FFF2-40B4-BE49-F238E27FC236}">
+                  <a16:creationId xmlns:a16="http://schemas.microsoft.com/office/drawing/2014/main" id="{16329BDD-9419-6E49-94D6-888B57693E36}"/>
+                </a:ext>
+              </a:extLst>
+            </p:cNvPr>
+            <p:cNvSpPr/>
+            <p:nvPr/>
+          </p:nvSpPr>
+          <p:spPr>
+            <a:xfrm>
+              <a:off x="5166277" y="888892"/>
+              <a:ext cx="2034540" cy="311691"/>
+            </a:xfrm>
+            <a:prstGeom prst="roundRect">
+              <a:avLst/>
+            </a:prstGeom>
+          </p:spPr>
+          <p:style>
+            <a:lnRef idx="3">
+              <a:schemeClr val="lt1"/>
+            </a:lnRef>
+            <a:fillRef idx="1">
+              <a:schemeClr val="accent2"/>
+            </a:fillRef>
+            <a:effectRef idx="1">
+              <a:schemeClr val="accent2"/>
+            </a:effectRef>
+            <a:fontRef idx="minor">
+              <a:schemeClr val="lt1"/>
+            </a:fontRef>
+          </p:style>
+          <p:txBody>
+            <a:bodyPr rot="0" spcFirstLastPara="0" vertOverflow="overflow" horzOverflow="overflow" vert="horz" wrap="none" lIns="91440" tIns="45721" rIns="91440" bIns="45721" numCol="1" spcCol="0" rtlCol="0" fromWordArt="0" anchor="ctr" anchorCtr="0" forceAA="0" compatLnSpc="1">
+              <a:prstTxWarp prst="textNoShape">
+                <a:avLst/>
+              </a:prstTxWarp>
+              <a:noAutofit/>
+            </a:bodyPr>
+            <a:lstStyle/>
+            <a:p>
+              <a:pPr algn="ctr"/>
+              <a:r>
+                <a:rPr lang="en-US" sz="800" dirty="0" err="1"/>
+                <a:t>kube-apiserver</a:t>
+              </a:r>
+              <a:endParaRPr lang="en-US" sz="800" dirty="0"/>
+            </a:p>
+          </p:txBody>
+        </p:sp>
+        <p:sp>
+          <p:nvSpPr>
+            <p:cNvPr id="73" name="Rounded Rectangle 72">
+              <a:extLst>
+                <a:ext uri="{FF2B5EF4-FFF2-40B4-BE49-F238E27FC236}">
+                  <a16:creationId xmlns:a16="http://schemas.microsoft.com/office/drawing/2014/main" id="{BF5A0582-FD51-BA42-9887-8D385CDA5960}"/>
+                </a:ext>
+              </a:extLst>
+            </p:cNvPr>
+            <p:cNvSpPr/>
+            <p:nvPr/>
+          </p:nvSpPr>
+          <p:spPr>
+            <a:xfrm>
+              <a:off x="5166277" y="1322526"/>
+              <a:ext cx="2034540" cy="311691"/>
+            </a:xfrm>
+            <a:prstGeom prst="roundRect">
+              <a:avLst/>
+            </a:prstGeom>
+          </p:spPr>
+          <p:style>
+            <a:lnRef idx="3">
+              <a:schemeClr val="lt1"/>
+            </a:lnRef>
+            <a:fillRef idx="1">
+              <a:schemeClr val="accent2"/>
+            </a:fillRef>
+            <a:effectRef idx="1">
+              <a:schemeClr val="accent2"/>
+            </a:effectRef>
+            <a:fontRef idx="minor">
+              <a:schemeClr val="lt1"/>
+            </a:fontRef>
+          </p:style>
+          <p:txBody>
+            <a:bodyPr rot="0" spcFirstLastPara="0" vertOverflow="overflow" horzOverflow="overflow" vert="horz" wrap="none" lIns="91440" tIns="45721" rIns="91440" bIns="45721" numCol="1" spcCol="0" rtlCol="0" fromWordArt="0" anchor="ctr" anchorCtr="0" forceAA="0" compatLnSpc="1">
+              <a:prstTxWarp prst="textNoShape">
+                <a:avLst/>
+              </a:prstTxWarp>
+              <a:noAutofit/>
+            </a:bodyPr>
+            <a:lstStyle/>
+            <a:p>
+              <a:pPr algn="ctr"/>
+              <a:r>
+                <a:rPr lang="en-US" sz="800" dirty="0" err="1"/>
+                <a:t>Kube</a:t>
+              </a:r>
+              <a:r>
+                <a:rPr lang="en-US" sz="800" dirty="0"/>
+                <a:t>-scheduler</a:t>
+              </a:r>
+            </a:p>
+          </p:txBody>
+        </p:sp>
+        <p:sp>
+          <p:nvSpPr>
+            <p:cNvPr id="74" name="Rounded Rectangle 73">
+              <a:extLst>
+                <a:ext uri="{FF2B5EF4-FFF2-40B4-BE49-F238E27FC236}">
+                  <a16:creationId xmlns:a16="http://schemas.microsoft.com/office/drawing/2014/main" id="{EEDDC549-AF5C-9A4D-A0EE-35719520000D}"/>
+                </a:ext>
+              </a:extLst>
+            </p:cNvPr>
+            <p:cNvSpPr/>
+            <p:nvPr/>
+          </p:nvSpPr>
+          <p:spPr>
+            <a:xfrm>
+              <a:off x="5291090" y="3693804"/>
+              <a:ext cx="1784914" cy="235243"/>
+            </a:xfrm>
+            <a:prstGeom prst="roundRect">
+              <a:avLst/>
+            </a:prstGeom>
+          </p:spPr>
+          <p:style>
+            <a:lnRef idx="2">
+              <a:schemeClr val="accent4">
+                <a:shade val="50000"/>
+              </a:schemeClr>
+            </a:lnRef>
+            <a:fillRef idx="1">
+              <a:schemeClr val="accent4"/>
+            </a:fillRef>
+            <a:effectRef idx="0">
+              <a:schemeClr val="accent4"/>
+            </a:effectRef>
+            <a:fontRef idx="minor">
+              <a:schemeClr val="lt1"/>
+            </a:fontRef>
+          </p:style>
+          <p:txBody>
+            <a:bodyPr rot="0" spcFirstLastPara="0" vertOverflow="overflow" horzOverflow="overflow" vert="horz" wrap="none" lIns="91440" tIns="45721" rIns="91440" bIns="45721" numCol="1" spcCol="0" rtlCol="0" fromWordArt="0" anchor="ctr" anchorCtr="0" forceAA="0" compatLnSpc="1">
+              <a:prstTxWarp prst="textNoShape">
+                <a:avLst/>
+              </a:prstTxWarp>
+              <a:noAutofit/>
+            </a:bodyPr>
+            <a:lstStyle/>
+            <a:p>
+              <a:pPr algn="ctr"/>
+              <a:r>
+                <a:rPr lang="en-US" sz="800" dirty="0">
+                  <a:ln w="0"/>
+                  <a:solidFill>
+                    <a:schemeClr val="tx1"/>
+                  </a:solidFill>
+                  <a:effectLst>
+                    <a:outerShdw blurRad="38100" dist="19050" dir="2700000" algn="tl" rotWithShape="0">
+                      <a:schemeClr val="dk1">
+                        <a:alpha val="40000"/>
+                      </a:schemeClr>
+                    </a:outerShdw>
+                  </a:effectLst>
+                </a:rPr>
+                <a:t>kubelet</a:t>
+              </a:r>
+            </a:p>
+          </p:txBody>
+        </p:sp>
+        <p:sp>
+          <p:nvSpPr>
+            <p:cNvPr id="75" name="Rounded Rectangle 74">
+              <a:extLst>
+                <a:ext uri="{FF2B5EF4-FFF2-40B4-BE49-F238E27FC236}">
+                  <a16:creationId xmlns:a16="http://schemas.microsoft.com/office/drawing/2014/main" id="{950952FD-8113-524C-A507-01084DCB6C62}"/>
+                </a:ext>
+              </a:extLst>
+            </p:cNvPr>
+            <p:cNvSpPr/>
+            <p:nvPr/>
+          </p:nvSpPr>
+          <p:spPr>
+            <a:xfrm>
+              <a:off x="5166277" y="1755886"/>
+              <a:ext cx="2034540" cy="311691"/>
+            </a:xfrm>
+            <a:prstGeom prst="roundRect">
+              <a:avLst/>
+            </a:prstGeom>
+          </p:spPr>
+          <p:style>
+            <a:lnRef idx="3">
+              <a:schemeClr val="lt1"/>
+            </a:lnRef>
+            <a:fillRef idx="1">
+              <a:schemeClr val="accent2"/>
+            </a:fillRef>
+            <a:effectRef idx="1">
+              <a:schemeClr val="accent2"/>
+            </a:effectRef>
+            <a:fontRef idx="minor">
+              <a:schemeClr val="lt1"/>
+            </a:fontRef>
+          </p:style>
+          <p:txBody>
+            <a:bodyPr rot="0" spcFirstLastPara="0" vertOverflow="overflow" horzOverflow="overflow" vert="horz" wrap="none" lIns="91440" tIns="45721" rIns="91440" bIns="45721" numCol="1" spcCol="0" rtlCol="0" fromWordArt="0" anchor="ctr" anchorCtr="0" forceAA="0" compatLnSpc="1">
+              <a:prstTxWarp prst="textNoShape">
+                <a:avLst/>
+              </a:prstTxWarp>
+              <a:noAutofit/>
+            </a:bodyPr>
+            <a:lstStyle/>
+            <a:p>
+              <a:pPr algn="ctr"/>
+              <a:r>
+                <a:rPr lang="en-US" sz="800" dirty="0" err="1"/>
+                <a:t>kube</a:t>
+              </a:r>
+              <a:r>
+                <a:rPr lang="en-US" sz="800" dirty="0"/>
+                <a:t>-controller-manager</a:t>
+              </a:r>
+            </a:p>
+          </p:txBody>
+        </p:sp>
+        <p:sp>
+          <p:nvSpPr>
+            <p:cNvPr id="76" name="Rounded Rectangle 75">
+              <a:extLst>
+                <a:ext uri="{FF2B5EF4-FFF2-40B4-BE49-F238E27FC236}">
+                  <a16:creationId xmlns:a16="http://schemas.microsoft.com/office/drawing/2014/main" id="{E9BA5E70-A8EE-4B45-9CAB-377CFF151169}"/>
+                </a:ext>
+              </a:extLst>
+            </p:cNvPr>
+            <p:cNvSpPr/>
+            <p:nvPr/>
+          </p:nvSpPr>
+          <p:spPr>
+            <a:xfrm>
+              <a:off x="5166277" y="2192742"/>
+              <a:ext cx="2034540" cy="311691"/>
+            </a:xfrm>
+            <a:prstGeom prst="roundRect">
+              <a:avLst/>
+            </a:prstGeom>
+          </p:spPr>
+          <p:style>
+            <a:lnRef idx="3">
+              <a:schemeClr val="lt1"/>
+            </a:lnRef>
+            <a:fillRef idx="1">
+              <a:schemeClr val="accent2"/>
+            </a:fillRef>
+            <a:effectRef idx="1">
+              <a:schemeClr val="accent2"/>
+            </a:effectRef>
+            <a:fontRef idx="minor">
+              <a:schemeClr val="lt1"/>
+            </a:fontRef>
+          </p:style>
+          <p:txBody>
+            <a:bodyPr rot="0" spcFirstLastPara="0" vertOverflow="overflow" horzOverflow="overflow" vert="horz" wrap="none" lIns="91440" tIns="45721" rIns="91440" bIns="45721" numCol="1" spcCol="0" rtlCol="0" fromWordArt="0" anchor="ctr" anchorCtr="0" forceAA="0" compatLnSpc="1">
+              <a:prstTxWarp prst="textNoShape">
+                <a:avLst/>
+              </a:prstTxWarp>
+              <a:noAutofit/>
+            </a:bodyPr>
+            <a:lstStyle/>
+            <a:p>
+              <a:pPr algn="ctr"/>
+              <a:r>
+                <a:rPr lang="en-US" sz="800" dirty="0" err="1"/>
+                <a:t>kube</a:t>
+              </a:r>
+              <a:r>
+                <a:rPr lang="en-US" sz="800" dirty="0"/>
+                <a:t>-proxy</a:t>
+              </a:r>
+            </a:p>
+          </p:txBody>
+        </p:sp>
+        <p:sp>
+          <p:nvSpPr>
+            <p:cNvPr id="77" name="Rounded Rectangle 76">
+              <a:extLst>
+                <a:ext uri="{FF2B5EF4-FFF2-40B4-BE49-F238E27FC236}">
+                  <a16:creationId xmlns:a16="http://schemas.microsoft.com/office/drawing/2014/main" id="{41800B15-5F51-E14B-B432-7EAF5329C329}"/>
+                </a:ext>
+              </a:extLst>
+            </p:cNvPr>
+            <p:cNvSpPr/>
+            <p:nvPr/>
+          </p:nvSpPr>
+          <p:spPr>
+            <a:xfrm>
+              <a:off x="5166277" y="2625663"/>
+              <a:ext cx="2034540" cy="353588"/>
+            </a:xfrm>
+            <a:prstGeom prst="roundRect">
+              <a:avLst/>
+            </a:prstGeom>
+          </p:spPr>
+          <p:style>
+            <a:lnRef idx="3">
+              <a:schemeClr val="lt1"/>
+            </a:lnRef>
+            <a:fillRef idx="1">
+              <a:schemeClr val="accent2"/>
+            </a:fillRef>
+            <a:effectRef idx="1">
+              <a:schemeClr val="accent2"/>
+            </a:effectRef>
+            <a:fontRef idx="minor">
+              <a:schemeClr val="lt1"/>
+            </a:fontRef>
+          </p:style>
+          <p:txBody>
+            <a:bodyPr rot="0" spcFirstLastPara="0" vertOverflow="overflow" horzOverflow="overflow" vert="horz" wrap="none" lIns="91440" tIns="45721" rIns="91440" bIns="45721" numCol="1" spcCol="0" rtlCol="0" fromWordArt="0" anchor="ctr" anchorCtr="0" forceAA="0" compatLnSpc="1">
+              <a:prstTxWarp prst="textNoShape">
+                <a:avLst/>
+              </a:prstTxWarp>
+              <a:noAutofit/>
+            </a:bodyPr>
+            <a:lstStyle/>
+            <a:p>
+              <a:pPr algn="ctr"/>
+              <a:r>
+                <a:rPr lang="en-US" sz="800" dirty="0" err="1"/>
+                <a:t>cni</a:t>
+              </a:r>
+              <a:r>
+                <a:rPr lang="en-US" sz="800" dirty="0"/>
+                <a:t>-plugins</a:t>
+              </a:r>
+            </a:p>
+          </p:txBody>
+        </p:sp>
+        <p:sp>
+          <p:nvSpPr>
+            <p:cNvPr id="78" name="Rounded Rectangle 77">
+              <a:extLst>
+                <a:ext uri="{FF2B5EF4-FFF2-40B4-BE49-F238E27FC236}">
+                  <a16:creationId xmlns:a16="http://schemas.microsoft.com/office/drawing/2014/main" id="{1B89032B-44C0-DD4A-AE7C-4D78866A1939}"/>
+                </a:ext>
+              </a:extLst>
+            </p:cNvPr>
+            <p:cNvSpPr/>
+            <p:nvPr/>
+          </p:nvSpPr>
+          <p:spPr>
+            <a:xfrm>
+              <a:off x="5166279" y="3100484"/>
+              <a:ext cx="2034539" cy="311691"/>
+            </a:xfrm>
+            <a:prstGeom prst="roundRect">
+              <a:avLst/>
+            </a:prstGeom>
+          </p:spPr>
+          <p:style>
+            <a:lnRef idx="3">
+              <a:schemeClr val="lt1"/>
+            </a:lnRef>
+            <a:fillRef idx="1">
+              <a:schemeClr val="accent2"/>
+            </a:fillRef>
+            <a:effectRef idx="1">
+              <a:schemeClr val="accent2"/>
+            </a:effectRef>
+            <a:fontRef idx="minor">
+              <a:schemeClr val="lt1"/>
+            </a:fontRef>
+          </p:style>
+          <p:txBody>
+            <a:bodyPr rot="0" spcFirstLastPara="0" vertOverflow="overflow" horzOverflow="overflow" vert="horz" wrap="none" lIns="91440" tIns="45721" rIns="91440" bIns="45721" numCol="1" spcCol="0" rtlCol="0" fromWordArt="0" anchor="ctr" anchorCtr="0" forceAA="0" compatLnSpc="1">
+              <a:prstTxWarp prst="textNoShape">
+                <a:avLst/>
+              </a:prstTxWarp>
+              <a:noAutofit/>
+            </a:bodyPr>
+            <a:lstStyle/>
+            <a:p>
+              <a:pPr algn="ctr"/>
+              <a:r>
+                <a:rPr lang="en-US" sz="800" dirty="0" err="1"/>
+                <a:t>dns</a:t>
+              </a:r>
+              <a:r>
+                <a:rPr lang="en-US" sz="800" dirty="0"/>
+                <a:t>-cluster add-on</a:t>
+              </a:r>
+            </a:p>
+          </p:txBody>
+        </p:sp>
+      </p:grpSp>
+      <p:grpSp>
+        <p:nvGrpSpPr>
+          <p:cNvPr id="87" name="Group 86">
+            <a:extLst>
+              <a:ext uri="{FF2B5EF4-FFF2-40B4-BE49-F238E27FC236}">
+                <a16:creationId xmlns:a16="http://schemas.microsoft.com/office/drawing/2014/main" id="{5E52644A-9586-DB44-9D76-F59B5BBBCF62}"/>
+              </a:ext>
+            </a:extLst>
+          </p:cNvPr>
+          <p:cNvGrpSpPr>
+            <a:grpSpLocks noChangeAspect="1"/>
+          </p:cNvGrpSpPr>
+          <p:nvPr/>
+        </p:nvGrpSpPr>
+        <p:grpSpPr>
+          <a:xfrm>
+            <a:off x="4445977" y="547768"/>
+            <a:ext cx="1567446" cy="996218"/>
+            <a:chOff x="1851184" y="237172"/>
+            <a:chExt cx="2612414" cy="1955570"/>
+          </a:xfrm>
+        </p:grpSpPr>
+        <p:sp>
+          <p:nvSpPr>
+            <p:cNvPr id="88" name="Rounded Rectangle 87">
+              <a:extLst>
+                <a:ext uri="{FF2B5EF4-FFF2-40B4-BE49-F238E27FC236}">
+                  <a16:creationId xmlns:a16="http://schemas.microsoft.com/office/drawing/2014/main" id="{70962EFE-001A-4246-A984-E9C96C5DC4D4}"/>
+                </a:ext>
+              </a:extLst>
+            </p:cNvPr>
+            <p:cNvSpPr/>
+            <p:nvPr/>
+          </p:nvSpPr>
+          <p:spPr>
+            <a:xfrm>
+              <a:off x="1851184" y="237174"/>
+              <a:ext cx="2612414" cy="1955568"/>
+            </a:xfrm>
+            <a:prstGeom prst="roundRect">
+              <a:avLst/>
+            </a:prstGeom>
+          </p:spPr>
+          <p:style>
+            <a:lnRef idx="2">
+              <a:schemeClr val="accent1">
+                <a:shade val="50000"/>
+              </a:schemeClr>
+            </a:lnRef>
+            <a:fillRef idx="1">
+              <a:schemeClr val="accent1"/>
+            </a:fillRef>
+            <a:effectRef idx="0">
+              <a:schemeClr val="accent1"/>
+            </a:effectRef>
+            <a:fontRef idx="minor">
+              <a:schemeClr val="lt1"/>
+            </a:fontRef>
+          </p:style>
+          <p:txBody>
+            <a:bodyPr rot="0" spcFirstLastPara="0" vertOverflow="overflow" horzOverflow="overflow" vert="horz" wrap="square" lIns="91440" tIns="45721" rIns="91440" bIns="45721" numCol="1" spcCol="0" rtlCol="0" fromWordArt="0" anchor="ctr" anchorCtr="0" forceAA="0" compatLnSpc="1">
+              <a:prstTxWarp prst="textNoShape">
+                <a:avLst/>
+              </a:prstTxWarp>
+              <a:normAutofit/>
+            </a:bodyPr>
+            <a:lstStyle/>
+            <a:p>
+              <a:pPr algn="ctr"/>
+              <a:endParaRPr lang="en-US" sz="1801" dirty="0"/>
+            </a:p>
+          </p:txBody>
+        </p:sp>
+        <p:sp>
+          <p:nvSpPr>
+            <p:cNvPr id="89" name="TextBox 88">
+              <a:extLst>
+                <a:ext uri="{FF2B5EF4-FFF2-40B4-BE49-F238E27FC236}">
+                  <a16:creationId xmlns:a16="http://schemas.microsoft.com/office/drawing/2014/main" id="{02E2855C-6B1F-994E-A48F-47D049433432}"/>
+                </a:ext>
+              </a:extLst>
+            </p:cNvPr>
+            <p:cNvSpPr txBox="1"/>
+            <p:nvPr/>
+          </p:nvSpPr>
+          <p:spPr>
+            <a:xfrm>
+              <a:off x="2505642" y="237172"/>
+              <a:ext cx="1303490" cy="398749"/>
+            </a:xfrm>
+            <a:prstGeom prst="rect">
+              <a:avLst/>
+            </a:prstGeom>
+            <a:noFill/>
+          </p:spPr>
+          <p:txBody>
+            <a:bodyPr wrap="square" rtlCol="0">
+              <a:normAutofit fontScale="47500" lnSpcReduction="20000"/>
+            </a:bodyPr>
+            <a:lstStyle/>
+            <a:p>
+              <a:r>
+                <a:rPr lang="en-US" sz="1600" dirty="0">
+                  <a:solidFill>
+                    <a:schemeClr val="bg1"/>
+                  </a:solidFill>
+                </a:rPr>
+                <a:t>Worker Node</a:t>
+              </a:r>
+            </a:p>
+          </p:txBody>
+        </p:sp>
+        <p:sp>
+          <p:nvSpPr>
+            <p:cNvPr id="90" name="Rounded Rectangle 89">
+              <a:extLst>
+                <a:ext uri="{FF2B5EF4-FFF2-40B4-BE49-F238E27FC236}">
+                  <a16:creationId xmlns:a16="http://schemas.microsoft.com/office/drawing/2014/main" id="{E979D36E-57CF-6246-A868-EC3C2CEB9FCC}"/>
+                </a:ext>
+              </a:extLst>
+            </p:cNvPr>
+            <p:cNvSpPr/>
+            <p:nvPr/>
+          </p:nvSpPr>
+          <p:spPr>
+            <a:xfrm>
+              <a:off x="1938735" y="577201"/>
+              <a:ext cx="2440135" cy="1160160"/>
+            </a:xfrm>
+            <a:prstGeom prst="roundRect">
+              <a:avLst/>
+            </a:prstGeom>
+          </p:spPr>
+          <p:style>
+            <a:lnRef idx="2">
+              <a:schemeClr val="accent5">
+                <a:shade val="50000"/>
+              </a:schemeClr>
+            </a:lnRef>
+            <a:fillRef idx="1">
+              <a:schemeClr val="accent5"/>
+            </a:fillRef>
+            <a:effectRef idx="0">
+              <a:schemeClr val="accent5"/>
+            </a:effectRef>
+            <a:fontRef idx="minor">
+              <a:schemeClr val="lt1"/>
+            </a:fontRef>
+          </p:style>
+          <p:txBody>
+            <a:bodyPr rot="0" spcFirstLastPara="0" vertOverflow="overflow" horzOverflow="overflow" vert="horz" wrap="square" lIns="91440" tIns="45721" rIns="91440" bIns="45721" numCol="1" spcCol="0" rtlCol="0" fromWordArt="0" anchor="ctr" anchorCtr="0" forceAA="0" compatLnSpc="1">
+              <a:prstTxWarp prst="textNoShape">
+                <a:avLst/>
+              </a:prstTxWarp>
+              <a:normAutofit/>
+            </a:bodyPr>
+            <a:lstStyle/>
+            <a:p>
+              <a:pPr algn="ctr"/>
+              <a:endParaRPr lang="en-US" sz="1801"/>
+            </a:p>
+          </p:txBody>
+        </p:sp>
+        <p:sp>
+          <p:nvSpPr>
+            <p:cNvPr id="91" name="TextBox 90">
+              <a:extLst>
+                <a:ext uri="{FF2B5EF4-FFF2-40B4-BE49-F238E27FC236}">
+                  <a16:creationId xmlns:a16="http://schemas.microsoft.com/office/drawing/2014/main" id="{D592EC53-D862-FE4A-91FF-7B8F168CDB13}"/>
+                </a:ext>
+              </a:extLst>
+            </p:cNvPr>
+            <p:cNvSpPr txBox="1"/>
+            <p:nvPr/>
+          </p:nvSpPr>
+          <p:spPr>
+            <a:xfrm>
+              <a:off x="2390361" y="530435"/>
+              <a:ext cx="1603839" cy="362649"/>
+            </a:xfrm>
+            <a:prstGeom prst="rect">
+              <a:avLst/>
+            </a:prstGeom>
+            <a:noFill/>
+          </p:spPr>
+          <p:txBody>
+            <a:bodyPr wrap="square" rtlCol="0">
+              <a:normAutofit fontScale="47500" lnSpcReduction="20000"/>
+            </a:bodyPr>
+            <a:lstStyle/>
+            <a:p>
+              <a:r>
+                <a:rPr lang="en-US" sz="1401" dirty="0"/>
+                <a:t>Container Runtime</a:t>
+              </a:r>
+            </a:p>
+          </p:txBody>
+        </p:sp>
+        <p:sp>
+          <p:nvSpPr>
+            <p:cNvPr id="92" name="Rounded Rectangle 91">
+              <a:extLst>
+                <a:ext uri="{FF2B5EF4-FFF2-40B4-BE49-F238E27FC236}">
+                  <a16:creationId xmlns:a16="http://schemas.microsoft.com/office/drawing/2014/main" id="{817A1AF8-F196-9B45-B3E9-33558BF9D2CD}"/>
+                </a:ext>
+              </a:extLst>
+            </p:cNvPr>
+            <p:cNvSpPr/>
+            <p:nvPr/>
+          </p:nvSpPr>
+          <p:spPr>
+            <a:xfrm>
+              <a:off x="2264931" y="888892"/>
+              <a:ext cx="1784914" cy="311691"/>
+            </a:xfrm>
+            <a:prstGeom prst="roundRect">
+              <a:avLst/>
+            </a:prstGeom>
+          </p:spPr>
+          <p:style>
+            <a:lnRef idx="3">
+              <a:schemeClr val="lt1"/>
+            </a:lnRef>
+            <a:fillRef idx="1">
+              <a:schemeClr val="accent2"/>
+            </a:fillRef>
+            <a:effectRef idx="1">
+              <a:schemeClr val="accent2"/>
+            </a:effectRef>
+            <a:fontRef idx="minor">
+              <a:schemeClr val="lt1"/>
+            </a:fontRef>
+          </p:style>
+          <p:txBody>
+            <a:bodyPr rot="0" spcFirstLastPara="0" vertOverflow="overflow" horzOverflow="overflow" vert="horz" wrap="square" lIns="91440" tIns="45721" rIns="91440" bIns="45721" numCol="1" spcCol="0" rtlCol="0" fromWordArt="0" anchor="ctr" anchorCtr="0" forceAA="0" compatLnSpc="1">
+              <a:prstTxWarp prst="textNoShape">
+                <a:avLst/>
+              </a:prstTxWarp>
+              <a:noAutofit/>
+            </a:bodyPr>
+            <a:lstStyle/>
+            <a:p>
+              <a:pPr algn="ctr"/>
+              <a:r>
+                <a:rPr lang="en-US" sz="800" dirty="0" err="1"/>
+                <a:t>kube</a:t>
+              </a:r>
+              <a:r>
+                <a:rPr lang="en-US" sz="800" dirty="0"/>
+                <a:t>-proxy</a:t>
+              </a:r>
+            </a:p>
+          </p:txBody>
+        </p:sp>
+        <p:sp>
+          <p:nvSpPr>
+            <p:cNvPr id="93" name="Rounded Rectangle 92">
+              <a:extLst>
+                <a:ext uri="{FF2B5EF4-FFF2-40B4-BE49-F238E27FC236}">
+                  <a16:creationId xmlns:a16="http://schemas.microsoft.com/office/drawing/2014/main" id="{83FBE431-78B3-7D44-BA47-415E1751F23B}"/>
+                </a:ext>
+              </a:extLst>
+            </p:cNvPr>
+            <p:cNvSpPr/>
+            <p:nvPr/>
+          </p:nvSpPr>
+          <p:spPr>
+            <a:xfrm>
+              <a:off x="2264931" y="1322526"/>
+              <a:ext cx="1784914" cy="311691"/>
+            </a:xfrm>
+            <a:prstGeom prst="roundRect">
+              <a:avLst/>
+            </a:prstGeom>
+          </p:spPr>
+          <p:style>
+            <a:lnRef idx="3">
+              <a:schemeClr val="lt1"/>
+            </a:lnRef>
+            <a:fillRef idx="1">
+              <a:schemeClr val="accent2"/>
+            </a:fillRef>
+            <a:effectRef idx="1">
+              <a:schemeClr val="accent2"/>
+            </a:effectRef>
+            <a:fontRef idx="minor">
+              <a:schemeClr val="lt1"/>
+            </a:fontRef>
+          </p:style>
+          <p:txBody>
+            <a:bodyPr rot="0" spcFirstLastPara="0" vertOverflow="overflow" horzOverflow="overflow" vert="horz" wrap="square" lIns="91440" tIns="45721" rIns="91440" bIns="45721" numCol="1" spcCol="0" rtlCol="0" fromWordArt="0" anchor="ctr" anchorCtr="0" forceAA="0" compatLnSpc="1">
+              <a:prstTxWarp prst="textNoShape">
+                <a:avLst/>
+              </a:prstTxWarp>
+              <a:noAutofit/>
+            </a:bodyPr>
+            <a:lstStyle/>
+            <a:p>
+              <a:pPr algn="ctr"/>
+              <a:r>
+                <a:rPr lang="en-US" sz="800" dirty="0" err="1"/>
+                <a:t>cni</a:t>
+              </a:r>
+              <a:r>
+                <a:rPr lang="en-US" sz="800" dirty="0"/>
+                <a:t>-plugins</a:t>
+              </a:r>
+            </a:p>
+          </p:txBody>
+        </p:sp>
+        <p:sp>
+          <p:nvSpPr>
+            <p:cNvPr id="94" name="Rounded Rectangle 93">
+              <a:extLst>
+                <a:ext uri="{FF2B5EF4-FFF2-40B4-BE49-F238E27FC236}">
+                  <a16:creationId xmlns:a16="http://schemas.microsoft.com/office/drawing/2014/main" id="{ED62AAB2-A2F3-F142-91FD-63F24D2F44DE}"/>
+                </a:ext>
+              </a:extLst>
+            </p:cNvPr>
+            <p:cNvSpPr/>
+            <p:nvPr/>
+          </p:nvSpPr>
+          <p:spPr>
+            <a:xfrm>
+              <a:off x="2264931" y="1855197"/>
+              <a:ext cx="1784914" cy="222191"/>
+            </a:xfrm>
+            <a:prstGeom prst="roundRect">
+              <a:avLst/>
+            </a:prstGeom>
+          </p:spPr>
+          <p:style>
+            <a:lnRef idx="2">
+              <a:schemeClr val="accent4">
+                <a:shade val="50000"/>
+              </a:schemeClr>
+            </a:lnRef>
+            <a:fillRef idx="1">
+              <a:schemeClr val="accent4"/>
+            </a:fillRef>
+            <a:effectRef idx="0">
+              <a:schemeClr val="accent4"/>
+            </a:effectRef>
+            <a:fontRef idx="minor">
+              <a:schemeClr val="lt1"/>
+            </a:fontRef>
+          </p:style>
+          <p:txBody>
+            <a:bodyPr rot="0" spcFirstLastPara="0" vertOverflow="overflow" horzOverflow="overflow" vert="horz" wrap="square" lIns="91440" tIns="45721" rIns="91440" bIns="45721" numCol="1" spcCol="0" rtlCol="0" fromWordArt="0" anchor="ctr" anchorCtr="0" forceAA="0" compatLnSpc="1">
+              <a:prstTxWarp prst="textNoShape">
+                <a:avLst/>
+              </a:prstTxWarp>
+              <a:noAutofit/>
+            </a:bodyPr>
+            <a:lstStyle/>
+            <a:p>
+              <a:pPr algn="ctr"/>
+              <a:r>
+                <a:rPr lang="en-US" sz="800" dirty="0">
+                  <a:ln w="0"/>
+                  <a:solidFill>
+                    <a:schemeClr val="tx1"/>
+                  </a:solidFill>
+                  <a:effectLst>
+                    <a:outerShdw blurRad="38100" dist="19050" dir="2700000" algn="tl" rotWithShape="0">
+                      <a:schemeClr val="dk1">
+                        <a:alpha val="40000"/>
+                      </a:schemeClr>
+                    </a:outerShdw>
+                  </a:effectLst>
+                </a:rPr>
+                <a:t>kubelet</a:t>
+              </a:r>
+            </a:p>
+          </p:txBody>
+        </p:sp>
+      </p:grpSp>
+      <p:grpSp>
+        <p:nvGrpSpPr>
+          <p:cNvPr id="95" name="Group 94">
+            <a:extLst>
+              <a:ext uri="{FF2B5EF4-FFF2-40B4-BE49-F238E27FC236}">
+                <a16:creationId xmlns:a16="http://schemas.microsoft.com/office/drawing/2014/main" id="{48E88B46-D371-1244-BF65-25A5DD863AC9}"/>
+              </a:ext>
+            </a:extLst>
+          </p:cNvPr>
+          <p:cNvGrpSpPr>
+            <a:grpSpLocks noChangeAspect="1"/>
+          </p:cNvGrpSpPr>
+          <p:nvPr/>
+        </p:nvGrpSpPr>
+        <p:grpSpPr>
+          <a:xfrm>
+            <a:off x="1851028" y="547768"/>
+            <a:ext cx="1567446" cy="996218"/>
+            <a:chOff x="1851184" y="237172"/>
+            <a:chExt cx="2612414" cy="1955570"/>
+          </a:xfrm>
+        </p:grpSpPr>
+        <p:sp>
+          <p:nvSpPr>
+            <p:cNvPr id="96" name="Rounded Rectangle 95">
+              <a:extLst>
+                <a:ext uri="{FF2B5EF4-FFF2-40B4-BE49-F238E27FC236}">
+                  <a16:creationId xmlns:a16="http://schemas.microsoft.com/office/drawing/2014/main" id="{537AF550-831C-5345-A028-D6D2C3EDF382}"/>
+                </a:ext>
+              </a:extLst>
+            </p:cNvPr>
+            <p:cNvSpPr/>
+            <p:nvPr/>
+          </p:nvSpPr>
+          <p:spPr>
+            <a:xfrm>
+              <a:off x="1851184" y="237174"/>
+              <a:ext cx="2612414" cy="1955568"/>
+            </a:xfrm>
+            <a:prstGeom prst="roundRect">
+              <a:avLst/>
+            </a:prstGeom>
+          </p:spPr>
+          <p:style>
+            <a:lnRef idx="2">
+              <a:schemeClr val="accent1">
+                <a:shade val="50000"/>
+              </a:schemeClr>
+            </a:lnRef>
+            <a:fillRef idx="1">
+              <a:schemeClr val="accent1"/>
+            </a:fillRef>
+            <a:effectRef idx="0">
+              <a:schemeClr val="accent1"/>
+            </a:effectRef>
+            <a:fontRef idx="minor">
+              <a:schemeClr val="lt1"/>
+            </a:fontRef>
+          </p:style>
+          <p:txBody>
+            <a:bodyPr rot="0" spcFirstLastPara="0" vertOverflow="overflow" horzOverflow="overflow" vert="horz" wrap="square" lIns="91440" tIns="45721" rIns="91440" bIns="45721" numCol="1" spcCol="0" rtlCol="0" fromWordArt="0" anchor="ctr" anchorCtr="0" forceAA="0" compatLnSpc="1">
+              <a:prstTxWarp prst="textNoShape">
+                <a:avLst/>
+              </a:prstTxWarp>
+              <a:normAutofit/>
+            </a:bodyPr>
+            <a:lstStyle/>
+            <a:p>
+              <a:pPr algn="ctr"/>
+              <a:endParaRPr lang="en-US" sz="1801" dirty="0"/>
+            </a:p>
+          </p:txBody>
+        </p:sp>
+        <p:sp>
+          <p:nvSpPr>
+            <p:cNvPr id="97" name="TextBox 96">
+              <a:extLst>
+                <a:ext uri="{FF2B5EF4-FFF2-40B4-BE49-F238E27FC236}">
+                  <a16:creationId xmlns:a16="http://schemas.microsoft.com/office/drawing/2014/main" id="{558424F6-C84E-8446-AB42-BBA54299D491}"/>
+                </a:ext>
+              </a:extLst>
+            </p:cNvPr>
+            <p:cNvSpPr txBox="1"/>
+            <p:nvPr/>
+          </p:nvSpPr>
+          <p:spPr>
+            <a:xfrm>
+              <a:off x="2505642" y="237172"/>
+              <a:ext cx="1303490" cy="398749"/>
+            </a:xfrm>
+            <a:prstGeom prst="rect">
+              <a:avLst/>
+            </a:prstGeom>
+            <a:noFill/>
+          </p:spPr>
+          <p:txBody>
+            <a:bodyPr wrap="square" rtlCol="0">
+              <a:normAutofit fontScale="47500" lnSpcReduction="20000"/>
+            </a:bodyPr>
+            <a:lstStyle/>
+            <a:p>
+              <a:r>
+                <a:rPr lang="en-US" sz="1600" dirty="0">
+                  <a:solidFill>
+                    <a:schemeClr val="bg1"/>
+                  </a:solidFill>
+                </a:rPr>
+                <a:t>Worker Node</a:t>
+              </a:r>
+            </a:p>
+          </p:txBody>
+        </p:sp>
+        <p:sp>
+          <p:nvSpPr>
+            <p:cNvPr id="98" name="Rounded Rectangle 97">
+              <a:extLst>
+                <a:ext uri="{FF2B5EF4-FFF2-40B4-BE49-F238E27FC236}">
+                  <a16:creationId xmlns:a16="http://schemas.microsoft.com/office/drawing/2014/main" id="{46C26FA1-6C71-4B4E-B8B1-8406A8318C3A}"/>
+                </a:ext>
+              </a:extLst>
+            </p:cNvPr>
+            <p:cNvSpPr/>
+            <p:nvPr/>
+          </p:nvSpPr>
+          <p:spPr>
+            <a:xfrm>
+              <a:off x="1938735" y="577201"/>
+              <a:ext cx="2440135" cy="1160160"/>
+            </a:xfrm>
+            <a:prstGeom prst="roundRect">
+              <a:avLst/>
+            </a:prstGeom>
+          </p:spPr>
+          <p:style>
+            <a:lnRef idx="2">
+              <a:schemeClr val="accent5">
+                <a:shade val="50000"/>
+              </a:schemeClr>
+            </a:lnRef>
+            <a:fillRef idx="1">
+              <a:schemeClr val="accent5"/>
+            </a:fillRef>
+            <a:effectRef idx="0">
+              <a:schemeClr val="accent5"/>
+            </a:effectRef>
+            <a:fontRef idx="minor">
+              <a:schemeClr val="lt1"/>
+            </a:fontRef>
+          </p:style>
+          <p:txBody>
+            <a:bodyPr rot="0" spcFirstLastPara="0" vertOverflow="overflow" horzOverflow="overflow" vert="horz" wrap="square" lIns="91440" tIns="45721" rIns="91440" bIns="45721" numCol="1" spcCol="0" rtlCol="0" fromWordArt="0" anchor="ctr" anchorCtr="0" forceAA="0" compatLnSpc="1">
+              <a:prstTxWarp prst="textNoShape">
+                <a:avLst/>
+              </a:prstTxWarp>
+              <a:normAutofit/>
+            </a:bodyPr>
+            <a:lstStyle/>
+            <a:p>
+              <a:pPr algn="ctr"/>
+              <a:endParaRPr lang="en-US" sz="1801"/>
+            </a:p>
+          </p:txBody>
+        </p:sp>
+        <p:sp>
+          <p:nvSpPr>
+            <p:cNvPr id="99" name="TextBox 98">
+              <a:extLst>
+                <a:ext uri="{FF2B5EF4-FFF2-40B4-BE49-F238E27FC236}">
+                  <a16:creationId xmlns:a16="http://schemas.microsoft.com/office/drawing/2014/main" id="{4A26CE6A-4B15-CA4C-B050-64966CD5AC37}"/>
+                </a:ext>
+              </a:extLst>
+            </p:cNvPr>
+            <p:cNvSpPr txBox="1"/>
+            <p:nvPr/>
+          </p:nvSpPr>
+          <p:spPr>
+            <a:xfrm>
+              <a:off x="2390361" y="530435"/>
+              <a:ext cx="1603839" cy="362649"/>
+            </a:xfrm>
+            <a:prstGeom prst="rect">
+              <a:avLst/>
+            </a:prstGeom>
+            <a:noFill/>
+          </p:spPr>
+          <p:txBody>
+            <a:bodyPr wrap="square" rtlCol="0">
+              <a:normAutofit fontScale="47500" lnSpcReduction="20000"/>
+            </a:bodyPr>
+            <a:lstStyle/>
+            <a:p>
+              <a:r>
+                <a:rPr lang="en-US" sz="1401" dirty="0"/>
+                <a:t>Container Runtime</a:t>
+              </a:r>
+            </a:p>
+          </p:txBody>
+        </p:sp>
+        <p:sp>
+          <p:nvSpPr>
+            <p:cNvPr id="100" name="Rounded Rectangle 99">
+              <a:extLst>
+                <a:ext uri="{FF2B5EF4-FFF2-40B4-BE49-F238E27FC236}">
+                  <a16:creationId xmlns:a16="http://schemas.microsoft.com/office/drawing/2014/main" id="{B7202D01-8988-AB48-8F2E-1E16F4C6BECF}"/>
+                </a:ext>
+              </a:extLst>
+            </p:cNvPr>
+            <p:cNvSpPr/>
+            <p:nvPr/>
+          </p:nvSpPr>
+          <p:spPr>
+            <a:xfrm>
+              <a:off x="2264931" y="888892"/>
+              <a:ext cx="1784914" cy="311691"/>
+            </a:xfrm>
+            <a:prstGeom prst="roundRect">
+              <a:avLst/>
+            </a:prstGeom>
+          </p:spPr>
+          <p:style>
+            <a:lnRef idx="3">
+              <a:schemeClr val="lt1"/>
+            </a:lnRef>
+            <a:fillRef idx="1">
+              <a:schemeClr val="accent2"/>
+            </a:fillRef>
+            <a:effectRef idx="1">
+              <a:schemeClr val="accent2"/>
+            </a:effectRef>
+            <a:fontRef idx="minor">
+              <a:schemeClr val="lt1"/>
+            </a:fontRef>
+          </p:style>
+          <p:txBody>
+            <a:bodyPr rot="0" spcFirstLastPara="0" vertOverflow="overflow" horzOverflow="overflow" vert="horz" wrap="square" lIns="91440" tIns="45721" rIns="91440" bIns="45721" numCol="1" spcCol="0" rtlCol="0" fromWordArt="0" anchor="ctr" anchorCtr="0" forceAA="0" compatLnSpc="1">
+              <a:prstTxWarp prst="textNoShape">
+                <a:avLst/>
+              </a:prstTxWarp>
+              <a:noAutofit/>
+            </a:bodyPr>
+            <a:lstStyle/>
+            <a:p>
+              <a:pPr algn="ctr"/>
+              <a:r>
+                <a:rPr lang="en-US" sz="800" dirty="0" err="1"/>
+                <a:t>kube</a:t>
+              </a:r>
+              <a:r>
+                <a:rPr lang="en-US" sz="800" dirty="0"/>
+                <a:t>-proxy</a:t>
+              </a:r>
+            </a:p>
+          </p:txBody>
+        </p:sp>
+        <p:sp>
+          <p:nvSpPr>
+            <p:cNvPr id="101" name="Rounded Rectangle 100">
+              <a:extLst>
+                <a:ext uri="{FF2B5EF4-FFF2-40B4-BE49-F238E27FC236}">
+                  <a16:creationId xmlns:a16="http://schemas.microsoft.com/office/drawing/2014/main" id="{A6686B25-6D23-FC44-ACA1-9AFD788EDBBF}"/>
+                </a:ext>
+              </a:extLst>
+            </p:cNvPr>
+            <p:cNvSpPr/>
+            <p:nvPr/>
+          </p:nvSpPr>
+          <p:spPr>
+            <a:xfrm>
+              <a:off x="2264931" y="1322526"/>
+              <a:ext cx="1784914" cy="311691"/>
+            </a:xfrm>
+            <a:prstGeom prst="roundRect">
+              <a:avLst/>
+            </a:prstGeom>
+          </p:spPr>
+          <p:style>
+            <a:lnRef idx="3">
+              <a:schemeClr val="lt1"/>
+            </a:lnRef>
+            <a:fillRef idx="1">
+              <a:schemeClr val="accent2"/>
+            </a:fillRef>
+            <a:effectRef idx="1">
+              <a:schemeClr val="accent2"/>
+            </a:effectRef>
+            <a:fontRef idx="minor">
+              <a:schemeClr val="lt1"/>
+            </a:fontRef>
+          </p:style>
+          <p:txBody>
+            <a:bodyPr rot="0" spcFirstLastPara="0" vertOverflow="overflow" horzOverflow="overflow" vert="horz" wrap="square" lIns="91440" tIns="45721" rIns="91440" bIns="45721" numCol="1" spcCol="0" rtlCol="0" fromWordArt="0" anchor="ctr" anchorCtr="0" forceAA="0" compatLnSpc="1">
+              <a:prstTxWarp prst="textNoShape">
+                <a:avLst/>
+              </a:prstTxWarp>
+              <a:noAutofit/>
+            </a:bodyPr>
+            <a:lstStyle/>
+            <a:p>
+              <a:pPr algn="ctr"/>
+              <a:r>
+                <a:rPr lang="en-US" sz="800" dirty="0" err="1"/>
+                <a:t>cni</a:t>
+              </a:r>
+              <a:r>
+                <a:rPr lang="en-US" sz="800" dirty="0"/>
+                <a:t>-plugins</a:t>
+              </a:r>
+            </a:p>
+          </p:txBody>
+        </p:sp>
+        <p:sp>
+          <p:nvSpPr>
+            <p:cNvPr id="102" name="Rounded Rectangle 101">
+              <a:extLst>
+                <a:ext uri="{FF2B5EF4-FFF2-40B4-BE49-F238E27FC236}">
+                  <a16:creationId xmlns:a16="http://schemas.microsoft.com/office/drawing/2014/main" id="{4ED753B0-B51D-9A42-9E5E-48F25D3047A9}"/>
+                </a:ext>
+              </a:extLst>
+            </p:cNvPr>
+            <p:cNvSpPr/>
+            <p:nvPr/>
+          </p:nvSpPr>
+          <p:spPr>
+            <a:xfrm>
+              <a:off x="2264931" y="1855197"/>
+              <a:ext cx="1784914" cy="222191"/>
+            </a:xfrm>
+            <a:prstGeom prst="roundRect">
+              <a:avLst/>
+            </a:prstGeom>
+          </p:spPr>
+          <p:style>
+            <a:lnRef idx="2">
+              <a:schemeClr val="accent4">
+                <a:shade val="50000"/>
+              </a:schemeClr>
+            </a:lnRef>
+            <a:fillRef idx="1">
+              <a:schemeClr val="accent4"/>
+            </a:fillRef>
+            <a:effectRef idx="0">
+              <a:schemeClr val="accent4"/>
+            </a:effectRef>
+            <a:fontRef idx="minor">
+              <a:schemeClr val="lt1"/>
+            </a:fontRef>
+          </p:style>
+          <p:txBody>
+            <a:bodyPr rot="0" spcFirstLastPara="0" vertOverflow="overflow" horzOverflow="overflow" vert="horz" wrap="square" lIns="91440" tIns="45721" rIns="91440" bIns="45721" numCol="1" spcCol="0" rtlCol="0" fromWordArt="0" anchor="ctr" anchorCtr="0" forceAA="0" compatLnSpc="1">
+              <a:prstTxWarp prst="textNoShape">
+                <a:avLst/>
+              </a:prstTxWarp>
+              <a:noAutofit/>
+            </a:bodyPr>
+            <a:lstStyle/>
+            <a:p>
+              <a:pPr algn="ctr"/>
+              <a:r>
+                <a:rPr lang="en-US" sz="800" dirty="0">
+                  <a:ln w="0"/>
+                  <a:solidFill>
+                    <a:schemeClr val="tx1"/>
+                  </a:solidFill>
+                  <a:effectLst>
+                    <a:outerShdw blurRad="38100" dist="19050" dir="2700000" algn="tl" rotWithShape="0">
+                      <a:schemeClr val="dk1">
+                        <a:alpha val="40000"/>
+                      </a:schemeClr>
+                    </a:outerShdw>
+                  </a:effectLst>
+                </a:rPr>
+                <a:t>kubelet</a:t>
+              </a:r>
+            </a:p>
+          </p:txBody>
+        </p:sp>
+      </p:grpSp>
+      <p:cxnSp>
+        <p:nvCxnSpPr>
+          <p:cNvPr id="18" name="Straight Connector 17">
+            <a:extLst>
+              <a:ext uri="{FF2B5EF4-FFF2-40B4-BE49-F238E27FC236}">
+                <a16:creationId xmlns:a16="http://schemas.microsoft.com/office/drawing/2014/main" id="{7A5E2ACB-BD38-E340-A085-A87772DD38BA}"/>
+              </a:ext>
+            </a:extLst>
+          </p:cNvPr>
+          <p:cNvCxnSpPr/>
+          <p:nvPr/>
+        </p:nvCxnSpPr>
+        <p:spPr>
+          <a:xfrm>
+            <a:off x="3245437" y="2349661"/>
+            <a:ext cx="4047488" cy="0"/>
+          </a:xfrm>
+          <a:prstGeom prst="line">
+            <a:avLst/>
+          </a:prstGeom>
+          <a:ln>
+            <a:prstDash val="sysDash"/>
+          </a:ln>
+        </p:spPr>
+        <p:style>
+          <a:lnRef idx="1">
+            <a:schemeClr val="accent1"/>
+          </a:lnRef>
+          <a:fillRef idx="0">
+            <a:schemeClr val="accent1"/>
+          </a:fillRef>
+          <a:effectRef idx="0">
+            <a:schemeClr val="accent1"/>
+          </a:effectRef>
+          <a:fontRef idx="minor">
+            <a:schemeClr val="tx1"/>
+          </a:fontRef>
+        </p:style>
+      </p:cxnSp>
+      <p:cxnSp>
+        <p:nvCxnSpPr>
+          <p:cNvPr id="20" name="Straight Connector 19">
+            <a:extLst>
+              <a:ext uri="{FF2B5EF4-FFF2-40B4-BE49-F238E27FC236}">
+                <a16:creationId xmlns:a16="http://schemas.microsoft.com/office/drawing/2014/main" id="{2E3BE349-9DA6-FA4C-870E-CAC125FE8576}"/>
+              </a:ext>
+            </a:extLst>
+          </p:cNvPr>
+          <p:cNvCxnSpPr/>
+          <p:nvPr/>
+        </p:nvCxnSpPr>
+        <p:spPr>
+          <a:xfrm>
+            <a:off x="7292925" y="2349661"/>
+            <a:ext cx="0" cy="856526"/>
+          </a:xfrm>
+          <a:prstGeom prst="line">
+            <a:avLst/>
+          </a:prstGeom>
+          <a:ln>
+            <a:prstDash val="sysDash"/>
+          </a:ln>
+        </p:spPr>
+        <p:style>
+          <a:lnRef idx="1">
+            <a:schemeClr val="accent1"/>
+          </a:lnRef>
+          <a:fillRef idx="0">
+            <a:schemeClr val="accent1"/>
+          </a:fillRef>
+          <a:effectRef idx="0">
+            <a:schemeClr val="accent1"/>
+          </a:effectRef>
+          <a:fontRef idx="minor">
+            <a:schemeClr val="tx1"/>
+          </a:fontRef>
+        </p:style>
+      </p:cxnSp>
+      <p:cxnSp>
+        <p:nvCxnSpPr>
+          <p:cNvPr id="23" name="Straight Connector 22">
+            <a:extLst>
+              <a:ext uri="{FF2B5EF4-FFF2-40B4-BE49-F238E27FC236}">
+                <a16:creationId xmlns:a16="http://schemas.microsoft.com/office/drawing/2014/main" id="{6A14F182-67FC-4648-A3BC-4D808ADA94A7}"/>
+              </a:ext>
+            </a:extLst>
+          </p:cNvPr>
+          <p:cNvCxnSpPr/>
+          <p:nvPr/>
+        </p:nvCxnSpPr>
+        <p:spPr>
+          <a:xfrm flipH="1">
+            <a:off x="3245437" y="3206187"/>
+            <a:ext cx="4047488" cy="0"/>
+          </a:xfrm>
+          <a:prstGeom prst="line">
+            <a:avLst/>
+          </a:prstGeom>
+          <a:ln>
+            <a:prstDash val="sysDash"/>
+          </a:ln>
+        </p:spPr>
+        <p:style>
+          <a:lnRef idx="1">
+            <a:schemeClr val="accent1"/>
+          </a:lnRef>
+          <a:fillRef idx="0">
+            <a:schemeClr val="accent1"/>
+          </a:fillRef>
+          <a:effectRef idx="0">
+            <a:schemeClr val="accent1"/>
+          </a:effectRef>
+          <a:fontRef idx="minor">
+            <a:schemeClr val="tx1"/>
+          </a:fontRef>
+        </p:style>
+      </p:cxnSp>
+      <p:cxnSp>
+        <p:nvCxnSpPr>
+          <p:cNvPr id="25" name="Straight Connector 24">
+            <a:extLst>
+              <a:ext uri="{FF2B5EF4-FFF2-40B4-BE49-F238E27FC236}">
+                <a16:creationId xmlns:a16="http://schemas.microsoft.com/office/drawing/2014/main" id="{7B27FAF5-089F-8249-8C78-377F49A069F5}"/>
+              </a:ext>
+            </a:extLst>
+          </p:cNvPr>
+          <p:cNvCxnSpPr/>
+          <p:nvPr/>
+        </p:nvCxnSpPr>
+        <p:spPr>
+          <a:xfrm>
+            <a:off x="3245437" y="2349661"/>
+            <a:ext cx="0" cy="856526"/>
+          </a:xfrm>
+          <a:prstGeom prst="line">
+            <a:avLst/>
+          </a:prstGeom>
+          <a:ln>
+            <a:prstDash val="sysDash"/>
+          </a:ln>
+        </p:spPr>
+        <p:style>
+          <a:lnRef idx="1">
+            <a:schemeClr val="accent1"/>
+          </a:lnRef>
+          <a:fillRef idx="0">
+            <a:schemeClr val="accent1"/>
+          </a:fillRef>
+          <a:effectRef idx="0">
+            <a:schemeClr val="accent1"/>
+          </a:effectRef>
+          <a:fontRef idx="minor">
+            <a:schemeClr val="tx1"/>
+          </a:fontRef>
+        </p:style>
+      </p:cxnSp>
+      <p:sp>
+        <p:nvSpPr>
+          <p:cNvPr id="26" name="TextBox 25">
+            <a:extLst>
+              <a:ext uri="{FF2B5EF4-FFF2-40B4-BE49-F238E27FC236}">
+                <a16:creationId xmlns:a16="http://schemas.microsoft.com/office/drawing/2014/main" id="{82CEE4A0-09F9-AD4E-87CB-69E31060188D}"/>
+              </a:ext>
+            </a:extLst>
+          </p:cNvPr>
+          <p:cNvSpPr txBox="1"/>
+          <p:nvPr/>
+        </p:nvSpPr>
+        <p:spPr>
+          <a:xfrm>
+            <a:off x="4779394" y="2349661"/>
+            <a:ext cx="978153" cy="215444"/>
+          </a:xfrm>
+          <a:prstGeom prst="rect">
+            <a:avLst/>
+          </a:prstGeom>
+          <a:noFill/>
+        </p:spPr>
+        <p:txBody>
+          <a:bodyPr wrap="none" rtlCol="0">
+            <a:spAutoFit/>
+          </a:bodyPr>
+          <a:lstStyle/>
+          <a:p>
+            <a:r>
+              <a:rPr lang="en-US" sz="800" dirty="0"/>
+              <a:t>Floating IP Address</a:t>
+            </a:r>
+          </a:p>
+        </p:txBody>
+      </p:sp>
+      <p:sp>
+        <p:nvSpPr>
+          <p:cNvPr id="103" name="TextBox 102">
+            <a:extLst>
+              <a:ext uri="{FF2B5EF4-FFF2-40B4-BE49-F238E27FC236}">
+                <a16:creationId xmlns:a16="http://schemas.microsoft.com/office/drawing/2014/main" id="{81BA6526-8CFF-BA48-BB56-66FF33B2AE69}"/>
+              </a:ext>
+            </a:extLst>
+          </p:cNvPr>
+          <p:cNvSpPr txBox="1"/>
+          <p:nvPr/>
+        </p:nvSpPr>
+        <p:spPr>
+          <a:xfrm>
+            <a:off x="3946155" y="3002137"/>
+            <a:ext cx="510076" cy="215444"/>
+          </a:xfrm>
+          <a:prstGeom prst="rect">
+            <a:avLst/>
+          </a:prstGeom>
+          <a:noFill/>
+        </p:spPr>
+        <p:txBody>
+          <a:bodyPr wrap="none" rtlCol="0">
+            <a:spAutoFit/>
+          </a:bodyPr>
+          <a:lstStyle/>
+          <a:p>
+            <a:r>
+              <a:rPr lang="en-US" sz="800" dirty="0"/>
+              <a:t>Primary</a:t>
+            </a:r>
+          </a:p>
+        </p:txBody>
+      </p:sp>
+      <p:sp>
+        <p:nvSpPr>
+          <p:cNvPr id="104" name="TextBox 103">
+            <a:extLst>
+              <a:ext uri="{FF2B5EF4-FFF2-40B4-BE49-F238E27FC236}">
+                <a16:creationId xmlns:a16="http://schemas.microsoft.com/office/drawing/2014/main" id="{A7E7E24C-1894-8E4C-8E1A-9578C35BF35C}"/>
+              </a:ext>
+            </a:extLst>
+          </p:cNvPr>
+          <p:cNvSpPr txBox="1"/>
+          <p:nvPr/>
+        </p:nvSpPr>
+        <p:spPr>
+          <a:xfrm>
+            <a:off x="6025404" y="3002137"/>
+            <a:ext cx="620683" cy="215444"/>
+          </a:xfrm>
+          <a:prstGeom prst="rect">
+            <a:avLst/>
+          </a:prstGeom>
+          <a:noFill/>
+        </p:spPr>
+        <p:txBody>
+          <a:bodyPr wrap="none" rtlCol="0">
+            <a:spAutoFit/>
+          </a:bodyPr>
+          <a:lstStyle/>
+          <a:p>
+            <a:r>
+              <a:rPr lang="en-US" sz="800" dirty="0"/>
+              <a:t>Secondary</a:t>
+            </a:r>
+          </a:p>
+        </p:txBody>
+      </p:sp>
+      <p:sp>
+        <p:nvSpPr>
+          <p:cNvPr id="27" name="TextBox 26">
+            <a:extLst>
+              <a:ext uri="{FF2B5EF4-FFF2-40B4-BE49-F238E27FC236}">
+                <a16:creationId xmlns:a16="http://schemas.microsoft.com/office/drawing/2014/main" id="{1EE2548B-F083-3041-A718-29DE831E8FD2}"/>
+              </a:ext>
+            </a:extLst>
+          </p:cNvPr>
+          <p:cNvSpPr txBox="1"/>
+          <p:nvPr/>
+        </p:nvSpPr>
+        <p:spPr>
+          <a:xfrm>
+            <a:off x="3416135" y="2132119"/>
+            <a:ext cx="1490050" cy="215444"/>
+          </a:xfrm>
+          <a:prstGeom prst="rect">
+            <a:avLst/>
+          </a:prstGeom>
+          <a:noFill/>
+        </p:spPr>
+        <p:txBody>
+          <a:bodyPr wrap="square" rtlCol="0">
+            <a:spAutoFit/>
+          </a:bodyPr>
+          <a:lstStyle/>
+          <a:p>
+            <a:r>
+              <a:rPr lang="en-US" sz="800" dirty="0"/>
+              <a:t>Load Balancer</a:t>
+            </a:r>
+          </a:p>
+        </p:txBody>
+      </p:sp>
+      <p:cxnSp>
+        <p:nvCxnSpPr>
+          <p:cNvPr id="29" name="Straight Arrow Connector 28">
+            <a:extLst>
+              <a:ext uri="{FF2B5EF4-FFF2-40B4-BE49-F238E27FC236}">
+                <a16:creationId xmlns:a16="http://schemas.microsoft.com/office/drawing/2014/main" id="{F8BAC1F9-1CBC-8D4A-AF90-F3BE109CD337}"/>
+              </a:ext>
+            </a:extLst>
+          </p:cNvPr>
+          <p:cNvCxnSpPr>
+            <a:stCxn id="44" idx="3"/>
+            <a:endCxn id="49" idx="1"/>
+          </p:cNvCxnSpPr>
+          <p:nvPr/>
+        </p:nvCxnSpPr>
+        <p:spPr>
+          <a:xfrm>
+            <a:off x="4984920" y="2787219"/>
+            <a:ext cx="567105" cy="0"/>
+          </a:xfrm>
+          <a:prstGeom prst="straightConnector1">
+            <a:avLst/>
+          </a:prstGeom>
+          <a:ln>
+            <a:prstDash val="sysDot"/>
+            <a:headEnd type="triangle"/>
+            <a:tailEnd type="triangle"/>
+          </a:ln>
+        </p:spPr>
+        <p:style>
+          <a:lnRef idx="1">
+            <a:schemeClr val="accent1"/>
+          </a:lnRef>
+          <a:fillRef idx="0">
+            <a:schemeClr val="accent1"/>
+          </a:fillRef>
+          <a:effectRef idx="0">
+            <a:schemeClr val="accent1"/>
+          </a:effectRef>
+          <a:fontRef idx="minor">
+            <a:schemeClr val="tx1"/>
+          </a:fontRef>
+        </p:style>
+      </p:cxnSp>
+      <p:cxnSp>
+        <p:nvCxnSpPr>
+          <p:cNvPr id="105" name="Straight Arrow Connector 104">
+            <a:extLst>
+              <a:ext uri="{FF2B5EF4-FFF2-40B4-BE49-F238E27FC236}">
+                <a16:creationId xmlns:a16="http://schemas.microsoft.com/office/drawing/2014/main" id="{BD1F93C1-3212-2B48-9C17-3F4397C0D2E3}"/>
+              </a:ext>
+            </a:extLst>
+          </p:cNvPr>
+          <p:cNvCxnSpPr>
+            <a:cxnSpLocks/>
+            <a:endCxn id="26" idx="0"/>
+          </p:cNvCxnSpPr>
+          <p:nvPr/>
+        </p:nvCxnSpPr>
+        <p:spPr>
+          <a:xfrm>
+            <a:off x="5268471" y="1545166"/>
+            <a:ext cx="0" cy="804495"/>
+          </a:xfrm>
+          <a:prstGeom prst="straightConnector1">
+            <a:avLst/>
+          </a:prstGeom>
+          <a:ln>
+            <a:prstDash val="sysDot"/>
+            <a:tailEnd type="triangle"/>
+          </a:ln>
+        </p:spPr>
+        <p:style>
+          <a:lnRef idx="1">
+            <a:schemeClr val="accent1"/>
+          </a:lnRef>
+          <a:fillRef idx="0">
+            <a:schemeClr val="accent1"/>
+          </a:fillRef>
+          <a:effectRef idx="0">
+            <a:schemeClr val="accent1"/>
+          </a:effectRef>
+          <a:fontRef idx="minor">
+            <a:schemeClr val="tx1"/>
+          </a:fontRef>
+        </p:style>
+      </p:cxnSp>
+      <p:cxnSp>
+        <p:nvCxnSpPr>
+          <p:cNvPr id="109" name="Straight Connector 108">
+            <a:extLst>
+              <a:ext uri="{FF2B5EF4-FFF2-40B4-BE49-F238E27FC236}">
+                <a16:creationId xmlns:a16="http://schemas.microsoft.com/office/drawing/2014/main" id="{2BBA33C1-2779-5F46-87C7-31CB56CC5209}"/>
+              </a:ext>
+            </a:extLst>
+          </p:cNvPr>
+          <p:cNvCxnSpPr>
+            <a:cxnSpLocks/>
+            <a:stCxn id="4" idx="2"/>
+          </p:cNvCxnSpPr>
+          <p:nvPr/>
+        </p:nvCxnSpPr>
+        <p:spPr>
+          <a:xfrm flipH="1">
+            <a:off x="7899620" y="1543986"/>
+            <a:ext cx="4409" cy="1175358"/>
+          </a:xfrm>
+          <a:prstGeom prst="line">
+            <a:avLst/>
+          </a:prstGeom>
+          <a:ln>
+            <a:prstDash val="sysDot"/>
+          </a:ln>
+        </p:spPr>
+        <p:style>
+          <a:lnRef idx="1">
+            <a:schemeClr val="accent1"/>
+          </a:lnRef>
+          <a:fillRef idx="0">
+            <a:schemeClr val="accent1"/>
+          </a:fillRef>
+          <a:effectRef idx="0">
+            <a:schemeClr val="accent1"/>
+          </a:effectRef>
+          <a:fontRef idx="minor">
+            <a:schemeClr val="tx1"/>
+          </a:fontRef>
+        </p:style>
+      </p:cxnSp>
+      <p:cxnSp>
+        <p:nvCxnSpPr>
+          <p:cNvPr id="111" name="Straight Arrow Connector 110">
+            <a:extLst>
+              <a:ext uri="{FF2B5EF4-FFF2-40B4-BE49-F238E27FC236}">
+                <a16:creationId xmlns:a16="http://schemas.microsoft.com/office/drawing/2014/main" id="{09A725E1-343B-234B-A6F5-3C0B4A98E739}"/>
+              </a:ext>
+            </a:extLst>
+          </p:cNvPr>
+          <p:cNvCxnSpPr>
+            <a:cxnSpLocks/>
+          </p:cNvCxnSpPr>
+          <p:nvPr/>
+        </p:nvCxnSpPr>
+        <p:spPr>
+          <a:xfrm flipH="1">
+            <a:off x="7292924" y="2719344"/>
+            <a:ext cx="594328" cy="0"/>
+          </a:xfrm>
+          <a:prstGeom prst="straightConnector1">
+            <a:avLst/>
+          </a:prstGeom>
+          <a:ln>
+            <a:prstDash val="sysDot"/>
+            <a:tailEnd type="triangle"/>
+          </a:ln>
+        </p:spPr>
+        <p:style>
+          <a:lnRef idx="1">
+            <a:schemeClr val="accent1"/>
+          </a:lnRef>
+          <a:fillRef idx="0">
+            <a:schemeClr val="accent1"/>
+          </a:fillRef>
+          <a:effectRef idx="0">
+            <a:schemeClr val="accent1"/>
+          </a:effectRef>
+          <a:fontRef idx="minor">
+            <a:schemeClr val="tx1"/>
+          </a:fontRef>
+        </p:style>
+      </p:cxnSp>
+      <p:cxnSp>
+        <p:nvCxnSpPr>
+          <p:cNvPr id="115" name="Straight Connector 114">
+            <a:extLst>
+              <a:ext uri="{FF2B5EF4-FFF2-40B4-BE49-F238E27FC236}">
+                <a16:creationId xmlns:a16="http://schemas.microsoft.com/office/drawing/2014/main" id="{BCC42928-EAC4-9641-A5B7-0F7CB580F65E}"/>
+              </a:ext>
+            </a:extLst>
+          </p:cNvPr>
+          <p:cNvCxnSpPr>
+            <a:cxnSpLocks/>
+          </p:cNvCxnSpPr>
+          <p:nvPr/>
+        </p:nvCxnSpPr>
+        <p:spPr>
+          <a:xfrm flipH="1">
+            <a:off x="2635756" y="1543986"/>
+            <a:ext cx="4409" cy="1175358"/>
+          </a:xfrm>
+          <a:prstGeom prst="line">
+            <a:avLst/>
+          </a:prstGeom>
+          <a:ln>
+            <a:prstDash val="sysDot"/>
+          </a:ln>
+        </p:spPr>
+        <p:style>
+          <a:lnRef idx="1">
+            <a:schemeClr val="accent1"/>
+          </a:lnRef>
+          <a:fillRef idx="0">
+            <a:schemeClr val="accent1"/>
+          </a:fillRef>
+          <a:effectRef idx="0">
+            <a:schemeClr val="accent1"/>
+          </a:effectRef>
+          <a:fontRef idx="minor">
+            <a:schemeClr val="tx1"/>
+          </a:fontRef>
+        </p:style>
+      </p:cxnSp>
+      <p:cxnSp>
+        <p:nvCxnSpPr>
+          <p:cNvPr id="116" name="Straight Arrow Connector 115">
+            <a:extLst>
+              <a:ext uri="{FF2B5EF4-FFF2-40B4-BE49-F238E27FC236}">
+                <a16:creationId xmlns:a16="http://schemas.microsoft.com/office/drawing/2014/main" id="{C35A1604-2D83-124B-BED8-BFB26EB2BC43}"/>
+              </a:ext>
+            </a:extLst>
+          </p:cNvPr>
+          <p:cNvCxnSpPr>
+            <a:cxnSpLocks/>
+          </p:cNvCxnSpPr>
+          <p:nvPr/>
+        </p:nvCxnSpPr>
+        <p:spPr>
+          <a:xfrm>
+            <a:off x="2634748" y="2719344"/>
+            <a:ext cx="610689" cy="0"/>
+          </a:xfrm>
+          <a:prstGeom prst="straightConnector1">
+            <a:avLst/>
+          </a:prstGeom>
+          <a:ln>
+            <a:prstDash val="sysDot"/>
+            <a:tailEnd type="triangle"/>
+          </a:ln>
+        </p:spPr>
+        <p:style>
+          <a:lnRef idx="1">
+            <a:schemeClr val="accent1"/>
+          </a:lnRef>
+          <a:fillRef idx="0">
+            <a:schemeClr val="accent1"/>
+          </a:fillRef>
+          <a:effectRef idx="0">
+            <a:schemeClr val="accent1"/>
+          </a:effectRef>
+          <a:fontRef idx="minor">
+            <a:schemeClr val="tx1"/>
+          </a:fontRef>
+        </p:style>
+      </p:cxnSp>
+      <p:cxnSp>
+        <p:nvCxnSpPr>
+          <p:cNvPr id="118" name="Straight Arrow Connector 117">
+            <a:extLst>
+              <a:ext uri="{FF2B5EF4-FFF2-40B4-BE49-F238E27FC236}">
+                <a16:creationId xmlns:a16="http://schemas.microsoft.com/office/drawing/2014/main" id="{1431543C-D8E0-0643-80D7-B783687DF60E}"/>
+              </a:ext>
+            </a:extLst>
+          </p:cNvPr>
+          <p:cNvCxnSpPr>
+            <a:cxnSpLocks/>
+            <a:stCxn id="56" idx="0"/>
+            <a:endCxn id="103" idx="2"/>
+          </p:cNvCxnSpPr>
+          <p:nvPr/>
+        </p:nvCxnSpPr>
+        <p:spPr>
+          <a:xfrm flipV="1">
+            <a:off x="2634751" y="3217581"/>
+            <a:ext cx="1566442" cy="836184"/>
+          </a:xfrm>
+          <a:prstGeom prst="straightConnector1">
+            <a:avLst/>
+          </a:prstGeom>
+          <a:ln>
+            <a:prstDash val="sysDot"/>
+            <a:tailEnd type="triangle"/>
+          </a:ln>
+        </p:spPr>
+        <p:style>
+          <a:lnRef idx="1">
+            <a:schemeClr val="accent1"/>
+          </a:lnRef>
+          <a:fillRef idx="0">
+            <a:schemeClr val="accent1"/>
+          </a:fillRef>
+          <a:effectRef idx="0">
+            <a:schemeClr val="accent1"/>
+          </a:effectRef>
+          <a:fontRef idx="minor">
+            <a:schemeClr val="tx1"/>
+          </a:fontRef>
+        </p:style>
+      </p:cxnSp>
+      <p:cxnSp>
+        <p:nvCxnSpPr>
+          <p:cNvPr id="121" name="Straight Arrow Connector 120">
+            <a:extLst>
+              <a:ext uri="{FF2B5EF4-FFF2-40B4-BE49-F238E27FC236}">
+                <a16:creationId xmlns:a16="http://schemas.microsoft.com/office/drawing/2014/main" id="{61A9BB75-F802-EA49-B8D1-CD71450806B0}"/>
+              </a:ext>
+            </a:extLst>
+          </p:cNvPr>
+          <p:cNvCxnSpPr>
+            <a:cxnSpLocks/>
+            <a:stCxn id="69" idx="0"/>
+          </p:cNvCxnSpPr>
+          <p:nvPr/>
+        </p:nvCxnSpPr>
+        <p:spPr>
+          <a:xfrm flipH="1" flipV="1">
+            <a:off x="5199284" y="3217581"/>
+            <a:ext cx="1837" cy="833004"/>
+          </a:xfrm>
+          <a:prstGeom prst="straightConnector1">
+            <a:avLst/>
+          </a:prstGeom>
+          <a:ln>
+            <a:prstDash val="sysDot"/>
+            <a:tailEnd type="triangle"/>
+          </a:ln>
+        </p:spPr>
+        <p:style>
+          <a:lnRef idx="1">
+            <a:schemeClr val="accent1"/>
+          </a:lnRef>
+          <a:fillRef idx="0">
+            <a:schemeClr val="accent1"/>
+          </a:fillRef>
+          <a:effectRef idx="0">
+            <a:schemeClr val="accent1"/>
+          </a:effectRef>
+          <a:fontRef idx="minor">
+            <a:schemeClr val="tx1"/>
+          </a:fontRef>
+        </p:style>
+      </p:cxnSp>
+      <p:cxnSp>
+        <p:nvCxnSpPr>
+          <p:cNvPr id="124" name="Straight Arrow Connector 123">
+            <a:extLst>
+              <a:ext uri="{FF2B5EF4-FFF2-40B4-BE49-F238E27FC236}">
+                <a16:creationId xmlns:a16="http://schemas.microsoft.com/office/drawing/2014/main" id="{6E81E006-EA32-2B4C-9199-195C5A347E2C}"/>
+              </a:ext>
+            </a:extLst>
+          </p:cNvPr>
+          <p:cNvCxnSpPr>
+            <a:cxnSpLocks/>
+            <a:stCxn id="34" idx="0"/>
+          </p:cNvCxnSpPr>
+          <p:nvPr/>
+        </p:nvCxnSpPr>
+        <p:spPr>
+          <a:xfrm flipH="1" flipV="1">
+            <a:off x="6374676" y="3217581"/>
+            <a:ext cx="1528934" cy="822148"/>
+          </a:xfrm>
+          <a:prstGeom prst="straightConnector1">
+            <a:avLst/>
+          </a:prstGeom>
+          <a:ln>
+            <a:prstDash val="sysDot"/>
+            <a:tailEnd type="triangle"/>
+          </a:ln>
+        </p:spPr>
+        <p:style>
+          <a:lnRef idx="1">
+            <a:schemeClr val="accent1"/>
+          </a:lnRef>
+          <a:fillRef idx="0">
+            <a:schemeClr val="accent1"/>
+          </a:fillRef>
+          <a:effectRef idx="0">
+            <a:schemeClr val="accent1"/>
+          </a:effectRef>
+          <a:fontRef idx="minor">
+            <a:schemeClr val="tx1"/>
+          </a:fontRef>
+        </p:style>
+      </p:cxnSp>
+      <p:grpSp>
+        <p:nvGrpSpPr>
+          <p:cNvPr id="139" name="Group 138">
+            <a:extLst>
+              <a:ext uri="{FF2B5EF4-FFF2-40B4-BE49-F238E27FC236}">
+                <a16:creationId xmlns:a16="http://schemas.microsoft.com/office/drawing/2014/main" id="{104AFAD3-49AB-004E-968C-2607D0FFD1CA}"/>
+              </a:ext>
+            </a:extLst>
+          </p:cNvPr>
+          <p:cNvGrpSpPr/>
+          <p:nvPr/>
+        </p:nvGrpSpPr>
+        <p:grpSpPr>
+          <a:xfrm>
+            <a:off x="1850614" y="6283677"/>
+            <a:ext cx="6837139" cy="455035"/>
+            <a:chOff x="1850614" y="6167671"/>
+            <a:chExt cx="6837139" cy="455035"/>
+          </a:xfrm>
+        </p:grpSpPr>
+        <p:grpSp>
+          <p:nvGrpSpPr>
+            <p:cNvPr id="11" name="Group 10">
+              <a:extLst>
+                <a:ext uri="{FF2B5EF4-FFF2-40B4-BE49-F238E27FC236}">
+                  <a16:creationId xmlns:a16="http://schemas.microsoft.com/office/drawing/2014/main" id="{0E3DE0CD-3910-4745-9F64-BF5004971E9B}"/>
+                </a:ext>
+              </a:extLst>
+            </p:cNvPr>
+            <p:cNvGrpSpPr>
+              <a:grpSpLocks noChangeAspect="1"/>
+            </p:cNvGrpSpPr>
+            <p:nvPr/>
+          </p:nvGrpSpPr>
+          <p:grpSpPr>
+            <a:xfrm>
+              <a:off x="7119473" y="6167672"/>
+              <a:ext cx="1568280" cy="452623"/>
+              <a:chOff x="4877344" y="4217668"/>
+              <a:chExt cx="2612414" cy="754380"/>
+            </a:xfrm>
+          </p:grpSpPr>
+          <p:sp>
+            <p:nvSpPr>
+              <p:cNvPr id="45" name="Rounded Rectangle 44">
+                <a:extLst>
+                  <a:ext uri="{FF2B5EF4-FFF2-40B4-BE49-F238E27FC236}">
+                    <a16:creationId xmlns:a16="http://schemas.microsoft.com/office/drawing/2014/main" id="{087C494D-0163-684B-986D-AD5E549B32ED}"/>
+                  </a:ext>
+                </a:extLst>
+              </p:cNvPr>
+              <p:cNvSpPr/>
+              <p:nvPr/>
+            </p:nvSpPr>
+            <p:spPr>
+              <a:xfrm>
+                <a:off x="4877344" y="4217668"/>
+                <a:ext cx="2612414" cy="754380"/>
+              </a:xfrm>
+              <a:prstGeom prst="roundRect">
+                <a:avLst/>
+              </a:prstGeom>
+            </p:spPr>
+            <p:style>
+              <a:lnRef idx="2">
+                <a:schemeClr val="accent6">
+                  <a:shade val="50000"/>
+                </a:schemeClr>
+              </a:lnRef>
+              <a:fillRef idx="1">
+                <a:schemeClr val="accent6"/>
+              </a:fillRef>
+              <a:effectRef idx="0">
+                <a:schemeClr val="accent6"/>
+              </a:effectRef>
+              <a:fontRef idx="minor">
+                <a:schemeClr val="lt1"/>
+              </a:fontRef>
+            </p:style>
+            <p:txBody>
+              <a:bodyPr rot="0" spcFirstLastPara="0" vertOverflow="overflow" horzOverflow="overflow" vert="horz" wrap="square" lIns="91440" tIns="45721" rIns="91440" bIns="45721" numCol="1" spcCol="0" rtlCol="0" fromWordArt="0" anchor="ctr" anchorCtr="0" forceAA="0" compatLnSpc="1">
+                <a:prstTxWarp prst="textNoShape">
+                  <a:avLst/>
+                </a:prstTxWarp>
+                <a:noAutofit/>
+              </a:bodyPr>
+              <a:lstStyle/>
+              <a:p>
+                <a:pPr algn="ctr"/>
+                <a:endParaRPr lang="en-US" sz="1801" dirty="0"/>
+              </a:p>
+            </p:txBody>
+          </p:sp>
+          <p:sp>
+            <p:nvSpPr>
+              <p:cNvPr id="46" name="TextBox 45">
+                <a:extLst>
+                  <a:ext uri="{FF2B5EF4-FFF2-40B4-BE49-F238E27FC236}">
+                    <a16:creationId xmlns:a16="http://schemas.microsoft.com/office/drawing/2014/main" id="{73D6FFFD-1D3E-8B40-B452-6B92C85EF8D1}"/>
+                  </a:ext>
+                </a:extLst>
+              </p:cNvPr>
+              <p:cNvSpPr txBox="1"/>
+              <p:nvPr/>
+            </p:nvSpPr>
+            <p:spPr>
+              <a:xfrm>
+                <a:off x="5689875" y="4217671"/>
+                <a:ext cx="1077812" cy="359077"/>
+              </a:xfrm>
+              <a:prstGeom prst="rect">
+                <a:avLst/>
+              </a:prstGeom>
+              <a:noFill/>
+            </p:spPr>
+            <p:txBody>
+              <a:bodyPr wrap="square" rtlCol="0">
+                <a:spAutoFit/>
+              </a:bodyPr>
+              <a:lstStyle/>
+              <a:p>
+                <a:r>
+                  <a:rPr lang="en-US" sz="800" dirty="0" err="1">
+                    <a:solidFill>
+                      <a:schemeClr val="bg1"/>
+                    </a:solidFill>
+                  </a:rPr>
+                  <a:t>Etcd</a:t>
+                </a:r>
+                <a:r>
+                  <a:rPr lang="en-US" sz="800" dirty="0">
+                    <a:solidFill>
+                      <a:schemeClr val="bg1"/>
+                    </a:solidFill>
+                  </a:rPr>
+                  <a:t> Node</a:t>
+                </a:r>
+              </a:p>
+            </p:txBody>
+          </p:sp>
+          <p:sp>
+            <p:nvSpPr>
+              <p:cNvPr id="47" name="Rounded Rectangle 46">
+                <a:extLst>
+                  <a:ext uri="{FF2B5EF4-FFF2-40B4-BE49-F238E27FC236}">
+                    <a16:creationId xmlns:a16="http://schemas.microsoft.com/office/drawing/2014/main" id="{15BFF7EA-19DE-6949-911A-0956A1278BD7}"/>
+                  </a:ext>
+                </a:extLst>
+              </p:cNvPr>
+              <p:cNvSpPr/>
+              <p:nvPr/>
+            </p:nvSpPr>
+            <p:spPr>
+              <a:xfrm>
+                <a:off x="5291092" y="4556226"/>
+                <a:ext cx="1784914" cy="278666"/>
+              </a:xfrm>
+              <a:prstGeom prst="roundRect">
+                <a:avLst/>
+              </a:prstGeom>
+            </p:spPr>
+            <p:style>
+              <a:lnRef idx="1">
+                <a:schemeClr val="accent3"/>
+              </a:lnRef>
+              <a:fillRef idx="2">
+                <a:schemeClr val="accent3"/>
+              </a:fillRef>
+              <a:effectRef idx="1">
+                <a:schemeClr val="accent3"/>
+              </a:effectRef>
+              <a:fontRef idx="minor">
+                <a:schemeClr val="dk1"/>
+              </a:fontRef>
+            </p:style>
+            <p:txBody>
+              <a:bodyPr rot="0" spcFirstLastPara="0" vertOverflow="overflow" horzOverflow="overflow" vert="horz" wrap="square" lIns="91440" tIns="45721" rIns="91440" bIns="45721" numCol="1" spcCol="0" rtlCol="0" fromWordArt="0" anchor="ctr" anchorCtr="0" forceAA="0" compatLnSpc="1">
+                <a:prstTxWarp prst="textNoShape">
+                  <a:avLst/>
+                </a:prstTxWarp>
+                <a:noAutofit/>
+              </a:bodyPr>
+              <a:lstStyle/>
+              <a:p>
+                <a:pPr algn="ctr"/>
+                <a:r>
+                  <a:rPr lang="en-US" sz="800" dirty="0" err="1"/>
+                  <a:t>etcd</a:t>
+                </a:r>
+                <a:endParaRPr lang="en-US" sz="800" dirty="0"/>
+              </a:p>
+            </p:txBody>
+          </p:sp>
+        </p:grpSp>
+        <p:grpSp>
+          <p:nvGrpSpPr>
+            <p:cNvPr id="79" name="Group 78">
+              <a:extLst>
+                <a:ext uri="{FF2B5EF4-FFF2-40B4-BE49-F238E27FC236}">
+                  <a16:creationId xmlns:a16="http://schemas.microsoft.com/office/drawing/2014/main" id="{8BA0FEE2-6B9B-9E4F-8FA0-5A70BDAB36AE}"/>
+                </a:ext>
+              </a:extLst>
+            </p:cNvPr>
+            <p:cNvGrpSpPr>
+              <a:grpSpLocks noChangeAspect="1"/>
+            </p:cNvGrpSpPr>
+            <p:nvPr/>
+          </p:nvGrpSpPr>
+          <p:grpSpPr>
+            <a:xfrm>
+              <a:off x="4418408" y="6170083"/>
+              <a:ext cx="1568280" cy="452623"/>
+              <a:chOff x="4877344" y="4217668"/>
+              <a:chExt cx="2612414" cy="754380"/>
+            </a:xfrm>
+          </p:grpSpPr>
+          <p:sp>
+            <p:nvSpPr>
+              <p:cNvPr id="80" name="Rounded Rectangle 79">
+                <a:extLst>
+                  <a:ext uri="{FF2B5EF4-FFF2-40B4-BE49-F238E27FC236}">
+                    <a16:creationId xmlns:a16="http://schemas.microsoft.com/office/drawing/2014/main" id="{A2DCD0E3-86EB-974D-9E35-FC0917C6E392}"/>
+                  </a:ext>
+                </a:extLst>
+              </p:cNvPr>
+              <p:cNvSpPr/>
+              <p:nvPr/>
+            </p:nvSpPr>
+            <p:spPr>
+              <a:xfrm>
+                <a:off x="4877344" y="4217668"/>
+                <a:ext cx="2612414" cy="754380"/>
+              </a:xfrm>
+              <a:prstGeom prst="roundRect">
+                <a:avLst/>
+              </a:prstGeom>
+            </p:spPr>
+            <p:style>
+              <a:lnRef idx="2">
+                <a:schemeClr val="accent6">
+                  <a:shade val="50000"/>
+                </a:schemeClr>
+              </a:lnRef>
+              <a:fillRef idx="1">
+                <a:schemeClr val="accent6"/>
+              </a:fillRef>
+              <a:effectRef idx="0">
+                <a:schemeClr val="accent6"/>
+              </a:effectRef>
+              <a:fontRef idx="minor">
+                <a:schemeClr val="lt1"/>
+              </a:fontRef>
+            </p:style>
+            <p:txBody>
+              <a:bodyPr rot="0" spcFirstLastPara="0" vertOverflow="overflow" horzOverflow="overflow" vert="horz" wrap="square" lIns="91440" tIns="45721" rIns="91440" bIns="45721" numCol="1" spcCol="0" rtlCol="0" fromWordArt="0" anchor="ctr" anchorCtr="0" forceAA="0" compatLnSpc="1">
+                <a:prstTxWarp prst="textNoShape">
+                  <a:avLst/>
+                </a:prstTxWarp>
+                <a:noAutofit/>
+              </a:bodyPr>
+              <a:lstStyle/>
+              <a:p>
+                <a:pPr algn="ctr"/>
+                <a:endParaRPr lang="en-US" sz="1801" dirty="0"/>
+              </a:p>
+            </p:txBody>
+          </p:sp>
+          <p:sp>
+            <p:nvSpPr>
+              <p:cNvPr id="81" name="TextBox 80">
+                <a:extLst>
+                  <a:ext uri="{FF2B5EF4-FFF2-40B4-BE49-F238E27FC236}">
+                    <a16:creationId xmlns:a16="http://schemas.microsoft.com/office/drawing/2014/main" id="{D5676970-0109-CA41-9380-521B728FF2E2}"/>
+                  </a:ext>
+                </a:extLst>
+              </p:cNvPr>
+              <p:cNvSpPr txBox="1"/>
+              <p:nvPr/>
+            </p:nvSpPr>
+            <p:spPr>
+              <a:xfrm>
+                <a:off x="5689875" y="4217671"/>
+                <a:ext cx="1077812" cy="359077"/>
+              </a:xfrm>
+              <a:prstGeom prst="rect">
+                <a:avLst/>
+              </a:prstGeom>
+              <a:noFill/>
+            </p:spPr>
+            <p:txBody>
+              <a:bodyPr wrap="square" rtlCol="0">
+                <a:spAutoFit/>
+              </a:bodyPr>
+              <a:lstStyle/>
+              <a:p>
+                <a:r>
+                  <a:rPr lang="en-US" sz="800" dirty="0" err="1">
+                    <a:solidFill>
+                      <a:schemeClr val="bg1"/>
+                    </a:solidFill>
+                  </a:rPr>
+                  <a:t>Etcd</a:t>
+                </a:r>
+                <a:r>
+                  <a:rPr lang="en-US" sz="800" dirty="0">
+                    <a:solidFill>
+                      <a:schemeClr val="bg1"/>
+                    </a:solidFill>
+                  </a:rPr>
+                  <a:t> Node</a:t>
+                </a:r>
+              </a:p>
+            </p:txBody>
+          </p:sp>
+          <p:sp>
+            <p:nvSpPr>
+              <p:cNvPr id="82" name="Rounded Rectangle 81">
+                <a:extLst>
+                  <a:ext uri="{FF2B5EF4-FFF2-40B4-BE49-F238E27FC236}">
+                    <a16:creationId xmlns:a16="http://schemas.microsoft.com/office/drawing/2014/main" id="{A6BB8F1D-89EC-6946-BB0D-DBCD8CA16DC2}"/>
+                  </a:ext>
+                </a:extLst>
+              </p:cNvPr>
+              <p:cNvSpPr/>
+              <p:nvPr/>
+            </p:nvSpPr>
+            <p:spPr>
+              <a:xfrm>
+                <a:off x="5291092" y="4556226"/>
+                <a:ext cx="1784914" cy="278666"/>
+              </a:xfrm>
+              <a:prstGeom prst="roundRect">
+                <a:avLst/>
+              </a:prstGeom>
+            </p:spPr>
+            <p:style>
+              <a:lnRef idx="1">
+                <a:schemeClr val="accent3"/>
+              </a:lnRef>
+              <a:fillRef idx="2">
+                <a:schemeClr val="accent3"/>
+              </a:fillRef>
+              <a:effectRef idx="1">
+                <a:schemeClr val="accent3"/>
+              </a:effectRef>
+              <a:fontRef idx="minor">
+                <a:schemeClr val="dk1"/>
+              </a:fontRef>
+            </p:style>
+            <p:txBody>
+              <a:bodyPr rot="0" spcFirstLastPara="0" vertOverflow="overflow" horzOverflow="overflow" vert="horz" wrap="square" lIns="91440" tIns="45721" rIns="91440" bIns="45721" numCol="1" spcCol="0" rtlCol="0" fromWordArt="0" anchor="ctr" anchorCtr="0" forceAA="0" compatLnSpc="1">
+                <a:prstTxWarp prst="textNoShape">
+                  <a:avLst/>
+                </a:prstTxWarp>
+                <a:noAutofit/>
+              </a:bodyPr>
+              <a:lstStyle/>
+              <a:p>
+                <a:pPr algn="ctr"/>
+                <a:r>
+                  <a:rPr lang="en-US" sz="800" dirty="0" err="1"/>
+                  <a:t>etcd</a:t>
+                </a:r>
+                <a:endParaRPr lang="en-US" sz="800" dirty="0"/>
+              </a:p>
+            </p:txBody>
+          </p:sp>
+        </p:grpSp>
+        <p:grpSp>
+          <p:nvGrpSpPr>
+            <p:cNvPr id="83" name="Group 82">
+              <a:extLst>
+                <a:ext uri="{FF2B5EF4-FFF2-40B4-BE49-F238E27FC236}">
+                  <a16:creationId xmlns:a16="http://schemas.microsoft.com/office/drawing/2014/main" id="{08BA92A1-20BD-A946-82B2-B69CB8C8600C}"/>
+                </a:ext>
+              </a:extLst>
+            </p:cNvPr>
+            <p:cNvGrpSpPr>
+              <a:grpSpLocks noChangeAspect="1"/>
+            </p:cNvGrpSpPr>
+            <p:nvPr/>
+          </p:nvGrpSpPr>
+          <p:grpSpPr>
+            <a:xfrm>
+              <a:off x="1850614" y="6167671"/>
+              <a:ext cx="1568280" cy="452623"/>
+              <a:chOff x="4877344" y="4217668"/>
+              <a:chExt cx="2612414" cy="754380"/>
+            </a:xfrm>
+          </p:grpSpPr>
+          <p:sp>
+            <p:nvSpPr>
+              <p:cNvPr id="84" name="Rounded Rectangle 83">
+                <a:extLst>
+                  <a:ext uri="{FF2B5EF4-FFF2-40B4-BE49-F238E27FC236}">
+                    <a16:creationId xmlns:a16="http://schemas.microsoft.com/office/drawing/2014/main" id="{3A10B3CD-42EA-A645-B8C2-0A4D30417274}"/>
+                  </a:ext>
+                </a:extLst>
+              </p:cNvPr>
+              <p:cNvSpPr/>
+              <p:nvPr/>
+            </p:nvSpPr>
+            <p:spPr>
+              <a:xfrm>
+                <a:off x="4877344" y="4217668"/>
+                <a:ext cx="2612414" cy="754380"/>
+              </a:xfrm>
+              <a:prstGeom prst="roundRect">
+                <a:avLst/>
+              </a:prstGeom>
+            </p:spPr>
+            <p:style>
+              <a:lnRef idx="2">
+                <a:schemeClr val="accent6">
+                  <a:shade val="50000"/>
+                </a:schemeClr>
+              </a:lnRef>
+              <a:fillRef idx="1">
+                <a:schemeClr val="accent6"/>
+              </a:fillRef>
+              <a:effectRef idx="0">
+                <a:schemeClr val="accent6"/>
+              </a:effectRef>
+              <a:fontRef idx="minor">
+                <a:schemeClr val="lt1"/>
+              </a:fontRef>
+            </p:style>
+            <p:txBody>
+              <a:bodyPr rot="0" spcFirstLastPara="0" vertOverflow="overflow" horzOverflow="overflow" vert="horz" wrap="square" lIns="91440" tIns="45721" rIns="91440" bIns="45721" numCol="1" spcCol="0" rtlCol="0" fromWordArt="0" anchor="ctr" anchorCtr="0" forceAA="0" compatLnSpc="1">
+                <a:prstTxWarp prst="textNoShape">
+                  <a:avLst/>
+                </a:prstTxWarp>
+                <a:noAutofit/>
+              </a:bodyPr>
+              <a:lstStyle/>
+              <a:p>
+                <a:pPr algn="ctr"/>
+                <a:endParaRPr lang="en-US" sz="1801" dirty="0"/>
+              </a:p>
+            </p:txBody>
+          </p:sp>
+          <p:sp>
+            <p:nvSpPr>
+              <p:cNvPr id="85" name="TextBox 84">
+                <a:extLst>
+                  <a:ext uri="{FF2B5EF4-FFF2-40B4-BE49-F238E27FC236}">
+                    <a16:creationId xmlns:a16="http://schemas.microsoft.com/office/drawing/2014/main" id="{DF330134-F81E-BB42-8D2D-9E0C09D2332D}"/>
+                  </a:ext>
+                </a:extLst>
+              </p:cNvPr>
+              <p:cNvSpPr txBox="1"/>
+              <p:nvPr/>
+            </p:nvSpPr>
+            <p:spPr>
+              <a:xfrm>
+                <a:off x="5646329" y="4235780"/>
+                <a:ext cx="1077812" cy="359077"/>
+              </a:xfrm>
+              <a:prstGeom prst="rect">
+                <a:avLst/>
+              </a:prstGeom>
+              <a:noFill/>
+            </p:spPr>
+            <p:txBody>
+              <a:bodyPr wrap="square" rtlCol="0">
+                <a:spAutoFit/>
+              </a:bodyPr>
+              <a:lstStyle/>
+              <a:p>
+                <a:r>
+                  <a:rPr lang="en-US" sz="800" dirty="0" err="1">
+                    <a:solidFill>
+                      <a:schemeClr val="bg1"/>
+                    </a:solidFill>
+                  </a:rPr>
+                  <a:t>Etcd</a:t>
+                </a:r>
+                <a:r>
+                  <a:rPr lang="en-US" sz="800" dirty="0">
+                    <a:solidFill>
+                      <a:schemeClr val="bg1"/>
+                    </a:solidFill>
+                  </a:rPr>
+                  <a:t> Node</a:t>
+                </a:r>
+              </a:p>
+            </p:txBody>
+          </p:sp>
+          <p:sp>
+            <p:nvSpPr>
+              <p:cNvPr id="86" name="Rounded Rectangle 85">
+                <a:extLst>
+                  <a:ext uri="{FF2B5EF4-FFF2-40B4-BE49-F238E27FC236}">
+                    <a16:creationId xmlns:a16="http://schemas.microsoft.com/office/drawing/2014/main" id="{C731DAFC-0D25-4545-90C5-5423FE608AD6}"/>
+                  </a:ext>
+                </a:extLst>
+              </p:cNvPr>
+              <p:cNvSpPr/>
+              <p:nvPr/>
+            </p:nvSpPr>
+            <p:spPr>
+              <a:xfrm>
+                <a:off x="5291092" y="4556226"/>
+                <a:ext cx="1784914" cy="278666"/>
+              </a:xfrm>
+              <a:prstGeom prst="roundRect">
+                <a:avLst/>
+              </a:prstGeom>
+            </p:spPr>
+            <p:style>
+              <a:lnRef idx="1">
+                <a:schemeClr val="accent3"/>
+              </a:lnRef>
+              <a:fillRef idx="2">
+                <a:schemeClr val="accent3"/>
+              </a:fillRef>
+              <a:effectRef idx="1">
+                <a:schemeClr val="accent3"/>
+              </a:effectRef>
+              <a:fontRef idx="minor">
+                <a:schemeClr val="dk1"/>
+              </a:fontRef>
+            </p:style>
+            <p:txBody>
+              <a:bodyPr rot="0" spcFirstLastPara="0" vertOverflow="overflow" horzOverflow="overflow" vert="horz" wrap="square" lIns="91440" tIns="45721" rIns="91440" bIns="45721" numCol="1" spcCol="0" rtlCol="0" fromWordArt="0" anchor="ctr" anchorCtr="0" forceAA="0" compatLnSpc="1">
+                <a:prstTxWarp prst="textNoShape">
+                  <a:avLst/>
+                </a:prstTxWarp>
+                <a:noAutofit/>
+              </a:bodyPr>
+              <a:lstStyle/>
+              <a:p>
+                <a:pPr algn="ctr"/>
+                <a:r>
+                  <a:rPr lang="en-US" sz="800" dirty="0" err="1"/>
+                  <a:t>etcd</a:t>
+                </a:r>
+                <a:endParaRPr lang="en-US" sz="800" dirty="0"/>
+              </a:p>
+            </p:txBody>
+          </p:sp>
+        </p:grpSp>
+        <p:cxnSp>
+          <p:nvCxnSpPr>
+            <p:cNvPr id="126" name="Straight Arrow Connector 125">
+              <a:extLst>
+                <a:ext uri="{FF2B5EF4-FFF2-40B4-BE49-F238E27FC236}">
+                  <a16:creationId xmlns:a16="http://schemas.microsoft.com/office/drawing/2014/main" id="{B4CB1B7C-ECBD-294A-B62E-03B2E7F2B5FC}"/>
+                </a:ext>
+              </a:extLst>
+            </p:cNvPr>
+            <p:cNvCxnSpPr>
+              <a:cxnSpLocks/>
+              <a:stCxn id="84" idx="3"/>
+            </p:cNvCxnSpPr>
+            <p:nvPr/>
+          </p:nvCxnSpPr>
+          <p:spPr>
+            <a:xfrm>
+              <a:off x="3418894" y="6393983"/>
+              <a:ext cx="998090" cy="0"/>
+            </a:xfrm>
+            <a:prstGeom prst="straightConnector1">
+              <a:avLst/>
+            </a:prstGeom>
+            <a:ln>
+              <a:prstDash val="sysDot"/>
+              <a:headEnd type="triangle"/>
+              <a:tailEnd type="triangle"/>
+            </a:ln>
+          </p:spPr>
+          <p:style>
+            <a:lnRef idx="1">
+              <a:schemeClr val="accent1"/>
+            </a:lnRef>
+            <a:fillRef idx="0">
+              <a:schemeClr val="accent1"/>
+            </a:fillRef>
+            <a:effectRef idx="0">
+              <a:schemeClr val="accent1"/>
+            </a:effectRef>
+            <a:fontRef idx="minor">
+              <a:schemeClr val="tx1"/>
+            </a:fontRef>
+          </p:style>
+        </p:cxnSp>
+        <p:cxnSp>
+          <p:nvCxnSpPr>
+            <p:cNvPr id="128" name="Straight Arrow Connector 127">
+              <a:extLst>
+                <a:ext uri="{FF2B5EF4-FFF2-40B4-BE49-F238E27FC236}">
+                  <a16:creationId xmlns:a16="http://schemas.microsoft.com/office/drawing/2014/main" id="{CEE3D453-28AB-BB43-A51E-DC8DA46A2574}"/>
+                </a:ext>
+              </a:extLst>
+            </p:cNvPr>
+            <p:cNvCxnSpPr>
+              <a:cxnSpLocks/>
+              <a:stCxn id="80" idx="3"/>
+              <a:endCxn id="45" idx="1"/>
+            </p:cNvCxnSpPr>
+            <p:nvPr/>
+          </p:nvCxnSpPr>
+          <p:spPr>
+            <a:xfrm flipV="1">
+              <a:off x="5986688" y="6393984"/>
+              <a:ext cx="1132785" cy="2411"/>
+            </a:xfrm>
+            <a:prstGeom prst="straightConnector1">
+              <a:avLst/>
+            </a:prstGeom>
+            <a:ln>
+              <a:prstDash val="sysDot"/>
+              <a:headEnd type="triangle"/>
+              <a:tailEnd type="triangle"/>
+            </a:ln>
+          </p:spPr>
+          <p:style>
+            <a:lnRef idx="1">
+              <a:schemeClr val="accent1"/>
+            </a:lnRef>
+            <a:fillRef idx="0">
+              <a:schemeClr val="accent1"/>
+            </a:fillRef>
+            <a:effectRef idx="0">
+              <a:schemeClr val="accent1"/>
+            </a:effectRef>
+            <a:fontRef idx="minor">
+              <a:schemeClr val="tx1"/>
+            </a:fontRef>
+          </p:style>
+        </p:cxnSp>
+      </p:grpSp>
+      <p:cxnSp>
+        <p:nvCxnSpPr>
+          <p:cNvPr id="140" name="Straight Arrow Connector 139">
+            <a:extLst>
+              <a:ext uri="{FF2B5EF4-FFF2-40B4-BE49-F238E27FC236}">
+                <a16:creationId xmlns:a16="http://schemas.microsoft.com/office/drawing/2014/main" id="{774B8D55-3DB1-724F-97E4-746EFA9E90E4}"/>
+              </a:ext>
+            </a:extLst>
+          </p:cNvPr>
+          <p:cNvCxnSpPr>
+            <a:cxnSpLocks/>
+            <a:stCxn id="85" idx="0"/>
+            <a:endCxn id="55" idx="2"/>
+          </p:cNvCxnSpPr>
+          <p:nvPr/>
+        </p:nvCxnSpPr>
+        <p:spPr>
+          <a:xfrm flipH="1" flipV="1">
+            <a:off x="2634754" y="6015490"/>
+            <a:ext cx="1011" cy="279054"/>
+          </a:xfrm>
+          <a:prstGeom prst="straightConnector1">
+            <a:avLst/>
+          </a:prstGeom>
+          <a:ln>
+            <a:prstDash val="sysDot"/>
+            <a:headEnd type="triangle"/>
+            <a:tailEnd type="triangle"/>
+          </a:ln>
+        </p:spPr>
+        <p:style>
+          <a:lnRef idx="1">
+            <a:schemeClr val="accent1"/>
+          </a:lnRef>
+          <a:fillRef idx="0">
+            <a:schemeClr val="accent1"/>
+          </a:fillRef>
+          <a:effectRef idx="0">
+            <a:schemeClr val="accent1"/>
+          </a:effectRef>
+          <a:fontRef idx="minor">
+            <a:schemeClr val="tx1"/>
+          </a:fontRef>
+        </p:style>
+      </p:cxnSp>
+      <p:cxnSp>
+        <p:nvCxnSpPr>
+          <p:cNvPr id="144" name="Straight Arrow Connector 143">
+            <a:extLst>
+              <a:ext uri="{FF2B5EF4-FFF2-40B4-BE49-F238E27FC236}">
+                <a16:creationId xmlns:a16="http://schemas.microsoft.com/office/drawing/2014/main" id="{664DBAE9-4F6C-8F48-ABD5-CD5271BE433A}"/>
+              </a:ext>
+            </a:extLst>
+          </p:cNvPr>
+          <p:cNvCxnSpPr>
+            <a:cxnSpLocks/>
+          </p:cNvCxnSpPr>
+          <p:nvPr/>
+        </p:nvCxnSpPr>
+        <p:spPr>
+          <a:xfrm flipH="1" flipV="1">
+            <a:off x="5225715" y="6015490"/>
+            <a:ext cx="1011" cy="279054"/>
+          </a:xfrm>
+          <a:prstGeom prst="straightConnector1">
+            <a:avLst/>
+          </a:prstGeom>
+          <a:ln>
+            <a:prstDash val="sysDot"/>
+            <a:headEnd type="triangle"/>
+            <a:tailEnd type="triangle"/>
+          </a:ln>
+        </p:spPr>
+        <p:style>
+          <a:lnRef idx="1">
+            <a:schemeClr val="accent1"/>
+          </a:lnRef>
+          <a:fillRef idx="0">
+            <a:schemeClr val="accent1"/>
+          </a:fillRef>
+          <a:effectRef idx="0">
+            <a:schemeClr val="accent1"/>
+          </a:effectRef>
+          <a:fontRef idx="minor">
+            <a:schemeClr val="tx1"/>
+          </a:fontRef>
+        </p:style>
+      </p:cxnSp>
+      <p:cxnSp>
+        <p:nvCxnSpPr>
+          <p:cNvPr id="145" name="Straight Arrow Connector 144">
+            <a:extLst>
+              <a:ext uri="{FF2B5EF4-FFF2-40B4-BE49-F238E27FC236}">
+                <a16:creationId xmlns:a16="http://schemas.microsoft.com/office/drawing/2014/main" id="{3ED40002-02B4-FA40-86B6-07FE6350352C}"/>
+              </a:ext>
+            </a:extLst>
+          </p:cNvPr>
+          <p:cNvCxnSpPr>
+            <a:cxnSpLocks/>
+          </p:cNvCxnSpPr>
+          <p:nvPr/>
+        </p:nvCxnSpPr>
+        <p:spPr>
+          <a:xfrm flipH="1" flipV="1">
+            <a:off x="7924457" y="6004625"/>
+            <a:ext cx="1011" cy="279054"/>
+          </a:xfrm>
+          <a:prstGeom prst="straightConnector1">
+            <a:avLst/>
+          </a:prstGeom>
+          <a:ln>
+            <a:prstDash val="sysDot"/>
+            <a:headEnd type="triangle"/>
+            <a:tailEnd type="triangle"/>
+          </a:ln>
+        </p:spPr>
+        <p:style>
+          <a:lnRef idx="1">
+            <a:schemeClr val="accent1"/>
+          </a:lnRef>
+          <a:fillRef idx="0">
+            <a:schemeClr val="accent1"/>
+          </a:fillRef>
+          <a:effectRef idx="0">
+            <a:schemeClr val="accent1"/>
+          </a:effectRef>
+          <a:fontRef idx="minor">
+            <a:schemeClr val="tx1"/>
+          </a:fontRef>
+        </p:style>
+      </p:cxnSp>
+    </p:spTree>
+    <p:extLst>
+      <p:ext uri="{BB962C8B-B14F-4D97-AF65-F5344CB8AC3E}">
+        <p14:creationId xmlns:p14="http://schemas.microsoft.com/office/powerpoint/2010/main" val="3479997831"/>
+      </p:ext>
+    </p:extLst>
+  </p:cSld>
+  <p:clrMapOvr>
+    <a:masterClrMapping/>
+  </p:clrMapOvr>
+</p:sld>
+</file>
+
 <file path=ppt/theme/theme1.xml><?xml version="1.0" encoding="utf-8"?>
 <a:theme xmlns:a="http://schemas.openxmlformats.org/drawingml/2006/main" name="Office Theme">
   <a:themeElements>
-    <a:clrScheme name="Office">
+    <a:clrScheme name="Office Theme">
       <a:dk1>
         <a:sysClr val="windowText" lastClr="000000"/>
       </a:dk1>
@@ -4629,7 +9196,7 @@
         <a:srgbClr val="954F72"/>
       </a:folHlink>
     </a:clrScheme>
-    <a:fontScheme name="Office">
+    <a:fontScheme name="Office Theme">
       <a:majorFont>
         <a:latin typeface="Calibri Light" panose="020F0302020204030204"/>
         <a:ea typeface=""/>
@@ -4664,23 +9231,6 @@
         <a:font script="Viet" typeface="Times New Roman"/>
         <a:font script="Uigh" typeface="Microsoft Uighur"/>
         <a:font script="Geor" typeface="Sylfaen"/>
-        <a:font script="Armn" typeface="Arial"/>
-        <a:font script="Bugi" typeface="Leelawadee UI"/>
-        <a:font script="Bopo" typeface="Microsoft JhengHei"/>
-        <a:font script="Java" typeface="Javanese Text"/>
-        <a:font script="Lisu" typeface="Segoe UI"/>
-        <a:font script="Mymr" typeface="Myanmar Text"/>
-        <a:font script="Nkoo" typeface="Ebrima"/>
-        <a:font script="Olck" typeface="Nirmala UI"/>
-        <a:font script="Osma" typeface="Ebrima"/>
-        <a:font script="Phag" typeface="Phagspa"/>
-        <a:font script="Syrn" typeface="Estrangelo Edessa"/>
-        <a:font script="Syrj" typeface="Estrangelo Edessa"/>
-        <a:font script="Syre" typeface="Estrangelo Edessa"/>
-        <a:font script="Sora" typeface="Nirmala UI"/>
-        <a:font script="Tale" typeface="Microsoft Tai Le"/>
-        <a:font script="Talu" typeface="Microsoft New Tai Lue"/>
-        <a:font script="Tfng" typeface="Ebrima"/>
       </a:majorFont>
       <a:minorFont>
         <a:latin typeface="Calibri" panose="020F0502020204030204"/>
@@ -4716,26 +9266,9 @@
         <a:font script="Viet" typeface="Arial"/>
         <a:font script="Uigh" typeface="Microsoft Uighur"/>
         <a:font script="Geor" typeface="Sylfaen"/>
-        <a:font script="Armn" typeface="Arial"/>
-        <a:font script="Bugi" typeface="Leelawadee UI"/>
-        <a:font script="Bopo" typeface="Microsoft JhengHei"/>
-        <a:font script="Java" typeface="Javanese Text"/>
-        <a:font script="Lisu" typeface="Segoe UI"/>
-        <a:font script="Mymr" typeface="Myanmar Text"/>
-        <a:font script="Nkoo" typeface="Ebrima"/>
-        <a:font script="Olck" typeface="Nirmala UI"/>
-        <a:font script="Osma" typeface="Ebrima"/>
-        <a:font script="Phag" typeface="Phagspa"/>
-        <a:font script="Syrn" typeface="Estrangelo Edessa"/>
-        <a:font script="Syrj" typeface="Estrangelo Edessa"/>
-        <a:font script="Syre" typeface="Estrangelo Edessa"/>
-        <a:font script="Sora" typeface="Nirmala UI"/>
-        <a:font script="Tale" typeface="Microsoft Tai Le"/>
-        <a:font script="Talu" typeface="Microsoft New Tai Lue"/>
-        <a:font script="Tfng" typeface="Ebrima"/>
       </a:minorFont>
     </a:fontScheme>
-    <a:fmtScheme name="Office">
+    <a:fmtScheme name="Office Theme">
       <a:fillStyleLst>
         <a:solidFill>
           <a:schemeClr val="phClr"/>

--- a/docs/kube-layout.pptx
+++ b/docs/kube-layout.pptx
@@ -7,6 +7,8 @@
   <p:sldIdLst>
     <p:sldId id="256" r:id="rId2"/>
     <p:sldId id="257" r:id="rId3"/>
+    <p:sldId id="258" r:id="rId4"/>
+    <p:sldId id="259" r:id="rId5"/>
   </p:sldIdLst>
   <p:sldSz cx="9906000" cy="6858000" type="A4"/>
   <p:notesSz cx="6858000" cy="9144000"/>
@@ -105,6 +107,11 @@
       </a:defRPr>
     </a:lvl9pPr>
   </p:defaultTextStyle>
+  <p:extLst>
+    <p:ext uri="{EFAFB233-063F-42B5-8137-9DF3F51BA10A}">
+      <p15:sldGuideLst xmlns:p15="http://schemas.microsoft.com/office/powerpoint/2012/main"/>
+    </p:ext>
+  </p:extLst>
 </p:presentation>
 </file>
 
@@ -239,7 +246,7 @@
           <a:p>
             <a:fld id="{01DC573E-82C9-7443-B969-33A17DAC559B}" type="datetimeFigureOut">
               <a:rPr lang="en-US" smtClean="0"/>
-              <a:t>10/1/19</a:t>
+              <a:t>10/10/19</a:t>
             </a:fld>
             <a:endParaRPr lang="en-US"/>
           </a:p>
@@ -409,7 +416,7 @@
           <a:p>
             <a:fld id="{01DC573E-82C9-7443-B969-33A17DAC559B}" type="datetimeFigureOut">
               <a:rPr lang="en-US" smtClean="0"/>
-              <a:t>10/1/19</a:t>
+              <a:t>10/10/19</a:t>
             </a:fld>
             <a:endParaRPr lang="en-US"/>
           </a:p>
@@ -589,7 +596,7 @@
           <a:p>
             <a:fld id="{01DC573E-82C9-7443-B969-33A17DAC559B}" type="datetimeFigureOut">
               <a:rPr lang="en-US" smtClean="0"/>
-              <a:t>10/1/19</a:t>
+              <a:t>10/10/19</a:t>
             </a:fld>
             <a:endParaRPr lang="en-US"/>
           </a:p>
@@ -759,7 +766,7 @@
           <a:p>
             <a:fld id="{01DC573E-82C9-7443-B969-33A17DAC559B}" type="datetimeFigureOut">
               <a:rPr lang="en-US" smtClean="0"/>
-              <a:t>10/1/19</a:t>
+              <a:t>10/10/19</a:t>
             </a:fld>
             <a:endParaRPr lang="en-US"/>
           </a:p>
@@ -1003,7 +1010,7 @@
           <a:p>
             <a:fld id="{01DC573E-82C9-7443-B969-33A17DAC559B}" type="datetimeFigureOut">
               <a:rPr lang="en-US" smtClean="0"/>
-              <a:t>10/1/19</a:t>
+              <a:t>10/10/19</a:t>
             </a:fld>
             <a:endParaRPr lang="en-US"/>
           </a:p>
@@ -1235,7 +1242,7 @@
           <a:p>
             <a:fld id="{01DC573E-82C9-7443-B969-33A17DAC559B}" type="datetimeFigureOut">
               <a:rPr lang="en-US" smtClean="0"/>
-              <a:t>10/1/19</a:t>
+              <a:t>10/10/19</a:t>
             </a:fld>
             <a:endParaRPr lang="en-US"/>
           </a:p>
@@ -1602,7 +1609,7 @@
           <a:p>
             <a:fld id="{01DC573E-82C9-7443-B969-33A17DAC559B}" type="datetimeFigureOut">
               <a:rPr lang="en-US" smtClean="0"/>
-              <a:t>10/1/19</a:t>
+              <a:t>10/10/19</a:t>
             </a:fld>
             <a:endParaRPr lang="en-US"/>
           </a:p>
@@ -1720,7 +1727,7 @@
           <a:p>
             <a:fld id="{01DC573E-82C9-7443-B969-33A17DAC559B}" type="datetimeFigureOut">
               <a:rPr lang="en-US" smtClean="0"/>
-              <a:t>10/1/19</a:t>
+              <a:t>10/10/19</a:t>
             </a:fld>
             <a:endParaRPr lang="en-US"/>
           </a:p>
@@ -1815,7 +1822,7 @@
           <a:p>
             <a:fld id="{01DC573E-82C9-7443-B969-33A17DAC559B}" type="datetimeFigureOut">
               <a:rPr lang="en-US" smtClean="0"/>
-              <a:t>10/1/19</a:t>
+              <a:t>10/10/19</a:t>
             </a:fld>
             <a:endParaRPr lang="en-US"/>
           </a:p>
@@ -2092,7 +2099,7 @@
           <a:p>
             <a:fld id="{01DC573E-82C9-7443-B969-33A17DAC559B}" type="datetimeFigureOut">
               <a:rPr lang="en-US" smtClean="0"/>
-              <a:t>10/1/19</a:t>
+              <a:t>10/10/19</a:t>
             </a:fld>
             <a:endParaRPr lang="en-US"/>
           </a:p>
@@ -2349,7 +2356,7 @@
           <a:p>
             <a:fld id="{01DC573E-82C9-7443-B969-33A17DAC559B}" type="datetimeFigureOut">
               <a:rPr lang="en-US" smtClean="0"/>
-              <a:t>10/1/19</a:t>
+              <a:t>10/10/19</a:t>
             </a:fld>
             <a:endParaRPr lang="en-US"/>
           </a:p>
@@ -2562,7 +2569,7 @@
           <a:p>
             <a:fld id="{01DC573E-82C9-7443-B969-33A17DAC559B}" type="datetimeFigureOut">
               <a:rPr lang="en-US" smtClean="0"/>
-              <a:t>10/1/19</a:t>
+              <a:t>10/10/19</a:t>
             </a:fld>
             <a:endParaRPr lang="en-US"/>
           </a:p>
@@ -9155,6 +9162,7647 @@
 </p:sld>
 </file>
 
+<file path=ppt/slides/slide3.xml><?xml version="1.0" encoding="utf-8"?>
+<p:sld xmlns:a="http://schemas.openxmlformats.org/drawingml/2006/main" xmlns:r="http://schemas.openxmlformats.org/officeDocument/2006/relationships" xmlns:p="http://schemas.openxmlformats.org/presentationml/2006/main">
+  <p:cSld>
+    <p:spTree>
+      <p:nvGrpSpPr>
+        <p:cNvPr id="1" name=""/>
+        <p:cNvGrpSpPr/>
+        <p:nvPr/>
+      </p:nvGrpSpPr>
+      <p:grpSpPr>
+        <a:xfrm>
+          <a:off x="0" y="0"/>
+          <a:ext cx="0" cy="0"/>
+          <a:chOff x="0" y="0"/>
+          <a:chExt cx="0" cy="0"/>
+        </a:xfrm>
+      </p:grpSpPr>
+      <p:grpSp>
+        <p:nvGrpSpPr>
+          <p:cNvPr id="114" name="Group 113">
+            <a:extLst>
+              <a:ext uri="{FF2B5EF4-FFF2-40B4-BE49-F238E27FC236}">
+                <a16:creationId xmlns:a16="http://schemas.microsoft.com/office/drawing/2014/main" id="{4F4E38E5-3A83-AF42-949E-50B4FCD9AA02}"/>
+              </a:ext>
+            </a:extLst>
+          </p:cNvPr>
+          <p:cNvGrpSpPr/>
+          <p:nvPr/>
+        </p:nvGrpSpPr>
+        <p:grpSpPr>
+          <a:xfrm>
+            <a:off x="3987711" y="1045178"/>
+            <a:ext cx="1961675" cy="1073572"/>
+            <a:chOff x="2872419" y="607130"/>
+            <a:chExt cx="1961675" cy="1073572"/>
+          </a:xfrm>
+        </p:grpSpPr>
+        <p:sp>
+          <p:nvSpPr>
+            <p:cNvPr id="44" name="Rounded Rectangle 43">
+              <a:extLst>
+                <a:ext uri="{FF2B5EF4-FFF2-40B4-BE49-F238E27FC236}">
+                  <a16:creationId xmlns:a16="http://schemas.microsoft.com/office/drawing/2014/main" id="{D39A7296-5966-9A4F-B815-823B78D98922}"/>
+                </a:ext>
+              </a:extLst>
+            </p:cNvPr>
+            <p:cNvSpPr/>
+            <p:nvPr/>
+          </p:nvSpPr>
+          <p:spPr>
+            <a:xfrm>
+              <a:off x="3154917" y="1011034"/>
+              <a:ext cx="1367939" cy="452623"/>
+            </a:xfrm>
+            <a:prstGeom prst="roundRect">
+              <a:avLst/>
+            </a:prstGeom>
+          </p:spPr>
+          <p:style>
+            <a:lnRef idx="1">
+              <a:schemeClr val="accent2"/>
+            </a:lnRef>
+            <a:fillRef idx="2">
+              <a:schemeClr val="accent2"/>
+            </a:fillRef>
+            <a:effectRef idx="1">
+              <a:schemeClr val="accent2"/>
+            </a:effectRef>
+            <a:fontRef idx="minor">
+              <a:schemeClr val="dk1"/>
+            </a:fontRef>
+          </p:style>
+          <p:txBody>
+            <a:bodyPr rot="0" spcFirstLastPara="0" vertOverflow="overflow" horzOverflow="overflow" vert="horz" wrap="square" lIns="91440" tIns="45721" rIns="91440" bIns="45721" numCol="1" spcCol="0" rtlCol="0" fromWordArt="0" anchor="ctr" anchorCtr="0" forceAA="0" compatLnSpc="1">
+              <a:prstTxWarp prst="textNoShape">
+                <a:avLst/>
+              </a:prstTxWarp>
+              <a:normAutofit/>
+            </a:bodyPr>
+            <a:lstStyle/>
+            <a:p>
+              <a:pPr algn="ctr"/>
+              <a:r>
+                <a:rPr lang="en-US" sz="1400" dirty="0" err="1"/>
+                <a:t>MetalLB</a:t>
+              </a:r>
+              <a:endParaRPr lang="en-US" sz="1400" dirty="0"/>
+            </a:p>
+          </p:txBody>
+        </p:sp>
+        <p:cxnSp>
+          <p:nvCxnSpPr>
+            <p:cNvPr id="18" name="Straight Connector 17">
+              <a:extLst>
+                <a:ext uri="{FF2B5EF4-FFF2-40B4-BE49-F238E27FC236}">
+                  <a16:creationId xmlns:a16="http://schemas.microsoft.com/office/drawing/2014/main" id="{7A5E2ACB-BD38-E340-A085-A87772DD38BA}"/>
+                </a:ext>
+              </a:extLst>
+            </p:cNvPr>
+            <p:cNvCxnSpPr>
+              <a:cxnSpLocks/>
+            </p:cNvCxnSpPr>
+            <p:nvPr/>
+          </p:nvCxnSpPr>
+          <p:spPr>
+            <a:xfrm>
+              <a:off x="2929256" y="824176"/>
+              <a:ext cx="1819260" cy="0"/>
+            </a:xfrm>
+            <a:prstGeom prst="line">
+              <a:avLst/>
+            </a:prstGeom>
+            <a:ln>
+              <a:prstDash val="sysDash"/>
+            </a:ln>
+          </p:spPr>
+          <p:style>
+            <a:lnRef idx="1">
+              <a:schemeClr val="accent1"/>
+            </a:lnRef>
+            <a:fillRef idx="0">
+              <a:schemeClr val="accent1"/>
+            </a:fillRef>
+            <a:effectRef idx="0">
+              <a:schemeClr val="accent1"/>
+            </a:effectRef>
+            <a:fontRef idx="minor">
+              <a:schemeClr val="tx1"/>
+            </a:fontRef>
+          </p:style>
+        </p:cxnSp>
+        <p:cxnSp>
+          <p:nvCxnSpPr>
+            <p:cNvPr id="20" name="Straight Connector 19">
+              <a:extLst>
+                <a:ext uri="{FF2B5EF4-FFF2-40B4-BE49-F238E27FC236}">
+                  <a16:creationId xmlns:a16="http://schemas.microsoft.com/office/drawing/2014/main" id="{2E3BE349-9DA6-FA4C-870E-CAC125FE8576}"/>
+                </a:ext>
+              </a:extLst>
+            </p:cNvPr>
+            <p:cNvCxnSpPr/>
+            <p:nvPr/>
+          </p:nvCxnSpPr>
+          <p:spPr>
+            <a:xfrm>
+              <a:off x="4748516" y="824176"/>
+              <a:ext cx="0" cy="856526"/>
+            </a:xfrm>
+            <a:prstGeom prst="line">
+              <a:avLst/>
+            </a:prstGeom>
+            <a:ln>
+              <a:prstDash val="sysDash"/>
+            </a:ln>
+          </p:spPr>
+          <p:style>
+            <a:lnRef idx="1">
+              <a:schemeClr val="accent1"/>
+            </a:lnRef>
+            <a:fillRef idx="0">
+              <a:schemeClr val="accent1"/>
+            </a:fillRef>
+            <a:effectRef idx="0">
+              <a:schemeClr val="accent1"/>
+            </a:effectRef>
+            <a:fontRef idx="minor">
+              <a:schemeClr val="tx1"/>
+            </a:fontRef>
+          </p:style>
+        </p:cxnSp>
+        <p:cxnSp>
+          <p:nvCxnSpPr>
+            <p:cNvPr id="23" name="Straight Connector 22">
+              <a:extLst>
+                <a:ext uri="{FF2B5EF4-FFF2-40B4-BE49-F238E27FC236}">
+                  <a16:creationId xmlns:a16="http://schemas.microsoft.com/office/drawing/2014/main" id="{6A14F182-67FC-4648-A3BC-4D808ADA94A7}"/>
+                </a:ext>
+              </a:extLst>
+            </p:cNvPr>
+            <p:cNvCxnSpPr>
+              <a:cxnSpLocks/>
+            </p:cNvCxnSpPr>
+            <p:nvPr/>
+          </p:nvCxnSpPr>
+          <p:spPr>
+            <a:xfrm flipH="1">
+              <a:off x="2929257" y="1680702"/>
+              <a:ext cx="1819259" cy="0"/>
+            </a:xfrm>
+            <a:prstGeom prst="line">
+              <a:avLst/>
+            </a:prstGeom>
+            <a:ln>
+              <a:prstDash val="sysDash"/>
+            </a:ln>
+          </p:spPr>
+          <p:style>
+            <a:lnRef idx="1">
+              <a:schemeClr val="accent1"/>
+            </a:lnRef>
+            <a:fillRef idx="0">
+              <a:schemeClr val="accent1"/>
+            </a:fillRef>
+            <a:effectRef idx="0">
+              <a:schemeClr val="accent1"/>
+            </a:effectRef>
+            <a:fontRef idx="minor">
+              <a:schemeClr val="tx1"/>
+            </a:fontRef>
+          </p:style>
+        </p:cxnSp>
+        <p:cxnSp>
+          <p:nvCxnSpPr>
+            <p:cNvPr id="25" name="Straight Connector 24">
+              <a:extLst>
+                <a:ext uri="{FF2B5EF4-FFF2-40B4-BE49-F238E27FC236}">
+                  <a16:creationId xmlns:a16="http://schemas.microsoft.com/office/drawing/2014/main" id="{7B27FAF5-089F-8249-8C78-377F49A069F5}"/>
+                </a:ext>
+              </a:extLst>
+            </p:cNvPr>
+            <p:cNvCxnSpPr/>
+            <p:nvPr/>
+          </p:nvCxnSpPr>
+          <p:spPr>
+            <a:xfrm>
+              <a:off x="2929256" y="824176"/>
+              <a:ext cx="0" cy="856526"/>
+            </a:xfrm>
+            <a:prstGeom prst="line">
+              <a:avLst/>
+            </a:prstGeom>
+            <a:ln>
+              <a:prstDash val="sysDash"/>
+            </a:ln>
+          </p:spPr>
+          <p:style>
+            <a:lnRef idx="1">
+              <a:schemeClr val="accent1"/>
+            </a:lnRef>
+            <a:fillRef idx="0">
+              <a:schemeClr val="accent1"/>
+            </a:fillRef>
+            <a:effectRef idx="0">
+              <a:schemeClr val="accent1"/>
+            </a:effectRef>
+            <a:fontRef idx="minor">
+              <a:schemeClr val="tx1"/>
+            </a:fontRef>
+          </p:style>
+        </p:cxnSp>
+        <p:sp>
+          <p:nvSpPr>
+            <p:cNvPr id="27" name="TextBox 26">
+              <a:extLst>
+                <a:ext uri="{FF2B5EF4-FFF2-40B4-BE49-F238E27FC236}">
+                  <a16:creationId xmlns:a16="http://schemas.microsoft.com/office/drawing/2014/main" id="{1EE2548B-F083-3041-A718-29DE831E8FD2}"/>
+                </a:ext>
+              </a:extLst>
+            </p:cNvPr>
+            <p:cNvSpPr txBox="1"/>
+            <p:nvPr/>
+          </p:nvSpPr>
+          <p:spPr>
+            <a:xfrm>
+              <a:off x="2872419" y="607130"/>
+              <a:ext cx="1961675" cy="215444"/>
+            </a:xfrm>
+            <a:prstGeom prst="rect">
+              <a:avLst/>
+            </a:prstGeom>
+            <a:noFill/>
+          </p:spPr>
+          <p:txBody>
+            <a:bodyPr wrap="square" rtlCol="0">
+              <a:spAutoFit/>
+            </a:bodyPr>
+            <a:lstStyle/>
+            <a:p>
+              <a:r>
+                <a:rPr lang="en-US" sz="800" dirty="0"/>
+                <a:t>Software Load Balancer (hosted on AC922)</a:t>
+              </a:r>
+            </a:p>
+          </p:txBody>
+        </p:sp>
+      </p:grpSp>
+      <p:grpSp>
+        <p:nvGrpSpPr>
+          <p:cNvPr id="24" name="Group 23">
+            <a:extLst>
+              <a:ext uri="{FF2B5EF4-FFF2-40B4-BE49-F238E27FC236}">
+                <a16:creationId xmlns:a16="http://schemas.microsoft.com/office/drawing/2014/main" id="{EC5747FC-3688-1147-B1D3-85450C58A799}"/>
+              </a:ext>
+            </a:extLst>
+          </p:cNvPr>
+          <p:cNvGrpSpPr/>
+          <p:nvPr/>
+        </p:nvGrpSpPr>
+        <p:grpSpPr>
+          <a:xfrm>
+            <a:off x="1714511" y="2285457"/>
+            <a:ext cx="2006660" cy="3919470"/>
+            <a:chOff x="1559859" y="2395269"/>
+            <a:chExt cx="2006660" cy="3919470"/>
+          </a:xfrm>
+        </p:grpSpPr>
+        <p:sp>
+          <p:nvSpPr>
+            <p:cNvPr id="19" name="Rectangle 18">
+              <a:extLst>
+                <a:ext uri="{FF2B5EF4-FFF2-40B4-BE49-F238E27FC236}">
+                  <a16:creationId xmlns:a16="http://schemas.microsoft.com/office/drawing/2014/main" id="{D0F14C45-E005-C046-8771-1841F045C144}"/>
+                </a:ext>
+              </a:extLst>
+            </p:cNvPr>
+            <p:cNvSpPr/>
+            <p:nvPr/>
+          </p:nvSpPr>
+          <p:spPr>
+            <a:xfrm>
+              <a:off x="1559859" y="2398955"/>
+              <a:ext cx="2006660" cy="3915784"/>
+            </a:xfrm>
+            <a:prstGeom prst="rect">
+              <a:avLst/>
+            </a:prstGeom>
+          </p:spPr>
+          <p:style>
+            <a:lnRef idx="1">
+              <a:schemeClr val="accent5"/>
+            </a:lnRef>
+            <a:fillRef idx="2">
+              <a:schemeClr val="accent5"/>
+            </a:fillRef>
+            <a:effectRef idx="1">
+              <a:schemeClr val="accent5"/>
+            </a:effectRef>
+            <a:fontRef idx="minor">
+              <a:schemeClr val="dk1"/>
+            </a:fontRef>
+          </p:style>
+          <p:txBody>
+            <a:bodyPr rtlCol="0" anchor="ctr"/>
+            <a:lstStyle/>
+            <a:p>
+              <a:pPr algn="ctr"/>
+              <a:endParaRPr lang="en-US" dirty="0"/>
+            </a:p>
+          </p:txBody>
+        </p:sp>
+        <p:grpSp>
+          <p:nvGrpSpPr>
+            <p:cNvPr id="17" name="Group 16">
+              <a:extLst>
+                <a:ext uri="{FF2B5EF4-FFF2-40B4-BE49-F238E27FC236}">
+                  <a16:creationId xmlns:a16="http://schemas.microsoft.com/office/drawing/2014/main" id="{6BF1F3CB-FDE9-A940-9CE8-18F8D1C9A12E}"/>
+                </a:ext>
+              </a:extLst>
+            </p:cNvPr>
+            <p:cNvGrpSpPr/>
+            <p:nvPr/>
+          </p:nvGrpSpPr>
+          <p:grpSpPr>
+            <a:xfrm>
+              <a:off x="1794251" y="2712015"/>
+              <a:ext cx="1568279" cy="3433634"/>
+              <a:chOff x="1871545" y="2344611"/>
+              <a:chExt cx="1568279" cy="3433634"/>
+            </a:xfrm>
+          </p:grpSpPr>
+          <p:sp>
+            <p:nvSpPr>
+              <p:cNvPr id="54" name="TextBox 53">
+                <a:extLst>
+                  <a:ext uri="{FF2B5EF4-FFF2-40B4-BE49-F238E27FC236}">
+                    <a16:creationId xmlns:a16="http://schemas.microsoft.com/office/drawing/2014/main" id="{82C4C4B0-4864-3948-A358-4AC018AE4906}"/>
+                  </a:ext>
+                </a:extLst>
+              </p:cNvPr>
+              <p:cNvSpPr txBox="1"/>
+              <p:nvPr/>
+            </p:nvSpPr>
+            <p:spPr>
+              <a:xfrm>
+                <a:off x="2182657" y="3516009"/>
+                <a:ext cx="855349" cy="221794"/>
+              </a:xfrm>
+              <a:prstGeom prst="rect">
+                <a:avLst/>
+              </a:prstGeom>
+              <a:noFill/>
+            </p:spPr>
+            <p:txBody>
+              <a:bodyPr wrap="none" rtlCol="0">
+                <a:normAutofit fontScale="55000" lnSpcReduction="20000"/>
+              </a:bodyPr>
+              <a:lstStyle/>
+              <a:p>
+                <a:r>
+                  <a:rPr lang="en-US" sz="1801" dirty="0">
+                    <a:solidFill>
+                      <a:schemeClr val="bg1"/>
+                    </a:solidFill>
+                  </a:rPr>
+                  <a:t>Worker Node</a:t>
+                </a:r>
+              </a:p>
+            </p:txBody>
+          </p:sp>
+          <p:sp>
+            <p:nvSpPr>
+              <p:cNvPr id="55" name="Rounded Rectangle 54">
+                <a:extLst>
+                  <a:ext uri="{FF2B5EF4-FFF2-40B4-BE49-F238E27FC236}">
+                    <a16:creationId xmlns:a16="http://schemas.microsoft.com/office/drawing/2014/main" id="{5DBC2859-B9AF-634D-9CDF-21C8B3B5FDFA}"/>
+                  </a:ext>
+                </a:extLst>
+              </p:cNvPr>
+              <p:cNvSpPr/>
+              <p:nvPr/>
+            </p:nvSpPr>
+            <p:spPr>
+              <a:xfrm>
+                <a:off x="1871545" y="3516009"/>
+                <a:ext cx="1568279" cy="2262236"/>
+              </a:xfrm>
+              <a:prstGeom prst="roundRect">
+                <a:avLst/>
+              </a:prstGeom>
+            </p:spPr>
+            <p:style>
+              <a:lnRef idx="2">
+                <a:schemeClr val="accent1">
+                  <a:shade val="50000"/>
+                </a:schemeClr>
+              </a:lnRef>
+              <a:fillRef idx="1">
+                <a:schemeClr val="accent1"/>
+              </a:fillRef>
+              <a:effectRef idx="0">
+                <a:schemeClr val="accent1"/>
+              </a:effectRef>
+              <a:fontRef idx="minor">
+                <a:schemeClr val="lt1"/>
+              </a:fontRef>
+            </p:style>
+            <p:txBody>
+              <a:bodyPr rot="0" spcFirstLastPara="0" vertOverflow="overflow" horzOverflow="overflow" vert="horz" wrap="none" lIns="91440" tIns="45721" rIns="91440" bIns="45721" numCol="1" spcCol="0" rtlCol="0" fromWordArt="0" anchor="ctr" anchorCtr="0" forceAA="0" compatLnSpc="1">
+                <a:prstTxWarp prst="textNoShape">
+                  <a:avLst/>
+                </a:prstTxWarp>
+                <a:normAutofit/>
+              </a:bodyPr>
+              <a:lstStyle/>
+              <a:p>
+                <a:pPr algn="ctr"/>
+                <a:endParaRPr lang="en-US" sz="1801" dirty="0"/>
+              </a:p>
+            </p:txBody>
+          </p:sp>
+          <p:sp>
+            <p:nvSpPr>
+              <p:cNvPr id="56" name="TextBox 55">
+                <a:extLst>
+                  <a:ext uri="{FF2B5EF4-FFF2-40B4-BE49-F238E27FC236}">
+                    <a16:creationId xmlns:a16="http://schemas.microsoft.com/office/drawing/2014/main" id="{697DDF32-DE9D-114A-AE14-9DBEDD91BCE6}"/>
+                  </a:ext>
+                </a:extLst>
+              </p:cNvPr>
+              <p:cNvSpPr txBox="1"/>
+              <p:nvPr/>
+            </p:nvSpPr>
+            <p:spPr>
+              <a:xfrm>
+                <a:off x="2264428" y="3525286"/>
+                <a:ext cx="782508" cy="203240"/>
+              </a:xfrm>
+              <a:prstGeom prst="rect">
+                <a:avLst/>
+              </a:prstGeom>
+              <a:noFill/>
+            </p:spPr>
+            <p:txBody>
+              <a:bodyPr wrap="none" rtlCol="0">
+                <a:normAutofit fontScale="47500" lnSpcReduction="20000"/>
+              </a:bodyPr>
+              <a:lstStyle/>
+              <a:p>
+                <a:r>
+                  <a:rPr lang="en-US" sz="1600" dirty="0">
+                    <a:solidFill>
+                      <a:schemeClr val="bg1"/>
+                    </a:solidFill>
+                  </a:rPr>
+                  <a:t>Master Node</a:t>
+                </a:r>
+              </a:p>
+            </p:txBody>
+          </p:sp>
+          <p:sp>
+            <p:nvSpPr>
+              <p:cNvPr id="57" name="Rounded Rectangle 56">
+                <a:extLst>
+                  <a:ext uri="{FF2B5EF4-FFF2-40B4-BE49-F238E27FC236}">
+                    <a16:creationId xmlns:a16="http://schemas.microsoft.com/office/drawing/2014/main" id="{AEDC195D-4F28-4049-A954-AA7440314E08}"/>
+                  </a:ext>
+                </a:extLst>
+              </p:cNvPr>
+              <p:cNvSpPr/>
+              <p:nvPr/>
+            </p:nvSpPr>
+            <p:spPr>
+              <a:xfrm>
+                <a:off x="1924103" y="3693555"/>
+                <a:ext cx="1464857" cy="1797037"/>
+              </a:xfrm>
+              <a:prstGeom prst="roundRect">
+                <a:avLst/>
+              </a:prstGeom>
+            </p:spPr>
+            <p:style>
+              <a:lnRef idx="2">
+                <a:schemeClr val="accent5">
+                  <a:shade val="50000"/>
+                </a:schemeClr>
+              </a:lnRef>
+              <a:fillRef idx="1">
+                <a:schemeClr val="accent5"/>
+              </a:fillRef>
+              <a:effectRef idx="0">
+                <a:schemeClr val="accent5"/>
+              </a:effectRef>
+              <a:fontRef idx="minor">
+                <a:schemeClr val="lt1"/>
+              </a:fontRef>
+            </p:style>
+            <p:txBody>
+              <a:bodyPr rot="0" spcFirstLastPara="0" vertOverflow="overflow" horzOverflow="overflow" vert="horz" wrap="none" lIns="91440" tIns="45721" rIns="91440" bIns="45721" numCol="1" spcCol="0" rtlCol="0" fromWordArt="0" anchor="ctr" anchorCtr="0" forceAA="0" compatLnSpc="1">
+                <a:prstTxWarp prst="textNoShape">
+                  <a:avLst/>
+                </a:prstTxWarp>
+                <a:normAutofit/>
+              </a:bodyPr>
+              <a:lstStyle/>
+              <a:p>
+                <a:pPr algn="ctr"/>
+                <a:endParaRPr lang="en-US" sz="1801"/>
+              </a:p>
+            </p:txBody>
+          </p:sp>
+          <p:sp>
+            <p:nvSpPr>
+              <p:cNvPr id="58" name="TextBox 57">
+                <a:extLst>
+                  <a:ext uri="{FF2B5EF4-FFF2-40B4-BE49-F238E27FC236}">
+                    <a16:creationId xmlns:a16="http://schemas.microsoft.com/office/drawing/2014/main" id="{CDA08502-A257-0B4F-A451-F8BC6D0FAE5F}"/>
+                  </a:ext>
+                </a:extLst>
+              </p:cNvPr>
+              <p:cNvSpPr txBox="1"/>
+              <p:nvPr/>
+            </p:nvSpPr>
+            <p:spPr>
+              <a:xfrm>
+                <a:off x="2201565" y="3693093"/>
+                <a:ext cx="972985" cy="184841"/>
+              </a:xfrm>
+              <a:prstGeom prst="rect">
+                <a:avLst/>
+              </a:prstGeom>
+              <a:noFill/>
+            </p:spPr>
+            <p:txBody>
+              <a:bodyPr wrap="none" rtlCol="0">
+                <a:normAutofit fontScale="47500" lnSpcReduction="20000"/>
+              </a:bodyPr>
+              <a:lstStyle/>
+              <a:p>
+                <a:r>
+                  <a:rPr lang="en-US" sz="1401" dirty="0"/>
+                  <a:t>Container Runtime</a:t>
+                </a:r>
+              </a:p>
+            </p:txBody>
+          </p:sp>
+          <p:sp>
+            <p:nvSpPr>
+              <p:cNvPr id="59" name="Rounded Rectangle 58">
+                <a:extLst>
+                  <a:ext uri="{FF2B5EF4-FFF2-40B4-BE49-F238E27FC236}">
+                    <a16:creationId xmlns:a16="http://schemas.microsoft.com/office/drawing/2014/main" id="{F7B45070-584A-B14B-BB7A-695FB5BBF2A8}"/>
+                  </a:ext>
+                </a:extLst>
+              </p:cNvPr>
+              <p:cNvSpPr/>
+              <p:nvPr/>
+            </p:nvSpPr>
+            <p:spPr>
+              <a:xfrm>
+                <a:off x="2044997" y="3856306"/>
+                <a:ext cx="1221371" cy="162750"/>
+              </a:xfrm>
+              <a:prstGeom prst="roundRect">
+                <a:avLst/>
+              </a:prstGeom>
+            </p:spPr>
+            <p:style>
+              <a:lnRef idx="3">
+                <a:schemeClr val="lt1"/>
+              </a:lnRef>
+              <a:fillRef idx="1">
+                <a:schemeClr val="accent2"/>
+              </a:fillRef>
+              <a:effectRef idx="1">
+                <a:schemeClr val="accent2"/>
+              </a:effectRef>
+              <a:fontRef idx="minor">
+                <a:schemeClr val="lt1"/>
+              </a:fontRef>
+            </p:style>
+            <p:txBody>
+              <a:bodyPr rot="0" spcFirstLastPara="0" vertOverflow="overflow" horzOverflow="overflow" vert="horz" wrap="none" lIns="91440" tIns="45721" rIns="91440" bIns="45721" numCol="1" spcCol="0" rtlCol="0" fromWordArt="0" anchor="ctr" anchorCtr="0" forceAA="0" compatLnSpc="1">
+                <a:prstTxWarp prst="textNoShape">
+                  <a:avLst/>
+                </a:prstTxWarp>
+                <a:noAutofit/>
+              </a:bodyPr>
+              <a:lstStyle/>
+              <a:p>
+                <a:pPr algn="ctr"/>
+                <a:r>
+                  <a:rPr lang="en-US" sz="800" dirty="0" err="1"/>
+                  <a:t>kube-apiserver</a:t>
+                </a:r>
+                <a:endParaRPr lang="en-US" sz="800" dirty="0"/>
+              </a:p>
+            </p:txBody>
+          </p:sp>
+          <p:sp>
+            <p:nvSpPr>
+              <p:cNvPr id="60" name="Rounded Rectangle 59">
+                <a:extLst>
+                  <a:ext uri="{FF2B5EF4-FFF2-40B4-BE49-F238E27FC236}">
+                    <a16:creationId xmlns:a16="http://schemas.microsoft.com/office/drawing/2014/main" id="{D2681688-2E63-FC48-8368-9012E09ADE58}"/>
+                  </a:ext>
+                </a:extLst>
+              </p:cNvPr>
+              <p:cNvSpPr/>
+              <p:nvPr/>
+            </p:nvSpPr>
+            <p:spPr>
+              <a:xfrm>
+                <a:off x="2044997" y="4082729"/>
+                <a:ext cx="1221371" cy="162750"/>
+              </a:xfrm>
+              <a:prstGeom prst="roundRect">
+                <a:avLst/>
+              </a:prstGeom>
+            </p:spPr>
+            <p:style>
+              <a:lnRef idx="3">
+                <a:schemeClr val="lt1"/>
+              </a:lnRef>
+              <a:fillRef idx="1">
+                <a:schemeClr val="accent2"/>
+              </a:fillRef>
+              <a:effectRef idx="1">
+                <a:schemeClr val="accent2"/>
+              </a:effectRef>
+              <a:fontRef idx="minor">
+                <a:schemeClr val="lt1"/>
+              </a:fontRef>
+            </p:style>
+            <p:txBody>
+              <a:bodyPr rot="0" spcFirstLastPara="0" vertOverflow="overflow" horzOverflow="overflow" vert="horz" wrap="none" lIns="91440" tIns="45721" rIns="91440" bIns="45721" numCol="1" spcCol="0" rtlCol="0" fromWordArt="0" anchor="ctr" anchorCtr="0" forceAA="0" compatLnSpc="1">
+                <a:prstTxWarp prst="textNoShape">
+                  <a:avLst/>
+                </a:prstTxWarp>
+                <a:noAutofit/>
+              </a:bodyPr>
+              <a:lstStyle/>
+              <a:p>
+                <a:pPr algn="ctr"/>
+                <a:r>
+                  <a:rPr lang="en-US" sz="800" dirty="0" err="1"/>
+                  <a:t>Kube</a:t>
+                </a:r>
+                <a:r>
+                  <a:rPr lang="en-US" sz="800" dirty="0"/>
+                  <a:t>-scheduler</a:t>
+                </a:r>
+              </a:p>
+            </p:txBody>
+          </p:sp>
+          <p:sp>
+            <p:nvSpPr>
+              <p:cNvPr id="61" name="Rounded Rectangle 60">
+                <a:extLst>
+                  <a:ext uri="{FF2B5EF4-FFF2-40B4-BE49-F238E27FC236}">
+                    <a16:creationId xmlns:a16="http://schemas.microsoft.com/office/drawing/2014/main" id="{83850DE6-D607-E44D-9C46-B3151D1D6411}"/>
+                  </a:ext>
+                </a:extLst>
+              </p:cNvPr>
+              <p:cNvSpPr/>
+              <p:nvPr/>
+            </p:nvSpPr>
+            <p:spPr>
+              <a:xfrm>
+                <a:off x="2119793" y="5575989"/>
+                <a:ext cx="1071516" cy="122833"/>
+              </a:xfrm>
+              <a:prstGeom prst="roundRect">
+                <a:avLst/>
+              </a:prstGeom>
+            </p:spPr>
+            <p:style>
+              <a:lnRef idx="2">
+                <a:schemeClr val="accent4">
+                  <a:shade val="50000"/>
+                </a:schemeClr>
+              </a:lnRef>
+              <a:fillRef idx="1">
+                <a:schemeClr val="accent4"/>
+              </a:fillRef>
+              <a:effectRef idx="0">
+                <a:schemeClr val="accent4"/>
+              </a:effectRef>
+              <a:fontRef idx="minor">
+                <a:schemeClr val="lt1"/>
+              </a:fontRef>
+            </p:style>
+            <p:txBody>
+              <a:bodyPr rot="0" spcFirstLastPara="0" vertOverflow="overflow" horzOverflow="overflow" vert="horz" wrap="none" lIns="91440" tIns="45721" rIns="91440" bIns="45721" numCol="1" spcCol="0" rtlCol="0" fromWordArt="0" anchor="ctr" anchorCtr="0" forceAA="0" compatLnSpc="1">
+                <a:prstTxWarp prst="textNoShape">
+                  <a:avLst/>
+                </a:prstTxWarp>
+                <a:noAutofit/>
+              </a:bodyPr>
+              <a:lstStyle/>
+              <a:p>
+                <a:pPr algn="ctr"/>
+                <a:r>
+                  <a:rPr lang="en-US" sz="800" dirty="0">
+                    <a:ln w="0"/>
+                    <a:solidFill>
+                      <a:schemeClr val="tx1"/>
+                    </a:solidFill>
+                    <a:effectLst>
+                      <a:outerShdw blurRad="38100" dist="19050" dir="2700000" algn="tl" rotWithShape="0">
+                        <a:schemeClr val="dk1">
+                          <a:alpha val="40000"/>
+                        </a:schemeClr>
+                      </a:outerShdw>
+                    </a:effectLst>
+                  </a:rPr>
+                  <a:t>kubelet</a:t>
+                </a:r>
+              </a:p>
+            </p:txBody>
+          </p:sp>
+          <p:sp>
+            <p:nvSpPr>
+              <p:cNvPr id="62" name="Rounded Rectangle 61">
+                <a:extLst>
+                  <a:ext uri="{FF2B5EF4-FFF2-40B4-BE49-F238E27FC236}">
+                    <a16:creationId xmlns:a16="http://schemas.microsoft.com/office/drawing/2014/main" id="{119A32C5-E38B-3145-B94C-4527BE77D5F7}"/>
+                  </a:ext>
+                </a:extLst>
+              </p:cNvPr>
+              <p:cNvSpPr/>
+              <p:nvPr/>
+            </p:nvSpPr>
+            <p:spPr>
+              <a:xfrm>
+                <a:off x="2044997" y="4309010"/>
+                <a:ext cx="1221371" cy="162750"/>
+              </a:xfrm>
+              <a:prstGeom prst="roundRect">
+                <a:avLst/>
+              </a:prstGeom>
+            </p:spPr>
+            <p:style>
+              <a:lnRef idx="3">
+                <a:schemeClr val="lt1"/>
+              </a:lnRef>
+              <a:fillRef idx="1">
+                <a:schemeClr val="accent2"/>
+              </a:fillRef>
+              <a:effectRef idx="1">
+                <a:schemeClr val="accent2"/>
+              </a:effectRef>
+              <a:fontRef idx="minor">
+                <a:schemeClr val="lt1"/>
+              </a:fontRef>
+            </p:style>
+            <p:txBody>
+              <a:bodyPr rot="0" spcFirstLastPara="0" vertOverflow="overflow" horzOverflow="overflow" vert="horz" wrap="none" lIns="91440" tIns="45721" rIns="91440" bIns="45721" numCol="1" spcCol="0" rtlCol="0" fromWordArt="0" anchor="ctr" anchorCtr="0" forceAA="0" compatLnSpc="1">
+                <a:prstTxWarp prst="textNoShape">
+                  <a:avLst/>
+                </a:prstTxWarp>
+                <a:noAutofit/>
+              </a:bodyPr>
+              <a:lstStyle/>
+              <a:p>
+                <a:pPr algn="ctr"/>
+                <a:r>
+                  <a:rPr lang="en-US" sz="800" dirty="0" err="1"/>
+                  <a:t>kube</a:t>
+                </a:r>
+                <a:r>
+                  <a:rPr lang="en-US" sz="800" dirty="0"/>
+                  <a:t>-controller-manager</a:t>
+                </a:r>
+              </a:p>
+            </p:txBody>
+          </p:sp>
+          <p:sp>
+            <p:nvSpPr>
+              <p:cNvPr id="63" name="Rounded Rectangle 62">
+                <a:extLst>
+                  <a:ext uri="{FF2B5EF4-FFF2-40B4-BE49-F238E27FC236}">
+                    <a16:creationId xmlns:a16="http://schemas.microsoft.com/office/drawing/2014/main" id="{333F294D-482F-E14A-8990-63492E14DB6F}"/>
+                  </a:ext>
+                </a:extLst>
+              </p:cNvPr>
+              <p:cNvSpPr/>
+              <p:nvPr/>
+            </p:nvSpPr>
+            <p:spPr>
+              <a:xfrm>
+                <a:off x="2044997" y="4537115"/>
+                <a:ext cx="1221371" cy="162750"/>
+              </a:xfrm>
+              <a:prstGeom prst="roundRect">
+                <a:avLst/>
+              </a:prstGeom>
+            </p:spPr>
+            <p:style>
+              <a:lnRef idx="3">
+                <a:schemeClr val="lt1"/>
+              </a:lnRef>
+              <a:fillRef idx="1">
+                <a:schemeClr val="accent2"/>
+              </a:fillRef>
+              <a:effectRef idx="1">
+                <a:schemeClr val="accent2"/>
+              </a:effectRef>
+              <a:fontRef idx="minor">
+                <a:schemeClr val="lt1"/>
+              </a:fontRef>
+            </p:style>
+            <p:txBody>
+              <a:bodyPr rot="0" spcFirstLastPara="0" vertOverflow="overflow" horzOverflow="overflow" vert="horz" wrap="none" lIns="91440" tIns="45721" rIns="91440" bIns="45721" numCol="1" spcCol="0" rtlCol="0" fromWordArt="0" anchor="ctr" anchorCtr="0" forceAA="0" compatLnSpc="1">
+                <a:prstTxWarp prst="textNoShape">
+                  <a:avLst/>
+                </a:prstTxWarp>
+                <a:noAutofit/>
+              </a:bodyPr>
+              <a:lstStyle/>
+              <a:p>
+                <a:pPr algn="ctr"/>
+                <a:r>
+                  <a:rPr lang="en-US" sz="800" dirty="0" err="1"/>
+                  <a:t>kube</a:t>
+                </a:r>
+                <a:r>
+                  <a:rPr lang="en-US" sz="800" dirty="0"/>
+                  <a:t>-proxy</a:t>
+                </a:r>
+              </a:p>
+            </p:txBody>
+          </p:sp>
+          <p:sp>
+            <p:nvSpPr>
+              <p:cNvPr id="64" name="Rounded Rectangle 63">
+                <a:extLst>
+                  <a:ext uri="{FF2B5EF4-FFF2-40B4-BE49-F238E27FC236}">
+                    <a16:creationId xmlns:a16="http://schemas.microsoft.com/office/drawing/2014/main" id="{6DF2B456-3A42-044D-A1DB-4D9EDDE719A2}"/>
+                  </a:ext>
+                </a:extLst>
+              </p:cNvPr>
+              <p:cNvSpPr/>
+              <p:nvPr/>
+            </p:nvSpPr>
+            <p:spPr>
+              <a:xfrm>
+                <a:off x="2044997" y="4763167"/>
+                <a:ext cx="1221371" cy="184627"/>
+              </a:xfrm>
+              <a:prstGeom prst="roundRect">
+                <a:avLst/>
+              </a:prstGeom>
+            </p:spPr>
+            <p:style>
+              <a:lnRef idx="3">
+                <a:schemeClr val="lt1"/>
+              </a:lnRef>
+              <a:fillRef idx="1">
+                <a:schemeClr val="accent2"/>
+              </a:fillRef>
+              <a:effectRef idx="1">
+                <a:schemeClr val="accent2"/>
+              </a:effectRef>
+              <a:fontRef idx="minor">
+                <a:schemeClr val="lt1"/>
+              </a:fontRef>
+            </p:style>
+            <p:txBody>
+              <a:bodyPr rot="0" spcFirstLastPara="0" vertOverflow="overflow" horzOverflow="overflow" vert="horz" wrap="none" lIns="91440" tIns="45721" rIns="91440" bIns="45721" numCol="1" spcCol="0" rtlCol="0" fromWordArt="0" anchor="ctr" anchorCtr="0" forceAA="0" compatLnSpc="1">
+                <a:prstTxWarp prst="textNoShape">
+                  <a:avLst/>
+                </a:prstTxWarp>
+                <a:noAutofit/>
+              </a:bodyPr>
+              <a:lstStyle/>
+              <a:p>
+                <a:pPr algn="ctr"/>
+                <a:r>
+                  <a:rPr lang="en-US" sz="800" dirty="0" err="1"/>
+                  <a:t>cni</a:t>
+                </a:r>
+                <a:r>
+                  <a:rPr lang="en-US" sz="800" dirty="0"/>
+                  <a:t>-plugins</a:t>
+                </a:r>
+              </a:p>
+            </p:txBody>
+          </p:sp>
+          <p:sp>
+            <p:nvSpPr>
+              <p:cNvPr id="65" name="Rounded Rectangle 64">
+                <a:extLst>
+                  <a:ext uri="{FF2B5EF4-FFF2-40B4-BE49-F238E27FC236}">
+                    <a16:creationId xmlns:a16="http://schemas.microsoft.com/office/drawing/2014/main" id="{BCE4BB28-E81C-AD40-BC3D-06CDD53E550E}"/>
+                  </a:ext>
+                </a:extLst>
+              </p:cNvPr>
+              <p:cNvSpPr/>
+              <p:nvPr/>
+            </p:nvSpPr>
+            <p:spPr>
+              <a:xfrm>
+                <a:off x="2044998" y="5011096"/>
+                <a:ext cx="1221370" cy="162750"/>
+              </a:xfrm>
+              <a:prstGeom prst="roundRect">
+                <a:avLst/>
+              </a:prstGeom>
+            </p:spPr>
+            <p:style>
+              <a:lnRef idx="3">
+                <a:schemeClr val="lt1"/>
+              </a:lnRef>
+              <a:fillRef idx="1">
+                <a:schemeClr val="accent2"/>
+              </a:fillRef>
+              <a:effectRef idx="1">
+                <a:schemeClr val="accent2"/>
+              </a:effectRef>
+              <a:fontRef idx="minor">
+                <a:schemeClr val="lt1"/>
+              </a:fontRef>
+            </p:style>
+            <p:txBody>
+              <a:bodyPr rot="0" spcFirstLastPara="0" vertOverflow="overflow" horzOverflow="overflow" vert="horz" wrap="none" lIns="91440" tIns="45721" rIns="91440" bIns="45721" numCol="1" spcCol="0" rtlCol="0" fromWordArt="0" anchor="ctr" anchorCtr="0" forceAA="0" compatLnSpc="1">
+                <a:prstTxWarp prst="textNoShape">
+                  <a:avLst/>
+                </a:prstTxWarp>
+                <a:noAutofit/>
+              </a:bodyPr>
+              <a:lstStyle/>
+              <a:p>
+                <a:pPr algn="ctr"/>
+                <a:r>
+                  <a:rPr lang="en-US" sz="800" dirty="0" err="1"/>
+                  <a:t>dns</a:t>
+                </a:r>
+                <a:r>
+                  <a:rPr lang="en-US" sz="800" dirty="0"/>
+                  <a:t>-cluster add-on</a:t>
+                </a:r>
+              </a:p>
+            </p:txBody>
+          </p:sp>
+          <p:grpSp>
+            <p:nvGrpSpPr>
+              <p:cNvPr id="95" name="Group 94">
+                <a:extLst>
+                  <a:ext uri="{FF2B5EF4-FFF2-40B4-BE49-F238E27FC236}">
+                    <a16:creationId xmlns:a16="http://schemas.microsoft.com/office/drawing/2014/main" id="{48E88B46-D371-1244-BF65-25A5DD863AC9}"/>
+                  </a:ext>
+                </a:extLst>
+              </p:cNvPr>
+              <p:cNvGrpSpPr>
+                <a:grpSpLocks noChangeAspect="1"/>
+              </p:cNvGrpSpPr>
+              <p:nvPr/>
+            </p:nvGrpSpPr>
+            <p:grpSpPr>
+              <a:xfrm>
+                <a:off x="1871545" y="2344611"/>
+                <a:ext cx="1567446" cy="996218"/>
+                <a:chOff x="1851184" y="237172"/>
+                <a:chExt cx="2612414" cy="1955570"/>
+              </a:xfrm>
+            </p:grpSpPr>
+            <p:sp>
+              <p:nvSpPr>
+                <p:cNvPr id="96" name="Rounded Rectangle 95">
+                  <a:extLst>
+                    <a:ext uri="{FF2B5EF4-FFF2-40B4-BE49-F238E27FC236}">
+                      <a16:creationId xmlns:a16="http://schemas.microsoft.com/office/drawing/2014/main" id="{537AF550-831C-5345-A028-D6D2C3EDF382}"/>
+                    </a:ext>
+                  </a:extLst>
+                </p:cNvPr>
+                <p:cNvSpPr/>
+                <p:nvPr/>
+              </p:nvSpPr>
+              <p:spPr>
+                <a:xfrm>
+                  <a:off x="1851184" y="237174"/>
+                  <a:ext cx="2612414" cy="1955568"/>
+                </a:xfrm>
+                <a:prstGeom prst="roundRect">
+                  <a:avLst/>
+                </a:prstGeom>
+              </p:spPr>
+              <p:style>
+                <a:lnRef idx="2">
+                  <a:schemeClr val="accent1">
+                    <a:shade val="50000"/>
+                  </a:schemeClr>
+                </a:lnRef>
+                <a:fillRef idx="1">
+                  <a:schemeClr val="accent1"/>
+                </a:fillRef>
+                <a:effectRef idx="0">
+                  <a:schemeClr val="accent1"/>
+                </a:effectRef>
+                <a:fontRef idx="minor">
+                  <a:schemeClr val="lt1"/>
+                </a:fontRef>
+              </p:style>
+              <p:txBody>
+                <a:bodyPr rot="0" spcFirstLastPara="0" vertOverflow="overflow" horzOverflow="overflow" vert="horz" wrap="square" lIns="91440" tIns="45721" rIns="91440" bIns="45721" numCol="1" spcCol="0" rtlCol="0" fromWordArt="0" anchor="ctr" anchorCtr="0" forceAA="0" compatLnSpc="1">
+                  <a:prstTxWarp prst="textNoShape">
+                    <a:avLst/>
+                  </a:prstTxWarp>
+                  <a:normAutofit/>
+                </a:bodyPr>
+                <a:lstStyle/>
+                <a:p>
+                  <a:pPr algn="ctr"/>
+                  <a:endParaRPr lang="en-US" sz="1801" dirty="0"/>
+                </a:p>
+              </p:txBody>
+            </p:sp>
+            <p:sp>
+              <p:nvSpPr>
+                <p:cNvPr id="97" name="TextBox 96">
+                  <a:extLst>
+                    <a:ext uri="{FF2B5EF4-FFF2-40B4-BE49-F238E27FC236}">
+                      <a16:creationId xmlns:a16="http://schemas.microsoft.com/office/drawing/2014/main" id="{558424F6-C84E-8446-AB42-BBA54299D491}"/>
+                    </a:ext>
+                  </a:extLst>
+                </p:cNvPr>
+                <p:cNvSpPr txBox="1"/>
+                <p:nvPr/>
+              </p:nvSpPr>
+              <p:spPr>
+                <a:xfrm>
+                  <a:off x="2505642" y="237172"/>
+                  <a:ext cx="1303490" cy="398749"/>
+                </a:xfrm>
+                <a:prstGeom prst="rect">
+                  <a:avLst/>
+                </a:prstGeom>
+                <a:noFill/>
+              </p:spPr>
+              <p:txBody>
+                <a:bodyPr wrap="square" rtlCol="0">
+                  <a:normAutofit fontScale="47500" lnSpcReduction="20000"/>
+                </a:bodyPr>
+                <a:lstStyle/>
+                <a:p>
+                  <a:r>
+                    <a:rPr lang="en-US" sz="1600" dirty="0">
+                      <a:solidFill>
+                        <a:schemeClr val="bg1"/>
+                      </a:solidFill>
+                    </a:rPr>
+                    <a:t>Worker Node</a:t>
+                  </a:r>
+                </a:p>
+              </p:txBody>
+            </p:sp>
+            <p:sp>
+              <p:nvSpPr>
+                <p:cNvPr id="98" name="Rounded Rectangle 97">
+                  <a:extLst>
+                    <a:ext uri="{FF2B5EF4-FFF2-40B4-BE49-F238E27FC236}">
+                      <a16:creationId xmlns:a16="http://schemas.microsoft.com/office/drawing/2014/main" id="{46C26FA1-6C71-4B4E-B8B1-8406A8318C3A}"/>
+                    </a:ext>
+                  </a:extLst>
+                </p:cNvPr>
+                <p:cNvSpPr/>
+                <p:nvPr/>
+              </p:nvSpPr>
+              <p:spPr>
+                <a:xfrm>
+                  <a:off x="1938735" y="577201"/>
+                  <a:ext cx="2440135" cy="1160160"/>
+                </a:xfrm>
+                <a:prstGeom prst="roundRect">
+                  <a:avLst/>
+                </a:prstGeom>
+              </p:spPr>
+              <p:style>
+                <a:lnRef idx="2">
+                  <a:schemeClr val="accent5">
+                    <a:shade val="50000"/>
+                  </a:schemeClr>
+                </a:lnRef>
+                <a:fillRef idx="1">
+                  <a:schemeClr val="accent5"/>
+                </a:fillRef>
+                <a:effectRef idx="0">
+                  <a:schemeClr val="accent5"/>
+                </a:effectRef>
+                <a:fontRef idx="minor">
+                  <a:schemeClr val="lt1"/>
+                </a:fontRef>
+              </p:style>
+              <p:txBody>
+                <a:bodyPr rot="0" spcFirstLastPara="0" vertOverflow="overflow" horzOverflow="overflow" vert="horz" wrap="square" lIns="91440" tIns="45721" rIns="91440" bIns="45721" numCol="1" spcCol="0" rtlCol="0" fromWordArt="0" anchor="ctr" anchorCtr="0" forceAA="0" compatLnSpc="1">
+                  <a:prstTxWarp prst="textNoShape">
+                    <a:avLst/>
+                  </a:prstTxWarp>
+                  <a:normAutofit/>
+                </a:bodyPr>
+                <a:lstStyle/>
+                <a:p>
+                  <a:pPr algn="ctr"/>
+                  <a:endParaRPr lang="en-US" sz="1801"/>
+                </a:p>
+              </p:txBody>
+            </p:sp>
+            <p:sp>
+              <p:nvSpPr>
+                <p:cNvPr id="99" name="TextBox 98">
+                  <a:extLst>
+                    <a:ext uri="{FF2B5EF4-FFF2-40B4-BE49-F238E27FC236}">
+                      <a16:creationId xmlns:a16="http://schemas.microsoft.com/office/drawing/2014/main" id="{4A26CE6A-4B15-CA4C-B050-64966CD5AC37}"/>
+                    </a:ext>
+                  </a:extLst>
+                </p:cNvPr>
+                <p:cNvSpPr txBox="1"/>
+                <p:nvPr/>
+              </p:nvSpPr>
+              <p:spPr>
+                <a:xfrm>
+                  <a:off x="2390361" y="530435"/>
+                  <a:ext cx="1603839" cy="362649"/>
+                </a:xfrm>
+                <a:prstGeom prst="rect">
+                  <a:avLst/>
+                </a:prstGeom>
+                <a:noFill/>
+              </p:spPr>
+              <p:txBody>
+                <a:bodyPr wrap="square" rtlCol="0">
+                  <a:normAutofit fontScale="47500" lnSpcReduction="20000"/>
+                </a:bodyPr>
+                <a:lstStyle/>
+                <a:p>
+                  <a:r>
+                    <a:rPr lang="en-US" sz="1401" dirty="0"/>
+                    <a:t>Container Runtime</a:t>
+                  </a:r>
+                </a:p>
+              </p:txBody>
+            </p:sp>
+            <p:sp>
+              <p:nvSpPr>
+                <p:cNvPr id="100" name="Rounded Rectangle 99">
+                  <a:extLst>
+                    <a:ext uri="{FF2B5EF4-FFF2-40B4-BE49-F238E27FC236}">
+                      <a16:creationId xmlns:a16="http://schemas.microsoft.com/office/drawing/2014/main" id="{B7202D01-8988-AB48-8F2E-1E16F4C6BECF}"/>
+                    </a:ext>
+                  </a:extLst>
+                </p:cNvPr>
+                <p:cNvSpPr/>
+                <p:nvPr/>
+              </p:nvSpPr>
+              <p:spPr>
+                <a:xfrm>
+                  <a:off x="2264931" y="888892"/>
+                  <a:ext cx="1784914" cy="311691"/>
+                </a:xfrm>
+                <a:prstGeom prst="roundRect">
+                  <a:avLst/>
+                </a:prstGeom>
+              </p:spPr>
+              <p:style>
+                <a:lnRef idx="3">
+                  <a:schemeClr val="lt1"/>
+                </a:lnRef>
+                <a:fillRef idx="1">
+                  <a:schemeClr val="accent2"/>
+                </a:fillRef>
+                <a:effectRef idx="1">
+                  <a:schemeClr val="accent2"/>
+                </a:effectRef>
+                <a:fontRef idx="minor">
+                  <a:schemeClr val="lt1"/>
+                </a:fontRef>
+              </p:style>
+              <p:txBody>
+                <a:bodyPr rot="0" spcFirstLastPara="0" vertOverflow="overflow" horzOverflow="overflow" vert="horz" wrap="square" lIns="91440" tIns="45721" rIns="91440" bIns="45721" numCol="1" spcCol="0" rtlCol="0" fromWordArt="0" anchor="ctr" anchorCtr="0" forceAA="0" compatLnSpc="1">
+                  <a:prstTxWarp prst="textNoShape">
+                    <a:avLst/>
+                  </a:prstTxWarp>
+                  <a:noAutofit/>
+                </a:bodyPr>
+                <a:lstStyle/>
+                <a:p>
+                  <a:pPr algn="ctr"/>
+                  <a:r>
+                    <a:rPr lang="en-US" sz="800" dirty="0" err="1"/>
+                    <a:t>kube</a:t>
+                  </a:r>
+                  <a:r>
+                    <a:rPr lang="en-US" sz="800" dirty="0"/>
+                    <a:t>-proxy</a:t>
+                  </a:r>
+                </a:p>
+              </p:txBody>
+            </p:sp>
+            <p:sp>
+              <p:nvSpPr>
+                <p:cNvPr id="101" name="Rounded Rectangle 100">
+                  <a:extLst>
+                    <a:ext uri="{FF2B5EF4-FFF2-40B4-BE49-F238E27FC236}">
+                      <a16:creationId xmlns:a16="http://schemas.microsoft.com/office/drawing/2014/main" id="{A6686B25-6D23-FC44-ACA1-9AFD788EDBBF}"/>
+                    </a:ext>
+                  </a:extLst>
+                </p:cNvPr>
+                <p:cNvSpPr/>
+                <p:nvPr/>
+              </p:nvSpPr>
+              <p:spPr>
+                <a:xfrm>
+                  <a:off x="2264931" y="1322526"/>
+                  <a:ext cx="1784914" cy="311691"/>
+                </a:xfrm>
+                <a:prstGeom prst="roundRect">
+                  <a:avLst/>
+                </a:prstGeom>
+              </p:spPr>
+              <p:style>
+                <a:lnRef idx="3">
+                  <a:schemeClr val="lt1"/>
+                </a:lnRef>
+                <a:fillRef idx="1">
+                  <a:schemeClr val="accent2"/>
+                </a:fillRef>
+                <a:effectRef idx="1">
+                  <a:schemeClr val="accent2"/>
+                </a:effectRef>
+                <a:fontRef idx="minor">
+                  <a:schemeClr val="lt1"/>
+                </a:fontRef>
+              </p:style>
+              <p:txBody>
+                <a:bodyPr rot="0" spcFirstLastPara="0" vertOverflow="overflow" horzOverflow="overflow" vert="horz" wrap="square" lIns="91440" tIns="45721" rIns="91440" bIns="45721" numCol="1" spcCol="0" rtlCol="0" fromWordArt="0" anchor="ctr" anchorCtr="0" forceAA="0" compatLnSpc="1">
+                  <a:prstTxWarp prst="textNoShape">
+                    <a:avLst/>
+                  </a:prstTxWarp>
+                  <a:noAutofit/>
+                </a:bodyPr>
+                <a:lstStyle/>
+                <a:p>
+                  <a:pPr algn="ctr"/>
+                  <a:r>
+                    <a:rPr lang="en-US" sz="800" dirty="0" err="1"/>
+                    <a:t>cni</a:t>
+                  </a:r>
+                  <a:r>
+                    <a:rPr lang="en-US" sz="800" dirty="0"/>
+                    <a:t>-plugins</a:t>
+                  </a:r>
+                </a:p>
+              </p:txBody>
+            </p:sp>
+            <p:sp>
+              <p:nvSpPr>
+                <p:cNvPr id="102" name="Rounded Rectangle 101">
+                  <a:extLst>
+                    <a:ext uri="{FF2B5EF4-FFF2-40B4-BE49-F238E27FC236}">
+                      <a16:creationId xmlns:a16="http://schemas.microsoft.com/office/drawing/2014/main" id="{4ED753B0-B51D-9A42-9E5E-48F25D3047A9}"/>
+                    </a:ext>
+                  </a:extLst>
+                </p:cNvPr>
+                <p:cNvSpPr/>
+                <p:nvPr/>
+              </p:nvSpPr>
+              <p:spPr>
+                <a:xfrm>
+                  <a:off x="2264931" y="1855197"/>
+                  <a:ext cx="1784914" cy="222191"/>
+                </a:xfrm>
+                <a:prstGeom prst="roundRect">
+                  <a:avLst/>
+                </a:prstGeom>
+              </p:spPr>
+              <p:style>
+                <a:lnRef idx="2">
+                  <a:schemeClr val="accent4">
+                    <a:shade val="50000"/>
+                  </a:schemeClr>
+                </a:lnRef>
+                <a:fillRef idx="1">
+                  <a:schemeClr val="accent4"/>
+                </a:fillRef>
+                <a:effectRef idx="0">
+                  <a:schemeClr val="accent4"/>
+                </a:effectRef>
+                <a:fontRef idx="minor">
+                  <a:schemeClr val="lt1"/>
+                </a:fontRef>
+              </p:style>
+              <p:txBody>
+                <a:bodyPr rot="0" spcFirstLastPara="0" vertOverflow="overflow" horzOverflow="overflow" vert="horz" wrap="square" lIns="91440" tIns="45721" rIns="91440" bIns="45721" numCol="1" spcCol="0" rtlCol="0" fromWordArt="0" anchor="ctr" anchorCtr="0" forceAA="0" compatLnSpc="1">
+                  <a:prstTxWarp prst="textNoShape">
+                    <a:avLst/>
+                  </a:prstTxWarp>
+                  <a:noAutofit/>
+                </a:bodyPr>
+                <a:lstStyle/>
+                <a:p>
+                  <a:pPr algn="ctr"/>
+                  <a:r>
+                    <a:rPr lang="en-US" sz="800" dirty="0">
+                      <a:ln w="0"/>
+                      <a:solidFill>
+                        <a:schemeClr val="tx1"/>
+                      </a:solidFill>
+                      <a:effectLst>
+                        <a:outerShdw blurRad="38100" dist="19050" dir="2700000" algn="tl" rotWithShape="0">
+                          <a:schemeClr val="dk1">
+                            <a:alpha val="40000"/>
+                          </a:schemeClr>
+                        </a:outerShdw>
+                      </a:effectLst>
+                    </a:rPr>
+                    <a:t>kubelet</a:t>
+                  </a:r>
+                </a:p>
+              </p:txBody>
+            </p:sp>
+          </p:grpSp>
+          <p:sp>
+            <p:nvSpPr>
+              <p:cNvPr id="86" name="Rounded Rectangle 85">
+                <a:extLst>
+                  <a:ext uri="{FF2B5EF4-FFF2-40B4-BE49-F238E27FC236}">
+                    <a16:creationId xmlns:a16="http://schemas.microsoft.com/office/drawing/2014/main" id="{C731DAFC-0D25-4545-90C5-5423FE608AD6}"/>
+                  </a:ext>
+                </a:extLst>
+              </p:cNvPr>
+              <p:cNvSpPr/>
+              <p:nvPr/>
+            </p:nvSpPr>
+            <p:spPr>
+              <a:xfrm>
+                <a:off x="2109966" y="5246782"/>
+                <a:ext cx="1071517" cy="167198"/>
+              </a:xfrm>
+              <a:prstGeom prst="roundRect">
+                <a:avLst/>
+              </a:prstGeom>
+            </p:spPr>
+            <p:style>
+              <a:lnRef idx="1">
+                <a:schemeClr val="accent3"/>
+              </a:lnRef>
+              <a:fillRef idx="2">
+                <a:schemeClr val="accent3"/>
+              </a:fillRef>
+              <a:effectRef idx="1">
+                <a:schemeClr val="accent3"/>
+              </a:effectRef>
+              <a:fontRef idx="minor">
+                <a:schemeClr val="dk1"/>
+              </a:fontRef>
+            </p:style>
+            <p:txBody>
+              <a:bodyPr rot="0" spcFirstLastPara="0" vertOverflow="overflow" horzOverflow="overflow" vert="horz" wrap="square" lIns="91440" tIns="45721" rIns="91440" bIns="45721" numCol="1" spcCol="0" rtlCol="0" fromWordArt="0" anchor="ctr" anchorCtr="0" forceAA="0" compatLnSpc="1">
+                <a:prstTxWarp prst="textNoShape">
+                  <a:avLst/>
+                </a:prstTxWarp>
+                <a:noAutofit/>
+              </a:bodyPr>
+              <a:lstStyle/>
+              <a:p>
+                <a:pPr algn="ctr"/>
+                <a:r>
+                  <a:rPr lang="en-US" sz="800" dirty="0" err="1"/>
+                  <a:t>etcd</a:t>
+                </a:r>
+                <a:endParaRPr lang="en-US" sz="800" dirty="0"/>
+              </a:p>
+            </p:txBody>
+          </p:sp>
+        </p:grpSp>
+        <p:sp>
+          <p:nvSpPr>
+            <p:cNvPr id="21" name="TextBox 20">
+              <a:extLst>
+                <a:ext uri="{FF2B5EF4-FFF2-40B4-BE49-F238E27FC236}">
+                  <a16:creationId xmlns:a16="http://schemas.microsoft.com/office/drawing/2014/main" id="{21C65407-61AB-4B4B-971D-5EBCC4371414}"/>
+                </a:ext>
+              </a:extLst>
+            </p:cNvPr>
+            <p:cNvSpPr txBox="1"/>
+            <p:nvPr/>
+          </p:nvSpPr>
+          <p:spPr>
+            <a:xfrm>
+              <a:off x="1559859" y="2395269"/>
+              <a:ext cx="838135" cy="338554"/>
+            </a:xfrm>
+            <a:prstGeom prst="rect">
+              <a:avLst/>
+            </a:prstGeom>
+            <a:noFill/>
+          </p:spPr>
+          <p:txBody>
+            <a:bodyPr wrap="square" rtlCol="0">
+              <a:spAutoFit/>
+            </a:bodyPr>
+            <a:lstStyle/>
+            <a:p>
+              <a:r>
+                <a:rPr lang="en-US" sz="1600" dirty="0"/>
+                <a:t>AC922</a:t>
+              </a:r>
+            </a:p>
+          </p:txBody>
+        </p:sp>
+      </p:grpSp>
+      <p:grpSp>
+        <p:nvGrpSpPr>
+          <p:cNvPr id="28" name="Group 27">
+            <a:extLst>
+              <a:ext uri="{FF2B5EF4-FFF2-40B4-BE49-F238E27FC236}">
+                <a16:creationId xmlns:a16="http://schemas.microsoft.com/office/drawing/2014/main" id="{F31BCACB-EE52-5543-98C4-5A50ABADBCFA}"/>
+              </a:ext>
+            </a:extLst>
+          </p:cNvPr>
+          <p:cNvGrpSpPr/>
+          <p:nvPr/>
+        </p:nvGrpSpPr>
+        <p:grpSpPr>
+          <a:xfrm>
+            <a:off x="6186308" y="2344570"/>
+            <a:ext cx="2009783" cy="3919415"/>
+            <a:chOff x="5523364" y="2396766"/>
+            <a:chExt cx="2009783" cy="3919415"/>
+          </a:xfrm>
+        </p:grpSpPr>
+        <p:sp>
+          <p:nvSpPr>
+            <p:cNvPr id="119" name="Rectangle 118">
+              <a:extLst>
+                <a:ext uri="{FF2B5EF4-FFF2-40B4-BE49-F238E27FC236}">
+                  <a16:creationId xmlns:a16="http://schemas.microsoft.com/office/drawing/2014/main" id="{BE7351EF-ADE4-8E45-BB13-909D51FD1297}"/>
+                </a:ext>
+              </a:extLst>
+            </p:cNvPr>
+            <p:cNvSpPr/>
+            <p:nvPr/>
+          </p:nvSpPr>
+          <p:spPr>
+            <a:xfrm>
+              <a:off x="5526487" y="2400397"/>
+              <a:ext cx="2006660" cy="3915784"/>
+            </a:xfrm>
+            <a:prstGeom prst="rect">
+              <a:avLst/>
+            </a:prstGeom>
+          </p:spPr>
+          <p:style>
+            <a:lnRef idx="1">
+              <a:schemeClr val="accent5"/>
+            </a:lnRef>
+            <a:fillRef idx="2">
+              <a:schemeClr val="accent5"/>
+            </a:fillRef>
+            <a:effectRef idx="1">
+              <a:schemeClr val="accent5"/>
+            </a:effectRef>
+            <a:fontRef idx="minor">
+              <a:schemeClr val="dk1"/>
+            </a:fontRef>
+          </p:style>
+          <p:txBody>
+            <a:bodyPr rtlCol="0" anchor="ctr"/>
+            <a:lstStyle/>
+            <a:p>
+              <a:pPr algn="ctr"/>
+              <a:endParaRPr lang="en-US" dirty="0"/>
+            </a:p>
+          </p:txBody>
+        </p:sp>
+        <p:grpSp>
+          <p:nvGrpSpPr>
+            <p:cNvPr id="87" name="Group 86">
+              <a:extLst>
+                <a:ext uri="{FF2B5EF4-FFF2-40B4-BE49-F238E27FC236}">
+                  <a16:creationId xmlns:a16="http://schemas.microsoft.com/office/drawing/2014/main" id="{5E52644A-9586-DB44-9D76-F59B5BBBCF62}"/>
+                </a:ext>
+              </a:extLst>
+            </p:cNvPr>
+            <p:cNvGrpSpPr>
+              <a:grpSpLocks noChangeAspect="1"/>
+            </p:cNvGrpSpPr>
+            <p:nvPr/>
+          </p:nvGrpSpPr>
+          <p:grpSpPr>
+            <a:xfrm>
+              <a:off x="5746094" y="2712015"/>
+              <a:ext cx="1567446" cy="996218"/>
+              <a:chOff x="1851184" y="237172"/>
+              <a:chExt cx="2612414" cy="1955570"/>
+            </a:xfrm>
+          </p:grpSpPr>
+          <p:sp>
+            <p:nvSpPr>
+              <p:cNvPr id="88" name="Rounded Rectangle 87">
+                <a:extLst>
+                  <a:ext uri="{FF2B5EF4-FFF2-40B4-BE49-F238E27FC236}">
+                    <a16:creationId xmlns:a16="http://schemas.microsoft.com/office/drawing/2014/main" id="{70962EFE-001A-4246-A984-E9C96C5DC4D4}"/>
+                  </a:ext>
+                </a:extLst>
+              </p:cNvPr>
+              <p:cNvSpPr/>
+              <p:nvPr/>
+            </p:nvSpPr>
+            <p:spPr>
+              <a:xfrm>
+                <a:off x="1851184" y="237174"/>
+                <a:ext cx="2612414" cy="1955568"/>
+              </a:xfrm>
+              <a:prstGeom prst="roundRect">
+                <a:avLst/>
+              </a:prstGeom>
+            </p:spPr>
+            <p:style>
+              <a:lnRef idx="2">
+                <a:schemeClr val="accent1">
+                  <a:shade val="50000"/>
+                </a:schemeClr>
+              </a:lnRef>
+              <a:fillRef idx="1">
+                <a:schemeClr val="accent1"/>
+              </a:fillRef>
+              <a:effectRef idx="0">
+                <a:schemeClr val="accent1"/>
+              </a:effectRef>
+              <a:fontRef idx="minor">
+                <a:schemeClr val="lt1"/>
+              </a:fontRef>
+            </p:style>
+            <p:txBody>
+              <a:bodyPr rot="0" spcFirstLastPara="0" vertOverflow="overflow" horzOverflow="overflow" vert="horz" wrap="square" lIns="91440" tIns="45721" rIns="91440" bIns="45721" numCol="1" spcCol="0" rtlCol="0" fromWordArt="0" anchor="ctr" anchorCtr="0" forceAA="0" compatLnSpc="1">
+                <a:prstTxWarp prst="textNoShape">
+                  <a:avLst/>
+                </a:prstTxWarp>
+                <a:normAutofit/>
+              </a:bodyPr>
+              <a:lstStyle/>
+              <a:p>
+                <a:pPr algn="ctr"/>
+                <a:endParaRPr lang="en-US" sz="1801" dirty="0"/>
+              </a:p>
+            </p:txBody>
+          </p:sp>
+          <p:sp>
+            <p:nvSpPr>
+              <p:cNvPr id="89" name="TextBox 88">
+                <a:extLst>
+                  <a:ext uri="{FF2B5EF4-FFF2-40B4-BE49-F238E27FC236}">
+                    <a16:creationId xmlns:a16="http://schemas.microsoft.com/office/drawing/2014/main" id="{02E2855C-6B1F-994E-A48F-47D049433432}"/>
+                  </a:ext>
+                </a:extLst>
+              </p:cNvPr>
+              <p:cNvSpPr txBox="1"/>
+              <p:nvPr/>
+            </p:nvSpPr>
+            <p:spPr>
+              <a:xfrm>
+                <a:off x="2505642" y="237172"/>
+                <a:ext cx="1303490" cy="398749"/>
+              </a:xfrm>
+              <a:prstGeom prst="rect">
+                <a:avLst/>
+              </a:prstGeom>
+              <a:noFill/>
+            </p:spPr>
+            <p:txBody>
+              <a:bodyPr wrap="square" rtlCol="0">
+                <a:normAutofit fontScale="47500" lnSpcReduction="20000"/>
+              </a:bodyPr>
+              <a:lstStyle/>
+              <a:p>
+                <a:r>
+                  <a:rPr lang="en-US" sz="1600" dirty="0">
+                    <a:solidFill>
+                      <a:schemeClr val="bg1"/>
+                    </a:solidFill>
+                  </a:rPr>
+                  <a:t>Worker Node</a:t>
+                </a:r>
+              </a:p>
+            </p:txBody>
+          </p:sp>
+          <p:sp>
+            <p:nvSpPr>
+              <p:cNvPr id="90" name="Rounded Rectangle 89">
+                <a:extLst>
+                  <a:ext uri="{FF2B5EF4-FFF2-40B4-BE49-F238E27FC236}">
+                    <a16:creationId xmlns:a16="http://schemas.microsoft.com/office/drawing/2014/main" id="{E979D36E-57CF-6246-A868-EC3C2CEB9FCC}"/>
+                  </a:ext>
+                </a:extLst>
+              </p:cNvPr>
+              <p:cNvSpPr/>
+              <p:nvPr/>
+            </p:nvSpPr>
+            <p:spPr>
+              <a:xfrm>
+                <a:off x="1938735" y="577201"/>
+                <a:ext cx="2440135" cy="1160160"/>
+              </a:xfrm>
+              <a:prstGeom prst="roundRect">
+                <a:avLst/>
+              </a:prstGeom>
+            </p:spPr>
+            <p:style>
+              <a:lnRef idx="2">
+                <a:schemeClr val="accent5">
+                  <a:shade val="50000"/>
+                </a:schemeClr>
+              </a:lnRef>
+              <a:fillRef idx="1">
+                <a:schemeClr val="accent5"/>
+              </a:fillRef>
+              <a:effectRef idx="0">
+                <a:schemeClr val="accent5"/>
+              </a:effectRef>
+              <a:fontRef idx="minor">
+                <a:schemeClr val="lt1"/>
+              </a:fontRef>
+            </p:style>
+            <p:txBody>
+              <a:bodyPr rot="0" spcFirstLastPara="0" vertOverflow="overflow" horzOverflow="overflow" vert="horz" wrap="square" lIns="91440" tIns="45721" rIns="91440" bIns="45721" numCol="1" spcCol="0" rtlCol="0" fromWordArt="0" anchor="ctr" anchorCtr="0" forceAA="0" compatLnSpc="1">
+                <a:prstTxWarp prst="textNoShape">
+                  <a:avLst/>
+                </a:prstTxWarp>
+                <a:normAutofit/>
+              </a:bodyPr>
+              <a:lstStyle/>
+              <a:p>
+                <a:pPr algn="ctr"/>
+                <a:endParaRPr lang="en-US" sz="1801"/>
+              </a:p>
+            </p:txBody>
+          </p:sp>
+          <p:sp>
+            <p:nvSpPr>
+              <p:cNvPr id="91" name="TextBox 90">
+                <a:extLst>
+                  <a:ext uri="{FF2B5EF4-FFF2-40B4-BE49-F238E27FC236}">
+                    <a16:creationId xmlns:a16="http://schemas.microsoft.com/office/drawing/2014/main" id="{D592EC53-D862-FE4A-91FF-7B8F168CDB13}"/>
+                  </a:ext>
+                </a:extLst>
+              </p:cNvPr>
+              <p:cNvSpPr txBox="1"/>
+              <p:nvPr/>
+            </p:nvSpPr>
+            <p:spPr>
+              <a:xfrm>
+                <a:off x="2390361" y="530435"/>
+                <a:ext cx="1603839" cy="362649"/>
+              </a:xfrm>
+              <a:prstGeom prst="rect">
+                <a:avLst/>
+              </a:prstGeom>
+              <a:noFill/>
+            </p:spPr>
+            <p:txBody>
+              <a:bodyPr wrap="square" rtlCol="0">
+                <a:normAutofit fontScale="47500" lnSpcReduction="20000"/>
+              </a:bodyPr>
+              <a:lstStyle/>
+              <a:p>
+                <a:r>
+                  <a:rPr lang="en-US" sz="1401" dirty="0"/>
+                  <a:t>Container Runtime</a:t>
+                </a:r>
+              </a:p>
+            </p:txBody>
+          </p:sp>
+          <p:sp>
+            <p:nvSpPr>
+              <p:cNvPr id="92" name="Rounded Rectangle 91">
+                <a:extLst>
+                  <a:ext uri="{FF2B5EF4-FFF2-40B4-BE49-F238E27FC236}">
+                    <a16:creationId xmlns:a16="http://schemas.microsoft.com/office/drawing/2014/main" id="{817A1AF8-F196-9B45-B3E9-33558BF9D2CD}"/>
+                  </a:ext>
+                </a:extLst>
+              </p:cNvPr>
+              <p:cNvSpPr/>
+              <p:nvPr/>
+            </p:nvSpPr>
+            <p:spPr>
+              <a:xfrm>
+                <a:off x="2264931" y="888892"/>
+                <a:ext cx="1784914" cy="311691"/>
+              </a:xfrm>
+              <a:prstGeom prst="roundRect">
+                <a:avLst/>
+              </a:prstGeom>
+            </p:spPr>
+            <p:style>
+              <a:lnRef idx="3">
+                <a:schemeClr val="lt1"/>
+              </a:lnRef>
+              <a:fillRef idx="1">
+                <a:schemeClr val="accent2"/>
+              </a:fillRef>
+              <a:effectRef idx="1">
+                <a:schemeClr val="accent2"/>
+              </a:effectRef>
+              <a:fontRef idx="minor">
+                <a:schemeClr val="lt1"/>
+              </a:fontRef>
+            </p:style>
+            <p:txBody>
+              <a:bodyPr rot="0" spcFirstLastPara="0" vertOverflow="overflow" horzOverflow="overflow" vert="horz" wrap="square" lIns="91440" tIns="45721" rIns="91440" bIns="45721" numCol="1" spcCol="0" rtlCol="0" fromWordArt="0" anchor="ctr" anchorCtr="0" forceAA="0" compatLnSpc="1">
+                <a:prstTxWarp prst="textNoShape">
+                  <a:avLst/>
+                </a:prstTxWarp>
+                <a:noAutofit/>
+              </a:bodyPr>
+              <a:lstStyle/>
+              <a:p>
+                <a:pPr algn="ctr"/>
+                <a:r>
+                  <a:rPr lang="en-US" sz="800" dirty="0" err="1"/>
+                  <a:t>kube</a:t>
+                </a:r>
+                <a:r>
+                  <a:rPr lang="en-US" sz="800" dirty="0"/>
+                  <a:t>-proxy</a:t>
+                </a:r>
+              </a:p>
+            </p:txBody>
+          </p:sp>
+          <p:sp>
+            <p:nvSpPr>
+              <p:cNvPr id="93" name="Rounded Rectangle 92">
+                <a:extLst>
+                  <a:ext uri="{FF2B5EF4-FFF2-40B4-BE49-F238E27FC236}">
+                    <a16:creationId xmlns:a16="http://schemas.microsoft.com/office/drawing/2014/main" id="{83FBE431-78B3-7D44-BA47-415E1751F23B}"/>
+                  </a:ext>
+                </a:extLst>
+              </p:cNvPr>
+              <p:cNvSpPr/>
+              <p:nvPr/>
+            </p:nvSpPr>
+            <p:spPr>
+              <a:xfrm>
+                <a:off x="2264931" y="1322526"/>
+                <a:ext cx="1784914" cy="311691"/>
+              </a:xfrm>
+              <a:prstGeom prst="roundRect">
+                <a:avLst/>
+              </a:prstGeom>
+            </p:spPr>
+            <p:style>
+              <a:lnRef idx="3">
+                <a:schemeClr val="lt1"/>
+              </a:lnRef>
+              <a:fillRef idx="1">
+                <a:schemeClr val="accent2"/>
+              </a:fillRef>
+              <a:effectRef idx="1">
+                <a:schemeClr val="accent2"/>
+              </a:effectRef>
+              <a:fontRef idx="minor">
+                <a:schemeClr val="lt1"/>
+              </a:fontRef>
+            </p:style>
+            <p:txBody>
+              <a:bodyPr rot="0" spcFirstLastPara="0" vertOverflow="overflow" horzOverflow="overflow" vert="horz" wrap="square" lIns="91440" tIns="45721" rIns="91440" bIns="45721" numCol="1" spcCol="0" rtlCol="0" fromWordArt="0" anchor="ctr" anchorCtr="0" forceAA="0" compatLnSpc="1">
+                <a:prstTxWarp prst="textNoShape">
+                  <a:avLst/>
+                </a:prstTxWarp>
+                <a:noAutofit/>
+              </a:bodyPr>
+              <a:lstStyle/>
+              <a:p>
+                <a:pPr algn="ctr"/>
+                <a:r>
+                  <a:rPr lang="en-US" sz="800" dirty="0" err="1"/>
+                  <a:t>cni</a:t>
+                </a:r>
+                <a:r>
+                  <a:rPr lang="en-US" sz="800" dirty="0"/>
+                  <a:t>-plugins</a:t>
+                </a:r>
+              </a:p>
+            </p:txBody>
+          </p:sp>
+          <p:sp>
+            <p:nvSpPr>
+              <p:cNvPr id="94" name="Rounded Rectangle 93">
+                <a:extLst>
+                  <a:ext uri="{FF2B5EF4-FFF2-40B4-BE49-F238E27FC236}">
+                    <a16:creationId xmlns:a16="http://schemas.microsoft.com/office/drawing/2014/main" id="{ED62AAB2-A2F3-F142-91FD-63F24D2F44DE}"/>
+                  </a:ext>
+                </a:extLst>
+              </p:cNvPr>
+              <p:cNvSpPr/>
+              <p:nvPr/>
+            </p:nvSpPr>
+            <p:spPr>
+              <a:xfrm>
+                <a:off x="2264931" y="1855197"/>
+                <a:ext cx="1784914" cy="222191"/>
+              </a:xfrm>
+              <a:prstGeom prst="roundRect">
+                <a:avLst/>
+              </a:prstGeom>
+            </p:spPr>
+            <p:style>
+              <a:lnRef idx="2">
+                <a:schemeClr val="accent4">
+                  <a:shade val="50000"/>
+                </a:schemeClr>
+              </a:lnRef>
+              <a:fillRef idx="1">
+                <a:schemeClr val="accent4"/>
+              </a:fillRef>
+              <a:effectRef idx="0">
+                <a:schemeClr val="accent4"/>
+              </a:effectRef>
+              <a:fontRef idx="minor">
+                <a:schemeClr val="lt1"/>
+              </a:fontRef>
+            </p:style>
+            <p:txBody>
+              <a:bodyPr rot="0" spcFirstLastPara="0" vertOverflow="overflow" horzOverflow="overflow" vert="horz" wrap="square" lIns="91440" tIns="45721" rIns="91440" bIns="45721" numCol="1" spcCol="0" rtlCol="0" fromWordArt="0" anchor="ctr" anchorCtr="0" forceAA="0" compatLnSpc="1">
+                <a:prstTxWarp prst="textNoShape">
+                  <a:avLst/>
+                </a:prstTxWarp>
+                <a:noAutofit/>
+              </a:bodyPr>
+              <a:lstStyle/>
+              <a:p>
+                <a:pPr algn="ctr"/>
+                <a:r>
+                  <a:rPr lang="en-US" sz="800" dirty="0">
+                    <a:ln w="0"/>
+                    <a:solidFill>
+                      <a:schemeClr val="tx1"/>
+                    </a:solidFill>
+                    <a:effectLst>
+                      <a:outerShdw blurRad="38100" dist="19050" dir="2700000" algn="tl" rotWithShape="0">
+                        <a:schemeClr val="dk1">
+                          <a:alpha val="40000"/>
+                        </a:schemeClr>
+                      </a:outerShdw>
+                    </a:effectLst>
+                  </a:rPr>
+                  <a:t>kubelet</a:t>
+                </a:r>
+              </a:p>
+            </p:txBody>
+          </p:sp>
+        </p:grpSp>
+        <p:sp>
+          <p:nvSpPr>
+            <p:cNvPr id="120" name="TextBox 119">
+              <a:extLst>
+                <a:ext uri="{FF2B5EF4-FFF2-40B4-BE49-F238E27FC236}">
+                  <a16:creationId xmlns:a16="http://schemas.microsoft.com/office/drawing/2014/main" id="{0090EBF4-AEBE-2949-A42C-E2F77D4ED912}"/>
+                </a:ext>
+              </a:extLst>
+            </p:cNvPr>
+            <p:cNvSpPr txBox="1"/>
+            <p:nvPr/>
+          </p:nvSpPr>
+          <p:spPr>
+            <a:xfrm>
+              <a:off x="5523364" y="2396766"/>
+              <a:ext cx="838135" cy="338554"/>
+            </a:xfrm>
+            <a:prstGeom prst="rect">
+              <a:avLst/>
+            </a:prstGeom>
+            <a:noFill/>
+          </p:spPr>
+          <p:txBody>
+            <a:bodyPr wrap="square" rtlCol="0">
+              <a:spAutoFit/>
+            </a:bodyPr>
+            <a:lstStyle/>
+            <a:p>
+              <a:r>
+                <a:rPr lang="en-US" sz="1600" dirty="0"/>
+                <a:t>AC922</a:t>
+              </a:r>
+            </a:p>
+          </p:txBody>
+        </p:sp>
+      </p:grpSp>
+      <p:cxnSp>
+        <p:nvCxnSpPr>
+          <p:cNvPr id="124" name="Straight Arrow Connector 123">
+            <a:extLst>
+              <a:ext uri="{FF2B5EF4-FFF2-40B4-BE49-F238E27FC236}">
+                <a16:creationId xmlns:a16="http://schemas.microsoft.com/office/drawing/2014/main" id="{6E81E006-EA32-2B4C-9199-195C5A347E2C}"/>
+              </a:ext>
+            </a:extLst>
+          </p:cNvPr>
+          <p:cNvCxnSpPr>
+            <a:cxnSpLocks/>
+          </p:cNvCxnSpPr>
+          <p:nvPr/>
+        </p:nvCxnSpPr>
+        <p:spPr>
+          <a:xfrm flipH="1">
+            <a:off x="3343726" y="4195273"/>
+            <a:ext cx="3849032" cy="0"/>
+          </a:xfrm>
+          <a:prstGeom prst="straightConnector1">
+            <a:avLst/>
+          </a:prstGeom>
+          <a:ln w="9525" cap="flat" cmpd="sng" algn="ctr">
+            <a:solidFill>
+              <a:schemeClr val="accent4"/>
+            </a:solidFill>
+            <a:prstDash val="sysDot"/>
+            <a:round/>
+            <a:headEnd type="none" w="med" len="med"/>
+            <a:tailEnd type="arrow" w="med" len="med"/>
+          </a:ln>
+        </p:spPr>
+        <p:style>
+          <a:lnRef idx="0">
+            <a:scrgbClr r="0" g="0" b="0"/>
+          </a:lnRef>
+          <a:fillRef idx="0">
+            <a:scrgbClr r="0" g="0" b="0"/>
+          </a:fillRef>
+          <a:effectRef idx="0">
+            <a:scrgbClr r="0" g="0" b="0"/>
+          </a:effectRef>
+          <a:fontRef idx="minor">
+            <a:schemeClr val="tx1"/>
+          </a:fontRef>
+        </p:style>
+      </p:cxnSp>
+      <p:cxnSp>
+        <p:nvCxnSpPr>
+          <p:cNvPr id="123" name="Straight Arrow Connector 122">
+            <a:extLst>
+              <a:ext uri="{FF2B5EF4-FFF2-40B4-BE49-F238E27FC236}">
+                <a16:creationId xmlns:a16="http://schemas.microsoft.com/office/drawing/2014/main" id="{2FD744CA-4CE4-8A43-96A9-6F112B65504A}"/>
+              </a:ext>
+            </a:extLst>
+          </p:cNvPr>
+          <p:cNvCxnSpPr>
+            <a:cxnSpLocks/>
+          </p:cNvCxnSpPr>
+          <p:nvPr/>
+        </p:nvCxnSpPr>
+        <p:spPr>
+          <a:xfrm>
+            <a:off x="2287576" y="3597273"/>
+            <a:ext cx="0" cy="516625"/>
+          </a:xfrm>
+          <a:prstGeom prst="straightConnector1">
+            <a:avLst/>
+          </a:prstGeom>
+          <a:ln w="9525" cap="flat" cmpd="sng" algn="ctr">
+            <a:solidFill>
+              <a:schemeClr val="accent4"/>
+            </a:solidFill>
+            <a:prstDash val="sysDot"/>
+            <a:round/>
+            <a:headEnd type="none" w="med" len="med"/>
+            <a:tailEnd type="arrow" w="med" len="med"/>
+          </a:ln>
+        </p:spPr>
+        <p:style>
+          <a:lnRef idx="0">
+            <a:scrgbClr r="0" g="0" b="0"/>
+          </a:lnRef>
+          <a:fillRef idx="0">
+            <a:scrgbClr r="0" g="0" b="0"/>
+          </a:fillRef>
+          <a:effectRef idx="0">
+            <a:scrgbClr r="0" g="0" b="0"/>
+          </a:effectRef>
+          <a:fontRef idx="minor">
+            <a:schemeClr val="tx1"/>
+          </a:fontRef>
+        </p:style>
+      </p:cxnSp>
+      <p:pic>
+        <p:nvPicPr>
+          <p:cNvPr id="125" name="Graphic 124" descr="User">
+            <a:extLst>
+              <a:ext uri="{FF2B5EF4-FFF2-40B4-BE49-F238E27FC236}">
+                <a16:creationId xmlns:a16="http://schemas.microsoft.com/office/drawing/2014/main" id="{E2DABC0E-1549-564F-AC13-4EF2179D6A1E}"/>
+              </a:ext>
+            </a:extLst>
+          </p:cNvPr>
+          <p:cNvPicPr>
+            <a:picLocks noChangeAspect="1"/>
+          </p:cNvPicPr>
+          <p:nvPr/>
+        </p:nvPicPr>
+        <p:blipFill>
+          <a:blip r:embed="rId2">
+            <a:extLst>
+              <a:ext uri="{96DAC541-7B7A-43D3-8B79-37D633B846F1}">
+                <asvg:svgBlip xmlns:asvg="http://schemas.microsoft.com/office/drawing/2016/SVG/main" r:embed="rId3"/>
+              </a:ext>
+            </a:extLst>
+          </a:blip>
+          <a:stretch>
+            <a:fillRect/>
+          </a:stretch>
+        </p:blipFill>
+        <p:spPr>
+          <a:xfrm>
+            <a:off x="8616026" y="149434"/>
+            <a:ext cx="914400" cy="914400"/>
+          </a:xfrm>
+          <a:prstGeom prst="rect">
+            <a:avLst/>
+          </a:prstGeom>
+        </p:spPr>
+      </p:pic>
+      <p:cxnSp>
+        <p:nvCxnSpPr>
+          <p:cNvPr id="132" name="Straight Arrow Connector 131">
+            <a:extLst>
+              <a:ext uri="{FF2B5EF4-FFF2-40B4-BE49-F238E27FC236}">
+                <a16:creationId xmlns:a16="http://schemas.microsoft.com/office/drawing/2014/main" id="{E5FCB944-2C6D-7D41-975B-101EE142B2DD}"/>
+              </a:ext>
+            </a:extLst>
+          </p:cNvPr>
+          <p:cNvCxnSpPr>
+            <a:cxnSpLocks/>
+          </p:cNvCxnSpPr>
+          <p:nvPr/>
+        </p:nvCxnSpPr>
+        <p:spPr>
+          <a:xfrm flipH="1" flipV="1">
+            <a:off x="5861454" y="1652651"/>
+            <a:ext cx="3211772" cy="3508"/>
+          </a:xfrm>
+          <a:prstGeom prst="straightConnector1">
+            <a:avLst/>
+          </a:prstGeom>
+          <a:ln w="9525" cap="flat" cmpd="sng" algn="ctr">
+            <a:solidFill>
+              <a:schemeClr val="accent2"/>
+            </a:solidFill>
+            <a:prstDash val="sysDot"/>
+            <a:round/>
+            <a:headEnd type="none" w="med" len="med"/>
+            <a:tailEnd type="arrow" w="med" len="med"/>
+          </a:ln>
+        </p:spPr>
+        <p:style>
+          <a:lnRef idx="0">
+            <a:scrgbClr r="0" g="0" b="0"/>
+          </a:lnRef>
+          <a:fillRef idx="0">
+            <a:scrgbClr r="0" g="0" b="0"/>
+          </a:fillRef>
+          <a:effectRef idx="0">
+            <a:scrgbClr r="0" g="0" b="0"/>
+          </a:effectRef>
+          <a:fontRef idx="minor">
+            <a:schemeClr val="tx1"/>
+          </a:fontRef>
+        </p:style>
+      </p:cxnSp>
+      <p:cxnSp>
+        <p:nvCxnSpPr>
+          <p:cNvPr id="134" name="Straight Connector 133">
+            <a:extLst>
+              <a:ext uri="{FF2B5EF4-FFF2-40B4-BE49-F238E27FC236}">
+                <a16:creationId xmlns:a16="http://schemas.microsoft.com/office/drawing/2014/main" id="{60D15AD4-26CD-4F4E-9A87-2CAA1D3FDDB2}"/>
+              </a:ext>
+            </a:extLst>
+          </p:cNvPr>
+          <p:cNvCxnSpPr>
+            <a:cxnSpLocks/>
+            <a:stCxn id="125" idx="2"/>
+          </p:cNvCxnSpPr>
+          <p:nvPr/>
+        </p:nvCxnSpPr>
+        <p:spPr>
+          <a:xfrm>
+            <a:off x="9073226" y="1063834"/>
+            <a:ext cx="0" cy="611559"/>
+          </a:xfrm>
+          <a:prstGeom prst="line">
+            <a:avLst/>
+          </a:prstGeom>
+          <a:ln>
+            <a:prstDash val="sysDot"/>
+          </a:ln>
+        </p:spPr>
+        <p:style>
+          <a:lnRef idx="1">
+            <a:schemeClr val="accent2"/>
+          </a:lnRef>
+          <a:fillRef idx="0">
+            <a:schemeClr val="accent2"/>
+          </a:fillRef>
+          <a:effectRef idx="0">
+            <a:schemeClr val="accent2"/>
+          </a:effectRef>
+          <a:fontRef idx="minor">
+            <a:schemeClr val="tx1"/>
+          </a:fontRef>
+        </p:style>
+      </p:cxnSp>
+      <p:cxnSp>
+        <p:nvCxnSpPr>
+          <p:cNvPr id="141" name="Straight Connector 140">
+            <a:extLst>
+              <a:ext uri="{FF2B5EF4-FFF2-40B4-BE49-F238E27FC236}">
+                <a16:creationId xmlns:a16="http://schemas.microsoft.com/office/drawing/2014/main" id="{49B21698-63F7-CB4F-A88A-BE25BA4F88DA}"/>
+              </a:ext>
+            </a:extLst>
+          </p:cNvPr>
+          <p:cNvCxnSpPr>
+            <a:cxnSpLocks/>
+          </p:cNvCxnSpPr>
+          <p:nvPr/>
+        </p:nvCxnSpPr>
+        <p:spPr>
+          <a:xfrm>
+            <a:off x="4942029" y="2141940"/>
+            <a:ext cx="0" cy="849882"/>
+          </a:xfrm>
+          <a:prstGeom prst="line">
+            <a:avLst/>
+          </a:prstGeom>
+          <a:ln>
+            <a:prstDash val="sysDot"/>
+          </a:ln>
+        </p:spPr>
+        <p:style>
+          <a:lnRef idx="1">
+            <a:schemeClr val="accent2"/>
+          </a:lnRef>
+          <a:fillRef idx="0">
+            <a:schemeClr val="accent2"/>
+          </a:fillRef>
+          <a:effectRef idx="0">
+            <a:schemeClr val="accent2"/>
+          </a:effectRef>
+          <a:fontRef idx="minor">
+            <a:schemeClr val="tx1"/>
+          </a:fontRef>
+        </p:style>
+      </p:cxnSp>
+      <p:cxnSp>
+        <p:nvCxnSpPr>
+          <p:cNvPr id="142" name="Straight Arrow Connector 141">
+            <a:extLst>
+              <a:ext uri="{FF2B5EF4-FFF2-40B4-BE49-F238E27FC236}">
+                <a16:creationId xmlns:a16="http://schemas.microsoft.com/office/drawing/2014/main" id="{A5B42698-EA73-AE49-9E58-53612705D998}"/>
+              </a:ext>
+            </a:extLst>
+          </p:cNvPr>
+          <p:cNvCxnSpPr>
+            <a:cxnSpLocks/>
+          </p:cNvCxnSpPr>
+          <p:nvPr/>
+        </p:nvCxnSpPr>
+        <p:spPr>
+          <a:xfrm flipH="1">
+            <a:off x="3516349" y="3008693"/>
+            <a:ext cx="2892690" cy="18898"/>
+          </a:xfrm>
+          <a:prstGeom prst="straightConnector1">
+            <a:avLst/>
+          </a:prstGeom>
+          <a:ln w="9525" cap="flat" cmpd="sng" algn="ctr">
+            <a:solidFill>
+              <a:schemeClr val="accent2"/>
+            </a:solidFill>
+            <a:prstDash val="sysDot"/>
+            <a:round/>
+            <a:headEnd type="arrow" w="med" len="med"/>
+            <a:tailEnd type="arrow" w="med" len="med"/>
+          </a:ln>
+        </p:spPr>
+        <p:style>
+          <a:lnRef idx="0">
+            <a:scrgbClr r="0" g="0" b="0"/>
+          </a:lnRef>
+          <a:fillRef idx="0">
+            <a:scrgbClr r="0" g="0" b="0"/>
+          </a:fillRef>
+          <a:effectRef idx="0">
+            <a:scrgbClr r="0" g="0" b="0"/>
+          </a:effectRef>
+          <a:fontRef idx="minor">
+            <a:schemeClr val="tx1"/>
+          </a:fontRef>
+        </p:style>
+      </p:cxnSp>
+      <p:cxnSp>
+        <p:nvCxnSpPr>
+          <p:cNvPr id="147" name="Straight Connector 146">
+            <a:extLst>
+              <a:ext uri="{FF2B5EF4-FFF2-40B4-BE49-F238E27FC236}">
+                <a16:creationId xmlns:a16="http://schemas.microsoft.com/office/drawing/2014/main" id="{131B93DE-554D-0F46-92AA-FF2D0A1A3E4D}"/>
+              </a:ext>
+            </a:extLst>
+          </p:cNvPr>
+          <p:cNvCxnSpPr>
+            <a:cxnSpLocks/>
+          </p:cNvCxnSpPr>
+          <p:nvPr/>
+        </p:nvCxnSpPr>
+        <p:spPr>
+          <a:xfrm>
+            <a:off x="7213695" y="3662282"/>
+            <a:ext cx="0" cy="532991"/>
+          </a:xfrm>
+          <a:prstGeom prst="line">
+            <a:avLst/>
+          </a:prstGeom>
+          <a:ln>
+            <a:solidFill>
+              <a:schemeClr val="accent4"/>
+            </a:solidFill>
+            <a:prstDash val="sysDot"/>
+          </a:ln>
+        </p:spPr>
+        <p:style>
+          <a:lnRef idx="1">
+            <a:schemeClr val="accent2"/>
+          </a:lnRef>
+          <a:fillRef idx="0">
+            <a:schemeClr val="accent2"/>
+          </a:fillRef>
+          <a:effectRef idx="0">
+            <a:schemeClr val="accent2"/>
+          </a:effectRef>
+          <a:fontRef idx="minor">
+            <a:schemeClr val="tx1"/>
+          </a:fontRef>
+        </p:style>
+      </p:cxnSp>
+      <p:sp>
+        <p:nvSpPr>
+          <p:cNvPr id="149" name="TextBox 148">
+            <a:extLst>
+              <a:ext uri="{FF2B5EF4-FFF2-40B4-BE49-F238E27FC236}">
+                <a16:creationId xmlns:a16="http://schemas.microsoft.com/office/drawing/2014/main" id="{9E806977-5EC6-554E-AEF8-071B2EADF6CF}"/>
+              </a:ext>
+            </a:extLst>
+          </p:cNvPr>
+          <p:cNvSpPr txBox="1"/>
+          <p:nvPr/>
+        </p:nvSpPr>
+        <p:spPr>
+          <a:xfrm>
+            <a:off x="6186308" y="380954"/>
+            <a:ext cx="2685327" cy="461665"/>
+          </a:xfrm>
+          <a:prstGeom prst="rect">
+            <a:avLst/>
+          </a:prstGeom>
+          <a:noFill/>
+        </p:spPr>
+        <p:txBody>
+          <a:bodyPr wrap="square" rtlCol="0">
+            <a:spAutoFit/>
+          </a:bodyPr>
+          <a:lstStyle/>
+          <a:p>
+            <a:r>
+              <a:rPr lang="en-US" sz="1200" dirty="0"/>
+              <a:t>Users connect via IP address assigned by Software LB or via </a:t>
+            </a:r>
+            <a:r>
+              <a:rPr lang="en-US" sz="1200" dirty="0" err="1"/>
+              <a:t>NodePort</a:t>
+            </a:r>
+            <a:endParaRPr lang="en-US" sz="1200" dirty="0"/>
+          </a:p>
+        </p:txBody>
+      </p:sp>
+      <p:sp>
+        <p:nvSpPr>
+          <p:cNvPr id="150" name="Can 149">
+            <a:extLst>
+              <a:ext uri="{FF2B5EF4-FFF2-40B4-BE49-F238E27FC236}">
+                <a16:creationId xmlns:a16="http://schemas.microsoft.com/office/drawing/2014/main" id="{937CEA3D-F0B8-5C43-A2F6-F05D9D32DC8F}"/>
+              </a:ext>
+            </a:extLst>
+          </p:cNvPr>
+          <p:cNvSpPr/>
+          <p:nvPr/>
+        </p:nvSpPr>
+        <p:spPr>
+          <a:xfrm>
+            <a:off x="4393389" y="5492980"/>
+            <a:ext cx="548640" cy="711947"/>
+          </a:xfrm>
+          <a:prstGeom prst="can">
+            <a:avLst/>
+          </a:prstGeom>
+          <a:solidFill>
+            <a:srgbClr val="FFC000"/>
+          </a:solidFill>
+        </p:spPr>
+        <p:style>
+          <a:lnRef idx="2">
+            <a:schemeClr val="accent1">
+              <a:shade val="50000"/>
+            </a:schemeClr>
+          </a:lnRef>
+          <a:fillRef idx="1">
+            <a:schemeClr val="accent1"/>
+          </a:fillRef>
+          <a:effectRef idx="0">
+            <a:schemeClr val="accent1"/>
+          </a:effectRef>
+          <a:fontRef idx="minor">
+            <a:schemeClr val="lt1"/>
+          </a:fontRef>
+        </p:style>
+        <p:txBody>
+          <a:bodyPr rtlCol="0" anchor="ctr"/>
+          <a:lstStyle/>
+          <a:p>
+            <a:pPr algn="ctr"/>
+            <a:endParaRPr lang="en-US"/>
+          </a:p>
+        </p:txBody>
+      </p:sp>
+      <p:sp>
+        <p:nvSpPr>
+          <p:cNvPr id="151" name="Can 150">
+            <a:extLst>
+              <a:ext uri="{FF2B5EF4-FFF2-40B4-BE49-F238E27FC236}">
+                <a16:creationId xmlns:a16="http://schemas.microsoft.com/office/drawing/2014/main" id="{7085F628-8B38-4441-A74B-47F488C72AC1}"/>
+              </a:ext>
+            </a:extLst>
+          </p:cNvPr>
+          <p:cNvSpPr/>
+          <p:nvPr/>
+        </p:nvSpPr>
+        <p:spPr>
+          <a:xfrm>
+            <a:off x="5013177" y="5492980"/>
+            <a:ext cx="548640" cy="711947"/>
+          </a:xfrm>
+          <a:prstGeom prst="can">
+            <a:avLst/>
+          </a:prstGeom>
+          <a:solidFill>
+            <a:srgbClr val="FFC000"/>
+          </a:solidFill>
+        </p:spPr>
+        <p:style>
+          <a:lnRef idx="2">
+            <a:schemeClr val="accent1">
+              <a:shade val="50000"/>
+            </a:schemeClr>
+          </a:lnRef>
+          <a:fillRef idx="1">
+            <a:schemeClr val="accent1"/>
+          </a:fillRef>
+          <a:effectRef idx="0">
+            <a:schemeClr val="accent1"/>
+          </a:effectRef>
+          <a:fontRef idx="minor">
+            <a:schemeClr val="lt1"/>
+          </a:fontRef>
+        </p:style>
+        <p:txBody>
+          <a:bodyPr rtlCol="0" anchor="ctr"/>
+          <a:lstStyle/>
+          <a:p>
+            <a:pPr algn="ctr"/>
+            <a:endParaRPr lang="en-US"/>
+          </a:p>
+        </p:txBody>
+      </p:sp>
+      <p:sp>
+        <p:nvSpPr>
+          <p:cNvPr id="152" name="TextBox 151">
+            <a:extLst>
+              <a:ext uri="{FF2B5EF4-FFF2-40B4-BE49-F238E27FC236}">
+                <a16:creationId xmlns:a16="http://schemas.microsoft.com/office/drawing/2014/main" id="{CB8A0683-CCFA-F74B-B4E0-40C4BE7D5B78}"/>
+              </a:ext>
+            </a:extLst>
+          </p:cNvPr>
+          <p:cNvSpPr txBox="1"/>
+          <p:nvPr/>
+        </p:nvSpPr>
+        <p:spPr>
+          <a:xfrm>
+            <a:off x="4491349" y="6263985"/>
+            <a:ext cx="1146799" cy="276999"/>
+          </a:xfrm>
+          <a:prstGeom prst="rect">
+            <a:avLst/>
+          </a:prstGeom>
+          <a:noFill/>
+        </p:spPr>
+        <p:txBody>
+          <a:bodyPr wrap="square" rtlCol="0">
+            <a:spAutoFit/>
+          </a:bodyPr>
+          <a:lstStyle/>
+          <a:p>
+            <a:r>
+              <a:rPr lang="en-US" sz="1200" dirty="0"/>
+              <a:t>Hadoop Cluster</a:t>
+            </a:r>
+          </a:p>
+        </p:txBody>
+      </p:sp>
+      <p:cxnSp>
+        <p:nvCxnSpPr>
+          <p:cNvPr id="154" name="Straight Connector 153">
+            <a:extLst>
+              <a:ext uri="{FF2B5EF4-FFF2-40B4-BE49-F238E27FC236}">
+                <a16:creationId xmlns:a16="http://schemas.microsoft.com/office/drawing/2014/main" id="{B7EB0649-E764-B94E-BB5A-A28C91D8B631}"/>
+              </a:ext>
+            </a:extLst>
+          </p:cNvPr>
+          <p:cNvCxnSpPr>
+            <a:cxnSpLocks/>
+          </p:cNvCxnSpPr>
+          <p:nvPr/>
+        </p:nvCxnSpPr>
+        <p:spPr>
+          <a:xfrm flipV="1">
+            <a:off x="4971348" y="3322339"/>
+            <a:ext cx="0" cy="2170642"/>
+          </a:xfrm>
+          <a:prstGeom prst="line">
+            <a:avLst/>
+          </a:prstGeom>
+          <a:ln>
+            <a:prstDash val="dash"/>
+          </a:ln>
+        </p:spPr>
+        <p:style>
+          <a:lnRef idx="1">
+            <a:schemeClr val="accent1"/>
+          </a:lnRef>
+          <a:fillRef idx="0">
+            <a:schemeClr val="accent1"/>
+          </a:fillRef>
+          <a:effectRef idx="0">
+            <a:schemeClr val="accent1"/>
+          </a:effectRef>
+          <a:fontRef idx="minor">
+            <a:schemeClr val="tx1"/>
+          </a:fontRef>
+        </p:style>
+      </p:cxnSp>
+      <p:cxnSp>
+        <p:nvCxnSpPr>
+          <p:cNvPr id="155" name="Straight Arrow Connector 154">
+            <a:extLst>
+              <a:ext uri="{FF2B5EF4-FFF2-40B4-BE49-F238E27FC236}">
+                <a16:creationId xmlns:a16="http://schemas.microsoft.com/office/drawing/2014/main" id="{18B6F27E-2F22-4C48-B348-E4F886F34389}"/>
+              </a:ext>
+            </a:extLst>
+          </p:cNvPr>
+          <p:cNvCxnSpPr>
+            <a:cxnSpLocks/>
+          </p:cNvCxnSpPr>
+          <p:nvPr/>
+        </p:nvCxnSpPr>
+        <p:spPr>
+          <a:xfrm flipH="1">
+            <a:off x="3516349" y="3303441"/>
+            <a:ext cx="2892690" cy="18898"/>
+          </a:xfrm>
+          <a:prstGeom prst="straightConnector1">
+            <a:avLst/>
+          </a:prstGeom>
+          <a:ln w="9525" cap="flat" cmpd="sng" algn="ctr">
+            <a:solidFill>
+              <a:schemeClr val="accent1"/>
+            </a:solidFill>
+            <a:prstDash val="dash"/>
+            <a:round/>
+            <a:headEnd type="arrow" w="med" len="med"/>
+            <a:tailEnd type="arrow" w="med" len="med"/>
+          </a:ln>
+        </p:spPr>
+        <p:style>
+          <a:lnRef idx="0">
+            <a:scrgbClr r="0" g="0" b="0"/>
+          </a:lnRef>
+          <a:fillRef idx="0">
+            <a:scrgbClr r="0" g="0" b="0"/>
+          </a:fillRef>
+          <a:effectRef idx="0">
+            <a:scrgbClr r="0" g="0" b="0"/>
+          </a:effectRef>
+          <a:fontRef idx="minor">
+            <a:schemeClr val="tx1"/>
+          </a:fontRef>
+        </p:style>
+      </p:cxnSp>
+      <p:sp>
+        <p:nvSpPr>
+          <p:cNvPr id="157" name="TextBox 156">
+            <a:extLst>
+              <a:ext uri="{FF2B5EF4-FFF2-40B4-BE49-F238E27FC236}">
+                <a16:creationId xmlns:a16="http://schemas.microsoft.com/office/drawing/2014/main" id="{D5C4216F-399C-F448-A331-352DD2CF1E55}"/>
+              </a:ext>
+            </a:extLst>
+          </p:cNvPr>
+          <p:cNvSpPr txBox="1"/>
+          <p:nvPr/>
+        </p:nvSpPr>
+        <p:spPr>
+          <a:xfrm>
+            <a:off x="3748096" y="3077965"/>
+            <a:ext cx="2446504" cy="253916"/>
+          </a:xfrm>
+          <a:prstGeom prst="rect">
+            <a:avLst/>
+          </a:prstGeom>
+          <a:noFill/>
+        </p:spPr>
+        <p:txBody>
+          <a:bodyPr wrap="none" rtlCol="0">
+            <a:spAutoFit/>
+          </a:bodyPr>
+          <a:lstStyle/>
+          <a:p>
+            <a:r>
+              <a:rPr lang="en-US" sz="1050" dirty="0"/>
+              <a:t>HDFS mounted via </a:t>
+            </a:r>
+            <a:r>
+              <a:rPr lang="en-US" sz="1050" dirty="0" err="1"/>
+              <a:t>Dask</a:t>
+            </a:r>
+            <a:r>
+              <a:rPr lang="en-US" sz="1050" dirty="0"/>
+              <a:t> Client within Pod</a:t>
+            </a:r>
+          </a:p>
+        </p:txBody>
+      </p:sp>
+      <p:sp>
+        <p:nvSpPr>
+          <p:cNvPr id="158" name="TextBox 157">
+            <a:extLst>
+              <a:ext uri="{FF2B5EF4-FFF2-40B4-BE49-F238E27FC236}">
+                <a16:creationId xmlns:a16="http://schemas.microsoft.com/office/drawing/2014/main" id="{251D16FF-1D97-C34D-A4C5-E0CA0BACA20D}"/>
+              </a:ext>
+            </a:extLst>
+          </p:cNvPr>
+          <p:cNvSpPr txBox="1"/>
+          <p:nvPr/>
+        </p:nvSpPr>
+        <p:spPr>
+          <a:xfrm>
+            <a:off x="328394" y="237302"/>
+            <a:ext cx="2772234" cy="369332"/>
+          </a:xfrm>
+          <a:prstGeom prst="rect">
+            <a:avLst/>
+          </a:prstGeom>
+          <a:noFill/>
+        </p:spPr>
+        <p:txBody>
+          <a:bodyPr wrap="none" rtlCol="0">
+            <a:spAutoFit/>
+          </a:bodyPr>
+          <a:lstStyle/>
+          <a:p>
+            <a:r>
+              <a:rPr lang="en-US" dirty="0"/>
+              <a:t>Kubernetes High-Level Arch</a:t>
+            </a:r>
+          </a:p>
+        </p:txBody>
+      </p:sp>
+      <p:cxnSp>
+        <p:nvCxnSpPr>
+          <p:cNvPr id="159" name="Straight Connector 158">
+            <a:extLst>
+              <a:ext uri="{FF2B5EF4-FFF2-40B4-BE49-F238E27FC236}">
+                <a16:creationId xmlns:a16="http://schemas.microsoft.com/office/drawing/2014/main" id="{85B0E97E-5ED5-8041-898B-6047A3502DAF}"/>
+              </a:ext>
+            </a:extLst>
+          </p:cNvPr>
+          <p:cNvCxnSpPr>
+            <a:cxnSpLocks/>
+          </p:cNvCxnSpPr>
+          <p:nvPr/>
+        </p:nvCxnSpPr>
+        <p:spPr>
+          <a:xfrm flipH="1">
+            <a:off x="1348552" y="4195273"/>
+            <a:ext cx="731917" cy="0"/>
+          </a:xfrm>
+          <a:prstGeom prst="line">
+            <a:avLst/>
+          </a:prstGeom>
+          <a:ln>
+            <a:solidFill>
+              <a:schemeClr val="accent3"/>
+            </a:solidFill>
+            <a:prstDash val="lgDash"/>
+          </a:ln>
+        </p:spPr>
+        <p:style>
+          <a:lnRef idx="1">
+            <a:schemeClr val="accent2"/>
+          </a:lnRef>
+          <a:fillRef idx="0">
+            <a:schemeClr val="accent2"/>
+          </a:fillRef>
+          <a:effectRef idx="0">
+            <a:schemeClr val="accent2"/>
+          </a:effectRef>
+          <a:fontRef idx="minor">
+            <a:schemeClr val="tx1"/>
+          </a:fontRef>
+        </p:style>
+      </p:cxnSp>
+      <p:cxnSp>
+        <p:nvCxnSpPr>
+          <p:cNvPr id="161" name="Straight Connector 160">
+            <a:extLst>
+              <a:ext uri="{FF2B5EF4-FFF2-40B4-BE49-F238E27FC236}">
+                <a16:creationId xmlns:a16="http://schemas.microsoft.com/office/drawing/2014/main" id="{7FA21156-EA7A-0640-B32C-3B7AC604C529}"/>
+              </a:ext>
+            </a:extLst>
+          </p:cNvPr>
+          <p:cNvCxnSpPr>
+            <a:cxnSpLocks/>
+          </p:cNvCxnSpPr>
+          <p:nvPr/>
+        </p:nvCxnSpPr>
+        <p:spPr>
+          <a:xfrm flipH="1">
+            <a:off x="1348552" y="5587973"/>
+            <a:ext cx="838773" cy="0"/>
+          </a:xfrm>
+          <a:prstGeom prst="line">
+            <a:avLst/>
+          </a:prstGeom>
+          <a:ln>
+            <a:solidFill>
+              <a:schemeClr val="accent3"/>
+            </a:solidFill>
+            <a:prstDash val="lgDash"/>
+          </a:ln>
+        </p:spPr>
+        <p:style>
+          <a:lnRef idx="1">
+            <a:schemeClr val="accent2"/>
+          </a:lnRef>
+          <a:fillRef idx="0">
+            <a:schemeClr val="accent2"/>
+          </a:fillRef>
+          <a:effectRef idx="0">
+            <a:schemeClr val="accent2"/>
+          </a:effectRef>
+          <a:fontRef idx="minor">
+            <a:schemeClr val="tx1"/>
+          </a:fontRef>
+        </p:style>
+      </p:cxnSp>
+      <p:cxnSp>
+        <p:nvCxnSpPr>
+          <p:cNvPr id="163" name="Straight Connector 162">
+            <a:extLst>
+              <a:ext uri="{FF2B5EF4-FFF2-40B4-BE49-F238E27FC236}">
+                <a16:creationId xmlns:a16="http://schemas.microsoft.com/office/drawing/2014/main" id="{4734DBEA-62DA-DC4F-9164-EFE2D4AE83CF}"/>
+              </a:ext>
+            </a:extLst>
+          </p:cNvPr>
+          <p:cNvCxnSpPr>
+            <a:cxnSpLocks/>
+          </p:cNvCxnSpPr>
+          <p:nvPr/>
+        </p:nvCxnSpPr>
+        <p:spPr>
+          <a:xfrm flipH="1">
+            <a:off x="1348552" y="4195273"/>
+            <a:ext cx="1" cy="1392700"/>
+          </a:xfrm>
+          <a:prstGeom prst="line">
+            <a:avLst/>
+          </a:prstGeom>
+          <a:ln>
+            <a:solidFill>
+              <a:schemeClr val="accent3"/>
+            </a:solidFill>
+            <a:prstDash val="lgDash"/>
+          </a:ln>
+        </p:spPr>
+        <p:style>
+          <a:lnRef idx="1">
+            <a:schemeClr val="accent2"/>
+          </a:lnRef>
+          <a:fillRef idx="0">
+            <a:schemeClr val="accent2"/>
+          </a:fillRef>
+          <a:effectRef idx="0">
+            <a:schemeClr val="accent2"/>
+          </a:effectRef>
+          <a:fontRef idx="minor">
+            <a:schemeClr val="tx1"/>
+          </a:fontRef>
+        </p:style>
+      </p:cxnSp>
+    </p:spTree>
+    <p:extLst>
+      <p:ext uri="{BB962C8B-B14F-4D97-AF65-F5344CB8AC3E}">
+        <p14:creationId xmlns:p14="http://schemas.microsoft.com/office/powerpoint/2010/main" val="4290096874"/>
+      </p:ext>
+    </p:extLst>
+  </p:cSld>
+  <p:clrMapOvr>
+    <a:masterClrMapping/>
+  </p:clrMapOvr>
+</p:sld>
+</file>
+
+<file path=ppt/slides/slide4.xml><?xml version="1.0" encoding="utf-8"?>
+<p:sld xmlns:a="http://schemas.openxmlformats.org/drawingml/2006/main" xmlns:r="http://schemas.openxmlformats.org/officeDocument/2006/relationships" xmlns:p="http://schemas.openxmlformats.org/presentationml/2006/main">
+  <p:cSld>
+    <p:spTree>
+      <p:nvGrpSpPr>
+        <p:cNvPr id="1" name=""/>
+        <p:cNvGrpSpPr/>
+        <p:nvPr/>
+      </p:nvGrpSpPr>
+      <p:grpSpPr>
+        <a:xfrm>
+          <a:off x="0" y="0"/>
+          <a:ext cx="0" cy="0"/>
+          <a:chOff x="0" y="0"/>
+          <a:chExt cx="0" cy="0"/>
+        </a:xfrm>
+      </p:grpSpPr>
+      <p:grpSp>
+        <p:nvGrpSpPr>
+          <p:cNvPr id="2" name="Group 1">
+            <a:extLst>
+              <a:ext uri="{FF2B5EF4-FFF2-40B4-BE49-F238E27FC236}">
+                <a16:creationId xmlns:a16="http://schemas.microsoft.com/office/drawing/2014/main" id="{2D1B7D03-4CD1-3042-9CD3-D8AEBAE0BBE7}"/>
+              </a:ext>
+            </a:extLst>
+          </p:cNvPr>
+          <p:cNvGrpSpPr>
+            <a:grpSpLocks noChangeAspect="1"/>
+          </p:cNvGrpSpPr>
+          <p:nvPr/>
+        </p:nvGrpSpPr>
+        <p:grpSpPr>
+          <a:xfrm>
+            <a:off x="7120306" y="547768"/>
+            <a:ext cx="1567446" cy="996218"/>
+            <a:chOff x="1851184" y="237172"/>
+            <a:chExt cx="2612414" cy="1955570"/>
+          </a:xfrm>
+        </p:grpSpPr>
+        <p:sp>
+          <p:nvSpPr>
+            <p:cNvPr id="4" name="Rounded Rectangle 3">
+              <a:extLst>
+                <a:ext uri="{FF2B5EF4-FFF2-40B4-BE49-F238E27FC236}">
+                  <a16:creationId xmlns:a16="http://schemas.microsoft.com/office/drawing/2014/main" id="{C0DEE84D-6B70-CE40-A168-F01C6A72AF71}"/>
+                </a:ext>
+              </a:extLst>
+            </p:cNvPr>
+            <p:cNvSpPr/>
+            <p:nvPr/>
+          </p:nvSpPr>
+          <p:spPr>
+            <a:xfrm>
+              <a:off x="1851184" y="237174"/>
+              <a:ext cx="2612414" cy="1955568"/>
+            </a:xfrm>
+            <a:prstGeom prst="roundRect">
+              <a:avLst/>
+            </a:prstGeom>
+          </p:spPr>
+          <p:style>
+            <a:lnRef idx="2">
+              <a:schemeClr val="accent1">
+                <a:shade val="50000"/>
+              </a:schemeClr>
+            </a:lnRef>
+            <a:fillRef idx="1">
+              <a:schemeClr val="accent1"/>
+            </a:fillRef>
+            <a:effectRef idx="0">
+              <a:schemeClr val="accent1"/>
+            </a:effectRef>
+            <a:fontRef idx="minor">
+              <a:schemeClr val="lt1"/>
+            </a:fontRef>
+          </p:style>
+          <p:txBody>
+            <a:bodyPr rot="0" spcFirstLastPara="0" vertOverflow="overflow" horzOverflow="overflow" vert="horz" wrap="square" lIns="91440" tIns="45721" rIns="91440" bIns="45721" numCol="1" spcCol="0" rtlCol="0" fromWordArt="0" anchor="ctr" anchorCtr="0" forceAA="0" compatLnSpc="1">
+              <a:prstTxWarp prst="textNoShape">
+                <a:avLst/>
+              </a:prstTxWarp>
+              <a:normAutofit/>
+            </a:bodyPr>
+            <a:lstStyle/>
+            <a:p>
+              <a:pPr algn="ctr"/>
+              <a:endParaRPr lang="en-US" sz="1801" dirty="0"/>
+            </a:p>
+          </p:txBody>
+        </p:sp>
+        <p:sp>
+          <p:nvSpPr>
+            <p:cNvPr id="5" name="TextBox 4">
+              <a:extLst>
+                <a:ext uri="{FF2B5EF4-FFF2-40B4-BE49-F238E27FC236}">
+                  <a16:creationId xmlns:a16="http://schemas.microsoft.com/office/drawing/2014/main" id="{85259D6F-DB2E-9445-BFAF-0C66B9237EE5}"/>
+                </a:ext>
+              </a:extLst>
+            </p:cNvPr>
+            <p:cNvSpPr txBox="1"/>
+            <p:nvPr/>
+          </p:nvSpPr>
+          <p:spPr>
+            <a:xfrm>
+              <a:off x="2505642" y="237172"/>
+              <a:ext cx="1303490" cy="398749"/>
+            </a:xfrm>
+            <a:prstGeom prst="rect">
+              <a:avLst/>
+            </a:prstGeom>
+            <a:noFill/>
+          </p:spPr>
+          <p:txBody>
+            <a:bodyPr wrap="square" rtlCol="0">
+              <a:normAutofit fontScale="47500" lnSpcReduction="20000"/>
+            </a:bodyPr>
+            <a:lstStyle/>
+            <a:p>
+              <a:r>
+                <a:rPr lang="en-US" sz="1600" dirty="0">
+                  <a:solidFill>
+                    <a:schemeClr val="bg1"/>
+                  </a:solidFill>
+                </a:rPr>
+                <a:t>Worker Node</a:t>
+              </a:r>
+            </a:p>
+          </p:txBody>
+        </p:sp>
+        <p:sp>
+          <p:nvSpPr>
+            <p:cNvPr id="6" name="Rounded Rectangle 5">
+              <a:extLst>
+                <a:ext uri="{FF2B5EF4-FFF2-40B4-BE49-F238E27FC236}">
+                  <a16:creationId xmlns:a16="http://schemas.microsoft.com/office/drawing/2014/main" id="{06D6E5EA-D4E1-7F4D-AD13-0A04A1D08D76}"/>
+                </a:ext>
+              </a:extLst>
+            </p:cNvPr>
+            <p:cNvSpPr/>
+            <p:nvPr/>
+          </p:nvSpPr>
+          <p:spPr>
+            <a:xfrm>
+              <a:off x="1938735" y="577201"/>
+              <a:ext cx="2440135" cy="1160160"/>
+            </a:xfrm>
+            <a:prstGeom prst="roundRect">
+              <a:avLst/>
+            </a:prstGeom>
+          </p:spPr>
+          <p:style>
+            <a:lnRef idx="2">
+              <a:schemeClr val="accent5">
+                <a:shade val="50000"/>
+              </a:schemeClr>
+            </a:lnRef>
+            <a:fillRef idx="1">
+              <a:schemeClr val="accent5"/>
+            </a:fillRef>
+            <a:effectRef idx="0">
+              <a:schemeClr val="accent5"/>
+            </a:effectRef>
+            <a:fontRef idx="minor">
+              <a:schemeClr val="lt1"/>
+            </a:fontRef>
+          </p:style>
+          <p:txBody>
+            <a:bodyPr rot="0" spcFirstLastPara="0" vertOverflow="overflow" horzOverflow="overflow" vert="horz" wrap="square" lIns="91440" tIns="45721" rIns="91440" bIns="45721" numCol="1" spcCol="0" rtlCol="0" fromWordArt="0" anchor="ctr" anchorCtr="0" forceAA="0" compatLnSpc="1">
+              <a:prstTxWarp prst="textNoShape">
+                <a:avLst/>
+              </a:prstTxWarp>
+              <a:normAutofit/>
+            </a:bodyPr>
+            <a:lstStyle/>
+            <a:p>
+              <a:pPr algn="ctr"/>
+              <a:endParaRPr lang="en-US" sz="1801"/>
+            </a:p>
+          </p:txBody>
+        </p:sp>
+        <p:sp>
+          <p:nvSpPr>
+            <p:cNvPr id="7" name="TextBox 6">
+              <a:extLst>
+                <a:ext uri="{FF2B5EF4-FFF2-40B4-BE49-F238E27FC236}">
+                  <a16:creationId xmlns:a16="http://schemas.microsoft.com/office/drawing/2014/main" id="{D8FF072A-CBF1-5649-8511-6F791C6268B7}"/>
+                </a:ext>
+              </a:extLst>
+            </p:cNvPr>
+            <p:cNvSpPr txBox="1"/>
+            <p:nvPr/>
+          </p:nvSpPr>
+          <p:spPr>
+            <a:xfrm>
+              <a:off x="2390361" y="530435"/>
+              <a:ext cx="1603839" cy="362649"/>
+            </a:xfrm>
+            <a:prstGeom prst="rect">
+              <a:avLst/>
+            </a:prstGeom>
+            <a:noFill/>
+          </p:spPr>
+          <p:txBody>
+            <a:bodyPr wrap="square" rtlCol="0">
+              <a:normAutofit fontScale="47500" lnSpcReduction="20000"/>
+            </a:bodyPr>
+            <a:lstStyle/>
+            <a:p>
+              <a:r>
+                <a:rPr lang="en-US" sz="1401" dirty="0"/>
+                <a:t>Container Runtime</a:t>
+              </a:r>
+            </a:p>
+          </p:txBody>
+        </p:sp>
+        <p:sp>
+          <p:nvSpPr>
+            <p:cNvPr id="8" name="Rounded Rectangle 7">
+              <a:extLst>
+                <a:ext uri="{FF2B5EF4-FFF2-40B4-BE49-F238E27FC236}">
+                  <a16:creationId xmlns:a16="http://schemas.microsoft.com/office/drawing/2014/main" id="{ED07D683-2FB3-754E-9120-D3171F168E56}"/>
+                </a:ext>
+              </a:extLst>
+            </p:cNvPr>
+            <p:cNvSpPr/>
+            <p:nvPr/>
+          </p:nvSpPr>
+          <p:spPr>
+            <a:xfrm>
+              <a:off x="2264931" y="888892"/>
+              <a:ext cx="1784914" cy="311691"/>
+            </a:xfrm>
+            <a:prstGeom prst="roundRect">
+              <a:avLst/>
+            </a:prstGeom>
+          </p:spPr>
+          <p:style>
+            <a:lnRef idx="3">
+              <a:schemeClr val="lt1"/>
+            </a:lnRef>
+            <a:fillRef idx="1">
+              <a:schemeClr val="accent2"/>
+            </a:fillRef>
+            <a:effectRef idx="1">
+              <a:schemeClr val="accent2"/>
+            </a:effectRef>
+            <a:fontRef idx="minor">
+              <a:schemeClr val="lt1"/>
+            </a:fontRef>
+          </p:style>
+          <p:txBody>
+            <a:bodyPr rot="0" spcFirstLastPara="0" vertOverflow="overflow" horzOverflow="overflow" vert="horz" wrap="square" lIns="91440" tIns="45721" rIns="91440" bIns="45721" numCol="1" spcCol="0" rtlCol="0" fromWordArt="0" anchor="ctr" anchorCtr="0" forceAA="0" compatLnSpc="1">
+              <a:prstTxWarp prst="textNoShape">
+                <a:avLst/>
+              </a:prstTxWarp>
+              <a:noAutofit/>
+            </a:bodyPr>
+            <a:lstStyle/>
+            <a:p>
+              <a:pPr algn="ctr"/>
+              <a:r>
+                <a:rPr lang="en-US" sz="800" dirty="0" err="1"/>
+                <a:t>kube</a:t>
+              </a:r>
+              <a:r>
+                <a:rPr lang="en-US" sz="800" dirty="0"/>
+                <a:t>-proxy</a:t>
+              </a:r>
+            </a:p>
+          </p:txBody>
+        </p:sp>
+        <p:sp>
+          <p:nvSpPr>
+            <p:cNvPr id="9" name="Rounded Rectangle 8">
+              <a:extLst>
+                <a:ext uri="{FF2B5EF4-FFF2-40B4-BE49-F238E27FC236}">
+                  <a16:creationId xmlns:a16="http://schemas.microsoft.com/office/drawing/2014/main" id="{8D8620C1-BD6D-D145-924A-828D00BCCD81}"/>
+                </a:ext>
+              </a:extLst>
+            </p:cNvPr>
+            <p:cNvSpPr/>
+            <p:nvPr/>
+          </p:nvSpPr>
+          <p:spPr>
+            <a:xfrm>
+              <a:off x="2264931" y="1322526"/>
+              <a:ext cx="1784914" cy="311691"/>
+            </a:xfrm>
+            <a:prstGeom prst="roundRect">
+              <a:avLst/>
+            </a:prstGeom>
+          </p:spPr>
+          <p:style>
+            <a:lnRef idx="3">
+              <a:schemeClr val="lt1"/>
+            </a:lnRef>
+            <a:fillRef idx="1">
+              <a:schemeClr val="accent2"/>
+            </a:fillRef>
+            <a:effectRef idx="1">
+              <a:schemeClr val="accent2"/>
+            </a:effectRef>
+            <a:fontRef idx="minor">
+              <a:schemeClr val="lt1"/>
+            </a:fontRef>
+          </p:style>
+          <p:txBody>
+            <a:bodyPr rot="0" spcFirstLastPara="0" vertOverflow="overflow" horzOverflow="overflow" vert="horz" wrap="square" lIns="91440" tIns="45721" rIns="91440" bIns="45721" numCol="1" spcCol="0" rtlCol="0" fromWordArt="0" anchor="ctr" anchorCtr="0" forceAA="0" compatLnSpc="1">
+              <a:prstTxWarp prst="textNoShape">
+                <a:avLst/>
+              </a:prstTxWarp>
+              <a:noAutofit/>
+            </a:bodyPr>
+            <a:lstStyle/>
+            <a:p>
+              <a:pPr algn="ctr"/>
+              <a:r>
+                <a:rPr lang="en-US" sz="800" dirty="0" err="1"/>
+                <a:t>cni</a:t>
+              </a:r>
+              <a:r>
+                <a:rPr lang="en-US" sz="800" dirty="0"/>
+                <a:t>-plugins</a:t>
+              </a:r>
+            </a:p>
+          </p:txBody>
+        </p:sp>
+        <p:sp>
+          <p:nvSpPr>
+            <p:cNvPr id="10" name="Rounded Rectangle 9">
+              <a:extLst>
+                <a:ext uri="{FF2B5EF4-FFF2-40B4-BE49-F238E27FC236}">
+                  <a16:creationId xmlns:a16="http://schemas.microsoft.com/office/drawing/2014/main" id="{3D0B3FB6-7DA8-0C41-B101-1217EE025BEC}"/>
+                </a:ext>
+              </a:extLst>
+            </p:cNvPr>
+            <p:cNvSpPr/>
+            <p:nvPr/>
+          </p:nvSpPr>
+          <p:spPr>
+            <a:xfrm>
+              <a:off x="2264931" y="1855197"/>
+              <a:ext cx="1784914" cy="222191"/>
+            </a:xfrm>
+            <a:prstGeom prst="roundRect">
+              <a:avLst/>
+            </a:prstGeom>
+          </p:spPr>
+          <p:style>
+            <a:lnRef idx="2">
+              <a:schemeClr val="accent4">
+                <a:shade val="50000"/>
+              </a:schemeClr>
+            </a:lnRef>
+            <a:fillRef idx="1">
+              <a:schemeClr val="accent4"/>
+            </a:fillRef>
+            <a:effectRef idx="0">
+              <a:schemeClr val="accent4"/>
+            </a:effectRef>
+            <a:fontRef idx="minor">
+              <a:schemeClr val="lt1"/>
+            </a:fontRef>
+          </p:style>
+          <p:txBody>
+            <a:bodyPr rot="0" spcFirstLastPara="0" vertOverflow="overflow" horzOverflow="overflow" vert="horz" wrap="square" lIns="91440" tIns="45721" rIns="91440" bIns="45721" numCol="1" spcCol="0" rtlCol="0" fromWordArt="0" anchor="ctr" anchorCtr="0" forceAA="0" compatLnSpc="1">
+              <a:prstTxWarp prst="textNoShape">
+                <a:avLst/>
+              </a:prstTxWarp>
+              <a:noAutofit/>
+            </a:bodyPr>
+            <a:lstStyle/>
+            <a:p>
+              <a:pPr algn="ctr"/>
+              <a:r>
+                <a:rPr lang="en-US" sz="800" dirty="0">
+                  <a:ln w="0"/>
+                  <a:solidFill>
+                    <a:schemeClr val="tx1"/>
+                  </a:solidFill>
+                  <a:effectLst>
+                    <a:outerShdw blurRad="38100" dist="19050" dir="2700000" algn="tl" rotWithShape="0">
+                      <a:schemeClr val="dk1">
+                        <a:alpha val="40000"/>
+                      </a:schemeClr>
+                    </a:outerShdw>
+                  </a:effectLst>
+                </a:rPr>
+                <a:t>kubelet</a:t>
+              </a:r>
+            </a:p>
+          </p:txBody>
+        </p:sp>
+      </p:grpSp>
+      <p:sp>
+        <p:nvSpPr>
+          <p:cNvPr id="22" name="TextBox 21">
+            <a:extLst>
+              <a:ext uri="{FF2B5EF4-FFF2-40B4-BE49-F238E27FC236}">
+                <a16:creationId xmlns:a16="http://schemas.microsoft.com/office/drawing/2014/main" id="{C05FCC3E-B5E9-D44C-9CC2-BE530D083DCC}"/>
+              </a:ext>
+            </a:extLst>
+          </p:cNvPr>
+          <p:cNvSpPr txBox="1"/>
+          <p:nvPr/>
+        </p:nvSpPr>
+        <p:spPr>
+          <a:xfrm>
+            <a:off x="7191200" y="237174"/>
+            <a:ext cx="1424826" cy="369460"/>
+          </a:xfrm>
+          <a:prstGeom prst="rect">
+            <a:avLst/>
+          </a:prstGeom>
+          <a:noFill/>
+        </p:spPr>
+        <p:txBody>
+          <a:bodyPr wrap="square" rtlCol="0">
+            <a:spAutoFit/>
+          </a:bodyPr>
+          <a:lstStyle/>
+          <a:p>
+            <a:r>
+              <a:rPr lang="en-US" sz="1801" dirty="0">
+                <a:solidFill>
+                  <a:schemeClr val="bg1"/>
+                </a:solidFill>
+              </a:rPr>
+              <a:t>Worker Node</a:t>
+            </a:r>
+          </a:p>
+        </p:txBody>
+      </p:sp>
+      <p:grpSp>
+        <p:nvGrpSpPr>
+          <p:cNvPr id="3" name="Group 2">
+            <a:extLst>
+              <a:ext uri="{FF2B5EF4-FFF2-40B4-BE49-F238E27FC236}">
+                <a16:creationId xmlns:a16="http://schemas.microsoft.com/office/drawing/2014/main" id="{7059DFC5-42BA-C14C-94AD-585E0C60C964}"/>
+              </a:ext>
+            </a:extLst>
+          </p:cNvPr>
+          <p:cNvGrpSpPr>
+            <a:grpSpLocks noChangeAspect="1"/>
+          </p:cNvGrpSpPr>
+          <p:nvPr/>
+        </p:nvGrpSpPr>
+        <p:grpSpPr>
+          <a:xfrm>
+            <a:off x="7119473" y="4030452"/>
+            <a:ext cx="1568279" cy="1971002"/>
+            <a:chOff x="4877344" y="237174"/>
+            <a:chExt cx="2612414" cy="3774757"/>
+          </a:xfrm>
+        </p:grpSpPr>
+        <p:sp>
+          <p:nvSpPr>
+            <p:cNvPr id="14" name="TextBox 13">
+              <a:extLst>
+                <a:ext uri="{FF2B5EF4-FFF2-40B4-BE49-F238E27FC236}">
+                  <a16:creationId xmlns:a16="http://schemas.microsoft.com/office/drawing/2014/main" id="{049919AC-C039-F647-9106-E922B1CE298E}"/>
+                </a:ext>
+              </a:extLst>
+            </p:cNvPr>
+            <p:cNvSpPr txBox="1"/>
+            <p:nvPr/>
+          </p:nvSpPr>
+          <p:spPr>
+            <a:xfrm>
+              <a:off x="5395589" y="237174"/>
+              <a:ext cx="1424826" cy="424767"/>
+            </a:xfrm>
+            <a:prstGeom prst="rect">
+              <a:avLst/>
+            </a:prstGeom>
+            <a:noFill/>
+          </p:spPr>
+          <p:txBody>
+            <a:bodyPr wrap="none" rtlCol="0">
+              <a:normAutofit fontScale="55000" lnSpcReduction="20000"/>
+            </a:bodyPr>
+            <a:lstStyle/>
+            <a:p>
+              <a:r>
+                <a:rPr lang="en-US" sz="1801" dirty="0">
+                  <a:solidFill>
+                    <a:schemeClr val="bg1"/>
+                  </a:solidFill>
+                </a:rPr>
+                <a:t>Worker Node</a:t>
+              </a:r>
+            </a:p>
+          </p:txBody>
+        </p:sp>
+        <p:sp>
+          <p:nvSpPr>
+            <p:cNvPr id="33" name="Rounded Rectangle 32">
+              <a:extLst>
+                <a:ext uri="{FF2B5EF4-FFF2-40B4-BE49-F238E27FC236}">
+                  <a16:creationId xmlns:a16="http://schemas.microsoft.com/office/drawing/2014/main" id="{BCD6DA34-4C1B-264E-AF03-B9B2C9E59659}"/>
+                </a:ext>
+              </a:extLst>
+            </p:cNvPr>
+            <p:cNvSpPr/>
+            <p:nvPr/>
+          </p:nvSpPr>
+          <p:spPr>
+            <a:xfrm>
+              <a:off x="4877344" y="237174"/>
+              <a:ext cx="2612414" cy="3774757"/>
+            </a:xfrm>
+            <a:prstGeom prst="roundRect">
+              <a:avLst/>
+            </a:prstGeom>
+          </p:spPr>
+          <p:style>
+            <a:lnRef idx="2">
+              <a:schemeClr val="accent1">
+                <a:shade val="50000"/>
+              </a:schemeClr>
+            </a:lnRef>
+            <a:fillRef idx="1">
+              <a:schemeClr val="accent1"/>
+            </a:fillRef>
+            <a:effectRef idx="0">
+              <a:schemeClr val="accent1"/>
+            </a:effectRef>
+            <a:fontRef idx="minor">
+              <a:schemeClr val="lt1"/>
+            </a:fontRef>
+          </p:style>
+          <p:txBody>
+            <a:bodyPr rot="0" spcFirstLastPara="0" vertOverflow="overflow" horzOverflow="overflow" vert="horz" wrap="none" lIns="91440" tIns="45721" rIns="91440" bIns="45721" numCol="1" spcCol="0" rtlCol="0" fromWordArt="0" anchor="ctr" anchorCtr="0" forceAA="0" compatLnSpc="1">
+              <a:prstTxWarp prst="textNoShape">
+                <a:avLst/>
+              </a:prstTxWarp>
+              <a:normAutofit/>
+            </a:bodyPr>
+            <a:lstStyle/>
+            <a:p>
+              <a:pPr algn="ctr"/>
+              <a:endParaRPr lang="en-US" sz="1801" dirty="0"/>
+            </a:p>
+          </p:txBody>
+        </p:sp>
+        <p:sp>
+          <p:nvSpPr>
+            <p:cNvPr id="34" name="TextBox 33">
+              <a:extLst>
+                <a:ext uri="{FF2B5EF4-FFF2-40B4-BE49-F238E27FC236}">
+                  <a16:creationId xmlns:a16="http://schemas.microsoft.com/office/drawing/2014/main" id="{E71FCEF6-6F23-AC47-A32B-08C5DDF8D977}"/>
+                </a:ext>
+              </a:extLst>
+            </p:cNvPr>
+            <p:cNvSpPr txBox="1"/>
+            <p:nvPr/>
+          </p:nvSpPr>
+          <p:spPr>
+            <a:xfrm>
+              <a:off x="5531802" y="254941"/>
+              <a:ext cx="1303489" cy="389234"/>
+            </a:xfrm>
+            <a:prstGeom prst="rect">
+              <a:avLst/>
+            </a:prstGeom>
+            <a:noFill/>
+          </p:spPr>
+          <p:txBody>
+            <a:bodyPr wrap="none" rtlCol="0">
+              <a:normAutofit fontScale="47500" lnSpcReduction="20000"/>
+            </a:bodyPr>
+            <a:lstStyle/>
+            <a:p>
+              <a:r>
+                <a:rPr lang="en-US" sz="1600" dirty="0">
+                  <a:solidFill>
+                    <a:schemeClr val="bg1"/>
+                  </a:solidFill>
+                </a:rPr>
+                <a:t>Master Node</a:t>
+              </a:r>
+            </a:p>
+          </p:txBody>
+        </p:sp>
+        <p:sp>
+          <p:nvSpPr>
+            <p:cNvPr id="35" name="Rounded Rectangle 34">
+              <a:extLst>
+                <a:ext uri="{FF2B5EF4-FFF2-40B4-BE49-F238E27FC236}">
+                  <a16:creationId xmlns:a16="http://schemas.microsoft.com/office/drawing/2014/main" id="{E9EF6D6D-8A31-D642-87AA-3FF62973FE06}"/>
+                </a:ext>
+              </a:extLst>
+            </p:cNvPr>
+            <p:cNvSpPr/>
+            <p:nvPr/>
+          </p:nvSpPr>
+          <p:spPr>
+            <a:xfrm>
+              <a:off x="4964895" y="577200"/>
+              <a:ext cx="2440135" cy="3011822"/>
+            </a:xfrm>
+            <a:prstGeom prst="roundRect">
+              <a:avLst/>
+            </a:prstGeom>
+          </p:spPr>
+          <p:style>
+            <a:lnRef idx="2">
+              <a:schemeClr val="accent5">
+                <a:shade val="50000"/>
+              </a:schemeClr>
+            </a:lnRef>
+            <a:fillRef idx="1">
+              <a:schemeClr val="accent5"/>
+            </a:fillRef>
+            <a:effectRef idx="0">
+              <a:schemeClr val="accent5"/>
+            </a:effectRef>
+            <a:fontRef idx="minor">
+              <a:schemeClr val="lt1"/>
+            </a:fontRef>
+          </p:style>
+          <p:txBody>
+            <a:bodyPr rot="0" spcFirstLastPara="0" vertOverflow="overflow" horzOverflow="overflow" vert="horz" wrap="none" lIns="91440" tIns="45721" rIns="91440" bIns="45721" numCol="1" spcCol="0" rtlCol="0" fromWordArt="0" anchor="ctr" anchorCtr="0" forceAA="0" compatLnSpc="1">
+              <a:prstTxWarp prst="textNoShape">
+                <a:avLst/>
+              </a:prstTxWarp>
+              <a:normAutofit/>
+            </a:bodyPr>
+            <a:lstStyle/>
+            <a:p>
+              <a:pPr algn="ctr"/>
+              <a:endParaRPr lang="en-US" sz="1801"/>
+            </a:p>
+          </p:txBody>
+        </p:sp>
+        <p:sp>
+          <p:nvSpPr>
+            <p:cNvPr id="36" name="TextBox 35">
+              <a:extLst>
+                <a:ext uri="{FF2B5EF4-FFF2-40B4-BE49-F238E27FC236}">
+                  <a16:creationId xmlns:a16="http://schemas.microsoft.com/office/drawing/2014/main" id="{A0FE036D-2E07-E14B-84E9-18199FED85CF}"/>
+                </a:ext>
+              </a:extLst>
+            </p:cNvPr>
+            <p:cNvSpPr txBox="1"/>
+            <p:nvPr/>
+          </p:nvSpPr>
+          <p:spPr>
+            <a:xfrm>
+              <a:off x="5427086" y="576316"/>
+              <a:ext cx="1620783" cy="353998"/>
+            </a:xfrm>
+            <a:prstGeom prst="rect">
+              <a:avLst/>
+            </a:prstGeom>
+            <a:noFill/>
+          </p:spPr>
+          <p:txBody>
+            <a:bodyPr wrap="none" rtlCol="0">
+              <a:normAutofit fontScale="47500" lnSpcReduction="20000"/>
+            </a:bodyPr>
+            <a:lstStyle/>
+            <a:p>
+              <a:r>
+                <a:rPr lang="en-US" sz="1401" dirty="0"/>
+                <a:t>Container Runtime</a:t>
+              </a:r>
+            </a:p>
+          </p:txBody>
+        </p:sp>
+        <p:sp>
+          <p:nvSpPr>
+            <p:cNvPr id="37" name="Rounded Rectangle 36">
+              <a:extLst>
+                <a:ext uri="{FF2B5EF4-FFF2-40B4-BE49-F238E27FC236}">
+                  <a16:creationId xmlns:a16="http://schemas.microsoft.com/office/drawing/2014/main" id="{E6D67B39-C250-BA47-B6B3-DBD063E62BC3}"/>
+                </a:ext>
+              </a:extLst>
+            </p:cNvPr>
+            <p:cNvSpPr/>
+            <p:nvPr/>
+          </p:nvSpPr>
+          <p:spPr>
+            <a:xfrm>
+              <a:off x="5166277" y="888892"/>
+              <a:ext cx="2034540" cy="311691"/>
+            </a:xfrm>
+            <a:prstGeom prst="roundRect">
+              <a:avLst/>
+            </a:prstGeom>
+          </p:spPr>
+          <p:style>
+            <a:lnRef idx="3">
+              <a:schemeClr val="lt1"/>
+            </a:lnRef>
+            <a:fillRef idx="1">
+              <a:schemeClr val="accent2"/>
+            </a:fillRef>
+            <a:effectRef idx="1">
+              <a:schemeClr val="accent2"/>
+            </a:effectRef>
+            <a:fontRef idx="minor">
+              <a:schemeClr val="lt1"/>
+            </a:fontRef>
+          </p:style>
+          <p:txBody>
+            <a:bodyPr rot="0" spcFirstLastPara="0" vertOverflow="overflow" horzOverflow="overflow" vert="horz" wrap="none" lIns="91440" tIns="45721" rIns="91440" bIns="45721" numCol="1" spcCol="0" rtlCol="0" fromWordArt="0" anchor="ctr" anchorCtr="0" forceAA="0" compatLnSpc="1">
+              <a:prstTxWarp prst="textNoShape">
+                <a:avLst/>
+              </a:prstTxWarp>
+              <a:noAutofit/>
+            </a:bodyPr>
+            <a:lstStyle/>
+            <a:p>
+              <a:pPr algn="ctr"/>
+              <a:r>
+                <a:rPr lang="en-US" sz="800" dirty="0" err="1"/>
+                <a:t>kube-apiserver</a:t>
+              </a:r>
+              <a:endParaRPr lang="en-US" sz="800" dirty="0"/>
+            </a:p>
+          </p:txBody>
+        </p:sp>
+        <p:sp>
+          <p:nvSpPr>
+            <p:cNvPr id="38" name="Rounded Rectangle 37">
+              <a:extLst>
+                <a:ext uri="{FF2B5EF4-FFF2-40B4-BE49-F238E27FC236}">
+                  <a16:creationId xmlns:a16="http://schemas.microsoft.com/office/drawing/2014/main" id="{81D035CD-C501-B349-ADF3-41823A23309F}"/>
+                </a:ext>
+              </a:extLst>
+            </p:cNvPr>
+            <p:cNvSpPr/>
+            <p:nvPr/>
+          </p:nvSpPr>
+          <p:spPr>
+            <a:xfrm>
+              <a:off x="5166277" y="1322526"/>
+              <a:ext cx="2034540" cy="311691"/>
+            </a:xfrm>
+            <a:prstGeom prst="roundRect">
+              <a:avLst/>
+            </a:prstGeom>
+          </p:spPr>
+          <p:style>
+            <a:lnRef idx="3">
+              <a:schemeClr val="lt1"/>
+            </a:lnRef>
+            <a:fillRef idx="1">
+              <a:schemeClr val="accent2"/>
+            </a:fillRef>
+            <a:effectRef idx="1">
+              <a:schemeClr val="accent2"/>
+            </a:effectRef>
+            <a:fontRef idx="minor">
+              <a:schemeClr val="lt1"/>
+            </a:fontRef>
+          </p:style>
+          <p:txBody>
+            <a:bodyPr rot="0" spcFirstLastPara="0" vertOverflow="overflow" horzOverflow="overflow" vert="horz" wrap="none" lIns="91440" tIns="45721" rIns="91440" bIns="45721" numCol="1" spcCol="0" rtlCol="0" fromWordArt="0" anchor="ctr" anchorCtr="0" forceAA="0" compatLnSpc="1">
+              <a:prstTxWarp prst="textNoShape">
+                <a:avLst/>
+              </a:prstTxWarp>
+              <a:noAutofit/>
+            </a:bodyPr>
+            <a:lstStyle/>
+            <a:p>
+              <a:pPr algn="ctr"/>
+              <a:r>
+                <a:rPr lang="en-US" sz="800" dirty="0" err="1"/>
+                <a:t>Kube</a:t>
+              </a:r>
+              <a:r>
+                <a:rPr lang="en-US" sz="800" dirty="0"/>
+                <a:t>-scheduler</a:t>
+              </a:r>
+            </a:p>
+          </p:txBody>
+        </p:sp>
+        <p:sp>
+          <p:nvSpPr>
+            <p:cNvPr id="39" name="Rounded Rectangle 38">
+              <a:extLst>
+                <a:ext uri="{FF2B5EF4-FFF2-40B4-BE49-F238E27FC236}">
+                  <a16:creationId xmlns:a16="http://schemas.microsoft.com/office/drawing/2014/main" id="{ECE40275-D3AD-F34E-A55D-BB3679B35729}"/>
+                </a:ext>
+              </a:extLst>
+            </p:cNvPr>
+            <p:cNvSpPr/>
+            <p:nvPr/>
+          </p:nvSpPr>
+          <p:spPr>
+            <a:xfrm>
+              <a:off x="5291090" y="3693804"/>
+              <a:ext cx="1784914" cy="235243"/>
+            </a:xfrm>
+            <a:prstGeom prst="roundRect">
+              <a:avLst/>
+            </a:prstGeom>
+          </p:spPr>
+          <p:style>
+            <a:lnRef idx="2">
+              <a:schemeClr val="accent4">
+                <a:shade val="50000"/>
+              </a:schemeClr>
+            </a:lnRef>
+            <a:fillRef idx="1">
+              <a:schemeClr val="accent4"/>
+            </a:fillRef>
+            <a:effectRef idx="0">
+              <a:schemeClr val="accent4"/>
+            </a:effectRef>
+            <a:fontRef idx="minor">
+              <a:schemeClr val="lt1"/>
+            </a:fontRef>
+          </p:style>
+          <p:txBody>
+            <a:bodyPr rot="0" spcFirstLastPara="0" vertOverflow="overflow" horzOverflow="overflow" vert="horz" wrap="none" lIns="91440" tIns="45721" rIns="91440" bIns="45721" numCol="1" spcCol="0" rtlCol="0" fromWordArt="0" anchor="ctr" anchorCtr="0" forceAA="0" compatLnSpc="1">
+              <a:prstTxWarp prst="textNoShape">
+                <a:avLst/>
+              </a:prstTxWarp>
+              <a:noAutofit/>
+            </a:bodyPr>
+            <a:lstStyle/>
+            <a:p>
+              <a:pPr algn="ctr"/>
+              <a:r>
+                <a:rPr lang="en-US" sz="800" dirty="0">
+                  <a:ln w="0"/>
+                  <a:solidFill>
+                    <a:schemeClr val="tx1"/>
+                  </a:solidFill>
+                  <a:effectLst>
+                    <a:outerShdw blurRad="38100" dist="19050" dir="2700000" algn="tl" rotWithShape="0">
+                      <a:schemeClr val="dk1">
+                        <a:alpha val="40000"/>
+                      </a:schemeClr>
+                    </a:outerShdw>
+                  </a:effectLst>
+                </a:rPr>
+                <a:t>kubelet</a:t>
+              </a:r>
+            </a:p>
+          </p:txBody>
+        </p:sp>
+        <p:sp>
+          <p:nvSpPr>
+            <p:cNvPr id="40" name="Rounded Rectangle 39">
+              <a:extLst>
+                <a:ext uri="{FF2B5EF4-FFF2-40B4-BE49-F238E27FC236}">
+                  <a16:creationId xmlns:a16="http://schemas.microsoft.com/office/drawing/2014/main" id="{4C3CBD63-81CE-0645-81A4-B6EF97FC0225}"/>
+                </a:ext>
+              </a:extLst>
+            </p:cNvPr>
+            <p:cNvSpPr/>
+            <p:nvPr/>
+          </p:nvSpPr>
+          <p:spPr>
+            <a:xfrm>
+              <a:off x="5166277" y="1755886"/>
+              <a:ext cx="2034540" cy="311691"/>
+            </a:xfrm>
+            <a:prstGeom prst="roundRect">
+              <a:avLst/>
+            </a:prstGeom>
+          </p:spPr>
+          <p:style>
+            <a:lnRef idx="3">
+              <a:schemeClr val="lt1"/>
+            </a:lnRef>
+            <a:fillRef idx="1">
+              <a:schemeClr val="accent2"/>
+            </a:fillRef>
+            <a:effectRef idx="1">
+              <a:schemeClr val="accent2"/>
+            </a:effectRef>
+            <a:fontRef idx="minor">
+              <a:schemeClr val="lt1"/>
+            </a:fontRef>
+          </p:style>
+          <p:txBody>
+            <a:bodyPr rot="0" spcFirstLastPara="0" vertOverflow="overflow" horzOverflow="overflow" vert="horz" wrap="none" lIns="91440" tIns="45721" rIns="91440" bIns="45721" numCol="1" spcCol="0" rtlCol="0" fromWordArt="0" anchor="ctr" anchorCtr="0" forceAA="0" compatLnSpc="1">
+              <a:prstTxWarp prst="textNoShape">
+                <a:avLst/>
+              </a:prstTxWarp>
+              <a:noAutofit/>
+            </a:bodyPr>
+            <a:lstStyle/>
+            <a:p>
+              <a:pPr algn="ctr"/>
+              <a:r>
+                <a:rPr lang="en-US" sz="800" dirty="0" err="1"/>
+                <a:t>kube</a:t>
+              </a:r>
+              <a:r>
+                <a:rPr lang="en-US" sz="800" dirty="0"/>
+                <a:t>-controller-manager</a:t>
+              </a:r>
+            </a:p>
+          </p:txBody>
+        </p:sp>
+        <p:sp>
+          <p:nvSpPr>
+            <p:cNvPr id="41" name="Rounded Rectangle 40">
+              <a:extLst>
+                <a:ext uri="{FF2B5EF4-FFF2-40B4-BE49-F238E27FC236}">
+                  <a16:creationId xmlns:a16="http://schemas.microsoft.com/office/drawing/2014/main" id="{CF340ADA-BC69-C84F-9B29-E0FDD42D9C04}"/>
+                </a:ext>
+              </a:extLst>
+            </p:cNvPr>
+            <p:cNvSpPr/>
+            <p:nvPr/>
+          </p:nvSpPr>
+          <p:spPr>
+            <a:xfrm>
+              <a:off x="5166277" y="2192742"/>
+              <a:ext cx="2034540" cy="311691"/>
+            </a:xfrm>
+            <a:prstGeom prst="roundRect">
+              <a:avLst/>
+            </a:prstGeom>
+          </p:spPr>
+          <p:style>
+            <a:lnRef idx="3">
+              <a:schemeClr val="lt1"/>
+            </a:lnRef>
+            <a:fillRef idx="1">
+              <a:schemeClr val="accent2"/>
+            </a:fillRef>
+            <a:effectRef idx="1">
+              <a:schemeClr val="accent2"/>
+            </a:effectRef>
+            <a:fontRef idx="minor">
+              <a:schemeClr val="lt1"/>
+            </a:fontRef>
+          </p:style>
+          <p:txBody>
+            <a:bodyPr rot="0" spcFirstLastPara="0" vertOverflow="overflow" horzOverflow="overflow" vert="horz" wrap="none" lIns="91440" tIns="45721" rIns="91440" bIns="45721" numCol="1" spcCol="0" rtlCol="0" fromWordArt="0" anchor="ctr" anchorCtr="0" forceAA="0" compatLnSpc="1">
+              <a:prstTxWarp prst="textNoShape">
+                <a:avLst/>
+              </a:prstTxWarp>
+              <a:noAutofit/>
+            </a:bodyPr>
+            <a:lstStyle/>
+            <a:p>
+              <a:pPr algn="ctr"/>
+              <a:r>
+                <a:rPr lang="en-US" sz="800" dirty="0" err="1"/>
+                <a:t>kube</a:t>
+              </a:r>
+              <a:r>
+                <a:rPr lang="en-US" sz="800" dirty="0"/>
+                <a:t>-proxy</a:t>
+              </a:r>
+            </a:p>
+          </p:txBody>
+        </p:sp>
+        <p:sp>
+          <p:nvSpPr>
+            <p:cNvPr id="42" name="Rounded Rectangle 41">
+              <a:extLst>
+                <a:ext uri="{FF2B5EF4-FFF2-40B4-BE49-F238E27FC236}">
+                  <a16:creationId xmlns:a16="http://schemas.microsoft.com/office/drawing/2014/main" id="{E1B6C602-73B8-9246-990F-12A90BF6FFEA}"/>
+                </a:ext>
+              </a:extLst>
+            </p:cNvPr>
+            <p:cNvSpPr/>
+            <p:nvPr/>
+          </p:nvSpPr>
+          <p:spPr>
+            <a:xfrm>
+              <a:off x="5166277" y="2625663"/>
+              <a:ext cx="2034540" cy="353588"/>
+            </a:xfrm>
+            <a:prstGeom prst="roundRect">
+              <a:avLst/>
+            </a:prstGeom>
+          </p:spPr>
+          <p:style>
+            <a:lnRef idx="3">
+              <a:schemeClr val="lt1"/>
+            </a:lnRef>
+            <a:fillRef idx="1">
+              <a:schemeClr val="accent2"/>
+            </a:fillRef>
+            <a:effectRef idx="1">
+              <a:schemeClr val="accent2"/>
+            </a:effectRef>
+            <a:fontRef idx="minor">
+              <a:schemeClr val="lt1"/>
+            </a:fontRef>
+          </p:style>
+          <p:txBody>
+            <a:bodyPr rot="0" spcFirstLastPara="0" vertOverflow="overflow" horzOverflow="overflow" vert="horz" wrap="none" lIns="91440" tIns="45721" rIns="91440" bIns="45721" numCol="1" spcCol="0" rtlCol="0" fromWordArt="0" anchor="ctr" anchorCtr="0" forceAA="0" compatLnSpc="1">
+              <a:prstTxWarp prst="textNoShape">
+                <a:avLst/>
+              </a:prstTxWarp>
+              <a:noAutofit/>
+            </a:bodyPr>
+            <a:lstStyle/>
+            <a:p>
+              <a:pPr algn="ctr"/>
+              <a:r>
+                <a:rPr lang="en-US" sz="800" dirty="0" err="1"/>
+                <a:t>cni</a:t>
+              </a:r>
+              <a:r>
+                <a:rPr lang="en-US" sz="800" dirty="0"/>
+                <a:t>-plugins</a:t>
+              </a:r>
+            </a:p>
+          </p:txBody>
+        </p:sp>
+        <p:sp>
+          <p:nvSpPr>
+            <p:cNvPr id="43" name="Rounded Rectangle 42">
+              <a:extLst>
+                <a:ext uri="{FF2B5EF4-FFF2-40B4-BE49-F238E27FC236}">
+                  <a16:creationId xmlns:a16="http://schemas.microsoft.com/office/drawing/2014/main" id="{D3120AA9-BB1F-3C4E-81F5-D30D1DAEBF50}"/>
+                </a:ext>
+              </a:extLst>
+            </p:cNvPr>
+            <p:cNvSpPr/>
+            <p:nvPr/>
+          </p:nvSpPr>
+          <p:spPr>
+            <a:xfrm>
+              <a:off x="5166279" y="3100484"/>
+              <a:ext cx="2034539" cy="311691"/>
+            </a:xfrm>
+            <a:prstGeom prst="roundRect">
+              <a:avLst/>
+            </a:prstGeom>
+          </p:spPr>
+          <p:style>
+            <a:lnRef idx="3">
+              <a:schemeClr val="lt1"/>
+            </a:lnRef>
+            <a:fillRef idx="1">
+              <a:schemeClr val="accent2"/>
+            </a:fillRef>
+            <a:effectRef idx="1">
+              <a:schemeClr val="accent2"/>
+            </a:effectRef>
+            <a:fontRef idx="minor">
+              <a:schemeClr val="lt1"/>
+            </a:fontRef>
+          </p:style>
+          <p:txBody>
+            <a:bodyPr rot="0" spcFirstLastPara="0" vertOverflow="overflow" horzOverflow="overflow" vert="horz" wrap="none" lIns="91440" tIns="45721" rIns="91440" bIns="45721" numCol="1" spcCol="0" rtlCol="0" fromWordArt="0" anchor="ctr" anchorCtr="0" forceAA="0" compatLnSpc="1">
+              <a:prstTxWarp prst="textNoShape">
+                <a:avLst/>
+              </a:prstTxWarp>
+              <a:noAutofit/>
+            </a:bodyPr>
+            <a:lstStyle/>
+            <a:p>
+              <a:pPr algn="ctr"/>
+              <a:r>
+                <a:rPr lang="en-US" sz="800" dirty="0" err="1"/>
+                <a:t>dns</a:t>
+              </a:r>
+              <a:r>
+                <a:rPr lang="en-US" sz="800" dirty="0"/>
+                <a:t>-cluster add-on</a:t>
+              </a:r>
+            </a:p>
+          </p:txBody>
+        </p:sp>
+      </p:grpSp>
+      <p:grpSp>
+        <p:nvGrpSpPr>
+          <p:cNvPr id="12" name="Group 11">
+            <a:extLst>
+              <a:ext uri="{FF2B5EF4-FFF2-40B4-BE49-F238E27FC236}">
+                <a16:creationId xmlns:a16="http://schemas.microsoft.com/office/drawing/2014/main" id="{69157E11-6776-ED4E-8AC7-7054DA351211}"/>
+              </a:ext>
+            </a:extLst>
+          </p:cNvPr>
+          <p:cNvGrpSpPr>
+            <a:grpSpLocks noChangeAspect="1"/>
+          </p:cNvGrpSpPr>
+          <p:nvPr/>
+        </p:nvGrpSpPr>
+        <p:grpSpPr>
+          <a:xfrm>
+            <a:off x="5552025" y="2560907"/>
+            <a:ext cx="1567448" cy="452623"/>
+            <a:chOff x="4877344" y="5173444"/>
+            <a:chExt cx="2612414" cy="754380"/>
+          </a:xfrm>
+        </p:grpSpPr>
+        <p:sp>
+          <p:nvSpPr>
+            <p:cNvPr id="49" name="Rounded Rectangle 48">
+              <a:extLst>
+                <a:ext uri="{FF2B5EF4-FFF2-40B4-BE49-F238E27FC236}">
+                  <a16:creationId xmlns:a16="http://schemas.microsoft.com/office/drawing/2014/main" id="{053B0C7C-3673-1746-A874-B2555517A267}"/>
+                </a:ext>
+              </a:extLst>
+            </p:cNvPr>
+            <p:cNvSpPr/>
+            <p:nvPr/>
+          </p:nvSpPr>
+          <p:spPr>
+            <a:xfrm>
+              <a:off x="4877344" y="5173444"/>
+              <a:ext cx="2612414" cy="754380"/>
+            </a:xfrm>
+            <a:prstGeom prst="roundRect">
+              <a:avLst/>
+            </a:prstGeom>
+          </p:spPr>
+          <p:style>
+            <a:lnRef idx="1">
+              <a:schemeClr val="accent2"/>
+            </a:lnRef>
+            <a:fillRef idx="2">
+              <a:schemeClr val="accent2"/>
+            </a:fillRef>
+            <a:effectRef idx="1">
+              <a:schemeClr val="accent2"/>
+            </a:effectRef>
+            <a:fontRef idx="minor">
+              <a:schemeClr val="dk1"/>
+            </a:fontRef>
+          </p:style>
+          <p:txBody>
+            <a:bodyPr rot="0" spcFirstLastPara="0" vertOverflow="overflow" horzOverflow="overflow" vert="horz" wrap="square" lIns="91440" tIns="45721" rIns="91440" bIns="45721" numCol="1" spcCol="0" rtlCol="0" fromWordArt="0" anchor="ctr" anchorCtr="0" forceAA="0" compatLnSpc="1">
+              <a:prstTxWarp prst="textNoShape">
+                <a:avLst/>
+              </a:prstTxWarp>
+              <a:normAutofit/>
+            </a:bodyPr>
+            <a:lstStyle/>
+            <a:p>
+              <a:pPr algn="ctr"/>
+              <a:endParaRPr lang="en-US" sz="1801"/>
+            </a:p>
+          </p:txBody>
+        </p:sp>
+        <p:sp>
+          <p:nvSpPr>
+            <p:cNvPr id="50" name="TextBox 49">
+              <a:extLst>
+                <a:ext uri="{FF2B5EF4-FFF2-40B4-BE49-F238E27FC236}">
+                  <a16:creationId xmlns:a16="http://schemas.microsoft.com/office/drawing/2014/main" id="{DEBB9979-7E38-CA47-BB93-9F0C88E161A1}"/>
+                </a:ext>
+              </a:extLst>
+            </p:cNvPr>
+            <p:cNvSpPr txBox="1"/>
+            <p:nvPr/>
+          </p:nvSpPr>
+          <p:spPr>
+            <a:xfrm>
+              <a:off x="5599408" y="5173445"/>
+              <a:ext cx="1168278" cy="338554"/>
+            </a:xfrm>
+            <a:prstGeom prst="rect">
+              <a:avLst/>
+            </a:prstGeom>
+            <a:noFill/>
+          </p:spPr>
+          <p:txBody>
+            <a:bodyPr wrap="square" rtlCol="0">
+              <a:normAutofit fontScale="47500" lnSpcReduction="20000"/>
+            </a:bodyPr>
+            <a:lstStyle/>
+            <a:p>
+              <a:r>
+                <a:rPr lang="en-US" sz="1600" dirty="0"/>
+                <a:t>Proxy Node</a:t>
+              </a:r>
+            </a:p>
+          </p:txBody>
+        </p:sp>
+        <p:sp>
+          <p:nvSpPr>
+            <p:cNvPr id="51" name="Rounded Rectangle 50">
+              <a:extLst>
+                <a:ext uri="{FF2B5EF4-FFF2-40B4-BE49-F238E27FC236}">
+                  <a16:creationId xmlns:a16="http://schemas.microsoft.com/office/drawing/2014/main" id="{DB757ADA-8E19-F240-B4A8-7D119934EC62}"/>
+                </a:ext>
+              </a:extLst>
+            </p:cNvPr>
+            <p:cNvSpPr/>
+            <p:nvPr/>
+          </p:nvSpPr>
+          <p:spPr>
+            <a:xfrm>
+              <a:off x="5291090" y="5550634"/>
+              <a:ext cx="1784914" cy="278666"/>
+            </a:xfrm>
+            <a:prstGeom prst="roundRect">
+              <a:avLst/>
+            </a:prstGeom>
+          </p:spPr>
+          <p:style>
+            <a:lnRef idx="2">
+              <a:schemeClr val="accent1">
+                <a:shade val="50000"/>
+              </a:schemeClr>
+            </a:lnRef>
+            <a:fillRef idx="1">
+              <a:schemeClr val="accent1"/>
+            </a:fillRef>
+            <a:effectRef idx="0">
+              <a:schemeClr val="accent1"/>
+            </a:effectRef>
+            <a:fontRef idx="minor">
+              <a:schemeClr val="lt1"/>
+            </a:fontRef>
+          </p:style>
+          <p:txBody>
+            <a:bodyPr rot="0" spcFirstLastPara="0" vertOverflow="overflow" horzOverflow="overflow" vert="horz" wrap="square" lIns="91440" tIns="45721" rIns="91440" bIns="45721" numCol="1" spcCol="0" rtlCol="0" fromWordArt="0" anchor="ctr" anchorCtr="0" forceAA="0" compatLnSpc="1">
+              <a:prstTxWarp prst="textNoShape">
+                <a:avLst/>
+              </a:prstTxWarp>
+              <a:noAutofit/>
+            </a:bodyPr>
+            <a:lstStyle/>
+            <a:p>
+              <a:pPr algn="ctr"/>
+              <a:r>
+                <a:rPr lang="en-US" sz="800" dirty="0" err="1"/>
+                <a:t>HAProxy</a:t>
+              </a:r>
+              <a:endParaRPr lang="en-US" sz="800" dirty="0"/>
+            </a:p>
+          </p:txBody>
+        </p:sp>
+      </p:grpSp>
+      <p:grpSp>
+        <p:nvGrpSpPr>
+          <p:cNvPr id="32" name="Group 31">
+            <a:extLst>
+              <a:ext uri="{FF2B5EF4-FFF2-40B4-BE49-F238E27FC236}">
+                <a16:creationId xmlns:a16="http://schemas.microsoft.com/office/drawing/2014/main" id="{D91DB83E-B173-904A-95A2-35E7F3BB5329}"/>
+              </a:ext>
+            </a:extLst>
+          </p:cNvPr>
+          <p:cNvGrpSpPr>
+            <a:grpSpLocks noChangeAspect="1"/>
+          </p:cNvGrpSpPr>
+          <p:nvPr/>
+        </p:nvGrpSpPr>
+        <p:grpSpPr>
+          <a:xfrm>
+            <a:off x="3417472" y="2560907"/>
+            <a:ext cx="1567448" cy="452623"/>
+            <a:chOff x="4877344" y="5173444"/>
+            <a:chExt cx="2612414" cy="754380"/>
+          </a:xfrm>
+        </p:grpSpPr>
+        <p:sp>
+          <p:nvSpPr>
+            <p:cNvPr id="44" name="Rounded Rectangle 43">
+              <a:extLst>
+                <a:ext uri="{FF2B5EF4-FFF2-40B4-BE49-F238E27FC236}">
+                  <a16:creationId xmlns:a16="http://schemas.microsoft.com/office/drawing/2014/main" id="{D39A7296-5966-9A4F-B815-823B78D98922}"/>
+                </a:ext>
+              </a:extLst>
+            </p:cNvPr>
+            <p:cNvSpPr/>
+            <p:nvPr/>
+          </p:nvSpPr>
+          <p:spPr>
+            <a:xfrm>
+              <a:off x="4877344" y="5173444"/>
+              <a:ext cx="2612414" cy="754380"/>
+            </a:xfrm>
+            <a:prstGeom prst="roundRect">
+              <a:avLst/>
+            </a:prstGeom>
+          </p:spPr>
+          <p:style>
+            <a:lnRef idx="1">
+              <a:schemeClr val="accent2"/>
+            </a:lnRef>
+            <a:fillRef idx="2">
+              <a:schemeClr val="accent2"/>
+            </a:fillRef>
+            <a:effectRef idx="1">
+              <a:schemeClr val="accent2"/>
+            </a:effectRef>
+            <a:fontRef idx="minor">
+              <a:schemeClr val="dk1"/>
+            </a:fontRef>
+          </p:style>
+          <p:txBody>
+            <a:bodyPr rot="0" spcFirstLastPara="0" vertOverflow="overflow" horzOverflow="overflow" vert="horz" wrap="square" lIns="91440" tIns="45721" rIns="91440" bIns="45721" numCol="1" spcCol="0" rtlCol="0" fromWordArt="0" anchor="ctr" anchorCtr="0" forceAA="0" compatLnSpc="1">
+              <a:prstTxWarp prst="textNoShape">
+                <a:avLst/>
+              </a:prstTxWarp>
+              <a:normAutofit/>
+            </a:bodyPr>
+            <a:lstStyle/>
+            <a:p>
+              <a:pPr algn="ctr"/>
+              <a:endParaRPr lang="en-US" sz="1801"/>
+            </a:p>
+          </p:txBody>
+        </p:sp>
+        <p:sp>
+          <p:nvSpPr>
+            <p:cNvPr id="48" name="TextBox 47">
+              <a:extLst>
+                <a:ext uri="{FF2B5EF4-FFF2-40B4-BE49-F238E27FC236}">
+                  <a16:creationId xmlns:a16="http://schemas.microsoft.com/office/drawing/2014/main" id="{88A844E3-9DA9-2744-B731-32314CEAD49A}"/>
+                </a:ext>
+              </a:extLst>
+            </p:cNvPr>
+            <p:cNvSpPr txBox="1"/>
+            <p:nvPr/>
+          </p:nvSpPr>
+          <p:spPr>
+            <a:xfrm>
+              <a:off x="5599408" y="5173445"/>
+              <a:ext cx="1168278" cy="338554"/>
+            </a:xfrm>
+            <a:prstGeom prst="rect">
+              <a:avLst/>
+            </a:prstGeom>
+            <a:noFill/>
+          </p:spPr>
+          <p:txBody>
+            <a:bodyPr wrap="square" rtlCol="0">
+              <a:normAutofit fontScale="47500" lnSpcReduction="20000"/>
+            </a:bodyPr>
+            <a:lstStyle/>
+            <a:p>
+              <a:r>
+                <a:rPr lang="en-US" sz="1600" dirty="0"/>
+                <a:t>Proxy Node</a:t>
+              </a:r>
+            </a:p>
+          </p:txBody>
+        </p:sp>
+        <p:sp>
+          <p:nvSpPr>
+            <p:cNvPr id="52" name="Rounded Rectangle 51">
+              <a:extLst>
+                <a:ext uri="{FF2B5EF4-FFF2-40B4-BE49-F238E27FC236}">
+                  <a16:creationId xmlns:a16="http://schemas.microsoft.com/office/drawing/2014/main" id="{3E47C7B3-68DD-4F40-84E7-506791E9C9D5}"/>
+                </a:ext>
+              </a:extLst>
+            </p:cNvPr>
+            <p:cNvSpPr/>
+            <p:nvPr/>
+          </p:nvSpPr>
+          <p:spPr>
+            <a:xfrm>
+              <a:off x="5291090" y="5550634"/>
+              <a:ext cx="1784914" cy="278666"/>
+            </a:xfrm>
+            <a:prstGeom prst="roundRect">
+              <a:avLst/>
+            </a:prstGeom>
+          </p:spPr>
+          <p:style>
+            <a:lnRef idx="2">
+              <a:schemeClr val="accent1">
+                <a:shade val="50000"/>
+              </a:schemeClr>
+            </a:lnRef>
+            <a:fillRef idx="1">
+              <a:schemeClr val="accent1"/>
+            </a:fillRef>
+            <a:effectRef idx="0">
+              <a:schemeClr val="accent1"/>
+            </a:effectRef>
+            <a:fontRef idx="minor">
+              <a:schemeClr val="lt1"/>
+            </a:fontRef>
+          </p:style>
+          <p:txBody>
+            <a:bodyPr rot="0" spcFirstLastPara="0" vertOverflow="overflow" horzOverflow="overflow" vert="horz" wrap="square" lIns="91440" tIns="45721" rIns="91440" bIns="45721" numCol="1" spcCol="0" rtlCol="0" fromWordArt="0" anchor="ctr" anchorCtr="0" forceAA="0" compatLnSpc="1">
+              <a:prstTxWarp prst="textNoShape">
+                <a:avLst/>
+              </a:prstTxWarp>
+              <a:noAutofit/>
+            </a:bodyPr>
+            <a:lstStyle/>
+            <a:p>
+              <a:pPr algn="ctr"/>
+              <a:r>
+                <a:rPr lang="en-US" sz="800" dirty="0" err="1"/>
+                <a:t>HAProxy</a:t>
+              </a:r>
+              <a:endParaRPr lang="en-US" sz="800" dirty="0"/>
+            </a:p>
+          </p:txBody>
+        </p:sp>
+      </p:grpSp>
+      <p:grpSp>
+        <p:nvGrpSpPr>
+          <p:cNvPr id="53" name="Group 52">
+            <a:extLst>
+              <a:ext uri="{FF2B5EF4-FFF2-40B4-BE49-F238E27FC236}">
+                <a16:creationId xmlns:a16="http://schemas.microsoft.com/office/drawing/2014/main" id="{0927612F-3CC3-0145-9DE2-F806894D0ADC}"/>
+              </a:ext>
+            </a:extLst>
+          </p:cNvPr>
+          <p:cNvGrpSpPr>
+            <a:grpSpLocks noChangeAspect="1"/>
+          </p:cNvGrpSpPr>
+          <p:nvPr/>
+        </p:nvGrpSpPr>
+        <p:grpSpPr>
+          <a:xfrm>
+            <a:off x="1850614" y="4044488"/>
+            <a:ext cx="1568279" cy="1971002"/>
+            <a:chOff x="4877344" y="237174"/>
+            <a:chExt cx="2612414" cy="3774757"/>
+          </a:xfrm>
+        </p:grpSpPr>
+        <p:sp>
+          <p:nvSpPr>
+            <p:cNvPr id="54" name="TextBox 53">
+              <a:extLst>
+                <a:ext uri="{FF2B5EF4-FFF2-40B4-BE49-F238E27FC236}">
+                  <a16:creationId xmlns:a16="http://schemas.microsoft.com/office/drawing/2014/main" id="{82C4C4B0-4864-3948-A358-4AC018AE4906}"/>
+                </a:ext>
+              </a:extLst>
+            </p:cNvPr>
+            <p:cNvSpPr txBox="1"/>
+            <p:nvPr/>
+          </p:nvSpPr>
+          <p:spPr>
+            <a:xfrm>
+              <a:off x="5395589" y="237174"/>
+              <a:ext cx="1424826" cy="424767"/>
+            </a:xfrm>
+            <a:prstGeom prst="rect">
+              <a:avLst/>
+            </a:prstGeom>
+            <a:noFill/>
+          </p:spPr>
+          <p:txBody>
+            <a:bodyPr wrap="none" rtlCol="0">
+              <a:normAutofit fontScale="55000" lnSpcReduction="20000"/>
+            </a:bodyPr>
+            <a:lstStyle/>
+            <a:p>
+              <a:r>
+                <a:rPr lang="en-US" sz="1801" dirty="0">
+                  <a:solidFill>
+                    <a:schemeClr val="bg1"/>
+                  </a:solidFill>
+                </a:rPr>
+                <a:t>Worker Node</a:t>
+              </a:r>
+            </a:p>
+          </p:txBody>
+        </p:sp>
+        <p:sp>
+          <p:nvSpPr>
+            <p:cNvPr id="55" name="Rounded Rectangle 54">
+              <a:extLst>
+                <a:ext uri="{FF2B5EF4-FFF2-40B4-BE49-F238E27FC236}">
+                  <a16:creationId xmlns:a16="http://schemas.microsoft.com/office/drawing/2014/main" id="{5DBC2859-B9AF-634D-9CDF-21C8B3B5FDFA}"/>
+                </a:ext>
+              </a:extLst>
+            </p:cNvPr>
+            <p:cNvSpPr/>
+            <p:nvPr/>
+          </p:nvSpPr>
+          <p:spPr>
+            <a:xfrm>
+              <a:off x="4877344" y="237174"/>
+              <a:ext cx="2612414" cy="3774757"/>
+            </a:xfrm>
+            <a:prstGeom prst="roundRect">
+              <a:avLst/>
+            </a:prstGeom>
+          </p:spPr>
+          <p:style>
+            <a:lnRef idx="2">
+              <a:schemeClr val="accent1">
+                <a:shade val="50000"/>
+              </a:schemeClr>
+            </a:lnRef>
+            <a:fillRef idx="1">
+              <a:schemeClr val="accent1"/>
+            </a:fillRef>
+            <a:effectRef idx="0">
+              <a:schemeClr val="accent1"/>
+            </a:effectRef>
+            <a:fontRef idx="minor">
+              <a:schemeClr val="lt1"/>
+            </a:fontRef>
+          </p:style>
+          <p:txBody>
+            <a:bodyPr rot="0" spcFirstLastPara="0" vertOverflow="overflow" horzOverflow="overflow" vert="horz" wrap="none" lIns="91440" tIns="45721" rIns="91440" bIns="45721" numCol="1" spcCol="0" rtlCol="0" fromWordArt="0" anchor="ctr" anchorCtr="0" forceAA="0" compatLnSpc="1">
+              <a:prstTxWarp prst="textNoShape">
+                <a:avLst/>
+              </a:prstTxWarp>
+              <a:normAutofit/>
+            </a:bodyPr>
+            <a:lstStyle/>
+            <a:p>
+              <a:pPr algn="ctr"/>
+              <a:endParaRPr lang="en-US" sz="1801" dirty="0"/>
+            </a:p>
+          </p:txBody>
+        </p:sp>
+        <p:sp>
+          <p:nvSpPr>
+            <p:cNvPr id="56" name="TextBox 55">
+              <a:extLst>
+                <a:ext uri="{FF2B5EF4-FFF2-40B4-BE49-F238E27FC236}">
+                  <a16:creationId xmlns:a16="http://schemas.microsoft.com/office/drawing/2014/main" id="{697DDF32-DE9D-114A-AE14-9DBEDD91BCE6}"/>
+                </a:ext>
+              </a:extLst>
+            </p:cNvPr>
+            <p:cNvSpPr txBox="1"/>
+            <p:nvPr/>
+          </p:nvSpPr>
+          <p:spPr>
+            <a:xfrm>
+              <a:off x="5531802" y="254941"/>
+              <a:ext cx="1303489" cy="389234"/>
+            </a:xfrm>
+            <a:prstGeom prst="rect">
+              <a:avLst/>
+            </a:prstGeom>
+            <a:noFill/>
+          </p:spPr>
+          <p:txBody>
+            <a:bodyPr wrap="none" rtlCol="0">
+              <a:normAutofit fontScale="47500" lnSpcReduction="20000"/>
+            </a:bodyPr>
+            <a:lstStyle/>
+            <a:p>
+              <a:r>
+                <a:rPr lang="en-US" sz="1600" dirty="0">
+                  <a:solidFill>
+                    <a:schemeClr val="bg1"/>
+                  </a:solidFill>
+                </a:rPr>
+                <a:t>Master Node</a:t>
+              </a:r>
+            </a:p>
+          </p:txBody>
+        </p:sp>
+        <p:sp>
+          <p:nvSpPr>
+            <p:cNvPr id="57" name="Rounded Rectangle 56">
+              <a:extLst>
+                <a:ext uri="{FF2B5EF4-FFF2-40B4-BE49-F238E27FC236}">
+                  <a16:creationId xmlns:a16="http://schemas.microsoft.com/office/drawing/2014/main" id="{AEDC195D-4F28-4049-A954-AA7440314E08}"/>
+                </a:ext>
+              </a:extLst>
+            </p:cNvPr>
+            <p:cNvSpPr/>
+            <p:nvPr/>
+          </p:nvSpPr>
+          <p:spPr>
+            <a:xfrm>
+              <a:off x="4964895" y="577200"/>
+              <a:ext cx="2440135" cy="3011822"/>
+            </a:xfrm>
+            <a:prstGeom prst="roundRect">
+              <a:avLst/>
+            </a:prstGeom>
+          </p:spPr>
+          <p:style>
+            <a:lnRef idx="2">
+              <a:schemeClr val="accent5">
+                <a:shade val="50000"/>
+              </a:schemeClr>
+            </a:lnRef>
+            <a:fillRef idx="1">
+              <a:schemeClr val="accent5"/>
+            </a:fillRef>
+            <a:effectRef idx="0">
+              <a:schemeClr val="accent5"/>
+            </a:effectRef>
+            <a:fontRef idx="minor">
+              <a:schemeClr val="lt1"/>
+            </a:fontRef>
+          </p:style>
+          <p:txBody>
+            <a:bodyPr rot="0" spcFirstLastPara="0" vertOverflow="overflow" horzOverflow="overflow" vert="horz" wrap="none" lIns="91440" tIns="45721" rIns="91440" bIns="45721" numCol="1" spcCol="0" rtlCol="0" fromWordArt="0" anchor="ctr" anchorCtr="0" forceAA="0" compatLnSpc="1">
+              <a:prstTxWarp prst="textNoShape">
+                <a:avLst/>
+              </a:prstTxWarp>
+              <a:normAutofit/>
+            </a:bodyPr>
+            <a:lstStyle/>
+            <a:p>
+              <a:pPr algn="ctr"/>
+              <a:endParaRPr lang="en-US" sz="1801"/>
+            </a:p>
+          </p:txBody>
+        </p:sp>
+        <p:sp>
+          <p:nvSpPr>
+            <p:cNvPr id="58" name="TextBox 57">
+              <a:extLst>
+                <a:ext uri="{FF2B5EF4-FFF2-40B4-BE49-F238E27FC236}">
+                  <a16:creationId xmlns:a16="http://schemas.microsoft.com/office/drawing/2014/main" id="{CDA08502-A257-0B4F-A451-F8BC6D0FAE5F}"/>
+                </a:ext>
+              </a:extLst>
+            </p:cNvPr>
+            <p:cNvSpPr txBox="1"/>
+            <p:nvPr/>
+          </p:nvSpPr>
+          <p:spPr>
+            <a:xfrm>
+              <a:off x="5427086" y="576316"/>
+              <a:ext cx="1620783" cy="353998"/>
+            </a:xfrm>
+            <a:prstGeom prst="rect">
+              <a:avLst/>
+            </a:prstGeom>
+            <a:noFill/>
+          </p:spPr>
+          <p:txBody>
+            <a:bodyPr wrap="none" rtlCol="0">
+              <a:normAutofit fontScale="47500" lnSpcReduction="20000"/>
+            </a:bodyPr>
+            <a:lstStyle/>
+            <a:p>
+              <a:r>
+                <a:rPr lang="en-US" sz="1401" dirty="0"/>
+                <a:t>Container Runtime</a:t>
+              </a:r>
+            </a:p>
+          </p:txBody>
+        </p:sp>
+        <p:sp>
+          <p:nvSpPr>
+            <p:cNvPr id="59" name="Rounded Rectangle 58">
+              <a:extLst>
+                <a:ext uri="{FF2B5EF4-FFF2-40B4-BE49-F238E27FC236}">
+                  <a16:creationId xmlns:a16="http://schemas.microsoft.com/office/drawing/2014/main" id="{F7B45070-584A-B14B-BB7A-695FB5BBF2A8}"/>
+                </a:ext>
+              </a:extLst>
+            </p:cNvPr>
+            <p:cNvSpPr/>
+            <p:nvPr/>
+          </p:nvSpPr>
+          <p:spPr>
+            <a:xfrm>
+              <a:off x="5166277" y="888892"/>
+              <a:ext cx="2034540" cy="311691"/>
+            </a:xfrm>
+            <a:prstGeom prst="roundRect">
+              <a:avLst/>
+            </a:prstGeom>
+          </p:spPr>
+          <p:style>
+            <a:lnRef idx="3">
+              <a:schemeClr val="lt1"/>
+            </a:lnRef>
+            <a:fillRef idx="1">
+              <a:schemeClr val="accent2"/>
+            </a:fillRef>
+            <a:effectRef idx="1">
+              <a:schemeClr val="accent2"/>
+            </a:effectRef>
+            <a:fontRef idx="minor">
+              <a:schemeClr val="lt1"/>
+            </a:fontRef>
+          </p:style>
+          <p:txBody>
+            <a:bodyPr rot="0" spcFirstLastPara="0" vertOverflow="overflow" horzOverflow="overflow" vert="horz" wrap="none" lIns="91440" tIns="45721" rIns="91440" bIns="45721" numCol="1" spcCol="0" rtlCol="0" fromWordArt="0" anchor="ctr" anchorCtr="0" forceAA="0" compatLnSpc="1">
+              <a:prstTxWarp prst="textNoShape">
+                <a:avLst/>
+              </a:prstTxWarp>
+              <a:noAutofit/>
+            </a:bodyPr>
+            <a:lstStyle/>
+            <a:p>
+              <a:pPr algn="ctr"/>
+              <a:r>
+                <a:rPr lang="en-US" sz="800" dirty="0" err="1"/>
+                <a:t>kube-apiserver</a:t>
+              </a:r>
+              <a:endParaRPr lang="en-US" sz="800" dirty="0"/>
+            </a:p>
+          </p:txBody>
+        </p:sp>
+        <p:sp>
+          <p:nvSpPr>
+            <p:cNvPr id="60" name="Rounded Rectangle 59">
+              <a:extLst>
+                <a:ext uri="{FF2B5EF4-FFF2-40B4-BE49-F238E27FC236}">
+                  <a16:creationId xmlns:a16="http://schemas.microsoft.com/office/drawing/2014/main" id="{D2681688-2E63-FC48-8368-9012E09ADE58}"/>
+                </a:ext>
+              </a:extLst>
+            </p:cNvPr>
+            <p:cNvSpPr/>
+            <p:nvPr/>
+          </p:nvSpPr>
+          <p:spPr>
+            <a:xfrm>
+              <a:off x="5166277" y="1322526"/>
+              <a:ext cx="2034540" cy="311691"/>
+            </a:xfrm>
+            <a:prstGeom prst="roundRect">
+              <a:avLst/>
+            </a:prstGeom>
+          </p:spPr>
+          <p:style>
+            <a:lnRef idx="3">
+              <a:schemeClr val="lt1"/>
+            </a:lnRef>
+            <a:fillRef idx="1">
+              <a:schemeClr val="accent2"/>
+            </a:fillRef>
+            <a:effectRef idx="1">
+              <a:schemeClr val="accent2"/>
+            </a:effectRef>
+            <a:fontRef idx="minor">
+              <a:schemeClr val="lt1"/>
+            </a:fontRef>
+          </p:style>
+          <p:txBody>
+            <a:bodyPr rot="0" spcFirstLastPara="0" vertOverflow="overflow" horzOverflow="overflow" vert="horz" wrap="none" lIns="91440" tIns="45721" rIns="91440" bIns="45721" numCol="1" spcCol="0" rtlCol="0" fromWordArt="0" anchor="ctr" anchorCtr="0" forceAA="0" compatLnSpc="1">
+              <a:prstTxWarp prst="textNoShape">
+                <a:avLst/>
+              </a:prstTxWarp>
+              <a:noAutofit/>
+            </a:bodyPr>
+            <a:lstStyle/>
+            <a:p>
+              <a:pPr algn="ctr"/>
+              <a:r>
+                <a:rPr lang="en-US" sz="800" dirty="0" err="1"/>
+                <a:t>Kube</a:t>
+              </a:r>
+              <a:r>
+                <a:rPr lang="en-US" sz="800" dirty="0"/>
+                <a:t>-scheduler</a:t>
+              </a:r>
+            </a:p>
+          </p:txBody>
+        </p:sp>
+        <p:sp>
+          <p:nvSpPr>
+            <p:cNvPr id="61" name="Rounded Rectangle 60">
+              <a:extLst>
+                <a:ext uri="{FF2B5EF4-FFF2-40B4-BE49-F238E27FC236}">
+                  <a16:creationId xmlns:a16="http://schemas.microsoft.com/office/drawing/2014/main" id="{83850DE6-D607-E44D-9C46-B3151D1D6411}"/>
+                </a:ext>
+              </a:extLst>
+            </p:cNvPr>
+            <p:cNvSpPr/>
+            <p:nvPr/>
+          </p:nvSpPr>
+          <p:spPr>
+            <a:xfrm>
+              <a:off x="5291090" y="3693804"/>
+              <a:ext cx="1784914" cy="235243"/>
+            </a:xfrm>
+            <a:prstGeom prst="roundRect">
+              <a:avLst/>
+            </a:prstGeom>
+          </p:spPr>
+          <p:style>
+            <a:lnRef idx="2">
+              <a:schemeClr val="accent4">
+                <a:shade val="50000"/>
+              </a:schemeClr>
+            </a:lnRef>
+            <a:fillRef idx="1">
+              <a:schemeClr val="accent4"/>
+            </a:fillRef>
+            <a:effectRef idx="0">
+              <a:schemeClr val="accent4"/>
+            </a:effectRef>
+            <a:fontRef idx="minor">
+              <a:schemeClr val="lt1"/>
+            </a:fontRef>
+          </p:style>
+          <p:txBody>
+            <a:bodyPr rot="0" spcFirstLastPara="0" vertOverflow="overflow" horzOverflow="overflow" vert="horz" wrap="none" lIns="91440" tIns="45721" rIns="91440" bIns="45721" numCol="1" spcCol="0" rtlCol="0" fromWordArt="0" anchor="ctr" anchorCtr="0" forceAA="0" compatLnSpc="1">
+              <a:prstTxWarp prst="textNoShape">
+                <a:avLst/>
+              </a:prstTxWarp>
+              <a:noAutofit/>
+            </a:bodyPr>
+            <a:lstStyle/>
+            <a:p>
+              <a:pPr algn="ctr"/>
+              <a:r>
+                <a:rPr lang="en-US" sz="800" dirty="0">
+                  <a:ln w="0"/>
+                  <a:solidFill>
+                    <a:schemeClr val="tx1"/>
+                  </a:solidFill>
+                  <a:effectLst>
+                    <a:outerShdw blurRad="38100" dist="19050" dir="2700000" algn="tl" rotWithShape="0">
+                      <a:schemeClr val="dk1">
+                        <a:alpha val="40000"/>
+                      </a:schemeClr>
+                    </a:outerShdw>
+                  </a:effectLst>
+                </a:rPr>
+                <a:t>kubelet</a:t>
+              </a:r>
+            </a:p>
+          </p:txBody>
+        </p:sp>
+        <p:sp>
+          <p:nvSpPr>
+            <p:cNvPr id="62" name="Rounded Rectangle 61">
+              <a:extLst>
+                <a:ext uri="{FF2B5EF4-FFF2-40B4-BE49-F238E27FC236}">
+                  <a16:creationId xmlns:a16="http://schemas.microsoft.com/office/drawing/2014/main" id="{119A32C5-E38B-3145-B94C-4527BE77D5F7}"/>
+                </a:ext>
+              </a:extLst>
+            </p:cNvPr>
+            <p:cNvSpPr/>
+            <p:nvPr/>
+          </p:nvSpPr>
+          <p:spPr>
+            <a:xfrm>
+              <a:off x="5166277" y="1755886"/>
+              <a:ext cx="2034540" cy="311691"/>
+            </a:xfrm>
+            <a:prstGeom prst="roundRect">
+              <a:avLst/>
+            </a:prstGeom>
+          </p:spPr>
+          <p:style>
+            <a:lnRef idx="3">
+              <a:schemeClr val="lt1"/>
+            </a:lnRef>
+            <a:fillRef idx="1">
+              <a:schemeClr val="accent2"/>
+            </a:fillRef>
+            <a:effectRef idx="1">
+              <a:schemeClr val="accent2"/>
+            </a:effectRef>
+            <a:fontRef idx="minor">
+              <a:schemeClr val="lt1"/>
+            </a:fontRef>
+          </p:style>
+          <p:txBody>
+            <a:bodyPr rot="0" spcFirstLastPara="0" vertOverflow="overflow" horzOverflow="overflow" vert="horz" wrap="none" lIns="91440" tIns="45721" rIns="91440" bIns="45721" numCol="1" spcCol="0" rtlCol="0" fromWordArt="0" anchor="ctr" anchorCtr="0" forceAA="0" compatLnSpc="1">
+              <a:prstTxWarp prst="textNoShape">
+                <a:avLst/>
+              </a:prstTxWarp>
+              <a:noAutofit/>
+            </a:bodyPr>
+            <a:lstStyle/>
+            <a:p>
+              <a:pPr algn="ctr"/>
+              <a:r>
+                <a:rPr lang="en-US" sz="800" dirty="0" err="1"/>
+                <a:t>kube</a:t>
+              </a:r>
+              <a:r>
+                <a:rPr lang="en-US" sz="800" dirty="0"/>
+                <a:t>-controller-manager</a:t>
+              </a:r>
+            </a:p>
+          </p:txBody>
+        </p:sp>
+        <p:sp>
+          <p:nvSpPr>
+            <p:cNvPr id="63" name="Rounded Rectangle 62">
+              <a:extLst>
+                <a:ext uri="{FF2B5EF4-FFF2-40B4-BE49-F238E27FC236}">
+                  <a16:creationId xmlns:a16="http://schemas.microsoft.com/office/drawing/2014/main" id="{333F294D-482F-E14A-8990-63492E14DB6F}"/>
+                </a:ext>
+              </a:extLst>
+            </p:cNvPr>
+            <p:cNvSpPr/>
+            <p:nvPr/>
+          </p:nvSpPr>
+          <p:spPr>
+            <a:xfrm>
+              <a:off x="5166277" y="2192742"/>
+              <a:ext cx="2034540" cy="311691"/>
+            </a:xfrm>
+            <a:prstGeom prst="roundRect">
+              <a:avLst/>
+            </a:prstGeom>
+          </p:spPr>
+          <p:style>
+            <a:lnRef idx="3">
+              <a:schemeClr val="lt1"/>
+            </a:lnRef>
+            <a:fillRef idx="1">
+              <a:schemeClr val="accent2"/>
+            </a:fillRef>
+            <a:effectRef idx="1">
+              <a:schemeClr val="accent2"/>
+            </a:effectRef>
+            <a:fontRef idx="minor">
+              <a:schemeClr val="lt1"/>
+            </a:fontRef>
+          </p:style>
+          <p:txBody>
+            <a:bodyPr rot="0" spcFirstLastPara="0" vertOverflow="overflow" horzOverflow="overflow" vert="horz" wrap="none" lIns="91440" tIns="45721" rIns="91440" bIns="45721" numCol="1" spcCol="0" rtlCol="0" fromWordArt="0" anchor="ctr" anchorCtr="0" forceAA="0" compatLnSpc="1">
+              <a:prstTxWarp prst="textNoShape">
+                <a:avLst/>
+              </a:prstTxWarp>
+              <a:noAutofit/>
+            </a:bodyPr>
+            <a:lstStyle/>
+            <a:p>
+              <a:pPr algn="ctr"/>
+              <a:r>
+                <a:rPr lang="en-US" sz="800" dirty="0" err="1"/>
+                <a:t>kube</a:t>
+              </a:r>
+              <a:r>
+                <a:rPr lang="en-US" sz="800" dirty="0"/>
+                <a:t>-proxy</a:t>
+              </a:r>
+            </a:p>
+          </p:txBody>
+        </p:sp>
+        <p:sp>
+          <p:nvSpPr>
+            <p:cNvPr id="64" name="Rounded Rectangle 63">
+              <a:extLst>
+                <a:ext uri="{FF2B5EF4-FFF2-40B4-BE49-F238E27FC236}">
+                  <a16:creationId xmlns:a16="http://schemas.microsoft.com/office/drawing/2014/main" id="{6DF2B456-3A42-044D-A1DB-4D9EDDE719A2}"/>
+                </a:ext>
+              </a:extLst>
+            </p:cNvPr>
+            <p:cNvSpPr/>
+            <p:nvPr/>
+          </p:nvSpPr>
+          <p:spPr>
+            <a:xfrm>
+              <a:off x="5166277" y="2625663"/>
+              <a:ext cx="2034540" cy="353588"/>
+            </a:xfrm>
+            <a:prstGeom prst="roundRect">
+              <a:avLst/>
+            </a:prstGeom>
+          </p:spPr>
+          <p:style>
+            <a:lnRef idx="3">
+              <a:schemeClr val="lt1"/>
+            </a:lnRef>
+            <a:fillRef idx="1">
+              <a:schemeClr val="accent2"/>
+            </a:fillRef>
+            <a:effectRef idx="1">
+              <a:schemeClr val="accent2"/>
+            </a:effectRef>
+            <a:fontRef idx="minor">
+              <a:schemeClr val="lt1"/>
+            </a:fontRef>
+          </p:style>
+          <p:txBody>
+            <a:bodyPr rot="0" spcFirstLastPara="0" vertOverflow="overflow" horzOverflow="overflow" vert="horz" wrap="none" lIns="91440" tIns="45721" rIns="91440" bIns="45721" numCol="1" spcCol="0" rtlCol="0" fromWordArt="0" anchor="ctr" anchorCtr="0" forceAA="0" compatLnSpc="1">
+              <a:prstTxWarp prst="textNoShape">
+                <a:avLst/>
+              </a:prstTxWarp>
+              <a:noAutofit/>
+            </a:bodyPr>
+            <a:lstStyle/>
+            <a:p>
+              <a:pPr algn="ctr"/>
+              <a:r>
+                <a:rPr lang="en-US" sz="800" dirty="0" err="1"/>
+                <a:t>cni</a:t>
+              </a:r>
+              <a:r>
+                <a:rPr lang="en-US" sz="800" dirty="0"/>
+                <a:t>-plugins</a:t>
+              </a:r>
+            </a:p>
+          </p:txBody>
+        </p:sp>
+        <p:sp>
+          <p:nvSpPr>
+            <p:cNvPr id="65" name="Rounded Rectangle 64">
+              <a:extLst>
+                <a:ext uri="{FF2B5EF4-FFF2-40B4-BE49-F238E27FC236}">
+                  <a16:creationId xmlns:a16="http://schemas.microsoft.com/office/drawing/2014/main" id="{BCE4BB28-E81C-AD40-BC3D-06CDD53E550E}"/>
+                </a:ext>
+              </a:extLst>
+            </p:cNvPr>
+            <p:cNvSpPr/>
+            <p:nvPr/>
+          </p:nvSpPr>
+          <p:spPr>
+            <a:xfrm>
+              <a:off x="5166279" y="3100484"/>
+              <a:ext cx="2034539" cy="311691"/>
+            </a:xfrm>
+            <a:prstGeom prst="roundRect">
+              <a:avLst/>
+            </a:prstGeom>
+          </p:spPr>
+          <p:style>
+            <a:lnRef idx="3">
+              <a:schemeClr val="lt1"/>
+            </a:lnRef>
+            <a:fillRef idx="1">
+              <a:schemeClr val="accent2"/>
+            </a:fillRef>
+            <a:effectRef idx="1">
+              <a:schemeClr val="accent2"/>
+            </a:effectRef>
+            <a:fontRef idx="minor">
+              <a:schemeClr val="lt1"/>
+            </a:fontRef>
+          </p:style>
+          <p:txBody>
+            <a:bodyPr rot="0" spcFirstLastPara="0" vertOverflow="overflow" horzOverflow="overflow" vert="horz" wrap="none" lIns="91440" tIns="45721" rIns="91440" bIns="45721" numCol="1" spcCol="0" rtlCol="0" fromWordArt="0" anchor="ctr" anchorCtr="0" forceAA="0" compatLnSpc="1">
+              <a:prstTxWarp prst="textNoShape">
+                <a:avLst/>
+              </a:prstTxWarp>
+              <a:noAutofit/>
+            </a:bodyPr>
+            <a:lstStyle/>
+            <a:p>
+              <a:pPr algn="ctr"/>
+              <a:r>
+                <a:rPr lang="en-US" sz="800" dirty="0" err="1"/>
+                <a:t>dns</a:t>
+              </a:r>
+              <a:r>
+                <a:rPr lang="en-US" sz="800" dirty="0"/>
+                <a:t>-cluster add-on</a:t>
+              </a:r>
+            </a:p>
+          </p:txBody>
+        </p:sp>
+      </p:grpSp>
+      <p:grpSp>
+        <p:nvGrpSpPr>
+          <p:cNvPr id="66" name="Group 65">
+            <a:extLst>
+              <a:ext uri="{FF2B5EF4-FFF2-40B4-BE49-F238E27FC236}">
+                <a16:creationId xmlns:a16="http://schemas.microsoft.com/office/drawing/2014/main" id="{43624A1D-A661-CA40-AF1A-57A9DA56092E}"/>
+              </a:ext>
+            </a:extLst>
+          </p:cNvPr>
+          <p:cNvGrpSpPr>
+            <a:grpSpLocks noChangeAspect="1"/>
+          </p:cNvGrpSpPr>
+          <p:nvPr/>
+        </p:nvGrpSpPr>
+        <p:grpSpPr>
+          <a:xfrm>
+            <a:off x="4416984" y="4041308"/>
+            <a:ext cx="1568279" cy="1971002"/>
+            <a:chOff x="4877344" y="237174"/>
+            <a:chExt cx="2612414" cy="3774757"/>
+          </a:xfrm>
+        </p:grpSpPr>
+        <p:sp>
+          <p:nvSpPr>
+            <p:cNvPr id="67" name="TextBox 66">
+              <a:extLst>
+                <a:ext uri="{FF2B5EF4-FFF2-40B4-BE49-F238E27FC236}">
+                  <a16:creationId xmlns:a16="http://schemas.microsoft.com/office/drawing/2014/main" id="{16BB5F05-FEED-A94B-B92B-671FAC59AF4C}"/>
+                </a:ext>
+              </a:extLst>
+            </p:cNvPr>
+            <p:cNvSpPr txBox="1"/>
+            <p:nvPr/>
+          </p:nvSpPr>
+          <p:spPr>
+            <a:xfrm>
+              <a:off x="5395589" y="237174"/>
+              <a:ext cx="1424826" cy="424767"/>
+            </a:xfrm>
+            <a:prstGeom prst="rect">
+              <a:avLst/>
+            </a:prstGeom>
+            <a:noFill/>
+          </p:spPr>
+          <p:txBody>
+            <a:bodyPr wrap="none" rtlCol="0">
+              <a:normAutofit fontScale="55000" lnSpcReduction="20000"/>
+            </a:bodyPr>
+            <a:lstStyle/>
+            <a:p>
+              <a:r>
+                <a:rPr lang="en-US" sz="1801" dirty="0">
+                  <a:solidFill>
+                    <a:schemeClr val="bg1"/>
+                  </a:solidFill>
+                </a:rPr>
+                <a:t>Worker Node</a:t>
+              </a:r>
+            </a:p>
+          </p:txBody>
+        </p:sp>
+        <p:sp>
+          <p:nvSpPr>
+            <p:cNvPr id="68" name="Rounded Rectangle 67">
+              <a:extLst>
+                <a:ext uri="{FF2B5EF4-FFF2-40B4-BE49-F238E27FC236}">
+                  <a16:creationId xmlns:a16="http://schemas.microsoft.com/office/drawing/2014/main" id="{2CA868E7-DF72-5B49-9E18-0004549E1F87}"/>
+                </a:ext>
+              </a:extLst>
+            </p:cNvPr>
+            <p:cNvSpPr/>
+            <p:nvPr/>
+          </p:nvSpPr>
+          <p:spPr>
+            <a:xfrm>
+              <a:off x="4877344" y="237174"/>
+              <a:ext cx="2612414" cy="3774757"/>
+            </a:xfrm>
+            <a:prstGeom prst="roundRect">
+              <a:avLst/>
+            </a:prstGeom>
+          </p:spPr>
+          <p:style>
+            <a:lnRef idx="2">
+              <a:schemeClr val="accent1">
+                <a:shade val="50000"/>
+              </a:schemeClr>
+            </a:lnRef>
+            <a:fillRef idx="1">
+              <a:schemeClr val="accent1"/>
+            </a:fillRef>
+            <a:effectRef idx="0">
+              <a:schemeClr val="accent1"/>
+            </a:effectRef>
+            <a:fontRef idx="minor">
+              <a:schemeClr val="lt1"/>
+            </a:fontRef>
+          </p:style>
+          <p:txBody>
+            <a:bodyPr rot="0" spcFirstLastPara="0" vertOverflow="overflow" horzOverflow="overflow" vert="horz" wrap="none" lIns="91440" tIns="45721" rIns="91440" bIns="45721" numCol="1" spcCol="0" rtlCol="0" fromWordArt="0" anchor="ctr" anchorCtr="0" forceAA="0" compatLnSpc="1">
+              <a:prstTxWarp prst="textNoShape">
+                <a:avLst/>
+              </a:prstTxWarp>
+              <a:normAutofit/>
+            </a:bodyPr>
+            <a:lstStyle/>
+            <a:p>
+              <a:pPr algn="ctr"/>
+              <a:endParaRPr lang="en-US" sz="1801" dirty="0"/>
+            </a:p>
+          </p:txBody>
+        </p:sp>
+        <p:sp>
+          <p:nvSpPr>
+            <p:cNvPr id="69" name="TextBox 68">
+              <a:extLst>
+                <a:ext uri="{FF2B5EF4-FFF2-40B4-BE49-F238E27FC236}">
+                  <a16:creationId xmlns:a16="http://schemas.microsoft.com/office/drawing/2014/main" id="{AFF7F4FF-3D03-1749-B085-D2D91458CF1C}"/>
+                </a:ext>
+              </a:extLst>
+            </p:cNvPr>
+            <p:cNvSpPr txBox="1"/>
+            <p:nvPr/>
+          </p:nvSpPr>
+          <p:spPr>
+            <a:xfrm>
+              <a:off x="5531802" y="254941"/>
+              <a:ext cx="1303489" cy="389234"/>
+            </a:xfrm>
+            <a:prstGeom prst="rect">
+              <a:avLst/>
+            </a:prstGeom>
+            <a:noFill/>
+          </p:spPr>
+          <p:txBody>
+            <a:bodyPr wrap="none" rtlCol="0">
+              <a:normAutofit fontScale="47500" lnSpcReduction="20000"/>
+            </a:bodyPr>
+            <a:lstStyle/>
+            <a:p>
+              <a:r>
+                <a:rPr lang="en-US" sz="1600" dirty="0">
+                  <a:solidFill>
+                    <a:schemeClr val="bg1"/>
+                  </a:solidFill>
+                </a:rPr>
+                <a:t>Master Node</a:t>
+              </a:r>
+            </a:p>
+          </p:txBody>
+        </p:sp>
+        <p:sp>
+          <p:nvSpPr>
+            <p:cNvPr id="70" name="Rounded Rectangle 69">
+              <a:extLst>
+                <a:ext uri="{FF2B5EF4-FFF2-40B4-BE49-F238E27FC236}">
+                  <a16:creationId xmlns:a16="http://schemas.microsoft.com/office/drawing/2014/main" id="{649F6543-2885-3344-B5BF-F826264937B0}"/>
+                </a:ext>
+              </a:extLst>
+            </p:cNvPr>
+            <p:cNvSpPr/>
+            <p:nvPr/>
+          </p:nvSpPr>
+          <p:spPr>
+            <a:xfrm>
+              <a:off x="4964895" y="577200"/>
+              <a:ext cx="2440135" cy="3011822"/>
+            </a:xfrm>
+            <a:prstGeom prst="roundRect">
+              <a:avLst/>
+            </a:prstGeom>
+          </p:spPr>
+          <p:style>
+            <a:lnRef idx="2">
+              <a:schemeClr val="accent5">
+                <a:shade val="50000"/>
+              </a:schemeClr>
+            </a:lnRef>
+            <a:fillRef idx="1">
+              <a:schemeClr val="accent5"/>
+            </a:fillRef>
+            <a:effectRef idx="0">
+              <a:schemeClr val="accent5"/>
+            </a:effectRef>
+            <a:fontRef idx="minor">
+              <a:schemeClr val="lt1"/>
+            </a:fontRef>
+          </p:style>
+          <p:txBody>
+            <a:bodyPr rot="0" spcFirstLastPara="0" vertOverflow="overflow" horzOverflow="overflow" vert="horz" wrap="none" lIns="91440" tIns="45721" rIns="91440" bIns="45721" numCol="1" spcCol="0" rtlCol="0" fromWordArt="0" anchor="ctr" anchorCtr="0" forceAA="0" compatLnSpc="1">
+              <a:prstTxWarp prst="textNoShape">
+                <a:avLst/>
+              </a:prstTxWarp>
+              <a:normAutofit/>
+            </a:bodyPr>
+            <a:lstStyle/>
+            <a:p>
+              <a:pPr algn="ctr"/>
+              <a:endParaRPr lang="en-US" sz="1801"/>
+            </a:p>
+          </p:txBody>
+        </p:sp>
+        <p:sp>
+          <p:nvSpPr>
+            <p:cNvPr id="71" name="TextBox 70">
+              <a:extLst>
+                <a:ext uri="{FF2B5EF4-FFF2-40B4-BE49-F238E27FC236}">
+                  <a16:creationId xmlns:a16="http://schemas.microsoft.com/office/drawing/2014/main" id="{C9AED8F0-9635-D746-BF3E-DEA1B1D00ABD}"/>
+                </a:ext>
+              </a:extLst>
+            </p:cNvPr>
+            <p:cNvSpPr txBox="1"/>
+            <p:nvPr/>
+          </p:nvSpPr>
+          <p:spPr>
+            <a:xfrm>
+              <a:off x="5427086" y="576316"/>
+              <a:ext cx="1620783" cy="353998"/>
+            </a:xfrm>
+            <a:prstGeom prst="rect">
+              <a:avLst/>
+            </a:prstGeom>
+            <a:noFill/>
+          </p:spPr>
+          <p:txBody>
+            <a:bodyPr wrap="none" rtlCol="0">
+              <a:normAutofit fontScale="47500" lnSpcReduction="20000"/>
+            </a:bodyPr>
+            <a:lstStyle/>
+            <a:p>
+              <a:r>
+                <a:rPr lang="en-US" sz="1401" dirty="0"/>
+                <a:t>Container Runtime</a:t>
+              </a:r>
+            </a:p>
+          </p:txBody>
+        </p:sp>
+        <p:sp>
+          <p:nvSpPr>
+            <p:cNvPr id="72" name="Rounded Rectangle 71">
+              <a:extLst>
+                <a:ext uri="{FF2B5EF4-FFF2-40B4-BE49-F238E27FC236}">
+                  <a16:creationId xmlns:a16="http://schemas.microsoft.com/office/drawing/2014/main" id="{16329BDD-9419-6E49-94D6-888B57693E36}"/>
+                </a:ext>
+              </a:extLst>
+            </p:cNvPr>
+            <p:cNvSpPr/>
+            <p:nvPr/>
+          </p:nvSpPr>
+          <p:spPr>
+            <a:xfrm>
+              <a:off x="5166277" y="888892"/>
+              <a:ext cx="2034540" cy="311691"/>
+            </a:xfrm>
+            <a:prstGeom prst="roundRect">
+              <a:avLst/>
+            </a:prstGeom>
+          </p:spPr>
+          <p:style>
+            <a:lnRef idx="3">
+              <a:schemeClr val="lt1"/>
+            </a:lnRef>
+            <a:fillRef idx="1">
+              <a:schemeClr val="accent2"/>
+            </a:fillRef>
+            <a:effectRef idx="1">
+              <a:schemeClr val="accent2"/>
+            </a:effectRef>
+            <a:fontRef idx="minor">
+              <a:schemeClr val="lt1"/>
+            </a:fontRef>
+          </p:style>
+          <p:txBody>
+            <a:bodyPr rot="0" spcFirstLastPara="0" vertOverflow="overflow" horzOverflow="overflow" vert="horz" wrap="none" lIns="91440" tIns="45721" rIns="91440" bIns="45721" numCol="1" spcCol="0" rtlCol="0" fromWordArt="0" anchor="ctr" anchorCtr="0" forceAA="0" compatLnSpc="1">
+              <a:prstTxWarp prst="textNoShape">
+                <a:avLst/>
+              </a:prstTxWarp>
+              <a:noAutofit/>
+            </a:bodyPr>
+            <a:lstStyle/>
+            <a:p>
+              <a:pPr algn="ctr"/>
+              <a:r>
+                <a:rPr lang="en-US" sz="800" dirty="0" err="1"/>
+                <a:t>kube-apiserver</a:t>
+              </a:r>
+              <a:endParaRPr lang="en-US" sz="800" dirty="0"/>
+            </a:p>
+          </p:txBody>
+        </p:sp>
+        <p:sp>
+          <p:nvSpPr>
+            <p:cNvPr id="73" name="Rounded Rectangle 72">
+              <a:extLst>
+                <a:ext uri="{FF2B5EF4-FFF2-40B4-BE49-F238E27FC236}">
+                  <a16:creationId xmlns:a16="http://schemas.microsoft.com/office/drawing/2014/main" id="{BF5A0582-FD51-BA42-9887-8D385CDA5960}"/>
+                </a:ext>
+              </a:extLst>
+            </p:cNvPr>
+            <p:cNvSpPr/>
+            <p:nvPr/>
+          </p:nvSpPr>
+          <p:spPr>
+            <a:xfrm>
+              <a:off x="5166277" y="1322526"/>
+              <a:ext cx="2034540" cy="311691"/>
+            </a:xfrm>
+            <a:prstGeom prst="roundRect">
+              <a:avLst/>
+            </a:prstGeom>
+          </p:spPr>
+          <p:style>
+            <a:lnRef idx="3">
+              <a:schemeClr val="lt1"/>
+            </a:lnRef>
+            <a:fillRef idx="1">
+              <a:schemeClr val="accent2"/>
+            </a:fillRef>
+            <a:effectRef idx="1">
+              <a:schemeClr val="accent2"/>
+            </a:effectRef>
+            <a:fontRef idx="minor">
+              <a:schemeClr val="lt1"/>
+            </a:fontRef>
+          </p:style>
+          <p:txBody>
+            <a:bodyPr rot="0" spcFirstLastPara="0" vertOverflow="overflow" horzOverflow="overflow" vert="horz" wrap="none" lIns="91440" tIns="45721" rIns="91440" bIns="45721" numCol="1" spcCol="0" rtlCol="0" fromWordArt="0" anchor="ctr" anchorCtr="0" forceAA="0" compatLnSpc="1">
+              <a:prstTxWarp prst="textNoShape">
+                <a:avLst/>
+              </a:prstTxWarp>
+              <a:noAutofit/>
+            </a:bodyPr>
+            <a:lstStyle/>
+            <a:p>
+              <a:pPr algn="ctr"/>
+              <a:r>
+                <a:rPr lang="en-US" sz="800" dirty="0" err="1"/>
+                <a:t>Kube</a:t>
+              </a:r>
+              <a:r>
+                <a:rPr lang="en-US" sz="800" dirty="0"/>
+                <a:t>-scheduler</a:t>
+              </a:r>
+            </a:p>
+          </p:txBody>
+        </p:sp>
+        <p:sp>
+          <p:nvSpPr>
+            <p:cNvPr id="74" name="Rounded Rectangle 73">
+              <a:extLst>
+                <a:ext uri="{FF2B5EF4-FFF2-40B4-BE49-F238E27FC236}">
+                  <a16:creationId xmlns:a16="http://schemas.microsoft.com/office/drawing/2014/main" id="{EEDDC549-AF5C-9A4D-A0EE-35719520000D}"/>
+                </a:ext>
+              </a:extLst>
+            </p:cNvPr>
+            <p:cNvSpPr/>
+            <p:nvPr/>
+          </p:nvSpPr>
+          <p:spPr>
+            <a:xfrm>
+              <a:off x="5291090" y="3693804"/>
+              <a:ext cx="1784914" cy="235243"/>
+            </a:xfrm>
+            <a:prstGeom prst="roundRect">
+              <a:avLst/>
+            </a:prstGeom>
+          </p:spPr>
+          <p:style>
+            <a:lnRef idx="2">
+              <a:schemeClr val="accent4">
+                <a:shade val="50000"/>
+              </a:schemeClr>
+            </a:lnRef>
+            <a:fillRef idx="1">
+              <a:schemeClr val="accent4"/>
+            </a:fillRef>
+            <a:effectRef idx="0">
+              <a:schemeClr val="accent4"/>
+            </a:effectRef>
+            <a:fontRef idx="minor">
+              <a:schemeClr val="lt1"/>
+            </a:fontRef>
+          </p:style>
+          <p:txBody>
+            <a:bodyPr rot="0" spcFirstLastPara="0" vertOverflow="overflow" horzOverflow="overflow" vert="horz" wrap="none" lIns="91440" tIns="45721" rIns="91440" bIns="45721" numCol="1" spcCol="0" rtlCol="0" fromWordArt="0" anchor="ctr" anchorCtr="0" forceAA="0" compatLnSpc="1">
+              <a:prstTxWarp prst="textNoShape">
+                <a:avLst/>
+              </a:prstTxWarp>
+              <a:noAutofit/>
+            </a:bodyPr>
+            <a:lstStyle/>
+            <a:p>
+              <a:pPr algn="ctr"/>
+              <a:r>
+                <a:rPr lang="en-US" sz="800" dirty="0">
+                  <a:ln w="0"/>
+                  <a:solidFill>
+                    <a:schemeClr val="tx1"/>
+                  </a:solidFill>
+                  <a:effectLst>
+                    <a:outerShdw blurRad="38100" dist="19050" dir="2700000" algn="tl" rotWithShape="0">
+                      <a:schemeClr val="dk1">
+                        <a:alpha val="40000"/>
+                      </a:schemeClr>
+                    </a:outerShdw>
+                  </a:effectLst>
+                </a:rPr>
+                <a:t>kubelet</a:t>
+              </a:r>
+            </a:p>
+          </p:txBody>
+        </p:sp>
+        <p:sp>
+          <p:nvSpPr>
+            <p:cNvPr id="75" name="Rounded Rectangle 74">
+              <a:extLst>
+                <a:ext uri="{FF2B5EF4-FFF2-40B4-BE49-F238E27FC236}">
+                  <a16:creationId xmlns:a16="http://schemas.microsoft.com/office/drawing/2014/main" id="{950952FD-8113-524C-A507-01084DCB6C62}"/>
+                </a:ext>
+              </a:extLst>
+            </p:cNvPr>
+            <p:cNvSpPr/>
+            <p:nvPr/>
+          </p:nvSpPr>
+          <p:spPr>
+            <a:xfrm>
+              <a:off x="5166277" y="1755886"/>
+              <a:ext cx="2034540" cy="311691"/>
+            </a:xfrm>
+            <a:prstGeom prst="roundRect">
+              <a:avLst/>
+            </a:prstGeom>
+          </p:spPr>
+          <p:style>
+            <a:lnRef idx="3">
+              <a:schemeClr val="lt1"/>
+            </a:lnRef>
+            <a:fillRef idx="1">
+              <a:schemeClr val="accent2"/>
+            </a:fillRef>
+            <a:effectRef idx="1">
+              <a:schemeClr val="accent2"/>
+            </a:effectRef>
+            <a:fontRef idx="minor">
+              <a:schemeClr val="lt1"/>
+            </a:fontRef>
+          </p:style>
+          <p:txBody>
+            <a:bodyPr rot="0" spcFirstLastPara="0" vertOverflow="overflow" horzOverflow="overflow" vert="horz" wrap="none" lIns="91440" tIns="45721" rIns="91440" bIns="45721" numCol="1" spcCol="0" rtlCol="0" fromWordArt="0" anchor="ctr" anchorCtr="0" forceAA="0" compatLnSpc="1">
+              <a:prstTxWarp prst="textNoShape">
+                <a:avLst/>
+              </a:prstTxWarp>
+              <a:noAutofit/>
+            </a:bodyPr>
+            <a:lstStyle/>
+            <a:p>
+              <a:pPr algn="ctr"/>
+              <a:r>
+                <a:rPr lang="en-US" sz="800" dirty="0" err="1"/>
+                <a:t>kube</a:t>
+              </a:r>
+              <a:r>
+                <a:rPr lang="en-US" sz="800" dirty="0"/>
+                <a:t>-controller-manager</a:t>
+              </a:r>
+            </a:p>
+          </p:txBody>
+        </p:sp>
+        <p:sp>
+          <p:nvSpPr>
+            <p:cNvPr id="76" name="Rounded Rectangle 75">
+              <a:extLst>
+                <a:ext uri="{FF2B5EF4-FFF2-40B4-BE49-F238E27FC236}">
+                  <a16:creationId xmlns:a16="http://schemas.microsoft.com/office/drawing/2014/main" id="{E9BA5E70-A8EE-4B45-9CAB-377CFF151169}"/>
+                </a:ext>
+              </a:extLst>
+            </p:cNvPr>
+            <p:cNvSpPr/>
+            <p:nvPr/>
+          </p:nvSpPr>
+          <p:spPr>
+            <a:xfrm>
+              <a:off x="5166277" y="2192742"/>
+              <a:ext cx="2034540" cy="311691"/>
+            </a:xfrm>
+            <a:prstGeom prst="roundRect">
+              <a:avLst/>
+            </a:prstGeom>
+          </p:spPr>
+          <p:style>
+            <a:lnRef idx="3">
+              <a:schemeClr val="lt1"/>
+            </a:lnRef>
+            <a:fillRef idx="1">
+              <a:schemeClr val="accent2"/>
+            </a:fillRef>
+            <a:effectRef idx="1">
+              <a:schemeClr val="accent2"/>
+            </a:effectRef>
+            <a:fontRef idx="minor">
+              <a:schemeClr val="lt1"/>
+            </a:fontRef>
+          </p:style>
+          <p:txBody>
+            <a:bodyPr rot="0" spcFirstLastPara="0" vertOverflow="overflow" horzOverflow="overflow" vert="horz" wrap="none" lIns="91440" tIns="45721" rIns="91440" bIns="45721" numCol="1" spcCol="0" rtlCol="0" fromWordArt="0" anchor="ctr" anchorCtr="0" forceAA="0" compatLnSpc="1">
+              <a:prstTxWarp prst="textNoShape">
+                <a:avLst/>
+              </a:prstTxWarp>
+              <a:noAutofit/>
+            </a:bodyPr>
+            <a:lstStyle/>
+            <a:p>
+              <a:pPr algn="ctr"/>
+              <a:r>
+                <a:rPr lang="en-US" sz="800" dirty="0" err="1"/>
+                <a:t>kube</a:t>
+              </a:r>
+              <a:r>
+                <a:rPr lang="en-US" sz="800" dirty="0"/>
+                <a:t>-proxy</a:t>
+              </a:r>
+            </a:p>
+          </p:txBody>
+        </p:sp>
+        <p:sp>
+          <p:nvSpPr>
+            <p:cNvPr id="77" name="Rounded Rectangle 76">
+              <a:extLst>
+                <a:ext uri="{FF2B5EF4-FFF2-40B4-BE49-F238E27FC236}">
+                  <a16:creationId xmlns:a16="http://schemas.microsoft.com/office/drawing/2014/main" id="{41800B15-5F51-E14B-B432-7EAF5329C329}"/>
+                </a:ext>
+              </a:extLst>
+            </p:cNvPr>
+            <p:cNvSpPr/>
+            <p:nvPr/>
+          </p:nvSpPr>
+          <p:spPr>
+            <a:xfrm>
+              <a:off x="5166277" y="2625663"/>
+              <a:ext cx="2034540" cy="353588"/>
+            </a:xfrm>
+            <a:prstGeom prst="roundRect">
+              <a:avLst/>
+            </a:prstGeom>
+          </p:spPr>
+          <p:style>
+            <a:lnRef idx="3">
+              <a:schemeClr val="lt1"/>
+            </a:lnRef>
+            <a:fillRef idx="1">
+              <a:schemeClr val="accent2"/>
+            </a:fillRef>
+            <a:effectRef idx="1">
+              <a:schemeClr val="accent2"/>
+            </a:effectRef>
+            <a:fontRef idx="minor">
+              <a:schemeClr val="lt1"/>
+            </a:fontRef>
+          </p:style>
+          <p:txBody>
+            <a:bodyPr rot="0" spcFirstLastPara="0" vertOverflow="overflow" horzOverflow="overflow" vert="horz" wrap="none" lIns="91440" tIns="45721" rIns="91440" bIns="45721" numCol="1" spcCol="0" rtlCol="0" fromWordArt="0" anchor="ctr" anchorCtr="0" forceAA="0" compatLnSpc="1">
+              <a:prstTxWarp prst="textNoShape">
+                <a:avLst/>
+              </a:prstTxWarp>
+              <a:noAutofit/>
+            </a:bodyPr>
+            <a:lstStyle/>
+            <a:p>
+              <a:pPr algn="ctr"/>
+              <a:r>
+                <a:rPr lang="en-US" sz="800" dirty="0" err="1"/>
+                <a:t>cni</a:t>
+              </a:r>
+              <a:r>
+                <a:rPr lang="en-US" sz="800" dirty="0"/>
+                <a:t>-plugins</a:t>
+              </a:r>
+            </a:p>
+          </p:txBody>
+        </p:sp>
+        <p:sp>
+          <p:nvSpPr>
+            <p:cNvPr id="78" name="Rounded Rectangle 77">
+              <a:extLst>
+                <a:ext uri="{FF2B5EF4-FFF2-40B4-BE49-F238E27FC236}">
+                  <a16:creationId xmlns:a16="http://schemas.microsoft.com/office/drawing/2014/main" id="{1B89032B-44C0-DD4A-AE7C-4D78866A1939}"/>
+                </a:ext>
+              </a:extLst>
+            </p:cNvPr>
+            <p:cNvSpPr/>
+            <p:nvPr/>
+          </p:nvSpPr>
+          <p:spPr>
+            <a:xfrm>
+              <a:off x="5166279" y="3100484"/>
+              <a:ext cx="2034539" cy="311691"/>
+            </a:xfrm>
+            <a:prstGeom prst="roundRect">
+              <a:avLst/>
+            </a:prstGeom>
+          </p:spPr>
+          <p:style>
+            <a:lnRef idx="3">
+              <a:schemeClr val="lt1"/>
+            </a:lnRef>
+            <a:fillRef idx="1">
+              <a:schemeClr val="accent2"/>
+            </a:fillRef>
+            <a:effectRef idx="1">
+              <a:schemeClr val="accent2"/>
+            </a:effectRef>
+            <a:fontRef idx="minor">
+              <a:schemeClr val="lt1"/>
+            </a:fontRef>
+          </p:style>
+          <p:txBody>
+            <a:bodyPr rot="0" spcFirstLastPara="0" vertOverflow="overflow" horzOverflow="overflow" vert="horz" wrap="none" lIns="91440" tIns="45721" rIns="91440" bIns="45721" numCol="1" spcCol="0" rtlCol="0" fromWordArt="0" anchor="ctr" anchorCtr="0" forceAA="0" compatLnSpc="1">
+              <a:prstTxWarp prst="textNoShape">
+                <a:avLst/>
+              </a:prstTxWarp>
+              <a:noAutofit/>
+            </a:bodyPr>
+            <a:lstStyle/>
+            <a:p>
+              <a:pPr algn="ctr"/>
+              <a:r>
+                <a:rPr lang="en-US" sz="800" dirty="0" err="1"/>
+                <a:t>dns</a:t>
+              </a:r>
+              <a:r>
+                <a:rPr lang="en-US" sz="800" dirty="0"/>
+                <a:t>-cluster add-on</a:t>
+              </a:r>
+            </a:p>
+          </p:txBody>
+        </p:sp>
+      </p:grpSp>
+      <p:grpSp>
+        <p:nvGrpSpPr>
+          <p:cNvPr id="87" name="Group 86">
+            <a:extLst>
+              <a:ext uri="{FF2B5EF4-FFF2-40B4-BE49-F238E27FC236}">
+                <a16:creationId xmlns:a16="http://schemas.microsoft.com/office/drawing/2014/main" id="{5E52644A-9586-DB44-9D76-F59B5BBBCF62}"/>
+              </a:ext>
+            </a:extLst>
+          </p:cNvPr>
+          <p:cNvGrpSpPr>
+            <a:grpSpLocks noChangeAspect="1"/>
+          </p:cNvGrpSpPr>
+          <p:nvPr/>
+        </p:nvGrpSpPr>
+        <p:grpSpPr>
+          <a:xfrm>
+            <a:off x="4445977" y="547768"/>
+            <a:ext cx="1567446" cy="996218"/>
+            <a:chOff x="1851184" y="237172"/>
+            <a:chExt cx="2612414" cy="1955570"/>
+          </a:xfrm>
+        </p:grpSpPr>
+        <p:sp>
+          <p:nvSpPr>
+            <p:cNvPr id="88" name="Rounded Rectangle 87">
+              <a:extLst>
+                <a:ext uri="{FF2B5EF4-FFF2-40B4-BE49-F238E27FC236}">
+                  <a16:creationId xmlns:a16="http://schemas.microsoft.com/office/drawing/2014/main" id="{70962EFE-001A-4246-A984-E9C96C5DC4D4}"/>
+                </a:ext>
+              </a:extLst>
+            </p:cNvPr>
+            <p:cNvSpPr/>
+            <p:nvPr/>
+          </p:nvSpPr>
+          <p:spPr>
+            <a:xfrm>
+              <a:off x="1851184" y="237174"/>
+              <a:ext cx="2612414" cy="1955568"/>
+            </a:xfrm>
+            <a:prstGeom prst="roundRect">
+              <a:avLst/>
+            </a:prstGeom>
+          </p:spPr>
+          <p:style>
+            <a:lnRef idx="2">
+              <a:schemeClr val="accent1">
+                <a:shade val="50000"/>
+              </a:schemeClr>
+            </a:lnRef>
+            <a:fillRef idx="1">
+              <a:schemeClr val="accent1"/>
+            </a:fillRef>
+            <a:effectRef idx="0">
+              <a:schemeClr val="accent1"/>
+            </a:effectRef>
+            <a:fontRef idx="minor">
+              <a:schemeClr val="lt1"/>
+            </a:fontRef>
+          </p:style>
+          <p:txBody>
+            <a:bodyPr rot="0" spcFirstLastPara="0" vertOverflow="overflow" horzOverflow="overflow" vert="horz" wrap="square" lIns="91440" tIns="45721" rIns="91440" bIns="45721" numCol="1" spcCol="0" rtlCol="0" fromWordArt="0" anchor="ctr" anchorCtr="0" forceAA="0" compatLnSpc="1">
+              <a:prstTxWarp prst="textNoShape">
+                <a:avLst/>
+              </a:prstTxWarp>
+              <a:normAutofit/>
+            </a:bodyPr>
+            <a:lstStyle/>
+            <a:p>
+              <a:pPr algn="ctr"/>
+              <a:endParaRPr lang="en-US" sz="1801" dirty="0"/>
+            </a:p>
+          </p:txBody>
+        </p:sp>
+        <p:sp>
+          <p:nvSpPr>
+            <p:cNvPr id="89" name="TextBox 88">
+              <a:extLst>
+                <a:ext uri="{FF2B5EF4-FFF2-40B4-BE49-F238E27FC236}">
+                  <a16:creationId xmlns:a16="http://schemas.microsoft.com/office/drawing/2014/main" id="{02E2855C-6B1F-994E-A48F-47D049433432}"/>
+                </a:ext>
+              </a:extLst>
+            </p:cNvPr>
+            <p:cNvSpPr txBox="1"/>
+            <p:nvPr/>
+          </p:nvSpPr>
+          <p:spPr>
+            <a:xfrm>
+              <a:off x="2505642" y="237172"/>
+              <a:ext cx="1303490" cy="398749"/>
+            </a:xfrm>
+            <a:prstGeom prst="rect">
+              <a:avLst/>
+            </a:prstGeom>
+            <a:noFill/>
+          </p:spPr>
+          <p:txBody>
+            <a:bodyPr wrap="square" rtlCol="0">
+              <a:normAutofit fontScale="47500" lnSpcReduction="20000"/>
+            </a:bodyPr>
+            <a:lstStyle/>
+            <a:p>
+              <a:r>
+                <a:rPr lang="en-US" sz="1600" dirty="0">
+                  <a:solidFill>
+                    <a:schemeClr val="bg1"/>
+                  </a:solidFill>
+                </a:rPr>
+                <a:t>Worker Node</a:t>
+              </a:r>
+            </a:p>
+          </p:txBody>
+        </p:sp>
+        <p:sp>
+          <p:nvSpPr>
+            <p:cNvPr id="90" name="Rounded Rectangle 89">
+              <a:extLst>
+                <a:ext uri="{FF2B5EF4-FFF2-40B4-BE49-F238E27FC236}">
+                  <a16:creationId xmlns:a16="http://schemas.microsoft.com/office/drawing/2014/main" id="{E979D36E-57CF-6246-A868-EC3C2CEB9FCC}"/>
+                </a:ext>
+              </a:extLst>
+            </p:cNvPr>
+            <p:cNvSpPr/>
+            <p:nvPr/>
+          </p:nvSpPr>
+          <p:spPr>
+            <a:xfrm>
+              <a:off x="1938735" y="577201"/>
+              <a:ext cx="2440135" cy="1160160"/>
+            </a:xfrm>
+            <a:prstGeom prst="roundRect">
+              <a:avLst/>
+            </a:prstGeom>
+          </p:spPr>
+          <p:style>
+            <a:lnRef idx="2">
+              <a:schemeClr val="accent5">
+                <a:shade val="50000"/>
+              </a:schemeClr>
+            </a:lnRef>
+            <a:fillRef idx="1">
+              <a:schemeClr val="accent5"/>
+            </a:fillRef>
+            <a:effectRef idx="0">
+              <a:schemeClr val="accent5"/>
+            </a:effectRef>
+            <a:fontRef idx="minor">
+              <a:schemeClr val="lt1"/>
+            </a:fontRef>
+          </p:style>
+          <p:txBody>
+            <a:bodyPr rot="0" spcFirstLastPara="0" vertOverflow="overflow" horzOverflow="overflow" vert="horz" wrap="square" lIns="91440" tIns="45721" rIns="91440" bIns="45721" numCol="1" spcCol="0" rtlCol="0" fromWordArt="0" anchor="ctr" anchorCtr="0" forceAA="0" compatLnSpc="1">
+              <a:prstTxWarp prst="textNoShape">
+                <a:avLst/>
+              </a:prstTxWarp>
+              <a:normAutofit/>
+            </a:bodyPr>
+            <a:lstStyle/>
+            <a:p>
+              <a:pPr algn="ctr"/>
+              <a:endParaRPr lang="en-US" sz="1801"/>
+            </a:p>
+          </p:txBody>
+        </p:sp>
+        <p:sp>
+          <p:nvSpPr>
+            <p:cNvPr id="91" name="TextBox 90">
+              <a:extLst>
+                <a:ext uri="{FF2B5EF4-FFF2-40B4-BE49-F238E27FC236}">
+                  <a16:creationId xmlns:a16="http://schemas.microsoft.com/office/drawing/2014/main" id="{D592EC53-D862-FE4A-91FF-7B8F168CDB13}"/>
+                </a:ext>
+              </a:extLst>
+            </p:cNvPr>
+            <p:cNvSpPr txBox="1"/>
+            <p:nvPr/>
+          </p:nvSpPr>
+          <p:spPr>
+            <a:xfrm>
+              <a:off x="2390361" y="530435"/>
+              <a:ext cx="1603839" cy="362649"/>
+            </a:xfrm>
+            <a:prstGeom prst="rect">
+              <a:avLst/>
+            </a:prstGeom>
+            <a:noFill/>
+          </p:spPr>
+          <p:txBody>
+            <a:bodyPr wrap="square" rtlCol="0">
+              <a:normAutofit fontScale="47500" lnSpcReduction="20000"/>
+            </a:bodyPr>
+            <a:lstStyle/>
+            <a:p>
+              <a:r>
+                <a:rPr lang="en-US" sz="1401" dirty="0"/>
+                <a:t>Container Runtime</a:t>
+              </a:r>
+            </a:p>
+          </p:txBody>
+        </p:sp>
+        <p:sp>
+          <p:nvSpPr>
+            <p:cNvPr id="92" name="Rounded Rectangle 91">
+              <a:extLst>
+                <a:ext uri="{FF2B5EF4-FFF2-40B4-BE49-F238E27FC236}">
+                  <a16:creationId xmlns:a16="http://schemas.microsoft.com/office/drawing/2014/main" id="{817A1AF8-F196-9B45-B3E9-33558BF9D2CD}"/>
+                </a:ext>
+              </a:extLst>
+            </p:cNvPr>
+            <p:cNvSpPr/>
+            <p:nvPr/>
+          </p:nvSpPr>
+          <p:spPr>
+            <a:xfrm>
+              <a:off x="2264931" y="888892"/>
+              <a:ext cx="1784914" cy="311691"/>
+            </a:xfrm>
+            <a:prstGeom prst="roundRect">
+              <a:avLst/>
+            </a:prstGeom>
+          </p:spPr>
+          <p:style>
+            <a:lnRef idx="3">
+              <a:schemeClr val="lt1"/>
+            </a:lnRef>
+            <a:fillRef idx="1">
+              <a:schemeClr val="accent2"/>
+            </a:fillRef>
+            <a:effectRef idx="1">
+              <a:schemeClr val="accent2"/>
+            </a:effectRef>
+            <a:fontRef idx="minor">
+              <a:schemeClr val="lt1"/>
+            </a:fontRef>
+          </p:style>
+          <p:txBody>
+            <a:bodyPr rot="0" spcFirstLastPara="0" vertOverflow="overflow" horzOverflow="overflow" vert="horz" wrap="square" lIns="91440" tIns="45721" rIns="91440" bIns="45721" numCol="1" spcCol="0" rtlCol="0" fromWordArt="0" anchor="ctr" anchorCtr="0" forceAA="0" compatLnSpc="1">
+              <a:prstTxWarp prst="textNoShape">
+                <a:avLst/>
+              </a:prstTxWarp>
+              <a:noAutofit/>
+            </a:bodyPr>
+            <a:lstStyle/>
+            <a:p>
+              <a:pPr algn="ctr"/>
+              <a:r>
+                <a:rPr lang="en-US" sz="800" dirty="0" err="1"/>
+                <a:t>kube</a:t>
+              </a:r>
+              <a:r>
+                <a:rPr lang="en-US" sz="800" dirty="0"/>
+                <a:t>-proxy</a:t>
+              </a:r>
+            </a:p>
+          </p:txBody>
+        </p:sp>
+        <p:sp>
+          <p:nvSpPr>
+            <p:cNvPr id="93" name="Rounded Rectangle 92">
+              <a:extLst>
+                <a:ext uri="{FF2B5EF4-FFF2-40B4-BE49-F238E27FC236}">
+                  <a16:creationId xmlns:a16="http://schemas.microsoft.com/office/drawing/2014/main" id="{83FBE431-78B3-7D44-BA47-415E1751F23B}"/>
+                </a:ext>
+              </a:extLst>
+            </p:cNvPr>
+            <p:cNvSpPr/>
+            <p:nvPr/>
+          </p:nvSpPr>
+          <p:spPr>
+            <a:xfrm>
+              <a:off x="2264931" y="1322526"/>
+              <a:ext cx="1784914" cy="311691"/>
+            </a:xfrm>
+            <a:prstGeom prst="roundRect">
+              <a:avLst/>
+            </a:prstGeom>
+          </p:spPr>
+          <p:style>
+            <a:lnRef idx="3">
+              <a:schemeClr val="lt1"/>
+            </a:lnRef>
+            <a:fillRef idx="1">
+              <a:schemeClr val="accent2"/>
+            </a:fillRef>
+            <a:effectRef idx="1">
+              <a:schemeClr val="accent2"/>
+            </a:effectRef>
+            <a:fontRef idx="minor">
+              <a:schemeClr val="lt1"/>
+            </a:fontRef>
+          </p:style>
+          <p:txBody>
+            <a:bodyPr rot="0" spcFirstLastPara="0" vertOverflow="overflow" horzOverflow="overflow" vert="horz" wrap="square" lIns="91440" tIns="45721" rIns="91440" bIns="45721" numCol="1" spcCol="0" rtlCol="0" fromWordArt="0" anchor="ctr" anchorCtr="0" forceAA="0" compatLnSpc="1">
+              <a:prstTxWarp prst="textNoShape">
+                <a:avLst/>
+              </a:prstTxWarp>
+              <a:noAutofit/>
+            </a:bodyPr>
+            <a:lstStyle/>
+            <a:p>
+              <a:pPr algn="ctr"/>
+              <a:r>
+                <a:rPr lang="en-US" sz="800" dirty="0" err="1"/>
+                <a:t>cni</a:t>
+              </a:r>
+              <a:r>
+                <a:rPr lang="en-US" sz="800" dirty="0"/>
+                <a:t>-plugins</a:t>
+              </a:r>
+            </a:p>
+          </p:txBody>
+        </p:sp>
+        <p:sp>
+          <p:nvSpPr>
+            <p:cNvPr id="94" name="Rounded Rectangle 93">
+              <a:extLst>
+                <a:ext uri="{FF2B5EF4-FFF2-40B4-BE49-F238E27FC236}">
+                  <a16:creationId xmlns:a16="http://schemas.microsoft.com/office/drawing/2014/main" id="{ED62AAB2-A2F3-F142-91FD-63F24D2F44DE}"/>
+                </a:ext>
+              </a:extLst>
+            </p:cNvPr>
+            <p:cNvSpPr/>
+            <p:nvPr/>
+          </p:nvSpPr>
+          <p:spPr>
+            <a:xfrm>
+              <a:off x="2264931" y="1855197"/>
+              <a:ext cx="1784914" cy="222191"/>
+            </a:xfrm>
+            <a:prstGeom prst="roundRect">
+              <a:avLst/>
+            </a:prstGeom>
+          </p:spPr>
+          <p:style>
+            <a:lnRef idx="2">
+              <a:schemeClr val="accent4">
+                <a:shade val="50000"/>
+              </a:schemeClr>
+            </a:lnRef>
+            <a:fillRef idx="1">
+              <a:schemeClr val="accent4"/>
+            </a:fillRef>
+            <a:effectRef idx="0">
+              <a:schemeClr val="accent4"/>
+            </a:effectRef>
+            <a:fontRef idx="minor">
+              <a:schemeClr val="lt1"/>
+            </a:fontRef>
+          </p:style>
+          <p:txBody>
+            <a:bodyPr rot="0" spcFirstLastPara="0" vertOverflow="overflow" horzOverflow="overflow" vert="horz" wrap="square" lIns="91440" tIns="45721" rIns="91440" bIns="45721" numCol="1" spcCol="0" rtlCol="0" fromWordArt="0" anchor="ctr" anchorCtr="0" forceAA="0" compatLnSpc="1">
+              <a:prstTxWarp prst="textNoShape">
+                <a:avLst/>
+              </a:prstTxWarp>
+              <a:noAutofit/>
+            </a:bodyPr>
+            <a:lstStyle/>
+            <a:p>
+              <a:pPr algn="ctr"/>
+              <a:r>
+                <a:rPr lang="en-US" sz="800" dirty="0">
+                  <a:ln w="0"/>
+                  <a:solidFill>
+                    <a:schemeClr val="tx1"/>
+                  </a:solidFill>
+                  <a:effectLst>
+                    <a:outerShdw blurRad="38100" dist="19050" dir="2700000" algn="tl" rotWithShape="0">
+                      <a:schemeClr val="dk1">
+                        <a:alpha val="40000"/>
+                      </a:schemeClr>
+                    </a:outerShdw>
+                  </a:effectLst>
+                </a:rPr>
+                <a:t>kubelet</a:t>
+              </a:r>
+            </a:p>
+          </p:txBody>
+        </p:sp>
+      </p:grpSp>
+      <p:grpSp>
+        <p:nvGrpSpPr>
+          <p:cNvPr id="95" name="Group 94">
+            <a:extLst>
+              <a:ext uri="{FF2B5EF4-FFF2-40B4-BE49-F238E27FC236}">
+                <a16:creationId xmlns:a16="http://schemas.microsoft.com/office/drawing/2014/main" id="{48E88B46-D371-1244-BF65-25A5DD863AC9}"/>
+              </a:ext>
+            </a:extLst>
+          </p:cNvPr>
+          <p:cNvGrpSpPr>
+            <a:grpSpLocks noChangeAspect="1"/>
+          </p:cNvGrpSpPr>
+          <p:nvPr/>
+        </p:nvGrpSpPr>
+        <p:grpSpPr>
+          <a:xfrm>
+            <a:off x="1851028" y="547768"/>
+            <a:ext cx="1567446" cy="996218"/>
+            <a:chOff x="1851184" y="237172"/>
+            <a:chExt cx="2612414" cy="1955570"/>
+          </a:xfrm>
+        </p:grpSpPr>
+        <p:sp>
+          <p:nvSpPr>
+            <p:cNvPr id="96" name="Rounded Rectangle 95">
+              <a:extLst>
+                <a:ext uri="{FF2B5EF4-FFF2-40B4-BE49-F238E27FC236}">
+                  <a16:creationId xmlns:a16="http://schemas.microsoft.com/office/drawing/2014/main" id="{537AF550-831C-5345-A028-D6D2C3EDF382}"/>
+                </a:ext>
+              </a:extLst>
+            </p:cNvPr>
+            <p:cNvSpPr/>
+            <p:nvPr/>
+          </p:nvSpPr>
+          <p:spPr>
+            <a:xfrm>
+              <a:off x="1851184" y="237174"/>
+              <a:ext cx="2612414" cy="1955568"/>
+            </a:xfrm>
+            <a:prstGeom prst="roundRect">
+              <a:avLst/>
+            </a:prstGeom>
+          </p:spPr>
+          <p:style>
+            <a:lnRef idx="2">
+              <a:schemeClr val="accent1">
+                <a:shade val="50000"/>
+              </a:schemeClr>
+            </a:lnRef>
+            <a:fillRef idx="1">
+              <a:schemeClr val="accent1"/>
+            </a:fillRef>
+            <a:effectRef idx="0">
+              <a:schemeClr val="accent1"/>
+            </a:effectRef>
+            <a:fontRef idx="minor">
+              <a:schemeClr val="lt1"/>
+            </a:fontRef>
+          </p:style>
+          <p:txBody>
+            <a:bodyPr rot="0" spcFirstLastPara="0" vertOverflow="overflow" horzOverflow="overflow" vert="horz" wrap="square" lIns="91440" tIns="45721" rIns="91440" bIns="45721" numCol="1" spcCol="0" rtlCol="0" fromWordArt="0" anchor="ctr" anchorCtr="0" forceAA="0" compatLnSpc="1">
+              <a:prstTxWarp prst="textNoShape">
+                <a:avLst/>
+              </a:prstTxWarp>
+              <a:normAutofit/>
+            </a:bodyPr>
+            <a:lstStyle/>
+            <a:p>
+              <a:pPr algn="ctr"/>
+              <a:endParaRPr lang="en-US" sz="1801" dirty="0"/>
+            </a:p>
+          </p:txBody>
+        </p:sp>
+        <p:sp>
+          <p:nvSpPr>
+            <p:cNvPr id="97" name="TextBox 96">
+              <a:extLst>
+                <a:ext uri="{FF2B5EF4-FFF2-40B4-BE49-F238E27FC236}">
+                  <a16:creationId xmlns:a16="http://schemas.microsoft.com/office/drawing/2014/main" id="{558424F6-C84E-8446-AB42-BBA54299D491}"/>
+                </a:ext>
+              </a:extLst>
+            </p:cNvPr>
+            <p:cNvSpPr txBox="1"/>
+            <p:nvPr/>
+          </p:nvSpPr>
+          <p:spPr>
+            <a:xfrm>
+              <a:off x="2505642" y="237172"/>
+              <a:ext cx="1303490" cy="398749"/>
+            </a:xfrm>
+            <a:prstGeom prst="rect">
+              <a:avLst/>
+            </a:prstGeom>
+            <a:noFill/>
+          </p:spPr>
+          <p:txBody>
+            <a:bodyPr wrap="square" rtlCol="0">
+              <a:normAutofit fontScale="47500" lnSpcReduction="20000"/>
+            </a:bodyPr>
+            <a:lstStyle/>
+            <a:p>
+              <a:r>
+                <a:rPr lang="en-US" sz="1600" dirty="0">
+                  <a:solidFill>
+                    <a:schemeClr val="bg1"/>
+                  </a:solidFill>
+                </a:rPr>
+                <a:t>Worker Node</a:t>
+              </a:r>
+            </a:p>
+          </p:txBody>
+        </p:sp>
+        <p:sp>
+          <p:nvSpPr>
+            <p:cNvPr id="98" name="Rounded Rectangle 97">
+              <a:extLst>
+                <a:ext uri="{FF2B5EF4-FFF2-40B4-BE49-F238E27FC236}">
+                  <a16:creationId xmlns:a16="http://schemas.microsoft.com/office/drawing/2014/main" id="{46C26FA1-6C71-4B4E-B8B1-8406A8318C3A}"/>
+                </a:ext>
+              </a:extLst>
+            </p:cNvPr>
+            <p:cNvSpPr/>
+            <p:nvPr/>
+          </p:nvSpPr>
+          <p:spPr>
+            <a:xfrm>
+              <a:off x="1938735" y="577201"/>
+              <a:ext cx="2440135" cy="1160160"/>
+            </a:xfrm>
+            <a:prstGeom prst="roundRect">
+              <a:avLst/>
+            </a:prstGeom>
+          </p:spPr>
+          <p:style>
+            <a:lnRef idx="2">
+              <a:schemeClr val="accent5">
+                <a:shade val="50000"/>
+              </a:schemeClr>
+            </a:lnRef>
+            <a:fillRef idx="1">
+              <a:schemeClr val="accent5"/>
+            </a:fillRef>
+            <a:effectRef idx="0">
+              <a:schemeClr val="accent5"/>
+            </a:effectRef>
+            <a:fontRef idx="minor">
+              <a:schemeClr val="lt1"/>
+            </a:fontRef>
+          </p:style>
+          <p:txBody>
+            <a:bodyPr rot="0" spcFirstLastPara="0" vertOverflow="overflow" horzOverflow="overflow" vert="horz" wrap="square" lIns="91440" tIns="45721" rIns="91440" bIns="45721" numCol="1" spcCol="0" rtlCol="0" fromWordArt="0" anchor="ctr" anchorCtr="0" forceAA="0" compatLnSpc="1">
+              <a:prstTxWarp prst="textNoShape">
+                <a:avLst/>
+              </a:prstTxWarp>
+              <a:normAutofit/>
+            </a:bodyPr>
+            <a:lstStyle/>
+            <a:p>
+              <a:pPr algn="ctr"/>
+              <a:endParaRPr lang="en-US" sz="1801"/>
+            </a:p>
+          </p:txBody>
+        </p:sp>
+        <p:sp>
+          <p:nvSpPr>
+            <p:cNvPr id="99" name="TextBox 98">
+              <a:extLst>
+                <a:ext uri="{FF2B5EF4-FFF2-40B4-BE49-F238E27FC236}">
+                  <a16:creationId xmlns:a16="http://schemas.microsoft.com/office/drawing/2014/main" id="{4A26CE6A-4B15-CA4C-B050-64966CD5AC37}"/>
+                </a:ext>
+              </a:extLst>
+            </p:cNvPr>
+            <p:cNvSpPr txBox="1"/>
+            <p:nvPr/>
+          </p:nvSpPr>
+          <p:spPr>
+            <a:xfrm>
+              <a:off x="2390361" y="530435"/>
+              <a:ext cx="1603839" cy="362649"/>
+            </a:xfrm>
+            <a:prstGeom prst="rect">
+              <a:avLst/>
+            </a:prstGeom>
+            <a:noFill/>
+          </p:spPr>
+          <p:txBody>
+            <a:bodyPr wrap="square" rtlCol="0">
+              <a:normAutofit fontScale="47500" lnSpcReduction="20000"/>
+            </a:bodyPr>
+            <a:lstStyle/>
+            <a:p>
+              <a:r>
+                <a:rPr lang="en-US" sz="1401" dirty="0"/>
+                <a:t>Container Runtime</a:t>
+              </a:r>
+            </a:p>
+          </p:txBody>
+        </p:sp>
+        <p:sp>
+          <p:nvSpPr>
+            <p:cNvPr id="100" name="Rounded Rectangle 99">
+              <a:extLst>
+                <a:ext uri="{FF2B5EF4-FFF2-40B4-BE49-F238E27FC236}">
+                  <a16:creationId xmlns:a16="http://schemas.microsoft.com/office/drawing/2014/main" id="{B7202D01-8988-AB48-8F2E-1E16F4C6BECF}"/>
+                </a:ext>
+              </a:extLst>
+            </p:cNvPr>
+            <p:cNvSpPr/>
+            <p:nvPr/>
+          </p:nvSpPr>
+          <p:spPr>
+            <a:xfrm>
+              <a:off x="2264931" y="888892"/>
+              <a:ext cx="1784914" cy="311691"/>
+            </a:xfrm>
+            <a:prstGeom prst="roundRect">
+              <a:avLst/>
+            </a:prstGeom>
+          </p:spPr>
+          <p:style>
+            <a:lnRef idx="3">
+              <a:schemeClr val="lt1"/>
+            </a:lnRef>
+            <a:fillRef idx="1">
+              <a:schemeClr val="accent2"/>
+            </a:fillRef>
+            <a:effectRef idx="1">
+              <a:schemeClr val="accent2"/>
+            </a:effectRef>
+            <a:fontRef idx="minor">
+              <a:schemeClr val="lt1"/>
+            </a:fontRef>
+          </p:style>
+          <p:txBody>
+            <a:bodyPr rot="0" spcFirstLastPara="0" vertOverflow="overflow" horzOverflow="overflow" vert="horz" wrap="square" lIns="91440" tIns="45721" rIns="91440" bIns="45721" numCol="1" spcCol="0" rtlCol="0" fromWordArt="0" anchor="ctr" anchorCtr="0" forceAA="0" compatLnSpc="1">
+              <a:prstTxWarp prst="textNoShape">
+                <a:avLst/>
+              </a:prstTxWarp>
+              <a:noAutofit/>
+            </a:bodyPr>
+            <a:lstStyle/>
+            <a:p>
+              <a:pPr algn="ctr"/>
+              <a:r>
+                <a:rPr lang="en-US" sz="800" dirty="0" err="1"/>
+                <a:t>kube</a:t>
+              </a:r>
+              <a:r>
+                <a:rPr lang="en-US" sz="800" dirty="0"/>
+                <a:t>-proxy</a:t>
+              </a:r>
+            </a:p>
+          </p:txBody>
+        </p:sp>
+        <p:sp>
+          <p:nvSpPr>
+            <p:cNvPr id="101" name="Rounded Rectangle 100">
+              <a:extLst>
+                <a:ext uri="{FF2B5EF4-FFF2-40B4-BE49-F238E27FC236}">
+                  <a16:creationId xmlns:a16="http://schemas.microsoft.com/office/drawing/2014/main" id="{A6686B25-6D23-FC44-ACA1-9AFD788EDBBF}"/>
+                </a:ext>
+              </a:extLst>
+            </p:cNvPr>
+            <p:cNvSpPr/>
+            <p:nvPr/>
+          </p:nvSpPr>
+          <p:spPr>
+            <a:xfrm>
+              <a:off x="2264931" y="1322526"/>
+              <a:ext cx="1784914" cy="311691"/>
+            </a:xfrm>
+            <a:prstGeom prst="roundRect">
+              <a:avLst/>
+            </a:prstGeom>
+          </p:spPr>
+          <p:style>
+            <a:lnRef idx="3">
+              <a:schemeClr val="lt1"/>
+            </a:lnRef>
+            <a:fillRef idx="1">
+              <a:schemeClr val="accent2"/>
+            </a:fillRef>
+            <a:effectRef idx="1">
+              <a:schemeClr val="accent2"/>
+            </a:effectRef>
+            <a:fontRef idx="minor">
+              <a:schemeClr val="lt1"/>
+            </a:fontRef>
+          </p:style>
+          <p:txBody>
+            <a:bodyPr rot="0" spcFirstLastPara="0" vertOverflow="overflow" horzOverflow="overflow" vert="horz" wrap="square" lIns="91440" tIns="45721" rIns="91440" bIns="45721" numCol="1" spcCol="0" rtlCol="0" fromWordArt="0" anchor="ctr" anchorCtr="0" forceAA="0" compatLnSpc="1">
+              <a:prstTxWarp prst="textNoShape">
+                <a:avLst/>
+              </a:prstTxWarp>
+              <a:noAutofit/>
+            </a:bodyPr>
+            <a:lstStyle/>
+            <a:p>
+              <a:pPr algn="ctr"/>
+              <a:r>
+                <a:rPr lang="en-US" sz="800" dirty="0" err="1"/>
+                <a:t>cni</a:t>
+              </a:r>
+              <a:r>
+                <a:rPr lang="en-US" sz="800" dirty="0"/>
+                <a:t>-plugins</a:t>
+              </a:r>
+            </a:p>
+          </p:txBody>
+        </p:sp>
+        <p:sp>
+          <p:nvSpPr>
+            <p:cNvPr id="102" name="Rounded Rectangle 101">
+              <a:extLst>
+                <a:ext uri="{FF2B5EF4-FFF2-40B4-BE49-F238E27FC236}">
+                  <a16:creationId xmlns:a16="http://schemas.microsoft.com/office/drawing/2014/main" id="{4ED753B0-B51D-9A42-9E5E-48F25D3047A9}"/>
+                </a:ext>
+              </a:extLst>
+            </p:cNvPr>
+            <p:cNvSpPr/>
+            <p:nvPr/>
+          </p:nvSpPr>
+          <p:spPr>
+            <a:xfrm>
+              <a:off x="2264931" y="1855197"/>
+              <a:ext cx="1784914" cy="222191"/>
+            </a:xfrm>
+            <a:prstGeom prst="roundRect">
+              <a:avLst/>
+            </a:prstGeom>
+          </p:spPr>
+          <p:style>
+            <a:lnRef idx="2">
+              <a:schemeClr val="accent4">
+                <a:shade val="50000"/>
+              </a:schemeClr>
+            </a:lnRef>
+            <a:fillRef idx="1">
+              <a:schemeClr val="accent4"/>
+            </a:fillRef>
+            <a:effectRef idx="0">
+              <a:schemeClr val="accent4"/>
+            </a:effectRef>
+            <a:fontRef idx="minor">
+              <a:schemeClr val="lt1"/>
+            </a:fontRef>
+          </p:style>
+          <p:txBody>
+            <a:bodyPr rot="0" spcFirstLastPara="0" vertOverflow="overflow" horzOverflow="overflow" vert="horz" wrap="square" lIns="91440" tIns="45721" rIns="91440" bIns="45721" numCol="1" spcCol="0" rtlCol="0" fromWordArt="0" anchor="ctr" anchorCtr="0" forceAA="0" compatLnSpc="1">
+              <a:prstTxWarp prst="textNoShape">
+                <a:avLst/>
+              </a:prstTxWarp>
+              <a:noAutofit/>
+            </a:bodyPr>
+            <a:lstStyle/>
+            <a:p>
+              <a:pPr algn="ctr"/>
+              <a:r>
+                <a:rPr lang="en-US" sz="800" dirty="0">
+                  <a:ln w="0"/>
+                  <a:solidFill>
+                    <a:schemeClr val="tx1"/>
+                  </a:solidFill>
+                  <a:effectLst>
+                    <a:outerShdw blurRad="38100" dist="19050" dir="2700000" algn="tl" rotWithShape="0">
+                      <a:schemeClr val="dk1">
+                        <a:alpha val="40000"/>
+                      </a:schemeClr>
+                    </a:outerShdw>
+                  </a:effectLst>
+                </a:rPr>
+                <a:t>kubelet</a:t>
+              </a:r>
+            </a:p>
+          </p:txBody>
+        </p:sp>
+      </p:grpSp>
+      <p:cxnSp>
+        <p:nvCxnSpPr>
+          <p:cNvPr id="18" name="Straight Connector 17">
+            <a:extLst>
+              <a:ext uri="{FF2B5EF4-FFF2-40B4-BE49-F238E27FC236}">
+                <a16:creationId xmlns:a16="http://schemas.microsoft.com/office/drawing/2014/main" id="{7A5E2ACB-BD38-E340-A085-A87772DD38BA}"/>
+              </a:ext>
+            </a:extLst>
+          </p:cNvPr>
+          <p:cNvCxnSpPr/>
+          <p:nvPr/>
+        </p:nvCxnSpPr>
+        <p:spPr>
+          <a:xfrm>
+            <a:off x="3245437" y="2349661"/>
+            <a:ext cx="4047488" cy="0"/>
+          </a:xfrm>
+          <a:prstGeom prst="line">
+            <a:avLst/>
+          </a:prstGeom>
+          <a:ln>
+            <a:prstDash val="sysDash"/>
+          </a:ln>
+        </p:spPr>
+        <p:style>
+          <a:lnRef idx="1">
+            <a:schemeClr val="accent1"/>
+          </a:lnRef>
+          <a:fillRef idx="0">
+            <a:schemeClr val="accent1"/>
+          </a:fillRef>
+          <a:effectRef idx="0">
+            <a:schemeClr val="accent1"/>
+          </a:effectRef>
+          <a:fontRef idx="minor">
+            <a:schemeClr val="tx1"/>
+          </a:fontRef>
+        </p:style>
+      </p:cxnSp>
+      <p:cxnSp>
+        <p:nvCxnSpPr>
+          <p:cNvPr id="20" name="Straight Connector 19">
+            <a:extLst>
+              <a:ext uri="{FF2B5EF4-FFF2-40B4-BE49-F238E27FC236}">
+                <a16:creationId xmlns:a16="http://schemas.microsoft.com/office/drawing/2014/main" id="{2E3BE349-9DA6-FA4C-870E-CAC125FE8576}"/>
+              </a:ext>
+            </a:extLst>
+          </p:cNvPr>
+          <p:cNvCxnSpPr/>
+          <p:nvPr/>
+        </p:nvCxnSpPr>
+        <p:spPr>
+          <a:xfrm>
+            <a:off x="7292925" y="2349661"/>
+            <a:ext cx="0" cy="856526"/>
+          </a:xfrm>
+          <a:prstGeom prst="line">
+            <a:avLst/>
+          </a:prstGeom>
+          <a:ln>
+            <a:prstDash val="sysDash"/>
+          </a:ln>
+        </p:spPr>
+        <p:style>
+          <a:lnRef idx="1">
+            <a:schemeClr val="accent1"/>
+          </a:lnRef>
+          <a:fillRef idx="0">
+            <a:schemeClr val="accent1"/>
+          </a:fillRef>
+          <a:effectRef idx="0">
+            <a:schemeClr val="accent1"/>
+          </a:effectRef>
+          <a:fontRef idx="minor">
+            <a:schemeClr val="tx1"/>
+          </a:fontRef>
+        </p:style>
+      </p:cxnSp>
+      <p:cxnSp>
+        <p:nvCxnSpPr>
+          <p:cNvPr id="23" name="Straight Connector 22">
+            <a:extLst>
+              <a:ext uri="{FF2B5EF4-FFF2-40B4-BE49-F238E27FC236}">
+                <a16:creationId xmlns:a16="http://schemas.microsoft.com/office/drawing/2014/main" id="{6A14F182-67FC-4648-A3BC-4D808ADA94A7}"/>
+              </a:ext>
+            </a:extLst>
+          </p:cNvPr>
+          <p:cNvCxnSpPr/>
+          <p:nvPr/>
+        </p:nvCxnSpPr>
+        <p:spPr>
+          <a:xfrm flipH="1">
+            <a:off x="3245437" y="3206187"/>
+            <a:ext cx="4047488" cy="0"/>
+          </a:xfrm>
+          <a:prstGeom prst="line">
+            <a:avLst/>
+          </a:prstGeom>
+          <a:ln>
+            <a:prstDash val="sysDash"/>
+          </a:ln>
+        </p:spPr>
+        <p:style>
+          <a:lnRef idx="1">
+            <a:schemeClr val="accent1"/>
+          </a:lnRef>
+          <a:fillRef idx="0">
+            <a:schemeClr val="accent1"/>
+          </a:fillRef>
+          <a:effectRef idx="0">
+            <a:schemeClr val="accent1"/>
+          </a:effectRef>
+          <a:fontRef idx="minor">
+            <a:schemeClr val="tx1"/>
+          </a:fontRef>
+        </p:style>
+      </p:cxnSp>
+      <p:cxnSp>
+        <p:nvCxnSpPr>
+          <p:cNvPr id="25" name="Straight Connector 24">
+            <a:extLst>
+              <a:ext uri="{FF2B5EF4-FFF2-40B4-BE49-F238E27FC236}">
+                <a16:creationId xmlns:a16="http://schemas.microsoft.com/office/drawing/2014/main" id="{7B27FAF5-089F-8249-8C78-377F49A069F5}"/>
+              </a:ext>
+            </a:extLst>
+          </p:cNvPr>
+          <p:cNvCxnSpPr/>
+          <p:nvPr/>
+        </p:nvCxnSpPr>
+        <p:spPr>
+          <a:xfrm>
+            <a:off x="3245437" y="2349661"/>
+            <a:ext cx="0" cy="856526"/>
+          </a:xfrm>
+          <a:prstGeom prst="line">
+            <a:avLst/>
+          </a:prstGeom>
+          <a:ln>
+            <a:prstDash val="sysDash"/>
+          </a:ln>
+        </p:spPr>
+        <p:style>
+          <a:lnRef idx="1">
+            <a:schemeClr val="accent1"/>
+          </a:lnRef>
+          <a:fillRef idx="0">
+            <a:schemeClr val="accent1"/>
+          </a:fillRef>
+          <a:effectRef idx="0">
+            <a:schemeClr val="accent1"/>
+          </a:effectRef>
+          <a:fontRef idx="minor">
+            <a:schemeClr val="tx1"/>
+          </a:fontRef>
+        </p:style>
+      </p:cxnSp>
+      <p:sp>
+        <p:nvSpPr>
+          <p:cNvPr id="26" name="TextBox 25">
+            <a:extLst>
+              <a:ext uri="{FF2B5EF4-FFF2-40B4-BE49-F238E27FC236}">
+                <a16:creationId xmlns:a16="http://schemas.microsoft.com/office/drawing/2014/main" id="{82CEE4A0-09F9-AD4E-87CB-69E31060188D}"/>
+              </a:ext>
+            </a:extLst>
+          </p:cNvPr>
+          <p:cNvSpPr txBox="1"/>
+          <p:nvPr/>
+        </p:nvSpPr>
+        <p:spPr>
+          <a:xfrm>
+            <a:off x="4779394" y="2349661"/>
+            <a:ext cx="978153" cy="215444"/>
+          </a:xfrm>
+          <a:prstGeom prst="rect">
+            <a:avLst/>
+          </a:prstGeom>
+          <a:noFill/>
+        </p:spPr>
+        <p:txBody>
+          <a:bodyPr wrap="none" rtlCol="0">
+            <a:spAutoFit/>
+          </a:bodyPr>
+          <a:lstStyle/>
+          <a:p>
+            <a:r>
+              <a:rPr lang="en-US" sz="800" dirty="0"/>
+              <a:t>Floating IP Address</a:t>
+            </a:r>
+          </a:p>
+        </p:txBody>
+      </p:sp>
+      <p:sp>
+        <p:nvSpPr>
+          <p:cNvPr id="103" name="TextBox 102">
+            <a:extLst>
+              <a:ext uri="{FF2B5EF4-FFF2-40B4-BE49-F238E27FC236}">
+                <a16:creationId xmlns:a16="http://schemas.microsoft.com/office/drawing/2014/main" id="{81BA6526-8CFF-BA48-BB56-66FF33B2AE69}"/>
+              </a:ext>
+            </a:extLst>
+          </p:cNvPr>
+          <p:cNvSpPr txBox="1"/>
+          <p:nvPr/>
+        </p:nvSpPr>
+        <p:spPr>
+          <a:xfrm>
+            <a:off x="3946155" y="3002137"/>
+            <a:ext cx="510076" cy="215444"/>
+          </a:xfrm>
+          <a:prstGeom prst="rect">
+            <a:avLst/>
+          </a:prstGeom>
+          <a:noFill/>
+        </p:spPr>
+        <p:txBody>
+          <a:bodyPr wrap="none" rtlCol="0">
+            <a:spAutoFit/>
+          </a:bodyPr>
+          <a:lstStyle/>
+          <a:p>
+            <a:r>
+              <a:rPr lang="en-US" sz="800" dirty="0"/>
+              <a:t>Primary</a:t>
+            </a:r>
+          </a:p>
+        </p:txBody>
+      </p:sp>
+      <p:sp>
+        <p:nvSpPr>
+          <p:cNvPr id="104" name="TextBox 103">
+            <a:extLst>
+              <a:ext uri="{FF2B5EF4-FFF2-40B4-BE49-F238E27FC236}">
+                <a16:creationId xmlns:a16="http://schemas.microsoft.com/office/drawing/2014/main" id="{A7E7E24C-1894-8E4C-8E1A-9578C35BF35C}"/>
+              </a:ext>
+            </a:extLst>
+          </p:cNvPr>
+          <p:cNvSpPr txBox="1"/>
+          <p:nvPr/>
+        </p:nvSpPr>
+        <p:spPr>
+          <a:xfrm>
+            <a:off x="6025404" y="3002137"/>
+            <a:ext cx="620683" cy="215444"/>
+          </a:xfrm>
+          <a:prstGeom prst="rect">
+            <a:avLst/>
+          </a:prstGeom>
+          <a:noFill/>
+        </p:spPr>
+        <p:txBody>
+          <a:bodyPr wrap="none" rtlCol="0">
+            <a:spAutoFit/>
+          </a:bodyPr>
+          <a:lstStyle/>
+          <a:p>
+            <a:r>
+              <a:rPr lang="en-US" sz="800" dirty="0"/>
+              <a:t>Secondary</a:t>
+            </a:r>
+          </a:p>
+        </p:txBody>
+      </p:sp>
+      <p:sp>
+        <p:nvSpPr>
+          <p:cNvPr id="27" name="TextBox 26">
+            <a:extLst>
+              <a:ext uri="{FF2B5EF4-FFF2-40B4-BE49-F238E27FC236}">
+                <a16:creationId xmlns:a16="http://schemas.microsoft.com/office/drawing/2014/main" id="{1EE2548B-F083-3041-A718-29DE831E8FD2}"/>
+              </a:ext>
+            </a:extLst>
+          </p:cNvPr>
+          <p:cNvSpPr txBox="1"/>
+          <p:nvPr/>
+        </p:nvSpPr>
+        <p:spPr>
+          <a:xfrm>
+            <a:off x="3416135" y="2132119"/>
+            <a:ext cx="1490050" cy="215444"/>
+          </a:xfrm>
+          <a:prstGeom prst="rect">
+            <a:avLst/>
+          </a:prstGeom>
+          <a:noFill/>
+        </p:spPr>
+        <p:txBody>
+          <a:bodyPr wrap="square" rtlCol="0">
+            <a:spAutoFit/>
+          </a:bodyPr>
+          <a:lstStyle/>
+          <a:p>
+            <a:r>
+              <a:rPr lang="en-US" sz="800" dirty="0"/>
+              <a:t>Load Balancer</a:t>
+            </a:r>
+          </a:p>
+        </p:txBody>
+      </p:sp>
+      <p:cxnSp>
+        <p:nvCxnSpPr>
+          <p:cNvPr id="29" name="Straight Arrow Connector 28">
+            <a:extLst>
+              <a:ext uri="{FF2B5EF4-FFF2-40B4-BE49-F238E27FC236}">
+                <a16:creationId xmlns:a16="http://schemas.microsoft.com/office/drawing/2014/main" id="{F8BAC1F9-1CBC-8D4A-AF90-F3BE109CD337}"/>
+              </a:ext>
+            </a:extLst>
+          </p:cNvPr>
+          <p:cNvCxnSpPr>
+            <a:stCxn id="44" idx="3"/>
+            <a:endCxn id="49" idx="1"/>
+          </p:cNvCxnSpPr>
+          <p:nvPr/>
+        </p:nvCxnSpPr>
+        <p:spPr>
+          <a:xfrm>
+            <a:off x="4984920" y="2787219"/>
+            <a:ext cx="567105" cy="0"/>
+          </a:xfrm>
+          <a:prstGeom prst="straightConnector1">
+            <a:avLst/>
+          </a:prstGeom>
+          <a:ln>
+            <a:prstDash val="sysDot"/>
+            <a:headEnd type="triangle"/>
+            <a:tailEnd type="triangle"/>
+          </a:ln>
+        </p:spPr>
+        <p:style>
+          <a:lnRef idx="1">
+            <a:schemeClr val="accent1"/>
+          </a:lnRef>
+          <a:fillRef idx="0">
+            <a:schemeClr val="accent1"/>
+          </a:fillRef>
+          <a:effectRef idx="0">
+            <a:schemeClr val="accent1"/>
+          </a:effectRef>
+          <a:fontRef idx="minor">
+            <a:schemeClr val="tx1"/>
+          </a:fontRef>
+        </p:style>
+      </p:cxnSp>
+      <p:cxnSp>
+        <p:nvCxnSpPr>
+          <p:cNvPr id="105" name="Straight Arrow Connector 104">
+            <a:extLst>
+              <a:ext uri="{FF2B5EF4-FFF2-40B4-BE49-F238E27FC236}">
+                <a16:creationId xmlns:a16="http://schemas.microsoft.com/office/drawing/2014/main" id="{BD1F93C1-3212-2B48-9C17-3F4397C0D2E3}"/>
+              </a:ext>
+            </a:extLst>
+          </p:cNvPr>
+          <p:cNvCxnSpPr>
+            <a:cxnSpLocks/>
+            <a:endCxn id="26" idx="0"/>
+          </p:cNvCxnSpPr>
+          <p:nvPr/>
+        </p:nvCxnSpPr>
+        <p:spPr>
+          <a:xfrm>
+            <a:off x="5268471" y="1545166"/>
+            <a:ext cx="0" cy="804495"/>
+          </a:xfrm>
+          <a:prstGeom prst="straightConnector1">
+            <a:avLst/>
+          </a:prstGeom>
+          <a:ln>
+            <a:prstDash val="sysDot"/>
+            <a:tailEnd type="triangle"/>
+          </a:ln>
+        </p:spPr>
+        <p:style>
+          <a:lnRef idx="1">
+            <a:schemeClr val="accent1"/>
+          </a:lnRef>
+          <a:fillRef idx="0">
+            <a:schemeClr val="accent1"/>
+          </a:fillRef>
+          <a:effectRef idx="0">
+            <a:schemeClr val="accent1"/>
+          </a:effectRef>
+          <a:fontRef idx="minor">
+            <a:schemeClr val="tx1"/>
+          </a:fontRef>
+        </p:style>
+      </p:cxnSp>
+      <p:cxnSp>
+        <p:nvCxnSpPr>
+          <p:cNvPr id="109" name="Straight Connector 108">
+            <a:extLst>
+              <a:ext uri="{FF2B5EF4-FFF2-40B4-BE49-F238E27FC236}">
+                <a16:creationId xmlns:a16="http://schemas.microsoft.com/office/drawing/2014/main" id="{2BBA33C1-2779-5F46-87C7-31CB56CC5209}"/>
+              </a:ext>
+            </a:extLst>
+          </p:cNvPr>
+          <p:cNvCxnSpPr>
+            <a:cxnSpLocks/>
+            <a:stCxn id="4" idx="2"/>
+          </p:cNvCxnSpPr>
+          <p:nvPr/>
+        </p:nvCxnSpPr>
+        <p:spPr>
+          <a:xfrm flipH="1">
+            <a:off x="7899620" y="1543986"/>
+            <a:ext cx="4409" cy="1175358"/>
+          </a:xfrm>
+          <a:prstGeom prst="line">
+            <a:avLst/>
+          </a:prstGeom>
+          <a:ln>
+            <a:prstDash val="sysDot"/>
+          </a:ln>
+        </p:spPr>
+        <p:style>
+          <a:lnRef idx="1">
+            <a:schemeClr val="accent1"/>
+          </a:lnRef>
+          <a:fillRef idx="0">
+            <a:schemeClr val="accent1"/>
+          </a:fillRef>
+          <a:effectRef idx="0">
+            <a:schemeClr val="accent1"/>
+          </a:effectRef>
+          <a:fontRef idx="minor">
+            <a:schemeClr val="tx1"/>
+          </a:fontRef>
+        </p:style>
+      </p:cxnSp>
+      <p:cxnSp>
+        <p:nvCxnSpPr>
+          <p:cNvPr id="111" name="Straight Arrow Connector 110">
+            <a:extLst>
+              <a:ext uri="{FF2B5EF4-FFF2-40B4-BE49-F238E27FC236}">
+                <a16:creationId xmlns:a16="http://schemas.microsoft.com/office/drawing/2014/main" id="{09A725E1-343B-234B-A6F5-3C0B4A98E739}"/>
+              </a:ext>
+            </a:extLst>
+          </p:cNvPr>
+          <p:cNvCxnSpPr>
+            <a:cxnSpLocks/>
+          </p:cNvCxnSpPr>
+          <p:nvPr/>
+        </p:nvCxnSpPr>
+        <p:spPr>
+          <a:xfrm flipH="1">
+            <a:off x="7292924" y="2719344"/>
+            <a:ext cx="594328" cy="0"/>
+          </a:xfrm>
+          <a:prstGeom prst="straightConnector1">
+            <a:avLst/>
+          </a:prstGeom>
+          <a:ln>
+            <a:prstDash val="sysDot"/>
+            <a:tailEnd type="triangle"/>
+          </a:ln>
+        </p:spPr>
+        <p:style>
+          <a:lnRef idx="1">
+            <a:schemeClr val="accent1"/>
+          </a:lnRef>
+          <a:fillRef idx="0">
+            <a:schemeClr val="accent1"/>
+          </a:fillRef>
+          <a:effectRef idx="0">
+            <a:schemeClr val="accent1"/>
+          </a:effectRef>
+          <a:fontRef idx="minor">
+            <a:schemeClr val="tx1"/>
+          </a:fontRef>
+        </p:style>
+      </p:cxnSp>
+      <p:cxnSp>
+        <p:nvCxnSpPr>
+          <p:cNvPr id="115" name="Straight Connector 114">
+            <a:extLst>
+              <a:ext uri="{FF2B5EF4-FFF2-40B4-BE49-F238E27FC236}">
+                <a16:creationId xmlns:a16="http://schemas.microsoft.com/office/drawing/2014/main" id="{BCC42928-EAC4-9641-A5B7-0F7CB580F65E}"/>
+              </a:ext>
+            </a:extLst>
+          </p:cNvPr>
+          <p:cNvCxnSpPr>
+            <a:cxnSpLocks/>
+          </p:cNvCxnSpPr>
+          <p:nvPr/>
+        </p:nvCxnSpPr>
+        <p:spPr>
+          <a:xfrm flipH="1">
+            <a:off x="2635756" y="1543986"/>
+            <a:ext cx="4409" cy="1175358"/>
+          </a:xfrm>
+          <a:prstGeom prst="line">
+            <a:avLst/>
+          </a:prstGeom>
+          <a:ln>
+            <a:prstDash val="sysDot"/>
+          </a:ln>
+        </p:spPr>
+        <p:style>
+          <a:lnRef idx="1">
+            <a:schemeClr val="accent1"/>
+          </a:lnRef>
+          <a:fillRef idx="0">
+            <a:schemeClr val="accent1"/>
+          </a:fillRef>
+          <a:effectRef idx="0">
+            <a:schemeClr val="accent1"/>
+          </a:effectRef>
+          <a:fontRef idx="minor">
+            <a:schemeClr val="tx1"/>
+          </a:fontRef>
+        </p:style>
+      </p:cxnSp>
+      <p:cxnSp>
+        <p:nvCxnSpPr>
+          <p:cNvPr id="116" name="Straight Arrow Connector 115">
+            <a:extLst>
+              <a:ext uri="{FF2B5EF4-FFF2-40B4-BE49-F238E27FC236}">
+                <a16:creationId xmlns:a16="http://schemas.microsoft.com/office/drawing/2014/main" id="{C35A1604-2D83-124B-BED8-BFB26EB2BC43}"/>
+              </a:ext>
+            </a:extLst>
+          </p:cNvPr>
+          <p:cNvCxnSpPr>
+            <a:cxnSpLocks/>
+          </p:cNvCxnSpPr>
+          <p:nvPr/>
+        </p:nvCxnSpPr>
+        <p:spPr>
+          <a:xfrm>
+            <a:off x="2634748" y="2719344"/>
+            <a:ext cx="610689" cy="0"/>
+          </a:xfrm>
+          <a:prstGeom prst="straightConnector1">
+            <a:avLst/>
+          </a:prstGeom>
+          <a:ln>
+            <a:prstDash val="sysDot"/>
+            <a:tailEnd type="triangle"/>
+          </a:ln>
+        </p:spPr>
+        <p:style>
+          <a:lnRef idx="1">
+            <a:schemeClr val="accent1"/>
+          </a:lnRef>
+          <a:fillRef idx="0">
+            <a:schemeClr val="accent1"/>
+          </a:fillRef>
+          <a:effectRef idx="0">
+            <a:schemeClr val="accent1"/>
+          </a:effectRef>
+          <a:fontRef idx="minor">
+            <a:schemeClr val="tx1"/>
+          </a:fontRef>
+        </p:style>
+      </p:cxnSp>
+      <p:cxnSp>
+        <p:nvCxnSpPr>
+          <p:cNvPr id="118" name="Straight Arrow Connector 117">
+            <a:extLst>
+              <a:ext uri="{FF2B5EF4-FFF2-40B4-BE49-F238E27FC236}">
+                <a16:creationId xmlns:a16="http://schemas.microsoft.com/office/drawing/2014/main" id="{1431543C-D8E0-0643-80D7-B783687DF60E}"/>
+              </a:ext>
+            </a:extLst>
+          </p:cNvPr>
+          <p:cNvCxnSpPr>
+            <a:cxnSpLocks/>
+            <a:stCxn id="56" idx="0"/>
+            <a:endCxn id="103" idx="2"/>
+          </p:cNvCxnSpPr>
+          <p:nvPr/>
+        </p:nvCxnSpPr>
+        <p:spPr>
+          <a:xfrm flipV="1">
+            <a:off x="2634751" y="3217581"/>
+            <a:ext cx="1566442" cy="836184"/>
+          </a:xfrm>
+          <a:prstGeom prst="straightConnector1">
+            <a:avLst/>
+          </a:prstGeom>
+          <a:ln>
+            <a:prstDash val="sysDot"/>
+            <a:tailEnd type="triangle"/>
+          </a:ln>
+        </p:spPr>
+        <p:style>
+          <a:lnRef idx="1">
+            <a:schemeClr val="accent1"/>
+          </a:lnRef>
+          <a:fillRef idx="0">
+            <a:schemeClr val="accent1"/>
+          </a:fillRef>
+          <a:effectRef idx="0">
+            <a:schemeClr val="accent1"/>
+          </a:effectRef>
+          <a:fontRef idx="minor">
+            <a:schemeClr val="tx1"/>
+          </a:fontRef>
+        </p:style>
+      </p:cxnSp>
+      <p:cxnSp>
+        <p:nvCxnSpPr>
+          <p:cNvPr id="121" name="Straight Arrow Connector 120">
+            <a:extLst>
+              <a:ext uri="{FF2B5EF4-FFF2-40B4-BE49-F238E27FC236}">
+                <a16:creationId xmlns:a16="http://schemas.microsoft.com/office/drawing/2014/main" id="{61A9BB75-F802-EA49-B8D1-CD71450806B0}"/>
+              </a:ext>
+            </a:extLst>
+          </p:cNvPr>
+          <p:cNvCxnSpPr>
+            <a:cxnSpLocks/>
+            <a:stCxn id="69" idx="0"/>
+          </p:cNvCxnSpPr>
+          <p:nvPr/>
+        </p:nvCxnSpPr>
+        <p:spPr>
+          <a:xfrm flipH="1" flipV="1">
+            <a:off x="5199284" y="3217581"/>
+            <a:ext cx="1837" cy="833004"/>
+          </a:xfrm>
+          <a:prstGeom prst="straightConnector1">
+            <a:avLst/>
+          </a:prstGeom>
+          <a:ln>
+            <a:prstDash val="sysDot"/>
+            <a:tailEnd type="triangle"/>
+          </a:ln>
+        </p:spPr>
+        <p:style>
+          <a:lnRef idx="1">
+            <a:schemeClr val="accent1"/>
+          </a:lnRef>
+          <a:fillRef idx="0">
+            <a:schemeClr val="accent1"/>
+          </a:fillRef>
+          <a:effectRef idx="0">
+            <a:schemeClr val="accent1"/>
+          </a:effectRef>
+          <a:fontRef idx="minor">
+            <a:schemeClr val="tx1"/>
+          </a:fontRef>
+        </p:style>
+      </p:cxnSp>
+      <p:cxnSp>
+        <p:nvCxnSpPr>
+          <p:cNvPr id="124" name="Straight Arrow Connector 123">
+            <a:extLst>
+              <a:ext uri="{FF2B5EF4-FFF2-40B4-BE49-F238E27FC236}">
+                <a16:creationId xmlns:a16="http://schemas.microsoft.com/office/drawing/2014/main" id="{6E81E006-EA32-2B4C-9199-195C5A347E2C}"/>
+              </a:ext>
+            </a:extLst>
+          </p:cNvPr>
+          <p:cNvCxnSpPr>
+            <a:cxnSpLocks/>
+            <a:stCxn id="34" idx="0"/>
+          </p:cNvCxnSpPr>
+          <p:nvPr/>
+        </p:nvCxnSpPr>
+        <p:spPr>
+          <a:xfrm flipH="1" flipV="1">
+            <a:off x="6374676" y="3217581"/>
+            <a:ext cx="1528934" cy="822148"/>
+          </a:xfrm>
+          <a:prstGeom prst="straightConnector1">
+            <a:avLst/>
+          </a:prstGeom>
+          <a:ln>
+            <a:prstDash val="sysDot"/>
+            <a:tailEnd type="triangle"/>
+          </a:ln>
+        </p:spPr>
+        <p:style>
+          <a:lnRef idx="1">
+            <a:schemeClr val="accent1"/>
+          </a:lnRef>
+          <a:fillRef idx="0">
+            <a:schemeClr val="accent1"/>
+          </a:fillRef>
+          <a:effectRef idx="0">
+            <a:schemeClr val="accent1"/>
+          </a:effectRef>
+          <a:fontRef idx="minor">
+            <a:schemeClr val="tx1"/>
+          </a:fontRef>
+        </p:style>
+      </p:cxnSp>
+      <p:grpSp>
+        <p:nvGrpSpPr>
+          <p:cNvPr id="139" name="Group 138">
+            <a:extLst>
+              <a:ext uri="{FF2B5EF4-FFF2-40B4-BE49-F238E27FC236}">
+                <a16:creationId xmlns:a16="http://schemas.microsoft.com/office/drawing/2014/main" id="{104AFAD3-49AB-004E-968C-2607D0FFD1CA}"/>
+              </a:ext>
+            </a:extLst>
+          </p:cNvPr>
+          <p:cNvGrpSpPr/>
+          <p:nvPr/>
+        </p:nvGrpSpPr>
+        <p:grpSpPr>
+          <a:xfrm>
+            <a:off x="1850614" y="6283677"/>
+            <a:ext cx="6837139" cy="455035"/>
+            <a:chOff x="1850614" y="6167671"/>
+            <a:chExt cx="6837139" cy="455035"/>
+          </a:xfrm>
+        </p:grpSpPr>
+        <p:grpSp>
+          <p:nvGrpSpPr>
+            <p:cNvPr id="11" name="Group 10">
+              <a:extLst>
+                <a:ext uri="{FF2B5EF4-FFF2-40B4-BE49-F238E27FC236}">
+                  <a16:creationId xmlns:a16="http://schemas.microsoft.com/office/drawing/2014/main" id="{0E3DE0CD-3910-4745-9F64-BF5004971E9B}"/>
+                </a:ext>
+              </a:extLst>
+            </p:cNvPr>
+            <p:cNvGrpSpPr>
+              <a:grpSpLocks noChangeAspect="1"/>
+            </p:cNvGrpSpPr>
+            <p:nvPr/>
+          </p:nvGrpSpPr>
+          <p:grpSpPr>
+            <a:xfrm>
+              <a:off x="7119473" y="6167672"/>
+              <a:ext cx="1568280" cy="452623"/>
+              <a:chOff x="4877344" y="4217668"/>
+              <a:chExt cx="2612414" cy="754380"/>
+            </a:xfrm>
+          </p:grpSpPr>
+          <p:sp>
+            <p:nvSpPr>
+              <p:cNvPr id="45" name="Rounded Rectangle 44">
+                <a:extLst>
+                  <a:ext uri="{FF2B5EF4-FFF2-40B4-BE49-F238E27FC236}">
+                    <a16:creationId xmlns:a16="http://schemas.microsoft.com/office/drawing/2014/main" id="{087C494D-0163-684B-986D-AD5E549B32ED}"/>
+                  </a:ext>
+                </a:extLst>
+              </p:cNvPr>
+              <p:cNvSpPr/>
+              <p:nvPr/>
+            </p:nvSpPr>
+            <p:spPr>
+              <a:xfrm>
+                <a:off x="4877344" y="4217668"/>
+                <a:ext cx="2612414" cy="754380"/>
+              </a:xfrm>
+              <a:prstGeom prst="roundRect">
+                <a:avLst/>
+              </a:prstGeom>
+            </p:spPr>
+            <p:style>
+              <a:lnRef idx="2">
+                <a:schemeClr val="accent6">
+                  <a:shade val="50000"/>
+                </a:schemeClr>
+              </a:lnRef>
+              <a:fillRef idx="1">
+                <a:schemeClr val="accent6"/>
+              </a:fillRef>
+              <a:effectRef idx="0">
+                <a:schemeClr val="accent6"/>
+              </a:effectRef>
+              <a:fontRef idx="minor">
+                <a:schemeClr val="lt1"/>
+              </a:fontRef>
+            </p:style>
+            <p:txBody>
+              <a:bodyPr rot="0" spcFirstLastPara="0" vertOverflow="overflow" horzOverflow="overflow" vert="horz" wrap="square" lIns="91440" tIns="45721" rIns="91440" bIns="45721" numCol="1" spcCol="0" rtlCol="0" fromWordArt="0" anchor="ctr" anchorCtr="0" forceAA="0" compatLnSpc="1">
+                <a:prstTxWarp prst="textNoShape">
+                  <a:avLst/>
+                </a:prstTxWarp>
+                <a:noAutofit/>
+              </a:bodyPr>
+              <a:lstStyle/>
+              <a:p>
+                <a:pPr algn="ctr"/>
+                <a:endParaRPr lang="en-US" sz="1801" dirty="0"/>
+              </a:p>
+            </p:txBody>
+          </p:sp>
+          <p:sp>
+            <p:nvSpPr>
+              <p:cNvPr id="46" name="TextBox 45">
+                <a:extLst>
+                  <a:ext uri="{FF2B5EF4-FFF2-40B4-BE49-F238E27FC236}">
+                    <a16:creationId xmlns:a16="http://schemas.microsoft.com/office/drawing/2014/main" id="{73D6FFFD-1D3E-8B40-B452-6B92C85EF8D1}"/>
+                  </a:ext>
+                </a:extLst>
+              </p:cNvPr>
+              <p:cNvSpPr txBox="1"/>
+              <p:nvPr/>
+            </p:nvSpPr>
+            <p:spPr>
+              <a:xfrm>
+                <a:off x="5689875" y="4217671"/>
+                <a:ext cx="1077812" cy="359077"/>
+              </a:xfrm>
+              <a:prstGeom prst="rect">
+                <a:avLst/>
+              </a:prstGeom>
+              <a:noFill/>
+            </p:spPr>
+            <p:txBody>
+              <a:bodyPr wrap="square" rtlCol="0">
+                <a:spAutoFit/>
+              </a:bodyPr>
+              <a:lstStyle/>
+              <a:p>
+                <a:r>
+                  <a:rPr lang="en-US" sz="800" dirty="0" err="1">
+                    <a:solidFill>
+                      <a:schemeClr val="bg1"/>
+                    </a:solidFill>
+                  </a:rPr>
+                  <a:t>Etcd</a:t>
+                </a:r>
+                <a:r>
+                  <a:rPr lang="en-US" sz="800" dirty="0">
+                    <a:solidFill>
+                      <a:schemeClr val="bg1"/>
+                    </a:solidFill>
+                  </a:rPr>
+                  <a:t> Node</a:t>
+                </a:r>
+              </a:p>
+            </p:txBody>
+          </p:sp>
+          <p:sp>
+            <p:nvSpPr>
+              <p:cNvPr id="47" name="Rounded Rectangle 46">
+                <a:extLst>
+                  <a:ext uri="{FF2B5EF4-FFF2-40B4-BE49-F238E27FC236}">
+                    <a16:creationId xmlns:a16="http://schemas.microsoft.com/office/drawing/2014/main" id="{15BFF7EA-19DE-6949-911A-0956A1278BD7}"/>
+                  </a:ext>
+                </a:extLst>
+              </p:cNvPr>
+              <p:cNvSpPr/>
+              <p:nvPr/>
+            </p:nvSpPr>
+            <p:spPr>
+              <a:xfrm>
+                <a:off x="5291092" y="4556226"/>
+                <a:ext cx="1784914" cy="278666"/>
+              </a:xfrm>
+              <a:prstGeom prst="roundRect">
+                <a:avLst/>
+              </a:prstGeom>
+            </p:spPr>
+            <p:style>
+              <a:lnRef idx="1">
+                <a:schemeClr val="accent3"/>
+              </a:lnRef>
+              <a:fillRef idx="2">
+                <a:schemeClr val="accent3"/>
+              </a:fillRef>
+              <a:effectRef idx="1">
+                <a:schemeClr val="accent3"/>
+              </a:effectRef>
+              <a:fontRef idx="minor">
+                <a:schemeClr val="dk1"/>
+              </a:fontRef>
+            </p:style>
+            <p:txBody>
+              <a:bodyPr rot="0" spcFirstLastPara="0" vertOverflow="overflow" horzOverflow="overflow" vert="horz" wrap="square" lIns="91440" tIns="45721" rIns="91440" bIns="45721" numCol="1" spcCol="0" rtlCol="0" fromWordArt="0" anchor="ctr" anchorCtr="0" forceAA="0" compatLnSpc="1">
+                <a:prstTxWarp prst="textNoShape">
+                  <a:avLst/>
+                </a:prstTxWarp>
+                <a:noAutofit/>
+              </a:bodyPr>
+              <a:lstStyle/>
+              <a:p>
+                <a:pPr algn="ctr"/>
+                <a:r>
+                  <a:rPr lang="en-US" sz="800" dirty="0" err="1"/>
+                  <a:t>etcd</a:t>
+                </a:r>
+                <a:endParaRPr lang="en-US" sz="800" dirty="0"/>
+              </a:p>
+            </p:txBody>
+          </p:sp>
+        </p:grpSp>
+        <p:grpSp>
+          <p:nvGrpSpPr>
+            <p:cNvPr id="79" name="Group 78">
+              <a:extLst>
+                <a:ext uri="{FF2B5EF4-FFF2-40B4-BE49-F238E27FC236}">
+                  <a16:creationId xmlns:a16="http://schemas.microsoft.com/office/drawing/2014/main" id="{8BA0FEE2-6B9B-9E4F-8FA0-5A70BDAB36AE}"/>
+                </a:ext>
+              </a:extLst>
+            </p:cNvPr>
+            <p:cNvGrpSpPr>
+              <a:grpSpLocks noChangeAspect="1"/>
+            </p:cNvGrpSpPr>
+            <p:nvPr/>
+          </p:nvGrpSpPr>
+          <p:grpSpPr>
+            <a:xfrm>
+              <a:off x="4418408" y="6170083"/>
+              <a:ext cx="1568280" cy="452623"/>
+              <a:chOff x="4877344" y="4217668"/>
+              <a:chExt cx="2612414" cy="754380"/>
+            </a:xfrm>
+          </p:grpSpPr>
+          <p:sp>
+            <p:nvSpPr>
+              <p:cNvPr id="80" name="Rounded Rectangle 79">
+                <a:extLst>
+                  <a:ext uri="{FF2B5EF4-FFF2-40B4-BE49-F238E27FC236}">
+                    <a16:creationId xmlns:a16="http://schemas.microsoft.com/office/drawing/2014/main" id="{A2DCD0E3-86EB-974D-9E35-FC0917C6E392}"/>
+                  </a:ext>
+                </a:extLst>
+              </p:cNvPr>
+              <p:cNvSpPr/>
+              <p:nvPr/>
+            </p:nvSpPr>
+            <p:spPr>
+              <a:xfrm>
+                <a:off x="4877344" y="4217668"/>
+                <a:ext cx="2612414" cy="754380"/>
+              </a:xfrm>
+              <a:prstGeom prst="roundRect">
+                <a:avLst/>
+              </a:prstGeom>
+            </p:spPr>
+            <p:style>
+              <a:lnRef idx="2">
+                <a:schemeClr val="accent6">
+                  <a:shade val="50000"/>
+                </a:schemeClr>
+              </a:lnRef>
+              <a:fillRef idx="1">
+                <a:schemeClr val="accent6"/>
+              </a:fillRef>
+              <a:effectRef idx="0">
+                <a:schemeClr val="accent6"/>
+              </a:effectRef>
+              <a:fontRef idx="minor">
+                <a:schemeClr val="lt1"/>
+              </a:fontRef>
+            </p:style>
+            <p:txBody>
+              <a:bodyPr rot="0" spcFirstLastPara="0" vertOverflow="overflow" horzOverflow="overflow" vert="horz" wrap="square" lIns="91440" tIns="45721" rIns="91440" bIns="45721" numCol="1" spcCol="0" rtlCol="0" fromWordArt="0" anchor="ctr" anchorCtr="0" forceAA="0" compatLnSpc="1">
+                <a:prstTxWarp prst="textNoShape">
+                  <a:avLst/>
+                </a:prstTxWarp>
+                <a:noAutofit/>
+              </a:bodyPr>
+              <a:lstStyle/>
+              <a:p>
+                <a:pPr algn="ctr"/>
+                <a:endParaRPr lang="en-US" sz="1801" dirty="0"/>
+              </a:p>
+            </p:txBody>
+          </p:sp>
+          <p:sp>
+            <p:nvSpPr>
+              <p:cNvPr id="81" name="TextBox 80">
+                <a:extLst>
+                  <a:ext uri="{FF2B5EF4-FFF2-40B4-BE49-F238E27FC236}">
+                    <a16:creationId xmlns:a16="http://schemas.microsoft.com/office/drawing/2014/main" id="{D5676970-0109-CA41-9380-521B728FF2E2}"/>
+                  </a:ext>
+                </a:extLst>
+              </p:cNvPr>
+              <p:cNvSpPr txBox="1"/>
+              <p:nvPr/>
+            </p:nvSpPr>
+            <p:spPr>
+              <a:xfrm>
+                <a:off x="5689875" y="4217671"/>
+                <a:ext cx="1077812" cy="359077"/>
+              </a:xfrm>
+              <a:prstGeom prst="rect">
+                <a:avLst/>
+              </a:prstGeom>
+              <a:noFill/>
+            </p:spPr>
+            <p:txBody>
+              <a:bodyPr wrap="square" rtlCol="0">
+                <a:spAutoFit/>
+              </a:bodyPr>
+              <a:lstStyle/>
+              <a:p>
+                <a:r>
+                  <a:rPr lang="en-US" sz="800" dirty="0" err="1">
+                    <a:solidFill>
+                      <a:schemeClr val="bg1"/>
+                    </a:solidFill>
+                  </a:rPr>
+                  <a:t>Etcd</a:t>
+                </a:r>
+                <a:r>
+                  <a:rPr lang="en-US" sz="800" dirty="0">
+                    <a:solidFill>
+                      <a:schemeClr val="bg1"/>
+                    </a:solidFill>
+                  </a:rPr>
+                  <a:t> Node</a:t>
+                </a:r>
+              </a:p>
+            </p:txBody>
+          </p:sp>
+          <p:sp>
+            <p:nvSpPr>
+              <p:cNvPr id="82" name="Rounded Rectangle 81">
+                <a:extLst>
+                  <a:ext uri="{FF2B5EF4-FFF2-40B4-BE49-F238E27FC236}">
+                    <a16:creationId xmlns:a16="http://schemas.microsoft.com/office/drawing/2014/main" id="{A6BB8F1D-89EC-6946-BB0D-DBCD8CA16DC2}"/>
+                  </a:ext>
+                </a:extLst>
+              </p:cNvPr>
+              <p:cNvSpPr/>
+              <p:nvPr/>
+            </p:nvSpPr>
+            <p:spPr>
+              <a:xfrm>
+                <a:off x="5291092" y="4556226"/>
+                <a:ext cx="1784914" cy="278666"/>
+              </a:xfrm>
+              <a:prstGeom prst="roundRect">
+                <a:avLst/>
+              </a:prstGeom>
+            </p:spPr>
+            <p:style>
+              <a:lnRef idx="1">
+                <a:schemeClr val="accent3"/>
+              </a:lnRef>
+              <a:fillRef idx="2">
+                <a:schemeClr val="accent3"/>
+              </a:fillRef>
+              <a:effectRef idx="1">
+                <a:schemeClr val="accent3"/>
+              </a:effectRef>
+              <a:fontRef idx="minor">
+                <a:schemeClr val="dk1"/>
+              </a:fontRef>
+            </p:style>
+            <p:txBody>
+              <a:bodyPr rot="0" spcFirstLastPara="0" vertOverflow="overflow" horzOverflow="overflow" vert="horz" wrap="square" lIns="91440" tIns="45721" rIns="91440" bIns="45721" numCol="1" spcCol="0" rtlCol="0" fromWordArt="0" anchor="ctr" anchorCtr="0" forceAA="0" compatLnSpc="1">
+                <a:prstTxWarp prst="textNoShape">
+                  <a:avLst/>
+                </a:prstTxWarp>
+                <a:noAutofit/>
+              </a:bodyPr>
+              <a:lstStyle/>
+              <a:p>
+                <a:pPr algn="ctr"/>
+                <a:r>
+                  <a:rPr lang="en-US" sz="800" dirty="0" err="1"/>
+                  <a:t>etcd</a:t>
+                </a:r>
+                <a:endParaRPr lang="en-US" sz="800" dirty="0"/>
+              </a:p>
+            </p:txBody>
+          </p:sp>
+        </p:grpSp>
+        <p:grpSp>
+          <p:nvGrpSpPr>
+            <p:cNvPr id="83" name="Group 82">
+              <a:extLst>
+                <a:ext uri="{FF2B5EF4-FFF2-40B4-BE49-F238E27FC236}">
+                  <a16:creationId xmlns:a16="http://schemas.microsoft.com/office/drawing/2014/main" id="{08BA92A1-20BD-A946-82B2-B69CB8C8600C}"/>
+                </a:ext>
+              </a:extLst>
+            </p:cNvPr>
+            <p:cNvGrpSpPr>
+              <a:grpSpLocks noChangeAspect="1"/>
+            </p:cNvGrpSpPr>
+            <p:nvPr/>
+          </p:nvGrpSpPr>
+          <p:grpSpPr>
+            <a:xfrm>
+              <a:off x="1850614" y="6167671"/>
+              <a:ext cx="1568280" cy="452623"/>
+              <a:chOff x="4877344" y="4217668"/>
+              <a:chExt cx="2612414" cy="754380"/>
+            </a:xfrm>
+          </p:grpSpPr>
+          <p:sp>
+            <p:nvSpPr>
+              <p:cNvPr id="84" name="Rounded Rectangle 83">
+                <a:extLst>
+                  <a:ext uri="{FF2B5EF4-FFF2-40B4-BE49-F238E27FC236}">
+                    <a16:creationId xmlns:a16="http://schemas.microsoft.com/office/drawing/2014/main" id="{3A10B3CD-42EA-A645-B8C2-0A4D30417274}"/>
+                  </a:ext>
+                </a:extLst>
+              </p:cNvPr>
+              <p:cNvSpPr/>
+              <p:nvPr/>
+            </p:nvSpPr>
+            <p:spPr>
+              <a:xfrm>
+                <a:off x="4877344" y="4217668"/>
+                <a:ext cx="2612414" cy="754380"/>
+              </a:xfrm>
+              <a:prstGeom prst="roundRect">
+                <a:avLst/>
+              </a:prstGeom>
+            </p:spPr>
+            <p:style>
+              <a:lnRef idx="2">
+                <a:schemeClr val="accent6">
+                  <a:shade val="50000"/>
+                </a:schemeClr>
+              </a:lnRef>
+              <a:fillRef idx="1">
+                <a:schemeClr val="accent6"/>
+              </a:fillRef>
+              <a:effectRef idx="0">
+                <a:schemeClr val="accent6"/>
+              </a:effectRef>
+              <a:fontRef idx="minor">
+                <a:schemeClr val="lt1"/>
+              </a:fontRef>
+            </p:style>
+            <p:txBody>
+              <a:bodyPr rot="0" spcFirstLastPara="0" vertOverflow="overflow" horzOverflow="overflow" vert="horz" wrap="square" lIns="91440" tIns="45721" rIns="91440" bIns="45721" numCol="1" spcCol="0" rtlCol="0" fromWordArt="0" anchor="ctr" anchorCtr="0" forceAA="0" compatLnSpc="1">
+                <a:prstTxWarp prst="textNoShape">
+                  <a:avLst/>
+                </a:prstTxWarp>
+                <a:noAutofit/>
+              </a:bodyPr>
+              <a:lstStyle/>
+              <a:p>
+                <a:pPr algn="ctr"/>
+                <a:endParaRPr lang="en-US" sz="1801" dirty="0"/>
+              </a:p>
+            </p:txBody>
+          </p:sp>
+          <p:sp>
+            <p:nvSpPr>
+              <p:cNvPr id="85" name="TextBox 84">
+                <a:extLst>
+                  <a:ext uri="{FF2B5EF4-FFF2-40B4-BE49-F238E27FC236}">
+                    <a16:creationId xmlns:a16="http://schemas.microsoft.com/office/drawing/2014/main" id="{DF330134-F81E-BB42-8D2D-9E0C09D2332D}"/>
+                  </a:ext>
+                </a:extLst>
+              </p:cNvPr>
+              <p:cNvSpPr txBox="1"/>
+              <p:nvPr/>
+            </p:nvSpPr>
+            <p:spPr>
+              <a:xfrm>
+                <a:off x="5646329" y="4235780"/>
+                <a:ext cx="1077812" cy="359077"/>
+              </a:xfrm>
+              <a:prstGeom prst="rect">
+                <a:avLst/>
+              </a:prstGeom>
+              <a:noFill/>
+            </p:spPr>
+            <p:txBody>
+              <a:bodyPr wrap="square" rtlCol="0">
+                <a:spAutoFit/>
+              </a:bodyPr>
+              <a:lstStyle/>
+              <a:p>
+                <a:r>
+                  <a:rPr lang="en-US" sz="800" dirty="0" err="1">
+                    <a:solidFill>
+                      <a:schemeClr val="bg1"/>
+                    </a:solidFill>
+                  </a:rPr>
+                  <a:t>Etcd</a:t>
+                </a:r>
+                <a:r>
+                  <a:rPr lang="en-US" sz="800" dirty="0">
+                    <a:solidFill>
+                      <a:schemeClr val="bg1"/>
+                    </a:solidFill>
+                  </a:rPr>
+                  <a:t> Node</a:t>
+                </a:r>
+              </a:p>
+            </p:txBody>
+          </p:sp>
+          <p:sp>
+            <p:nvSpPr>
+              <p:cNvPr id="86" name="Rounded Rectangle 85">
+                <a:extLst>
+                  <a:ext uri="{FF2B5EF4-FFF2-40B4-BE49-F238E27FC236}">
+                    <a16:creationId xmlns:a16="http://schemas.microsoft.com/office/drawing/2014/main" id="{C731DAFC-0D25-4545-90C5-5423FE608AD6}"/>
+                  </a:ext>
+                </a:extLst>
+              </p:cNvPr>
+              <p:cNvSpPr/>
+              <p:nvPr/>
+            </p:nvSpPr>
+            <p:spPr>
+              <a:xfrm>
+                <a:off x="5291092" y="4556226"/>
+                <a:ext cx="1784914" cy="278666"/>
+              </a:xfrm>
+              <a:prstGeom prst="roundRect">
+                <a:avLst/>
+              </a:prstGeom>
+            </p:spPr>
+            <p:style>
+              <a:lnRef idx="1">
+                <a:schemeClr val="accent3"/>
+              </a:lnRef>
+              <a:fillRef idx="2">
+                <a:schemeClr val="accent3"/>
+              </a:fillRef>
+              <a:effectRef idx="1">
+                <a:schemeClr val="accent3"/>
+              </a:effectRef>
+              <a:fontRef idx="minor">
+                <a:schemeClr val="dk1"/>
+              </a:fontRef>
+            </p:style>
+            <p:txBody>
+              <a:bodyPr rot="0" spcFirstLastPara="0" vertOverflow="overflow" horzOverflow="overflow" vert="horz" wrap="square" lIns="91440" tIns="45721" rIns="91440" bIns="45721" numCol="1" spcCol="0" rtlCol="0" fromWordArt="0" anchor="ctr" anchorCtr="0" forceAA="0" compatLnSpc="1">
+                <a:prstTxWarp prst="textNoShape">
+                  <a:avLst/>
+                </a:prstTxWarp>
+                <a:noAutofit/>
+              </a:bodyPr>
+              <a:lstStyle/>
+              <a:p>
+                <a:pPr algn="ctr"/>
+                <a:r>
+                  <a:rPr lang="en-US" sz="800" dirty="0" err="1"/>
+                  <a:t>etcd</a:t>
+                </a:r>
+                <a:endParaRPr lang="en-US" sz="800" dirty="0"/>
+              </a:p>
+            </p:txBody>
+          </p:sp>
+        </p:grpSp>
+        <p:cxnSp>
+          <p:nvCxnSpPr>
+            <p:cNvPr id="126" name="Straight Arrow Connector 125">
+              <a:extLst>
+                <a:ext uri="{FF2B5EF4-FFF2-40B4-BE49-F238E27FC236}">
+                  <a16:creationId xmlns:a16="http://schemas.microsoft.com/office/drawing/2014/main" id="{B4CB1B7C-ECBD-294A-B62E-03B2E7F2B5FC}"/>
+                </a:ext>
+              </a:extLst>
+            </p:cNvPr>
+            <p:cNvCxnSpPr>
+              <a:cxnSpLocks/>
+              <a:stCxn id="84" idx="3"/>
+            </p:cNvCxnSpPr>
+            <p:nvPr/>
+          </p:nvCxnSpPr>
+          <p:spPr>
+            <a:xfrm>
+              <a:off x="3418894" y="6393983"/>
+              <a:ext cx="998090" cy="0"/>
+            </a:xfrm>
+            <a:prstGeom prst="straightConnector1">
+              <a:avLst/>
+            </a:prstGeom>
+            <a:ln>
+              <a:prstDash val="sysDot"/>
+              <a:headEnd type="triangle"/>
+              <a:tailEnd type="triangle"/>
+            </a:ln>
+          </p:spPr>
+          <p:style>
+            <a:lnRef idx="1">
+              <a:schemeClr val="accent1"/>
+            </a:lnRef>
+            <a:fillRef idx="0">
+              <a:schemeClr val="accent1"/>
+            </a:fillRef>
+            <a:effectRef idx="0">
+              <a:schemeClr val="accent1"/>
+            </a:effectRef>
+            <a:fontRef idx="minor">
+              <a:schemeClr val="tx1"/>
+            </a:fontRef>
+          </p:style>
+        </p:cxnSp>
+        <p:cxnSp>
+          <p:nvCxnSpPr>
+            <p:cNvPr id="128" name="Straight Arrow Connector 127">
+              <a:extLst>
+                <a:ext uri="{FF2B5EF4-FFF2-40B4-BE49-F238E27FC236}">
+                  <a16:creationId xmlns:a16="http://schemas.microsoft.com/office/drawing/2014/main" id="{CEE3D453-28AB-BB43-A51E-DC8DA46A2574}"/>
+                </a:ext>
+              </a:extLst>
+            </p:cNvPr>
+            <p:cNvCxnSpPr>
+              <a:cxnSpLocks/>
+              <a:stCxn id="80" idx="3"/>
+              <a:endCxn id="45" idx="1"/>
+            </p:cNvCxnSpPr>
+            <p:nvPr/>
+          </p:nvCxnSpPr>
+          <p:spPr>
+            <a:xfrm flipV="1">
+              <a:off x="5986688" y="6393984"/>
+              <a:ext cx="1132785" cy="2411"/>
+            </a:xfrm>
+            <a:prstGeom prst="straightConnector1">
+              <a:avLst/>
+            </a:prstGeom>
+            <a:ln>
+              <a:prstDash val="sysDot"/>
+              <a:headEnd type="triangle"/>
+              <a:tailEnd type="triangle"/>
+            </a:ln>
+          </p:spPr>
+          <p:style>
+            <a:lnRef idx="1">
+              <a:schemeClr val="accent1"/>
+            </a:lnRef>
+            <a:fillRef idx="0">
+              <a:schemeClr val="accent1"/>
+            </a:fillRef>
+            <a:effectRef idx="0">
+              <a:schemeClr val="accent1"/>
+            </a:effectRef>
+            <a:fontRef idx="minor">
+              <a:schemeClr val="tx1"/>
+            </a:fontRef>
+          </p:style>
+        </p:cxnSp>
+      </p:grpSp>
+      <p:cxnSp>
+        <p:nvCxnSpPr>
+          <p:cNvPr id="140" name="Straight Arrow Connector 139">
+            <a:extLst>
+              <a:ext uri="{FF2B5EF4-FFF2-40B4-BE49-F238E27FC236}">
+                <a16:creationId xmlns:a16="http://schemas.microsoft.com/office/drawing/2014/main" id="{774B8D55-3DB1-724F-97E4-746EFA9E90E4}"/>
+              </a:ext>
+            </a:extLst>
+          </p:cNvPr>
+          <p:cNvCxnSpPr>
+            <a:cxnSpLocks/>
+            <a:stCxn id="85" idx="0"/>
+            <a:endCxn id="55" idx="2"/>
+          </p:cNvCxnSpPr>
+          <p:nvPr/>
+        </p:nvCxnSpPr>
+        <p:spPr>
+          <a:xfrm flipH="1" flipV="1">
+            <a:off x="2634754" y="6015490"/>
+            <a:ext cx="1011" cy="279054"/>
+          </a:xfrm>
+          <a:prstGeom prst="straightConnector1">
+            <a:avLst/>
+          </a:prstGeom>
+          <a:ln>
+            <a:prstDash val="sysDot"/>
+            <a:headEnd type="triangle"/>
+            <a:tailEnd type="triangle"/>
+          </a:ln>
+        </p:spPr>
+        <p:style>
+          <a:lnRef idx="1">
+            <a:schemeClr val="accent1"/>
+          </a:lnRef>
+          <a:fillRef idx="0">
+            <a:schemeClr val="accent1"/>
+          </a:fillRef>
+          <a:effectRef idx="0">
+            <a:schemeClr val="accent1"/>
+          </a:effectRef>
+          <a:fontRef idx="minor">
+            <a:schemeClr val="tx1"/>
+          </a:fontRef>
+        </p:style>
+      </p:cxnSp>
+      <p:cxnSp>
+        <p:nvCxnSpPr>
+          <p:cNvPr id="144" name="Straight Arrow Connector 143">
+            <a:extLst>
+              <a:ext uri="{FF2B5EF4-FFF2-40B4-BE49-F238E27FC236}">
+                <a16:creationId xmlns:a16="http://schemas.microsoft.com/office/drawing/2014/main" id="{664DBAE9-4F6C-8F48-ABD5-CD5271BE433A}"/>
+              </a:ext>
+            </a:extLst>
+          </p:cNvPr>
+          <p:cNvCxnSpPr>
+            <a:cxnSpLocks/>
+          </p:cNvCxnSpPr>
+          <p:nvPr/>
+        </p:nvCxnSpPr>
+        <p:spPr>
+          <a:xfrm flipH="1" flipV="1">
+            <a:off x="5225715" y="6015490"/>
+            <a:ext cx="1011" cy="279054"/>
+          </a:xfrm>
+          <a:prstGeom prst="straightConnector1">
+            <a:avLst/>
+          </a:prstGeom>
+          <a:ln>
+            <a:prstDash val="sysDot"/>
+            <a:headEnd type="triangle"/>
+            <a:tailEnd type="triangle"/>
+          </a:ln>
+        </p:spPr>
+        <p:style>
+          <a:lnRef idx="1">
+            <a:schemeClr val="accent1"/>
+          </a:lnRef>
+          <a:fillRef idx="0">
+            <a:schemeClr val="accent1"/>
+          </a:fillRef>
+          <a:effectRef idx="0">
+            <a:schemeClr val="accent1"/>
+          </a:effectRef>
+          <a:fontRef idx="minor">
+            <a:schemeClr val="tx1"/>
+          </a:fontRef>
+        </p:style>
+      </p:cxnSp>
+      <p:cxnSp>
+        <p:nvCxnSpPr>
+          <p:cNvPr id="145" name="Straight Arrow Connector 144">
+            <a:extLst>
+              <a:ext uri="{FF2B5EF4-FFF2-40B4-BE49-F238E27FC236}">
+                <a16:creationId xmlns:a16="http://schemas.microsoft.com/office/drawing/2014/main" id="{3ED40002-02B4-FA40-86B6-07FE6350352C}"/>
+              </a:ext>
+            </a:extLst>
+          </p:cNvPr>
+          <p:cNvCxnSpPr>
+            <a:cxnSpLocks/>
+          </p:cNvCxnSpPr>
+          <p:nvPr/>
+        </p:nvCxnSpPr>
+        <p:spPr>
+          <a:xfrm flipH="1" flipV="1">
+            <a:off x="7924457" y="6004625"/>
+            <a:ext cx="1011" cy="279054"/>
+          </a:xfrm>
+          <a:prstGeom prst="straightConnector1">
+            <a:avLst/>
+          </a:prstGeom>
+          <a:ln>
+            <a:prstDash val="sysDot"/>
+            <a:headEnd type="triangle"/>
+            <a:tailEnd type="triangle"/>
+          </a:ln>
+        </p:spPr>
+        <p:style>
+          <a:lnRef idx="1">
+            <a:schemeClr val="accent1"/>
+          </a:lnRef>
+          <a:fillRef idx="0">
+            <a:schemeClr val="accent1"/>
+          </a:fillRef>
+          <a:effectRef idx="0">
+            <a:schemeClr val="accent1"/>
+          </a:effectRef>
+          <a:fontRef idx="minor">
+            <a:schemeClr val="tx1"/>
+          </a:fontRef>
+        </p:style>
+      </p:cxnSp>
+    </p:spTree>
+    <p:extLst>
+      <p:ext uri="{BB962C8B-B14F-4D97-AF65-F5344CB8AC3E}">
+        <p14:creationId xmlns:p14="http://schemas.microsoft.com/office/powerpoint/2010/main" val="1186116884"/>
+      </p:ext>
+    </p:extLst>
+  </p:cSld>
+  <p:clrMapOvr>
+    <a:masterClrMapping/>
+  </p:clrMapOvr>
+</p:sld>
+</file>
+
 <file path=ppt/theme/theme1.xml><?xml version="1.0" encoding="utf-8"?>
 <a:theme xmlns:a="http://schemas.openxmlformats.org/drawingml/2006/main" name="Office Theme">
   <a:themeElements>
